--- a/_book/plot/unnamed-chunk-47-1.pptx
+++ b/_book/plot/unnamed-chunk-47-1.pptx
@@ -3192,8 +3192,8 @@
           </p:nvSpPr>
           <p:spPr>
             <a:xfrm>
-              <a:off x="2023549" y="1590617"/>
-              <a:ext cx="6913543" cy="4048310"/>
+              <a:off x="2179881" y="1809173"/>
+              <a:ext cx="1295770" cy="3245468"/>
             </a:xfrm>
             <a:prstGeom prst="rect">
               <a:avLst/>
@@ -3218,28 +3218,28 @@
           </p:nvSpPr>
           <p:spPr>
             <a:xfrm>
-              <a:off x="3248781" y="1590617"/>
-              <a:ext cx="0" cy="4048310"/>
-            </a:xfrm>
-            <a:custGeom>
-              <a:avLst/>
-              <a:pathLst>
-                <a:path w="0" h="4048310">
-                  <a:moveTo>
-                    <a:pt x="0" y="4048310"/>
-                  </a:moveTo>
-                  <a:lnTo>
-                    <a:pt x="0" y="0"/>
-                  </a:lnTo>
-                  <a:lnTo>
-                    <a:pt x="0" y="0"/>
-                  </a:lnTo>
-                </a:path>
-              </a:pathLst>
-            </a:custGeom>
-            <a:ln w="3387" cap="flat">
-              <a:solidFill>
-                <a:srgbClr val="DEDEDE">
+              <a:off x="2179881" y="4447552"/>
+              <a:ext cx="1295770" cy="0"/>
+            </a:xfrm>
+            <a:custGeom>
+              <a:avLst/>
+              <a:pathLst>
+                <a:path w="1295770" h="0">
+                  <a:moveTo>
+                    <a:pt x="0" y="0"/>
+                  </a:moveTo>
+                  <a:lnTo>
+                    <a:pt x="1295770" y="0"/>
+                  </a:lnTo>
+                  <a:lnTo>
+                    <a:pt x="1295770" y="0"/>
+                  </a:lnTo>
+                </a:path>
+              </a:pathLst>
+            </a:custGeom>
+            <a:ln w="6775" cap="flat">
+              <a:solidFill>
+                <a:srgbClr val="EBEBEB">
                   <a:alpha val="100000"/>
                 </a:srgbClr>
               </a:solidFill>
@@ -3261,28 +3261,28 @@
           </p:nvSpPr>
           <p:spPr>
             <a:xfrm>
-              <a:off x="5699245" y="1590617"/>
-              <a:ext cx="0" cy="4048310"/>
-            </a:xfrm>
-            <a:custGeom>
-              <a:avLst/>
-              <a:pathLst>
-                <a:path w="0" h="4048310">
-                  <a:moveTo>
-                    <a:pt x="0" y="4048310"/>
-                  </a:moveTo>
-                  <a:lnTo>
-                    <a:pt x="0" y="0"/>
-                  </a:lnTo>
-                  <a:lnTo>
-                    <a:pt x="0" y="0"/>
-                  </a:lnTo>
-                </a:path>
-              </a:pathLst>
-            </a:custGeom>
-            <a:ln w="3387" cap="flat">
-              <a:solidFill>
-                <a:srgbClr val="DEDEDE">
+              <a:off x="2179881" y="3528416"/>
+              <a:ext cx="1295770" cy="0"/>
+            </a:xfrm>
+            <a:custGeom>
+              <a:avLst/>
+              <a:pathLst>
+                <a:path w="1295770" h="0">
+                  <a:moveTo>
+                    <a:pt x="0" y="0"/>
+                  </a:moveTo>
+                  <a:lnTo>
+                    <a:pt x="1295770" y="0"/>
+                  </a:lnTo>
+                  <a:lnTo>
+                    <a:pt x="1295770" y="0"/>
+                  </a:lnTo>
+                </a:path>
+              </a:pathLst>
+            </a:custGeom>
+            <a:ln w="6775" cap="flat">
+              <a:solidFill>
+                <a:srgbClr val="EBEBEB">
                   <a:alpha val="100000"/>
                 </a:srgbClr>
               </a:solidFill>
@@ -3304,28 +3304,28 @@
           </p:nvSpPr>
           <p:spPr>
             <a:xfrm>
-              <a:off x="8149709" y="1590617"/>
-              <a:ext cx="0" cy="4048310"/>
-            </a:xfrm>
-            <a:custGeom>
-              <a:avLst/>
-              <a:pathLst>
-                <a:path w="0" h="4048310">
-                  <a:moveTo>
-                    <a:pt x="0" y="4048310"/>
-                  </a:moveTo>
-                  <a:lnTo>
-                    <a:pt x="0" y="0"/>
-                  </a:lnTo>
-                  <a:lnTo>
-                    <a:pt x="0" y="0"/>
-                  </a:lnTo>
-                </a:path>
-              </a:pathLst>
-            </a:custGeom>
-            <a:ln w="3387" cap="flat">
-              <a:solidFill>
-                <a:srgbClr val="DEDEDE">
+              <a:off x="2179881" y="2609280"/>
+              <a:ext cx="1295770" cy="0"/>
+            </a:xfrm>
+            <a:custGeom>
+              <a:avLst/>
+              <a:pathLst>
+                <a:path w="1295770" h="0">
+                  <a:moveTo>
+                    <a:pt x="0" y="0"/>
+                  </a:moveTo>
+                  <a:lnTo>
+                    <a:pt x="1295770" y="0"/>
+                  </a:lnTo>
+                  <a:lnTo>
+                    <a:pt x="1295770" y="0"/>
+                  </a:lnTo>
+                </a:path>
+              </a:pathLst>
+            </a:custGeom>
+            <a:ln w="6775" cap="flat">
+              <a:solidFill>
+                <a:srgbClr val="EBEBEB">
                   <a:alpha val="100000"/>
                 </a:srgbClr>
               </a:solidFill>
@@ -3347,28 +3347,28 @@
           </p:nvSpPr>
           <p:spPr>
             <a:xfrm>
-              <a:off x="2023549" y="5342710"/>
-              <a:ext cx="6913543" cy="0"/>
-            </a:xfrm>
-            <a:custGeom>
-              <a:avLst/>
-              <a:pathLst>
-                <a:path w="6913543" h="0">
-                  <a:moveTo>
-                    <a:pt x="0" y="0"/>
-                  </a:moveTo>
-                  <a:lnTo>
-                    <a:pt x="6913543" y="0"/>
-                  </a:lnTo>
-                  <a:lnTo>
-                    <a:pt x="6913543" y="0"/>
-                  </a:lnTo>
-                </a:path>
-              </a:pathLst>
-            </a:custGeom>
-            <a:ln w="6775" cap="flat">
-              <a:solidFill>
-                <a:srgbClr val="DEDEDE">
+              <a:off x="2179881" y="4907120"/>
+              <a:ext cx="1295770" cy="0"/>
+            </a:xfrm>
+            <a:custGeom>
+              <a:avLst/>
+              <a:pathLst>
+                <a:path w="1295770" h="0">
+                  <a:moveTo>
+                    <a:pt x="0" y="0"/>
+                  </a:moveTo>
+                  <a:lnTo>
+                    <a:pt x="1295770" y="0"/>
+                  </a:lnTo>
+                  <a:lnTo>
+                    <a:pt x="1295770" y="0"/>
+                  </a:lnTo>
+                </a:path>
+              </a:pathLst>
+            </a:custGeom>
+            <a:ln w="13550" cap="flat">
+              <a:solidFill>
+                <a:srgbClr val="EBEBEB">
                   <a:alpha val="100000"/>
                 </a:srgbClr>
               </a:solidFill>
@@ -3390,28 +3390,28 @@
           </p:nvSpPr>
           <p:spPr>
             <a:xfrm>
-              <a:off x="2023549" y="4849013"/>
-              <a:ext cx="6913543" cy="0"/>
-            </a:xfrm>
-            <a:custGeom>
-              <a:avLst/>
-              <a:pathLst>
-                <a:path w="6913543" h="0">
-                  <a:moveTo>
-                    <a:pt x="0" y="0"/>
-                  </a:moveTo>
-                  <a:lnTo>
-                    <a:pt x="6913543" y="0"/>
-                  </a:lnTo>
-                  <a:lnTo>
-                    <a:pt x="6913543" y="0"/>
-                  </a:lnTo>
-                </a:path>
-              </a:pathLst>
-            </a:custGeom>
-            <a:ln w="6775" cap="flat">
-              <a:solidFill>
-                <a:srgbClr val="DEDEDE">
+              <a:off x="2179881" y="3987984"/>
+              <a:ext cx="1295770" cy="0"/>
+            </a:xfrm>
+            <a:custGeom>
+              <a:avLst/>
+              <a:pathLst>
+                <a:path w="1295770" h="0">
+                  <a:moveTo>
+                    <a:pt x="0" y="0"/>
+                  </a:moveTo>
+                  <a:lnTo>
+                    <a:pt x="1295770" y="0"/>
+                  </a:lnTo>
+                  <a:lnTo>
+                    <a:pt x="1295770" y="0"/>
+                  </a:lnTo>
+                </a:path>
+              </a:pathLst>
+            </a:custGeom>
+            <a:ln w="13550" cap="flat">
+              <a:solidFill>
+                <a:srgbClr val="EBEBEB">
                   <a:alpha val="100000"/>
                 </a:srgbClr>
               </a:solidFill>
@@ -3433,28 +3433,28 @@
           </p:nvSpPr>
           <p:spPr>
             <a:xfrm>
-              <a:off x="2023549" y="4355317"/>
-              <a:ext cx="6913543" cy="0"/>
-            </a:xfrm>
-            <a:custGeom>
-              <a:avLst/>
-              <a:pathLst>
-                <a:path w="6913543" h="0">
-                  <a:moveTo>
-                    <a:pt x="0" y="0"/>
-                  </a:moveTo>
-                  <a:lnTo>
-                    <a:pt x="6913543" y="0"/>
-                  </a:lnTo>
-                  <a:lnTo>
-                    <a:pt x="6913543" y="0"/>
-                  </a:lnTo>
-                </a:path>
-              </a:pathLst>
-            </a:custGeom>
-            <a:ln w="6775" cap="flat">
-              <a:solidFill>
-                <a:srgbClr val="DEDEDE">
+              <a:off x="2179881" y="3068848"/>
+              <a:ext cx="1295770" cy="0"/>
+            </a:xfrm>
+            <a:custGeom>
+              <a:avLst/>
+              <a:pathLst>
+                <a:path w="1295770" h="0">
+                  <a:moveTo>
+                    <a:pt x="0" y="0"/>
+                  </a:moveTo>
+                  <a:lnTo>
+                    <a:pt x="1295770" y="0"/>
+                  </a:lnTo>
+                  <a:lnTo>
+                    <a:pt x="1295770" y="0"/>
+                  </a:lnTo>
+                </a:path>
+              </a:pathLst>
+            </a:custGeom>
+            <a:ln w="13550" cap="flat">
+              <a:solidFill>
+                <a:srgbClr val="EBEBEB">
                   <a:alpha val="100000"/>
                 </a:srgbClr>
               </a:solidFill>
@@ -3476,28 +3476,28 @@
           </p:nvSpPr>
           <p:spPr>
             <a:xfrm>
-              <a:off x="2023549" y="3861620"/>
-              <a:ext cx="6913543" cy="0"/>
-            </a:xfrm>
-            <a:custGeom>
-              <a:avLst/>
-              <a:pathLst>
-                <a:path w="6913543" h="0">
-                  <a:moveTo>
-                    <a:pt x="0" y="0"/>
-                  </a:moveTo>
-                  <a:lnTo>
-                    <a:pt x="6913543" y="0"/>
-                  </a:lnTo>
-                  <a:lnTo>
-                    <a:pt x="6913543" y="0"/>
-                  </a:lnTo>
-                </a:path>
-              </a:pathLst>
-            </a:custGeom>
-            <a:ln w="6775" cap="flat">
-              <a:solidFill>
-                <a:srgbClr val="DEDEDE">
+              <a:off x="2179881" y="2149712"/>
+              <a:ext cx="1295770" cy="0"/>
+            </a:xfrm>
+            <a:custGeom>
+              <a:avLst/>
+              <a:pathLst>
+                <a:path w="1295770" h="0">
+                  <a:moveTo>
+                    <a:pt x="0" y="0"/>
+                  </a:moveTo>
+                  <a:lnTo>
+                    <a:pt x="1295770" y="0"/>
+                  </a:lnTo>
+                  <a:lnTo>
+                    <a:pt x="1295770" y="0"/>
+                  </a:lnTo>
+                </a:path>
+              </a:pathLst>
+            </a:custGeom>
+            <a:ln w="13550" cap="flat">
+              <a:solidFill>
+                <a:srgbClr val="EBEBEB">
                   <a:alpha val="100000"/>
                 </a:srgbClr>
               </a:solidFill>
@@ -3519,28 +3519,28 @@
           </p:nvSpPr>
           <p:spPr>
             <a:xfrm>
-              <a:off x="2023549" y="3367924"/>
-              <a:ext cx="6913543" cy="0"/>
-            </a:xfrm>
-            <a:custGeom>
-              <a:avLst/>
-              <a:pathLst>
-                <a:path w="6913543" h="0">
-                  <a:moveTo>
-                    <a:pt x="0" y="0"/>
-                  </a:moveTo>
-                  <a:lnTo>
-                    <a:pt x="6913543" y="0"/>
-                  </a:lnTo>
-                  <a:lnTo>
-                    <a:pt x="6913543" y="0"/>
-                  </a:lnTo>
-                </a:path>
-              </a:pathLst>
-            </a:custGeom>
-            <a:ln w="6775" cap="flat">
-              <a:solidFill>
-                <a:srgbClr val="DEDEDE">
+              <a:off x="2274694" y="1809173"/>
+              <a:ext cx="0" cy="3245468"/>
+            </a:xfrm>
+            <a:custGeom>
+              <a:avLst/>
+              <a:pathLst>
+                <a:path w="0" h="3245468">
+                  <a:moveTo>
+                    <a:pt x="0" y="3245468"/>
+                  </a:moveTo>
+                  <a:lnTo>
+                    <a:pt x="0" y="0"/>
+                  </a:lnTo>
+                  <a:lnTo>
+                    <a:pt x="0" y="0"/>
+                  </a:lnTo>
+                </a:path>
+              </a:pathLst>
+            </a:custGeom>
+            <a:ln w="13550" cap="flat">
+              <a:solidFill>
+                <a:srgbClr val="EBEBEB">
                   <a:alpha val="100000"/>
                 </a:srgbClr>
               </a:solidFill>
@@ -3562,28 +3562,28 @@
           </p:nvSpPr>
           <p:spPr>
             <a:xfrm>
-              <a:off x="2023549" y="2874227"/>
-              <a:ext cx="6913543" cy="0"/>
-            </a:xfrm>
-            <a:custGeom>
-              <a:avLst/>
-              <a:pathLst>
-                <a:path w="6913543" h="0">
-                  <a:moveTo>
-                    <a:pt x="0" y="0"/>
-                  </a:moveTo>
-                  <a:lnTo>
-                    <a:pt x="6913543" y="0"/>
-                  </a:lnTo>
-                  <a:lnTo>
-                    <a:pt x="6913543" y="0"/>
-                  </a:lnTo>
-                </a:path>
-              </a:pathLst>
-            </a:custGeom>
-            <a:ln w="6775" cap="flat">
-              <a:solidFill>
-                <a:srgbClr val="DEDEDE">
+              <a:off x="2432715" y="1809173"/>
+              <a:ext cx="0" cy="3245468"/>
+            </a:xfrm>
+            <a:custGeom>
+              <a:avLst/>
+              <a:pathLst>
+                <a:path w="0" h="3245468">
+                  <a:moveTo>
+                    <a:pt x="0" y="3245468"/>
+                  </a:moveTo>
+                  <a:lnTo>
+                    <a:pt x="0" y="0"/>
+                  </a:lnTo>
+                  <a:lnTo>
+                    <a:pt x="0" y="0"/>
+                  </a:lnTo>
+                </a:path>
+              </a:pathLst>
+            </a:custGeom>
+            <a:ln w="13550" cap="flat">
+              <a:solidFill>
+                <a:srgbClr val="EBEBEB">
                   <a:alpha val="100000"/>
                 </a:srgbClr>
               </a:solidFill>
@@ -3605,28 +3605,28 @@
           </p:nvSpPr>
           <p:spPr>
             <a:xfrm>
-              <a:off x="2023549" y="2380531"/>
-              <a:ext cx="6913543" cy="0"/>
-            </a:xfrm>
-            <a:custGeom>
-              <a:avLst/>
-              <a:pathLst>
-                <a:path w="6913543" h="0">
-                  <a:moveTo>
-                    <a:pt x="0" y="0"/>
-                  </a:moveTo>
-                  <a:lnTo>
-                    <a:pt x="6913543" y="0"/>
-                  </a:lnTo>
-                  <a:lnTo>
-                    <a:pt x="6913543" y="0"/>
-                  </a:lnTo>
-                </a:path>
-              </a:pathLst>
-            </a:custGeom>
-            <a:ln w="6775" cap="flat">
-              <a:solidFill>
-                <a:srgbClr val="DEDEDE">
+              <a:off x="2590735" y="1809173"/>
+              <a:ext cx="0" cy="3245468"/>
+            </a:xfrm>
+            <a:custGeom>
+              <a:avLst/>
+              <a:pathLst>
+                <a:path w="0" h="3245468">
+                  <a:moveTo>
+                    <a:pt x="0" y="3245468"/>
+                  </a:moveTo>
+                  <a:lnTo>
+                    <a:pt x="0" y="0"/>
+                  </a:lnTo>
+                  <a:lnTo>
+                    <a:pt x="0" y="0"/>
+                  </a:lnTo>
+                </a:path>
+              </a:pathLst>
+            </a:custGeom>
+            <a:ln w="13550" cap="flat">
+              <a:solidFill>
+                <a:srgbClr val="EBEBEB">
                   <a:alpha val="100000"/>
                 </a:srgbClr>
               </a:solidFill>
@@ -3648,28 +3648,28 @@
           </p:nvSpPr>
           <p:spPr>
             <a:xfrm>
-              <a:off x="2023549" y="1886835"/>
-              <a:ext cx="6913543" cy="0"/>
-            </a:xfrm>
-            <a:custGeom>
-              <a:avLst/>
-              <a:pathLst>
-                <a:path w="6913543" h="0">
-                  <a:moveTo>
-                    <a:pt x="0" y="0"/>
-                  </a:moveTo>
-                  <a:lnTo>
-                    <a:pt x="6913543" y="0"/>
-                  </a:lnTo>
-                  <a:lnTo>
-                    <a:pt x="6913543" y="0"/>
-                  </a:lnTo>
-                </a:path>
-              </a:pathLst>
-            </a:custGeom>
-            <a:ln w="6775" cap="flat">
-              <a:solidFill>
-                <a:srgbClr val="DEDEDE">
+              <a:off x="2748756" y="1809173"/>
+              <a:ext cx="0" cy="3245468"/>
+            </a:xfrm>
+            <a:custGeom>
+              <a:avLst/>
+              <a:pathLst>
+                <a:path w="0" h="3245468">
+                  <a:moveTo>
+                    <a:pt x="0" y="3245468"/>
+                  </a:moveTo>
+                  <a:lnTo>
+                    <a:pt x="0" y="0"/>
+                  </a:lnTo>
+                  <a:lnTo>
+                    <a:pt x="0" y="0"/>
+                  </a:lnTo>
+                </a:path>
+              </a:pathLst>
+            </a:custGeom>
+            <a:ln w="13550" cap="flat">
+              <a:solidFill>
+                <a:srgbClr val="EBEBEB">
                   <a:alpha val="100000"/>
                 </a:srgbClr>
               </a:solidFill>
@@ -3691,28 +3691,28 @@
           </p:nvSpPr>
           <p:spPr>
             <a:xfrm>
-              <a:off x="2023549" y="1590617"/>
-              <a:ext cx="0" cy="4048310"/>
-            </a:xfrm>
-            <a:custGeom>
-              <a:avLst/>
-              <a:pathLst>
-                <a:path w="0" h="4048310">
-                  <a:moveTo>
-                    <a:pt x="0" y="4048310"/>
-                  </a:moveTo>
-                  <a:lnTo>
-                    <a:pt x="0" y="0"/>
-                  </a:lnTo>
-                  <a:lnTo>
-                    <a:pt x="0" y="0"/>
-                  </a:lnTo>
-                </a:path>
-              </a:pathLst>
-            </a:custGeom>
-            <a:ln w="6775" cap="flat">
-              <a:solidFill>
-                <a:srgbClr val="DEDEDE">
+              <a:off x="2906777" y="1809173"/>
+              <a:ext cx="0" cy="3245468"/>
+            </a:xfrm>
+            <a:custGeom>
+              <a:avLst/>
+              <a:pathLst>
+                <a:path w="0" h="3245468">
+                  <a:moveTo>
+                    <a:pt x="0" y="3245468"/>
+                  </a:moveTo>
+                  <a:lnTo>
+                    <a:pt x="0" y="0"/>
+                  </a:lnTo>
+                  <a:lnTo>
+                    <a:pt x="0" y="0"/>
+                  </a:lnTo>
+                </a:path>
+              </a:pathLst>
+            </a:custGeom>
+            <a:ln w="13550" cap="flat">
+              <a:solidFill>
+                <a:srgbClr val="EBEBEB">
                   <a:alpha val="100000"/>
                 </a:srgbClr>
               </a:solidFill>
@@ -3734,28 +3734,28 @@
           </p:nvSpPr>
           <p:spPr>
             <a:xfrm>
-              <a:off x="4474013" y="1590617"/>
-              <a:ext cx="0" cy="4048310"/>
-            </a:xfrm>
-            <a:custGeom>
-              <a:avLst/>
-              <a:pathLst>
-                <a:path w="0" h="4048310">
-                  <a:moveTo>
-                    <a:pt x="0" y="4048310"/>
-                  </a:moveTo>
-                  <a:lnTo>
-                    <a:pt x="0" y="0"/>
-                  </a:lnTo>
-                  <a:lnTo>
-                    <a:pt x="0" y="0"/>
-                  </a:lnTo>
-                </a:path>
-              </a:pathLst>
-            </a:custGeom>
-            <a:ln w="6775" cap="flat">
-              <a:solidFill>
-                <a:srgbClr val="DEDEDE">
+              <a:off x="3064798" y="1809173"/>
+              <a:ext cx="0" cy="3245468"/>
+            </a:xfrm>
+            <a:custGeom>
+              <a:avLst/>
+              <a:pathLst>
+                <a:path w="0" h="3245468">
+                  <a:moveTo>
+                    <a:pt x="0" y="3245468"/>
+                  </a:moveTo>
+                  <a:lnTo>
+                    <a:pt x="0" y="0"/>
+                  </a:lnTo>
+                  <a:lnTo>
+                    <a:pt x="0" y="0"/>
+                  </a:lnTo>
+                </a:path>
+              </a:pathLst>
+            </a:custGeom>
+            <a:ln w="13550" cap="flat">
+              <a:solidFill>
+                <a:srgbClr val="EBEBEB">
                   <a:alpha val="100000"/>
                 </a:srgbClr>
               </a:solidFill>
@@ -3777,57 +3777,100 @@
           </p:nvSpPr>
           <p:spPr>
             <a:xfrm>
-              <a:off x="6924477" y="1590617"/>
-              <a:ext cx="0" cy="4048310"/>
-            </a:xfrm>
-            <a:custGeom>
-              <a:avLst/>
-              <a:pathLst>
-                <a:path w="0" h="4048310">
-                  <a:moveTo>
-                    <a:pt x="0" y="4048310"/>
-                  </a:moveTo>
-                  <a:lnTo>
-                    <a:pt x="0" y="0"/>
-                  </a:lnTo>
-                  <a:lnTo>
-                    <a:pt x="0" y="0"/>
-                  </a:lnTo>
-                </a:path>
-              </a:pathLst>
-            </a:custGeom>
-            <a:ln w="6775" cap="flat">
-              <a:solidFill>
-                <a:srgbClr val="DEDEDE">
-                  <a:alpha val="100000"/>
-                </a:srgbClr>
-              </a:solidFill>
-              <a:prstDash val="solid"/>
-              <a:round/>
-            </a:ln>
-          </p:spPr>
-          <p:txBody>
-            <a:bodyPr/>
-            <a:lstStyle/>
-            <a:p/>
-          </p:txBody>
-        </p:sp>
-        <p:sp>
-          <p:nvSpPr>
-            <p:cNvPr id="20" name="rc20"/>
-            <p:cNvSpPr/>
-            <p:nvPr/>
-          </p:nvSpPr>
-          <p:spPr>
-            <a:xfrm>
-              <a:off x="2023549" y="1664671"/>
-              <a:ext cx="6777983" cy="444326"/>
+              <a:off x="3222819" y="1809173"/>
+              <a:ext cx="0" cy="3245468"/>
+            </a:xfrm>
+            <a:custGeom>
+              <a:avLst/>
+              <a:pathLst>
+                <a:path w="0" h="3245468">
+                  <a:moveTo>
+                    <a:pt x="0" y="3245468"/>
+                  </a:moveTo>
+                  <a:lnTo>
+                    <a:pt x="0" y="0"/>
+                  </a:lnTo>
+                  <a:lnTo>
+                    <a:pt x="0" y="0"/>
+                  </a:lnTo>
+                </a:path>
+              </a:pathLst>
+            </a:custGeom>
+            <a:ln w="13550" cap="flat">
+              <a:solidFill>
+                <a:srgbClr val="EBEBEB">
+                  <a:alpha val="100000"/>
+                </a:srgbClr>
+              </a:solidFill>
+              <a:prstDash val="solid"/>
+              <a:round/>
+            </a:ln>
+          </p:spPr>
+          <p:txBody>
+            <a:bodyPr/>
+            <a:lstStyle/>
+            <a:p/>
+          </p:txBody>
+        </p:sp>
+        <p:sp>
+          <p:nvSpPr>
+            <p:cNvPr id="20" name="pl20"/>
+            <p:cNvSpPr/>
+            <p:nvPr/>
+          </p:nvSpPr>
+          <p:spPr>
+            <a:xfrm>
+              <a:off x="3380840" y="1809173"/>
+              <a:ext cx="0" cy="3245468"/>
+            </a:xfrm>
+            <a:custGeom>
+              <a:avLst/>
+              <a:pathLst>
+                <a:path w="0" h="3245468">
+                  <a:moveTo>
+                    <a:pt x="0" y="3245468"/>
+                  </a:moveTo>
+                  <a:lnTo>
+                    <a:pt x="0" y="0"/>
+                  </a:lnTo>
+                  <a:lnTo>
+                    <a:pt x="0" y="0"/>
+                  </a:lnTo>
+                </a:path>
+              </a:pathLst>
+            </a:custGeom>
+            <a:ln w="13550" cap="flat">
+              <a:solidFill>
+                <a:srgbClr val="EBEBEB">
+                  <a:alpha val="100000"/>
+                </a:srgbClr>
+              </a:solidFill>
+              <a:prstDash val="solid"/>
+              <a:round/>
+            </a:ln>
+          </p:spPr>
+          <p:txBody>
+            <a:bodyPr/>
+            <a:lstStyle/>
+            <a:p/>
+          </p:txBody>
+        </p:sp>
+        <p:sp>
+          <p:nvSpPr>
+            <p:cNvPr id="21" name="rc21"/>
+            <p:cNvSpPr/>
+            <p:nvPr/>
+          </p:nvSpPr>
+          <p:spPr>
+            <a:xfrm>
+              <a:off x="2203584" y="4695718"/>
+              <a:ext cx="142218" cy="211401"/>
             </a:xfrm>
             <a:prstGeom prst="rect">
               <a:avLst/>
             </a:prstGeom>
             <a:solidFill>
-              <a:srgbClr val="595959">
+              <a:srgbClr val="FFF5F0">
                 <a:alpha val="100000"/>
               </a:srgbClr>
             </a:solidFill>
@@ -3840,20 +3883,20 @@
         </p:sp>
         <p:sp>
           <p:nvSpPr>
-            <p:cNvPr id="21" name="rc21"/>
-            <p:cNvSpPr/>
-            <p:nvPr/>
-          </p:nvSpPr>
-          <p:spPr>
-            <a:xfrm>
-              <a:off x="2023549" y="2158368"/>
-              <a:ext cx="5165578" cy="444326"/>
+            <p:cNvPr id="22" name="rc22"/>
+            <p:cNvSpPr/>
+            <p:nvPr/>
+          </p:nvSpPr>
+          <p:spPr>
+            <a:xfrm>
+              <a:off x="2361605" y="4861163"/>
+              <a:ext cx="142218" cy="45956"/>
             </a:xfrm>
             <a:prstGeom prst="rect">
               <a:avLst/>
             </a:prstGeom>
             <a:solidFill>
-              <a:srgbClr val="595959">
+              <a:srgbClr val="FEE0D2">
                 <a:alpha val="100000"/>
               </a:srgbClr>
             </a:solidFill>
@@ -3866,20 +3909,20 @@
         </p:sp>
         <p:sp>
           <p:nvSpPr>
-            <p:cNvPr id="22" name="rc22"/>
-            <p:cNvSpPr/>
-            <p:nvPr/>
-          </p:nvSpPr>
-          <p:spPr>
-            <a:xfrm>
-              <a:off x="2023549" y="2652064"/>
-              <a:ext cx="3832525" cy="444326"/>
+            <p:cNvPr id="23" name="rc23"/>
+            <p:cNvSpPr/>
+            <p:nvPr/>
+          </p:nvSpPr>
+          <p:spPr>
+            <a:xfrm>
+              <a:off x="2519626" y="4658953"/>
+              <a:ext cx="142218" cy="248166"/>
             </a:xfrm>
             <a:prstGeom prst="rect">
               <a:avLst/>
             </a:prstGeom>
             <a:solidFill>
-              <a:srgbClr val="595959">
+              <a:srgbClr val="FCBBA1">
                 <a:alpha val="100000"/>
               </a:srgbClr>
             </a:solidFill>
@@ -3892,20 +3935,20 @@
         </p:sp>
         <p:sp>
           <p:nvSpPr>
-            <p:cNvPr id="23" name="rc23"/>
-            <p:cNvSpPr/>
-            <p:nvPr/>
-          </p:nvSpPr>
-          <p:spPr>
-            <a:xfrm>
-              <a:off x="2023549" y="3145760"/>
-              <a:ext cx="2818033" cy="444326"/>
+            <p:cNvPr id="24" name="rc24"/>
+            <p:cNvSpPr/>
+            <p:nvPr/>
+          </p:nvSpPr>
+          <p:spPr>
+            <a:xfrm>
+              <a:off x="2677647" y="4668144"/>
+              <a:ext cx="142218" cy="238975"/>
             </a:xfrm>
             <a:prstGeom prst="rect">
               <a:avLst/>
             </a:prstGeom>
             <a:solidFill>
-              <a:srgbClr val="595959">
+              <a:srgbClr val="FC9272">
                 <a:alpha val="100000"/>
               </a:srgbClr>
             </a:solidFill>
@@ -3918,20 +3961,20 @@
         </p:sp>
         <p:sp>
           <p:nvSpPr>
-            <p:cNvPr id="24" name="rc24"/>
-            <p:cNvSpPr/>
-            <p:nvPr/>
-          </p:nvSpPr>
-          <p:spPr>
-            <a:xfrm>
-              <a:off x="2023549" y="3639457"/>
-              <a:ext cx="2283832" cy="444326"/>
+            <p:cNvPr id="25" name="rc25"/>
+            <p:cNvSpPr/>
+            <p:nvPr/>
+          </p:nvSpPr>
+          <p:spPr>
+            <a:xfrm>
+              <a:off x="2835668" y="4842780"/>
+              <a:ext cx="142218" cy="64339"/>
             </a:xfrm>
             <a:prstGeom prst="rect">
               <a:avLst/>
             </a:prstGeom>
             <a:solidFill>
-              <a:srgbClr val="595959">
+              <a:srgbClr val="FB6A4A">
                 <a:alpha val="100000"/>
               </a:srgbClr>
             </a:solidFill>
@@ -3944,20 +3987,20 @@
         </p:sp>
         <p:sp>
           <p:nvSpPr>
-            <p:cNvPr id="25" name="rc25"/>
-            <p:cNvSpPr/>
-            <p:nvPr/>
-          </p:nvSpPr>
-          <p:spPr>
-            <a:xfrm>
-              <a:off x="2023549" y="4133153"/>
-              <a:ext cx="1930965" cy="444326"/>
+            <p:cNvPr id="26" name="rc26"/>
+            <p:cNvSpPr/>
+            <p:nvPr/>
+          </p:nvSpPr>
+          <p:spPr>
+            <a:xfrm>
+              <a:off x="2993689" y="4677336"/>
+              <a:ext cx="142218" cy="229783"/>
             </a:xfrm>
             <a:prstGeom prst="rect">
               <a:avLst/>
             </a:prstGeom>
             <a:solidFill>
-              <a:srgbClr val="595959">
+              <a:srgbClr val="EF3B2C">
                 <a:alpha val="100000"/>
               </a:srgbClr>
             </a:solidFill>
@@ -3970,20 +4013,20 @@
         </p:sp>
         <p:sp>
           <p:nvSpPr>
-            <p:cNvPr id="26" name="rc26"/>
-            <p:cNvSpPr/>
-            <p:nvPr/>
-          </p:nvSpPr>
-          <p:spPr>
-            <a:xfrm>
-              <a:off x="2023549" y="4626850"/>
-              <a:ext cx="1779036" cy="444326"/>
+            <p:cNvPr id="27" name="rc27"/>
+            <p:cNvSpPr/>
+            <p:nvPr/>
+          </p:nvSpPr>
+          <p:spPr>
+            <a:xfrm>
+              <a:off x="3151709" y="4851972"/>
+              <a:ext cx="142218" cy="55148"/>
             </a:xfrm>
             <a:prstGeom prst="rect">
               <a:avLst/>
             </a:prstGeom>
             <a:solidFill>
-              <a:srgbClr val="595959">
+              <a:srgbClr val="CB181D">
                 <a:alpha val="100000"/>
               </a:srgbClr>
             </a:solidFill>
@@ -3996,20 +4039,20 @@
         </p:sp>
         <p:sp>
           <p:nvSpPr>
-            <p:cNvPr id="27" name="rc27"/>
-            <p:cNvSpPr/>
-            <p:nvPr/>
-          </p:nvSpPr>
-          <p:spPr>
-            <a:xfrm>
-              <a:off x="2023549" y="5120546"/>
-              <a:ext cx="1073303" cy="444326"/>
+            <p:cNvPr id="28" name="rc28"/>
+            <p:cNvSpPr/>
+            <p:nvPr/>
+          </p:nvSpPr>
+          <p:spPr>
+            <a:xfrm>
+              <a:off x="3309730" y="1956694"/>
+              <a:ext cx="142218" cy="2950425"/>
             </a:xfrm>
             <a:prstGeom prst="rect">
               <a:avLst/>
             </a:prstGeom>
             <a:solidFill>
-              <a:srgbClr val="595959">
+              <a:srgbClr val="99000D">
                 <a:alpha val="100000"/>
               </a:srgbClr>
             </a:solidFill>
@@ -4022,412 +4065,3611 @@
         </p:sp>
         <p:sp>
           <p:nvSpPr>
-            <p:cNvPr id="28" name="tx28"/>
-            <p:cNvSpPr/>
-            <p:nvPr/>
-          </p:nvSpPr>
-          <p:spPr>
-            <a:xfrm>
-              <a:off x="8252397" y="1842361"/>
-              <a:ext cx="406518" cy="67753"/>
-            </a:xfrm>
-            <a:prstGeom prst="rect">
-              <a:avLst/>
-            </a:prstGeom>
-            <a:noFill/>
-          </p:spPr>
-          <p:txBody>
-            <a:bodyPr lIns="0" rIns="0" tIns="0" bIns="0" anchorCtr="1" anchor="ctr" wrap="none"/>
-            <a:lstStyle/>
-            <a:p>
-              <a:pPr algn="l" marL="0" marR="0" indent="0">
-                <a:lnSpc>
-                  <a:spcPts val="853"/>
-                </a:lnSpc>
-                <a:spcBef>
-                  <a:spcPts val="0"/>
-                </a:spcBef>
-                <a:spcAft>
-                  <a:spcPts val="0"/>
-                </a:spcAft>
-              </a:pPr>
-              <a:r>
-                <a:rPr sz="853" b="1">
-                  <a:solidFill>
-                    <a:srgbClr val="FFFFFF">
-                      <a:alpha val="100000"/>
-                    </a:srgbClr>
-                  </a:solidFill>
-                  <a:latin typeface="Arial"/>
-                  <a:cs typeface="Arial"/>
-                </a:rPr>
-                <a:t>营养成分表</a:t>
-              </a:r>
-            </a:p>
-          </p:txBody>
-        </p:sp>
-        <p:sp>
-          <p:nvSpPr>
-            <p:cNvPr id="29" name="tx29"/>
-            <p:cNvSpPr/>
-            <p:nvPr/>
-          </p:nvSpPr>
-          <p:spPr>
-            <a:xfrm>
-              <a:off x="6152169" y="2336057"/>
-              <a:ext cx="894341" cy="67753"/>
-            </a:xfrm>
-            <a:prstGeom prst="rect">
-              <a:avLst/>
-            </a:prstGeom>
-            <a:noFill/>
-          </p:spPr>
-          <p:txBody>
-            <a:bodyPr lIns="0" rIns="0" tIns="0" bIns="0" anchorCtr="1" anchor="ctr" wrap="none"/>
-            <a:lstStyle/>
-            <a:p>
-              <a:pPr algn="l" marL="0" marR="0" indent="0">
-                <a:lnSpc>
-                  <a:spcPts val="853"/>
-                </a:lnSpc>
-                <a:spcBef>
-                  <a:spcPts val="0"/>
-                </a:spcBef>
-                <a:spcAft>
-                  <a:spcPts val="0"/>
-                </a:spcAft>
-              </a:pPr>
-              <a:r>
-                <a:rPr sz="853" b="1">
-                  <a:solidFill>
-                    <a:srgbClr val="FFFFFF">
-                      <a:alpha val="100000"/>
-                    </a:srgbClr>
-                  </a:solidFill>
-                  <a:latin typeface="Arial"/>
-                  <a:cs typeface="Arial"/>
-                </a:rPr>
-                <a:t>保健食品标志（蓝帽子）</a:t>
-              </a:r>
-            </a:p>
-          </p:txBody>
-        </p:sp>
-        <p:sp>
-          <p:nvSpPr>
-            <p:cNvPr id="30" name="tx30"/>
-            <p:cNvSpPr/>
-            <p:nvPr/>
-          </p:nvSpPr>
-          <p:spPr>
-            <a:xfrm>
-              <a:off x="5388243" y="2829754"/>
-              <a:ext cx="325215" cy="67753"/>
-            </a:xfrm>
-            <a:prstGeom prst="rect">
-              <a:avLst/>
-            </a:prstGeom>
-            <a:noFill/>
-          </p:spPr>
-          <p:txBody>
-            <a:bodyPr lIns="0" rIns="0" tIns="0" bIns="0" anchorCtr="1" anchor="ctr" wrap="none"/>
-            <a:lstStyle/>
-            <a:p>
-              <a:pPr algn="l" marL="0" marR="0" indent="0">
-                <a:lnSpc>
-                  <a:spcPts val="853"/>
-                </a:lnSpc>
-                <a:spcBef>
-                  <a:spcPts val="0"/>
-                </a:spcBef>
-                <a:spcAft>
-                  <a:spcPts val="0"/>
-                </a:spcAft>
-              </a:pPr>
-              <a:r>
-                <a:rPr sz="853" b="1">
-                  <a:solidFill>
-                    <a:srgbClr val="FFFFFF">
-                      <a:alpha val="100000"/>
-                    </a:srgbClr>
-                  </a:solidFill>
-                  <a:latin typeface="Arial"/>
-                  <a:cs typeface="Arial"/>
-                </a:rPr>
-                <a:t>菌株信息</a:t>
-              </a:r>
-            </a:p>
-          </p:txBody>
-        </p:sp>
-        <p:sp>
-          <p:nvSpPr>
-            <p:cNvPr id="31" name="tx31"/>
-            <p:cNvSpPr/>
-            <p:nvPr/>
-          </p:nvSpPr>
-          <p:spPr>
-            <a:xfrm>
-              <a:off x="4984199" y="3338970"/>
-              <a:ext cx="325215" cy="67753"/>
-            </a:xfrm>
-            <a:prstGeom prst="rect">
-              <a:avLst/>
-            </a:prstGeom>
-            <a:noFill/>
-          </p:spPr>
-          <p:txBody>
-            <a:bodyPr lIns="0" rIns="0" tIns="0" bIns="0" anchorCtr="1" anchor="ctr" wrap="none"/>
-            <a:lstStyle/>
-            <a:p>
-              <a:pPr algn="l" marL="0" marR="0" indent="0">
-                <a:lnSpc>
-                  <a:spcPts val="853"/>
-                </a:lnSpc>
-                <a:spcBef>
-                  <a:spcPts val="0"/>
-                </a:spcBef>
-                <a:spcAft>
-                  <a:spcPts val="0"/>
-                </a:spcAft>
-              </a:pPr>
-              <a:r>
-                <a:rPr sz="853">
-                  <a:solidFill>
-                    <a:srgbClr val="000000">
-                      <a:alpha val="100000"/>
-                    </a:srgbClr>
-                  </a:solidFill>
-                  <a:latin typeface="Arial"/>
-                  <a:cs typeface="Arial"/>
-                </a:rPr>
-                <a:t>功能宣称</a:t>
-              </a:r>
-            </a:p>
-          </p:txBody>
-        </p:sp>
-        <p:sp>
-          <p:nvSpPr>
-            <p:cNvPr id="32" name="tx32"/>
-            <p:cNvSpPr/>
-            <p:nvPr/>
-          </p:nvSpPr>
-          <p:spPr>
-            <a:xfrm>
-              <a:off x="4449998" y="3820174"/>
-              <a:ext cx="436637" cy="80245"/>
-            </a:xfrm>
-            <a:prstGeom prst="rect">
-              <a:avLst/>
-            </a:prstGeom>
-            <a:noFill/>
-          </p:spPr>
-          <p:txBody>
-            <a:bodyPr lIns="0" rIns="0" tIns="0" bIns="0" anchorCtr="1" anchor="ctr" wrap="none"/>
-            <a:lstStyle/>
-            <a:p>
-              <a:pPr algn="l" marL="0" marR="0" indent="0">
-                <a:lnSpc>
-                  <a:spcPts val="853"/>
-                </a:lnSpc>
-                <a:spcBef>
-                  <a:spcPts val="0"/>
-                </a:spcBef>
-                <a:spcAft>
-                  <a:spcPts val="0"/>
-                </a:spcAft>
-              </a:pPr>
-              <a:r>
-                <a:rPr sz="853">
-                  <a:solidFill>
-                    <a:srgbClr val="000000">
-                      <a:alpha val="100000"/>
-                    </a:srgbClr>
-                  </a:solidFill>
-                  <a:latin typeface="Arial"/>
-                  <a:cs typeface="Arial"/>
-                </a:rPr>
-                <a:t>辅料/添加剂</a:t>
-              </a:r>
-            </a:p>
-          </p:txBody>
-        </p:sp>
-        <p:sp>
-          <p:nvSpPr>
-            <p:cNvPr id="33" name="tx33"/>
-            <p:cNvSpPr/>
-            <p:nvPr/>
-          </p:nvSpPr>
-          <p:spPr>
-            <a:xfrm>
-              <a:off x="4097131" y="4326363"/>
-              <a:ext cx="325215" cy="67753"/>
-            </a:xfrm>
-            <a:prstGeom prst="rect">
-              <a:avLst/>
-            </a:prstGeom>
-            <a:noFill/>
-          </p:spPr>
-          <p:txBody>
-            <a:bodyPr lIns="0" rIns="0" tIns="0" bIns="0" anchorCtr="1" anchor="ctr" wrap="none"/>
-            <a:lstStyle/>
-            <a:p>
-              <a:pPr algn="l" marL="0" marR="0" indent="0">
-                <a:lnSpc>
-                  <a:spcPts val="853"/>
-                </a:lnSpc>
-                <a:spcBef>
-                  <a:spcPts val="0"/>
-                </a:spcBef>
-                <a:spcAft>
-                  <a:spcPts val="0"/>
-                </a:spcAft>
-              </a:pPr>
-              <a:r>
-                <a:rPr sz="853">
-                  <a:solidFill>
-                    <a:srgbClr val="000000">
-                      <a:alpha val="100000"/>
-                    </a:srgbClr>
-                  </a:solidFill>
-                  <a:latin typeface="Arial"/>
-                  <a:cs typeface="Arial"/>
-                </a:rPr>
-                <a:t>使用禁忌</a:t>
-              </a:r>
-            </a:p>
-          </p:txBody>
-        </p:sp>
-        <p:sp>
-          <p:nvSpPr>
-            <p:cNvPr id="34" name="tx34"/>
-            <p:cNvSpPr/>
-            <p:nvPr/>
-          </p:nvSpPr>
-          <p:spPr>
-            <a:xfrm>
-              <a:off x="3945203" y="4820059"/>
-              <a:ext cx="243911" cy="67753"/>
-            </a:xfrm>
-            <a:prstGeom prst="rect">
-              <a:avLst/>
-            </a:prstGeom>
-            <a:noFill/>
-          </p:spPr>
-          <p:txBody>
-            <a:bodyPr lIns="0" rIns="0" tIns="0" bIns="0" anchorCtr="1" anchor="ctr" wrap="none"/>
-            <a:lstStyle/>
-            <a:p>
-              <a:pPr algn="l" marL="0" marR="0" indent="0">
-                <a:lnSpc>
-                  <a:spcPts val="853"/>
-                </a:lnSpc>
-                <a:spcBef>
-                  <a:spcPts val="0"/>
-                </a:spcBef>
-                <a:spcAft>
-                  <a:spcPts val="0"/>
-                </a:spcAft>
-              </a:pPr>
-              <a:r>
-                <a:rPr sz="853">
-                  <a:solidFill>
-                    <a:srgbClr val="000000">
-                      <a:alpha val="100000"/>
-                    </a:srgbClr>
-                  </a:solidFill>
-                  <a:latin typeface="Arial"/>
-                  <a:cs typeface="Arial"/>
-                </a:rPr>
-                <a:t>保质期</a:t>
-              </a:r>
-            </a:p>
-          </p:txBody>
-        </p:sp>
-        <p:sp>
-          <p:nvSpPr>
-            <p:cNvPr id="35" name="tx35"/>
-            <p:cNvSpPr/>
-            <p:nvPr/>
-          </p:nvSpPr>
-          <p:spPr>
-            <a:xfrm>
-              <a:off x="3239469" y="5301264"/>
-              <a:ext cx="385398" cy="80245"/>
-            </a:xfrm>
-            <a:prstGeom prst="rect">
-              <a:avLst/>
-            </a:prstGeom>
-            <a:noFill/>
-          </p:spPr>
-          <p:txBody>
-            <a:bodyPr lIns="0" rIns="0" tIns="0" bIns="0" anchorCtr="1" anchor="ctr" wrap="none"/>
-            <a:lstStyle/>
-            <a:p>
-              <a:pPr algn="l" marL="0" marR="0" indent="0">
-                <a:lnSpc>
-                  <a:spcPts val="853"/>
-                </a:lnSpc>
-                <a:spcBef>
-                  <a:spcPts val="0"/>
-                </a:spcBef>
-                <a:spcAft>
-                  <a:spcPts val="0"/>
-                </a:spcAft>
-              </a:pPr>
-              <a:r>
-                <a:rPr sz="853">
-                  <a:solidFill>
-                    <a:srgbClr val="000000">
-                      <a:alpha val="100000"/>
-                    </a:srgbClr>
-                  </a:solidFill>
-                  <a:latin typeface="Arial"/>
-                  <a:cs typeface="Arial"/>
-                </a:rPr>
-                <a:t>CFU信息</a:t>
-              </a:r>
-            </a:p>
-          </p:txBody>
-        </p:sp>
-        <p:sp>
-          <p:nvSpPr>
-            <p:cNvPr id="36" name="rc36"/>
-            <p:cNvSpPr/>
-            <p:nvPr/>
-          </p:nvSpPr>
-          <p:spPr>
-            <a:xfrm>
-              <a:off x="2023549" y="1590617"/>
-              <a:ext cx="6913543" cy="4048310"/>
+            <p:cNvPr id="29" name="rc29"/>
+            <p:cNvSpPr/>
+            <p:nvPr/>
+          </p:nvSpPr>
+          <p:spPr>
+            <a:xfrm>
+              <a:off x="2179881" y="1809173"/>
+              <a:ext cx="1295770" cy="3245468"/>
             </a:xfrm>
             <a:prstGeom prst="rect">
               <a:avLst/>
             </a:prstGeom>
             <a:ln w="13550" cap="rnd">
               <a:solidFill>
-                <a:srgbClr val="B3B3B3">
-                  <a:alpha val="100000"/>
-                </a:srgbClr>
-              </a:solidFill>
-              <a:prstDash val="solid"/>
-              <a:round/>
-            </a:ln>
-          </p:spPr>
-          <p:txBody>
-            <a:bodyPr/>
-            <a:lstStyle/>
-            <a:p/>
-          </p:txBody>
-        </p:sp>
-        <p:sp>
-          <p:nvSpPr>
-            <p:cNvPr id="37" name="tx37"/>
-            <p:cNvSpPr/>
-            <p:nvPr/>
-          </p:nvSpPr>
-          <p:spPr>
-            <a:xfrm>
-              <a:off x="1926599" y="5300963"/>
-              <a:ext cx="62155" cy="81746"/>
+                <a:srgbClr val="333333">
+                  <a:alpha val="100000"/>
+                </a:srgbClr>
+              </a:solidFill>
+              <a:prstDash val="solid"/>
+              <a:round/>
+            </a:ln>
+          </p:spPr>
+          <p:txBody>
+            <a:bodyPr/>
+            <a:lstStyle/>
+            <a:p/>
+          </p:txBody>
+        </p:sp>
+        <p:sp>
+          <p:nvSpPr>
+            <p:cNvPr id="30" name="rc30"/>
+            <p:cNvSpPr/>
+            <p:nvPr/>
+          </p:nvSpPr>
+          <p:spPr>
+            <a:xfrm>
+              <a:off x="3545241" y="1809173"/>
+              <a:ext cx="1295770" cy="3245468"/>
+            </a:xfrm>
+            <a:prstGeom prst="rect">
+              <a:avLst/>
+            </a:prstGeom>
+            <a:solidFill>
+              <a:srgbClr val="FFFFFF">
+                <a:alpha val="100000"/>
+              </a:srgbClr>
+            </a:solidFill>
+          </p:spPr>
+          <p:txBody>
+            <a:bodyPr/>
+            <a:lstStyle/>
+            <a:p/>
+          </p:txBody>
+        </p:sp>
+        <p:sp>
+          <p:nvSpPr>
+            <p:cNvPr id="31" name="pl31"/>
+            <p:cNvSpPr/>
+            <p:nvPr/>
+          </p:nvSpPr>
+          <p:spPr>
+            <a:xfrm>
+              <a:off x="3545241" y="4447552"/>
+              <a:ext cx="1295770" cy="0"/>
+            </a:xfrm>
+            <a:custGeom>
+              <a:avLst/>
+              <a:pathLst>
+                <a:path w="1295770" h="0">
+                  <a:moveTo>
+                    <a:pt x="0" y="0"/>
+                  </a:moveTo>
+                  <a:lnTo>
+                    <a:pt x="1295770" y="0"/>
+                  </a:lnTo>
+                  <a:lnTo>
+                    <a:pt x="1295770" y="0"/>
+                  </a:lnTo>
+                </a:path>
+              </a:pathLst>
+            </a:custGeom>
+            <a:ln w="6775" cap="flat">
+              <a:solidFill>
+                <a:srgbClr val="EBEBEB">
+                  <a:alpha val="100000"/>
+                </a:srgbClr>
+              </a:solidFill>
+              <a:prstDash val="solid"/>
+              <a:round/>
+            </a:ln>
+          </p:spPr>
+          <p:txBody>
+            <a:bodyPr/>
+            <a:lstStyle/>
+            <a:p/>
+          </p:txBody>
+        </p:sp>
+        <p:sp>
+          <p:nvSpPr>
+            <p:cNvPr id="32" name="pl32"/>
+            <p:cNvSpPr/>
+            <p:nvPr/>
+          </p:nvSpPr>
+          <p:spPr>
+            <a:xfrm>
+              <a:off x="3545241" y="3528416"/>
+              <a:ext cx="1295770" cy="0"/>
+            </a:xfrm>
+            <a:custGeom>
+              <a:avLst/>
+              <a:pathLst>
+                <a:path w="1295770" h="0">
+                  <a:moveTo>
+                    <a:pt x="0" y="0"/>
+                  </a:moveTo>
+                  <a:lnTo>
+                    <a:pt x="1295770" y="0"/>
+                  </a:lnTo>
+                  <a:lnTo>
+                    <a:pt x="1295770" y="0"/>
+                  </a:lnTo>
+                </a:path>
+              </a:pathLst>
+            </a:custGeom>
+            <a:ln w="6775" cap="flat">
+              <a:solidFill>
+                <a:srgbClr val="EBEBEB">
+                  <a:alpha val="100000"/>
+                </a:srgbClr>
+              </a:solidFill>
+              <a:prstDash val="solid"/>
+              <a:round/>
+            </a:ln>
+          </p:spPr>
+          <p:txBody>
+            <a:bodyPr/>
+            <a:lstStyle/>
+            <a:p/>
+          </p:txBody>
+        </p:sp>
+        <p:sp>
+          <p:nvSpPr>
+            <p:cNvPr id="33" name="pl33"/>
+            <p:cNvSpPr/>
+            <p:nvPr/>
+          </p:nvSpPr>
+          <p:spPr>
+            <a:xfrm>
+              <a:off x="3545241" y="2609280"/>
+              <a:ext cx="1295770" cy="0"/>
+            </a:xfrm>
+            <a:custGeom>
+              <a:avLst/>
+              <a:pathLst>
+                <a:path w="1295770" h="0">
+                  <a:moveTo>
+                    <a:pt x="0" y="0"/>
+                  </a:moveTo>
+                  <a:lnTo>
+                    <a:pt x="1295770" y="0"/>
+                  </a:lnTo>
+                  <a:lnTo>
+                    <a:pt x="1295770" y="0"/>
+                  </a:lnTo>
+                </a:path>
+              </a:pathLst>
+            </a:custGeom>
+            <a:ln w="6775" cap="flat">
+              <a:solidFill>
+                <a:srgbClr val="EBEBEB">
+                  <a:alpha val="100000"/>
+                </a:srgbClr>
+              </a:solidFill>
+              <a:prstDash val="solid"/>
+              <a:round/>
+            </a:ln>
+          </p:spPr>
+          <p:txBody>
+            <a:bodyPr/>
+            <a:lstStyle/>
+            <a:p/>
+          </p:txBody>
+        </p:sp>
+        <p:sp>
+          <p:nvSpPr>
+            <p:cNvPr id="34" name="pl34"/>
+            <p:cNvSpPr/>
+            <p:nvPr/>
+          </p:nvSpPr>
+          <p:spPr>
+            <a:xfrm>
+              <a:off x="3545241" y="4907120"/>
+              <a:ext cx="1295770" cy="0"/>
+            </a:xfrm>
+            <a:custGeom>
+              <a:avLst/>
+              <a:pathLst>
+                <a:path w="1295770" h="0">
+                  <a:moveTo>
+                    <a:pt x="0" y="0"/>
+                  </a:moveTo>
+                  <a:lnTo>
+                    <a:pt x="1295770" y="0"/>
+                  </a:lnTo>
+                  <a:lnTo>
+                    <a:pt x="1295770" y="0"/>
+                  </a:lnTo>
+                </a:path>
+              </a:pathLst>
+            </a:custGeom>
+            <a:ln w="13550" cap="flat">
+              <a:solidFill>
+                <a:srgbClr val="EBEBEB">
+                  <a:alpha val="100000"/>
+                </a:srgbClr>
+              </a:solidFill>
+              <a:prstDash val="solid"/>
+              <a:round/>
+            </a:ln>
+          </p:spPr>
+          <p:txBody>
+            <a:bodyPr/>
+            <a:lstStyle/>
+            <a:p/>
+          </p:txBody>
+        </p:sp>
+        <p:sp>
+          <p:nvSpPr>
+            <p:cNvPr id="35" name="pl35"/>
+            <p:cNvSpPr/>
+            <p:nvPr/>
+          </p:nvSpPr>
+          <p:spPr>
+            <a:xfrm>
+              <a:off x="3545241" y="3987984"/>
+              <a:ext cx="1295770" cy="0"/>
+            </a:xfrm>
+            <a:custGeom>
+              <a:avLst/>
+              <a:pathLst>
+                <a:path w="1295770" h="0">
+                  <a:moveTo>
+                    <a:pt x="0" y="0"/>
+                  </a:moveTo>
+                  <a:lnTo>
+                    <a:pt x="1295770" y="0"/>
+                  </a:lnTo>
+                  <a:lnTo>
+                    <a:pt x="1295770" y="0"/>
+                  </a:lnTo>
+                </a:path>
+              </a:pathLst>
+            </a:custGeom>
+            <a:ln w="13550" cap="flat">
+              <a:solidFill>
+                <a:srgbClr val="EBEBEB">
+                  <a:alpha val="100000"/>
+                </a:srgbClr>
+              </a:solidFill>
+              <a:prstDash val="solid"/>
+              <a:round/>
+            </a:ln>
+          </p:spPr>
+          <p:txBody>
+            <a:bodyPr/>
+            <a:lstStyle/>
+            <a:p/>
+          </p:txBody>
+        </p:sp>
+        <p:sp>
+          <p:nvSpPr>
+            <p:cNvPr id="36" name="pl36"/>
+            <p:cNvSpPr/>
+            <p:nvPr/>
+          </p:nvSpPr>
+          <p:spPr>
+            <a:xfrm>
+              <a:off x="3545241" y="3068848"/>
+              <a:ext cx="1295770" cy="0"/>
+            </a:xfrm>
+            <a:custGeom>
+              <a:avLst/>
+              <a:pathLst>
+                <a:path w="1295770" h="0">
+                  <a:moveTo>
+                    <a:pt x="0" y="0"/>
+                  </a:moveTo>
+                  <a:lnTo>
+                    <a:pt x="1295770" y="0"/>
+                  </a:lnTo>
+                  <a:lnTo>
+                    <a:pt x="1295770" y="0"/>
+                  </a:lnTo>
+                </a:path>
+              </a:pathLst>
+            </a:custGeom>
+            <a:ln w="13550" cap="flat">
+              <a:solidFill>
+                <a:srgbClr val="EBEBEB">
+                  <a:alpha val="100000"/>
+                </a:srgbClr>
+              </a:solidFill>
+              <a:prstDash val="solid"/>
+              <a:round/>
+            </a:ln>
+          </p:spPr>
+          <p:txBody>
+            <a:bodyPr/>
+            <a:lstStyle/>
+            <a:p/>
+          </p:txBody>
+        </p:sp>
+        <p:sp>
+          <p:nvSpPr>
+            <p:cNvPr id="37" name="pl37"/>
+            <p:cNvSpPr/>
+            <p:nvPr/>
+          </p:nvSpPr>
+          <p:spPr>
+            <a:xfrm>
+              <a:off x="3545241" y="2149712"/>
+              <a:ext cx="1295770" cy="0"/>
+            </a:xfrm>
+            <a:custGeom>
+              <a:avLst/>
+              <a:pathLst>
+                <a:path w="1295770" h="0">
+                  <a:moveTo>
+                    <a:pt x="0" y="0"/>
+                  </a:moveTo>
+                  <a:lnTo>
+                    <a:pt x="1295770" y="0"/>
+                  </a:lnTo>
+                  <a:lnTo>
+                    <a:pt x="1295770" y="0"/>
+                  </a:lnTo>
+                </a:path>
+              </a:pathLst>
+            </a:custGeom>
+            <a:ln w="13550" cap="flat">
+              <a:solidFill>
+                <a:srgbClr val="EBEBEB">
+                  <a:alpha val="100000"/>
+                </a:srgbClr>
+              </a:solidFill>
+              <a:prstDash val="solid"/>
+              <a:round/>
+            </a:ln>
+          </p:spPr>
+          <p:txBody>
+            <a:bodyPr/>
+            <a:lstStyle/>
+            <a:p/>
+          </p:txBody>
+        </p:sp>
+        <p:sp>
+          <p:nvSpPr>
+            <p:cNvPr id="38" name="pl38"/>
+            <p:cNvSpPr/>
+            <p:nvPr/>
+          </p:nvSpPr>
+          <p:spPr>
+            <a:xfrm>
+              <a:off x="3640054" y="1809173"/>
+              <a:ext cx="0" cy="3245468"/>
+            </a:xfrm>
+            <a:custGeom>
+              <a:avLst/>
+              <a:pathLst>
+                <a:path w="0" h="3245468">
+                  <a:moveTo>
+                    <a:pt x="0" y="3245468"/>
+                  </a:moveTo>
+                  <a:lnTo>
+                    <a:pt x="0" y="0"/>
+                  </a:lnTo>
+                  <a:lnTo>
+                    <a:pt x="0" y="0"/>
+                  </a:lnTo>
+                </a:path>
+              </a:pathLst>
+            </a:custGeom>
+            <a:ln w="13550" cap="flat">
+              <a:solidFill>
+                <a:srgbClr val="EBEBEB">
+                  <a:alpha val="100000"/>
+                </a:srgbClr>
+              </a:solidFill>
+              <a:prstDash val="solid"/>
+              <a:round/>
+            </a:ln>
+          </p:spPr>
+          <p:txBody>
+            <a:bodyPr/>
+            <a:lstStyle/>
+            <a:p/>
+          </p:txBody>
+        </p:sp>
+        <p:sp>
+          <p:nvSpPr>
+            <p:cNvPr id="39" name="pl39"/>
+            <p:cNvSpPr/>
+            <p:nvPr/>
+          </p:nvSpPr>
+          <p:spPr>
+            <a:xfrm>
+              <a:off x="3798075" y="1809173"/>
+              <a:ext cx="0" cy="3245468"/>
+            </a:xfrm>
+            <a:custGeom>
+              <a:avLst/>
+              <a:pathLst>
+                <a:path w="0" h="3245468">
+                  <a:moveTo>
+                    <a:pt x="0" y="3245468"/>
+                  </a:moveTo>
+                  <a:lnTo>
+                    <a:pt x="0" y="0"/>
+                  </a:lnTo>
+                  <a:lnTo>
+                    <a:pt x="0" y="0"/>
+                  </a:lnTo>
+                </a:path>
+              </a:pathLst>
+            </a:custGeom>
+            <a:ln w="13550" cap="flat">
+              <a:solidFill>
+                <a:srgbClr val="EBEBEB">
+                  <a:alpha val="100000"/>
+                </a:srgbClr>
+              </a:solidFill>
+              <a:prstDash val="solid"/>
+              <a:round/>
+            </a:ln>
+          </p:spPr>
+          <p:txBody>
+            <a:bodyPr/>
+            <a:lstStyle/>
+            <a:p/>
+          </p:txBody>
+        </p:sp>
+        <p:sp>
+          <p:nvSpPr>
+            <p:cNvPr id="40" name="pl40"/>
+            <p:cNvSpPr/>
+            <p:nvPr/>
+          </p:nvSpPr>
+          <p:spPr>
+            <a:xfrm>
+              <a:off x="3956095" y="1809173"/>
+              <a:ext cx="0" cy="3245468"/>
+            </a:xfrm>
+            <a:custGeom>
+              <a:avLst/>
+              <a:pathLst>
+                <a:path w="0" h="3245468">
+                  <a:moveTo>
+                    <a:pt x="0" y="3245468"/>
+                  </a:moveTo>
+                  <a:lnTo>
+                    <a:pt x="0" y="0"/>
+                  </a:lnTo>
+                  <a:lnTo>
+                    <a:pt x="0" y="0"/>
+                  </a:lnTo>
+                </a:path>
+              </a:pathLst>
+            </a:custGeom>
+            <a:ln w="13550" cap="flat">
+              <a:solidFill>
+                <a:srgbClr val="EBEBEB">
+                  <a:alpha val="100000"/>
+                </a:srgbClr>
+              </a:solidFill>
+              <a:prstDash val="solid"/>
+              <a:round/>
+            </a:ln>
+          </p:spPr>
+          <p:txBody>
+            <a:bodyPr/>
+            <a:lstStyle/>
+            <a:p/>
+          </p:txBody>
+        </p:sp>
+        <p:sp>
+          <p:nvSpPr>
+            <p:cNvPr id="41" name="pl41"/>
+            <p:cNvSpPr/>
+            <p:nvPr/>
+          </p:nvSpPr>
+          <p:spPr>
+            <a:xfrm>
+              <a:off x="4114116" y="1809173"/>
+              <a:ext cx="0" cy="3245468"/>
+            </a:xfrm>
+            <a:custGeom>
+              <a:avLst/>
+              <a:pathLst>
+                <a:path w="0" h="3245468">
+                  <a:moveTo>
+                    <a:pt x="0" y="3245468"/>
+                  </a:moveTo>
+                  <a:lnTo>
+                    <a:pt x="0" y="0"/>
+                  </a:lnTo>
+                  <a:lnTo>
+                    <a:pt x="0" y="0"/>
+                  </a:lnTo>
+                </a:path>
+              </a:pathLst>
+            </a:custGeom>
+            <a:ln w="13550" cap="flat">
+              <a:solidFill>
+                <a:srgbClr val="EBEBEB">
+                  <a:alpha val="100000"/>
+                </a:srgbClr>
+              </a:solidFill>
+              <a:prstDash val="solid"/>
+              <a:round/>
+            </a:ln>
+          </p:spPr>
+          <p:txBody>
+            <a:bodyPr/>
+            <a:lstStyle/>
+            <a:p/>
+          </p:txBody>
+        </p:sp>
+        <p:sp>
+          <p:nvSpPr>
+            <p:cNvPr id="42" name="pl42"/>
+            <p:cNvSpPr/>
+            <p:nvPr/>
+          </p:nvSpPr>
+          <p:spPr>
+            <a:xfrm>
+              <a:off x="4272137" y="1809173"/>
+              <a:ext cx="0" cy="3245468"/>
+            </a:xfrm>
+            <a:custGeom>
+              <a:avLst/>
+              <a:pathLst>
+                <a:path w="0" h="3245468">
+                  <a:moveTo>
+                    <a:pt x="0" y="3245468"/>
+                  </a:moveTo>
+                  <a:lnTo>
+                    <a:pt x="0" y="0"/>
+                  </a:lnTo>
+                  <a:lnTo>
+                    <a:pt x="0" y="0"/>
+                  </a:lnTo>
+                </a:path>
+              </a:pathLst>
+            </a:custGeom>
+            <a:ln w="13550" cap="flat">
+              <a:solidFill>
+                <a:srgbClr val="EBEBEB">
+                  <a:alpha val="100000"/>
+                </a:srgbClr>
+              </a:solidFill>
+              <a:prstDash val="solid"/>
+              <a:round/>
+            </a:ln>
+          </p:spPr>
+          <p:txBody>
+            <a:bodyPr/>
+            <a:lstStyle/>
+            <a:p/>
+          </p:txBody>
+        </p:sp>
+        <p:sp>
+          <p:nvSpPr>
+            <p:cNvPr id="43" name="pl43"/>
+            <p:cNvSpPr/>
+            <p:nvPr/>
+          </p:nvSpPr>
+          <p:spPr>
+            <a:xfrm>
+              <a:off x="4430158" y="1809173"/>
+              <a:ext cx="0" cy="3245468"/>
+            </a:xfrm>
+            <a:custGeom>
+              <a:avLst/>
+              <a:pathLst>
+                <a:path w="0" h="3245468">
+                  <a:moveTo>
+                    <a:pt x="0" y="3245468"/>
+                  </a:moveTo>
+                  <a:lnTo>
+                    <a:pt x="0" y="0"/>
+                  </a:lnTo>
+                  <a:lnTo>
+                    <a:pt x="0" y="0"/>
+                  </a:lnTo>
+                </a:path>
+              </a:pathLst>
+            </a:custGeom>
+            <a:ln w="13550" cap="flat">
+              <a:solidFill>
+                <a:srgbClr val="EBEBEB">
+                  <a:alpha val="100000"/>
+                </a:srgbClr>
+              </a:solidFill>
+              <a:prstDash val="solid"/>
+              <a:round/>
+            </a:ln>
+          </p:spPr>
+          <p:txBody>
+            <a:bodyPr/>
+            <a:lstStyle/>
+            <a:p/>
+          </p:txBody>
+        </p:sp>
+        <p:sp>
+          <p:nvSpPr>
+            <p:cNvPr id="44" name="pl44"/>
+            <p:cNvSpPr/>
+            <p:nvPr/>
+          </p:nvSpPr>
+          <p:spPr>
+            <a:xfrm>
+              <a:off x="4588179" y="1809173"/>
+              <a:ext cx="0" cy="3245468"/>
+            </a:xfrm>
+            <a:custGeom>
+              <a:avLst/>
+              <a:pathLst>
+                <a:path w="0" h="3245468">
+                  <a:moveTo>
+                    <a:pt x="0" y="3245468"/>
+                  </a:moveTo>
+                  <a:lnTo>
+                    <a:pt x="0" y="0"/>
+                  </a:lnTo>
+                  <a:lnTo>
+                    <a:pt x="0" y="0"/>
+                  </a:lnTo>
+                </a:path>
+              </a:pathLst>
+            </a:custGeom>
+            <a:ln w="13550" cap="flat">
+              <a:solidFill>
+                <a:srgbClr val="EBEBEB">
+                  <a:alpha val="100000"/>
+                </a:srgbClr>
+              </a:solidFill>
+              <a:prstDash val="solid"/>
+              <a:round/>
+            </a:ln>
+          </p:spPr>
+          <p:txBody>
+            <a:bodyPr/>
+            <a:lstStyle/>
+            <a:p/>
+          </p:txBody>
+        </p:sp>
+        <p:sp>
+          <p:nvSpPr>
+            <p:cNvPr id="45" name="pl45"/>
+            <p:cNvSpPr/>
+            <p:nvPr/>
+          </p:nvSpPr>
+          <p:spPr>
+            <a:xfrm>
+              <a:off x="4746200" y="1809173"/>
+              <a:ext cx="0" cy="3245468"/>
+            </a:xfrm>
+            <a:custGeom>
+              <a:avLst/>
+              <a:pathLst>
+                <a:path w="0" h="3245468">
+                  <a:moveTo>
+                    <a:pt x="0" y="3245468"/>
+                  </a:moveTo>
+                  <a:lnTo>
+                    <a:pt x="0" y="0"/>
+                  </a:lnTo>
+                  <a:lnTo>
+                    <a:pt x="0" y="0"/>
+                  </a:lnTo>
+                </a:path>
+              </a:pathLst>
+            </a:custGeom>
+            <a:ln w="13550" cap="flat">
+              <a:solidFill>
+                <a:srgbClr val="EBEBEB">
+                  <a:alpha val="100000"/>
+                </a:srgbClr>
+              </a:solidFill>
+              <a:prstDash val="solid"/>
+              <a:round/>
+            </a:ln>
+          </p:spPr>
+          <p:txBody>
+            <a:bodyPr/>
+            <a:lstStyle/>
+            <a:p/>
+          </p:txBody>
+        </p:sp>
+        <p:sp>
+          <p:nvSpPr>
+            <p:cNvPr id="46" name="rc46"/>
+            <p:cNvSpPr/>
+            <p:nvPr/>
+          </p:nvSpPr>
+          <p:spPr>
+            <a:xfrm>
+              <a:off x="3568944" y="4851972"/>
+              <a:ext cx="142218" cy="55148"/>
+            </a:xfrm>
+            <a:prstGeom prst="rect">
+              <a:avLst/>
+            </a:prstGeom>
+            <a:solidFill>
+              <a:srgbClr val="FFF5F0">
+                <a:alpha val="100000"/>
+              </a:srgbClr>
+            </a:solidFill>
+          </p:spPr>
+          <p:txBody>
+            <a:bodyPr/>
+            <a:lstStyle/>
+            <a:p/>
+          </p:txBody>
+        </p:sp>
+        <p:sp>
+          <p:nvSpPr>
+            <p:cNvPr id="47" name="rc47"/>
+            <p:cNvSpPr/>
+            <p:nvPr/>
+          </p:nvSpPr>
+          <p:spPr>
+            <a:xfrm>
+              <a:off x="3726965" y="4842780"/>
+              <a:ext cx="142218" cy="64339"/>
+            </a:xfrm>
+            <a:prstGeom prst="rect">
+              <a:avLst/>
+            </a:prstGeom>
+            <a:solidFill>
+              <a:srgbClr val="FEE0D2">
+                <a:alpha val="100000"/>
+              </a:srgbClr>
+            </a:solidFill>
+          </p:spPr>
+          <p:txBody>
+            <a:bodyPr/>
+            <a:lstStyle/>
+            <a:p/>
+          </p:txBody>
+        </p:sp>
+        <p:sp>
+          <p:nvSpPr>
+            <p:cNvPr id="48" name="rc48"/>
+            <p:cNvSpPr/>
+            <p:nvPr/>
+          </p:nvSpPr>
+          <p:spPr>
+            <a:xfrm>
+              <a:off x="3884986" y="4769249"/>
+              <a:ext cx="142218" cy="137870"/>
+            </a:xfrm>
+            <a:prstGeom prst="rect">
+              <a:avLst/>
+            </a:prstGeom>
+            <a:solidFill>
+              <a:srgbClr val="FCBBA1">
+                <a:alpha val="100000"/>
+              </a:srgbClr>
+            </a:solidFill>
+          </p:spPr>
+          <p:txBody>
+            <a:bodyPr/>
+            <a:lstStyle/>
+            <a:p/>
+          </p:txBody>
+        </p:sp>
+        <p:sp>
+          <p:nvSpPr>
+            <p:cNvPr id="49" name="rc49"/>
+            <p:cNvSpPr/>
+            <p:nvPr/>
+          </p:nvSpPr>
+          <p:spPr>
+            <a:xfrm>
+              <a:off x="4043007" y="4787632"/>
+              <a:ext cx="142218" cy="119487"/>
+            </a:xfrm>
+            <a:prstGeom prst="rect">
+              <a:avLst/>
+            </a:prstGeom>
+            <a:solidFill>
+              <a:srgbClr val="FC9272">
+                <a:alpha val="100000"/>
+              </a:srgbClr>
+            </a:solidFill>
+          </p:spPr>
+          <p:txBody>
+            <a:bodyPr/>
+            <a:lstStyle/>
+            <a:p/>
+          </p:txBody>
+        </p:sp>
+        <p:sp>
+          <p:nvSpPr>
+            <p:cNvPr id="50" name="rc50"/>
+            <p:cNvSpPr/>
+            <p:nvPr/>
+          </p:nvSpPr>
+          <p:spPr>
+            <a:xfrm>
+              <a:off x="4201028" y="4842780"/>
+              <a:ext cx="142218" cy="64339"/>
+            </a:xfrm>
+            <a:prstGeom prst="rect">
+              <a:avLst/>
+            </a:prstGeom>
+            <a:solidFill>
+              <a:srgbClr val="FB6A4A">
+                <a:alpha val="100000"/>
+              </a:srgbClr>
+            </a:solidFill>
+          </p:spPr>
+          <p:txBody>
+            <a:bodyPr/>
+            <a:lstStyle/>
+            <a:p/>
+          </p:txBody>
+        </p:sp>
+        <p:sp>
+          <p:nvSpPr>
+            <p:cNvPr id="51" name="rc51"/>
+            <p:cNvSpPr/>
+            <p:nvPr/>
+          </p:nvSpPr>
+          <p:spPr>
+            <a:xfrm>
+              <a:off x="4359049" y="4778441"/>
+              <a:ext cx="142218" cy="128679"/>
+            </a:xfrm>
+            <a:prstGeom prst="rect">
+              <a:avLst/>
+            </a:prstGeom>
+            <a:solidFill>
+              <a:srgbClr val="EF3B2C">
+                <a:alpha val="100000"/>
+              </a:srgbClr>
+            </a:solidFill>
+          </p:spPr>
+          <p:txBody>
+            <a:bodyPr/>
+            <a:lstStyle/>
+            <a:p/>
+          </p:txBody>
+        </p:sp>
+        <p:sp>
+          <p:nvSpPr>
+            <p:cNvPr id="52" name="rc52"/>
+            <p:cNvSpPr/>
+            <p:nvPr/>
+          </p:nvSpPr>
+          <p:spPr>
+            <a:xfrm>
+              <a:off x="4517069" y="4870354"/>
+              <a:ext cx="142218" cy="36765"/>
+            </a:xfrm>
+            <a:prstGeom prst="rect">
+              <a:avLst/>
+            </a:prstGeom>
+            <a:solidFill>
+              <a:srgbClr val="CB181D">
+                <a:alpha val="100000"/>
+              </a:srgbClr>
+            </a:solidFill>
+          </p:spPr>
+          <p:txBody>
+            <a:bodyPr/>
+            <a:lstStyle/>
+            <a:p/>
+          </p:txBody>
+        </p:sp>
+        <p:sp>
+          <p:nvSpPr>
+            <p:cNvPr id="53" name="rc53"/>
+            <p:cNvSpPr/>
+            <p:nvPr/>
+          </p:nvSpPr>
+          <p:spPr>
+            <a:xfrm>
+              <a:off x="4675090" y="3133188"/>
+              <a:ext cx="142218" cy="1773932"/>
+            </a:xfrm>
+            <a:prstGeom prst="rect">
+              <a:avLst/>
+            </a:prstGeom>
+            <a:solidFill>
+              <a:srgbClr val="99000D">
+                <a:alpha val="100000"/>
+              </a:srgbClr>
+            </a:solidFill>
+          </p:spPr>
+          <p:txBody>
+            <a:bodyPr/>
+            <a:lstStyle/>
+            <a:p/>
+          </p:txBody>
+        </p:sp>
+        <p:sp>
+          <p:nvSpPr>
+            <p:cNvPr id="54" name="rc54"/>
+            <p:cNvSpPr/>
+            <p:nvPr/>
+          </p:nvSpPr>
+          <p:spPr>
+            <a:xfrm>
+              <a:off x="3545241" y="1809173"/>
+              <a:ext cx="1295770" cy="3245468"/>
+            </a:xfrm>
+            <a:prstGeom prst="rect">
+              <a:avLst/>
+            </a:prstGeom>
+            <a:ln w="13550" cap="rnd">
+              <a:solidFill>
+                <a:srgbClr val="333333">
+                  <a:alpha val="100000"/>
+                </a:srgbClr>
+              </a:solidFill>
+              <a:prstDash val="solid"/>
+              <a:round/>
+            </a:ln>
+          </p:spPr>
+          <p:txBody>
+            <a:bodyPr/>
+            <a:lstStyle/>
+            <a:p/>
+          </p:txBody>
+        </p:sp>
+        <p:sp>
+          <p:nvSpPr>
+            <p:cNvPr id="55" name="rc55"/>
+            <p:cNvSpPr/>
+            <p:nvPr/>
+          </p:nvSpPr>
+          <p:spPr>
+            <a:xfrm>
+              <a:off x="4910601" y="1809173"/>
+              <a:ext cx="1295770" cy="3245468"/>
+            </a:xfrm>
+            <a:prstGeom prst="rect">
+              <a:avLst/>
+            </a:prstGeom>
+            <a:solidFill>
+              <a:srgbClr val="FFFFFF">
+                <a:alpha val="100000"/>
+              </a:srgbClr>
+            </a:solidFill>
+          </p:spPr>
+          <p:txBody>
+            <a:bodyPr/>
+            <a:lstStyle/>
+            <a:p/>
+          </p:txBody>
+        </p:sp>
+        <p:sp>
+          <p:nvSpPr>
+            <p:cNvPr id="56" name="pl56"/>
+            <p:cNvSpPr/>
+            <p:nvPr/>
+          </p:nvSpPr>
+          <p:spPr>
+            <a:xfrm>
+              <a:off x="4910601" y="4447552"/>
+              <a:ext cx="1295770" cy="0"/>
+            </a:xfrm>
+            <a:custGeom>
+              <a:avLst/>
+              <a:pathLst>
+                <a:path w="1295770" h="0">
+                  <a:moveTo>
+                    <a:pt x="0" y="0"/>
+                  </a:moveTo>
+                  <a:lnTo>
+                    <a:pt x="1295770" y="0"/>
+                  </a:lnTo>
+                  <a:lnTo>
+                    <a:pt x="1295770" y="0"/>
+                  </a:lnTo>
+                </a:path>
+              </a:pathLst>
+            </a:custGeom>
+            <a:ln w="6775" cap="flat">
+              <a:solidFill>
+                <a:srgbClr val="EBEBEB">
+                  <a:alpha val="100000"/>
+                </a:srgbClr>
+              </a:solidFill>
+              <a:prstDash val="solid"/>
+              <a:round/>
+            </a:ln>
+          </p:spPr>
+          <p:txBody>
+            <a:bodyPr/>
+            <a:lstStyle/>
+            <a:p/>
+          </p:txBody>
+        </p:sp>
+        <p:sp>
+          <p:nvSpPr>
+            <p:cNvPr id="57" name="pl57"/>
+            <p:cNvSpPr/>
+            <p:nvPr/>
+          </p:nvSpPr>
+          <p:spPr>
+            <a:xfrm>
+              <a:off x="4910601" y="3528416"/>
+              <a:ext cx="1295770" cy="0"/>
+            </a:xfrm>
+            <a:custGeom>
+              <a:avLst/>
+              <a:pathLst>
+                <a:path w="1295770" h="0">
+                  <a:moveTo>
+                    <a:pt x="0" y="0"/>
+                  </a:moveTo>
+                  <a:lnTo>
+                    <a:pt x="1295770" y="0"/>
+                  </a:lnTo>
+                  <a:lnTo>
+                    <a:pt x="1295770" y="0"/>
+                  </a:lnTo>
+                </a:path>
+              </a:pathLst>
+            </a:custGeom>
+            <a:ln w="6775" cap="flat">
+              <a:solidFill>
+                <a:srgbClr val="EBEBEB">
+                  <a:alpha val="100000"/>
+                </a:srgbClr>
+              </a:solidFill>
+              <a:prstDash val="solid"/>
+              <a:round/>
+            </a:ln>
+          </p:spPr>
+          <p:txBody>
+            <a:bodyPr/>
+            <a:lstStyle/>
+            <a:p/>
+          </p:txBody>
+        </p:sp>
+        <p:sp>
+          <p:nvSpPr>
+            <p:cNvPr id="58" name="pl58"/>
+            <p:cNvSpPr/>
+            <p:nvPr/>
+          </p:nvSpPr>
+          <p:spPr>
+            <a:xfrm>
+              <a:off x="4910601" y="2609280"/>
+              <a:ext cx="1295770" cy="0"/>
+            </a:xfrm>
+            <a:custGeom>
+              <a:avLst/>
+              <a:pathLst>
+                <a:path w="1295770" h="0">
+                  <a:moveTo>
+                    <a:pt x="0" y="0"/>
+                  </a:moveTo>
+                  <a:lnTo>
+                    <a:pt x="1295770" y="0"/>
+                  </a:lnTo>
+                  <a:lnTo>
+                    <a:pt x="1295770" y="0"/>
+                  </a:lnTo>
+                </a:path>
+              </a:pathLst>
+            </a:custGeom>
+            <a:ln w="6775" cap="flat">
+              <a:solidFill>
+                <a:srgbClr val="EBEBEB">
+                  <a:alpha val="100000"/>
+                </a:srgbClr>
+              </a:solidFill>
+              <a:prstDash val="solid"/>
+              <a:round/>
+            </a:ln>
+          </p:spPr>
+          <p:txBody>
+            <a:bodyPr/>
+            <a:lstStyle/>
+            <a:p/>
+          </p:txBody>
+        </p:sp>
+        <p:sp>
+          <p:nvSpPr>
+            <p:cNvPr id="59" name="pl59"/>
+            <p:cNvSpPr/>
+            <p:nvPr/>
+          </p:nvSpPr>
+          <p:spPr>
+            <a:xfrm>
+              <a:off x="4910601" y="4907120"/>
+              <a:ext cx="1295770" cy="0"/>
+            </a:xfrm>
+            <a:custGeom>
+              <a:avLst/>
+              <a:pathLst>
+                <a:path w="1295770" h="0">
+                  <a:moveTo>
+                    <a:pt x="0" y="0"/>
+                  </a:moveTo>
+                  <a:lnTo>
+                    <a:pt x="1295770" y="0"/>
+                  </a:lnTo>
+                  <a:lnTo>
+                    <a:pt x="1295770" y="0"/>
+                  </a:lnTo>
+                </a:path>
+              </a:pathLst>
+            </a:custGeom>
+            <a:ln w="13550" cap="flat">
+              <a:solidFill>
+                <a:srgbClr val="EBEBEB">
+                  <a:alpha val="100000"/>
+                </a:srgbClr>
+              </a:solidFill>
+              <a:prstDash val="solid"/>
+              <a:round/>
+            </a:ln>
+          </p:spPr>
+          <p:txBody>
+            <a:bodyPr/>
+            <a:lstStyle/>
+            <a:p/>
+          </p:txBody>
+        </p:sp>
+        <p:sp>
+          <p:nvSpPr>
+            <p:cNvPr id="60" name="pl60"/>
+            <p:cNvSpPr/>
+            <p:nvPr/>
+          </p:nvSpPr>
+          <p:spPr>
+            <a:xfrm>
+              <a:off x="4910601" y="3987984"/>
+              <a:ext cx="1295770" cy="0"/>
+            </a:xfrm>
+            <a:custGeom>
+              <a:avLst/>
+              <a:pathLst>
+                <a:path w="1295770" h="0">
+                  <a:moveTo>
+                    <a:pt x="0" y="0"/>
+                  </a:moveTo>
+                  <a:lnTo>
+                    <a:pt x="1295770" y="0"/>
+                  </a:lnTo>
+                  <a:lnTo>
+                    <a:pt x="1295770" y="0"/>
+                  </a:lnTo>
+                </a:path>
+              </a:pathLst>
+            </a:custGeom>
+            <a:ln w="13550" cap="flat">
+              <a:solidFill>
+                <a:srgbClr val="EBEBEB">
+                  <a:alpha val="100000"/>
+                </a:srgbClr>
+              </a:solidFill>
+              <a:prstDash val="solid"/>
+              <a:round/>
+            </a:ln>
+          </p:spPr>
+          <p:txBody>
+            <a:bodyPr/>
+            <a:lstStyle/>
+            <a:p/>
+          </p:txBody>
+        </p:sp>
+        <p:sp>
+          <p:nvSpPr>
+            <p:cNvPr id="61" name="pl61"/>
+            <p:cNvSpPr/>
+            <p:nvPr/>
+          </p:nvSpPr>
+          <p:spPr>
+            <a:xfrm>
+              <a:off x="4910601" y="3068848"/>
+              <a:ext cx="1295770" cy="0"/>
+            </a:xfrm>
+            <a:custGeom>
+              <a:avLst/>
+              <a:pathLst>
+                <a:path w="1295770" h="0">
+                  <a:moveTo>
+                    <a:pt x="0" y="0"/>
+                  </a:moveTo>
+                  <a:lnTo>
+                    <a:pt x="1295770" y="0"/>
+                  </a:lnTo>
+                  <a:lnTo>
+                    <a:pt x="1295770" y="0"/>
+                  </a:lnTo>
+                </a:path>
+              </a:pathLst>
+            </a:custGeom>
+            <a:ln w="13550" cap="flat">
+              <a:solidFill>
+                <a:srgbClr val="EBEBEB">
+                  <a:alpha val="100000"/>
+                </a:srgbClr>
+              </a:solidFill>
+              <a:prstDash val="solid"/>
+              <a:round/>
+            </a:ln>
+          </p:spPr>
+          <p:txBody>
+            <a:bodyPr/>
+            <a:lstStyle/>
+            <a:p/>
+          </p:txBody>
+        </p:sp>
+        <p:sp>
+          <p:nvSpPr>
+            <p:cNvPr id="62" name="pl62"/>
+            <p:cNvSpPr/>
+            <p:nvPr/>
+          </p:nvSpPr>
+          <p:spPr>
+            <a:xfrm>
+              <a:off x="4910601" y="2149712"/>
+              <a:ext cx="1295770" cy="0"/>
+            </a:xfrm>
+            <a:custGeom>
+              <a:avLst/>
+              <a:pathLst>
+                <a:path w="1295770" h="0">
+                  <a:moveTo>
+                    <a:pt x="0" y="0"/>
+                  </a:moveTo>
+                  <a:lnTo>
+                    <a:pt x="1295770" y="0"/>
+                  </a:lnTo>
+                  <a:lnTo>
+                    <a:pt x="1295770" y="0"/>
+                  </a:lnTo>
+                </a:path>
+              </a:pathLst>
+            </a:custGeom>
+            <a:ln w="13550" cap="flat">
+              <a:solidFill>
+                <a:srgbClr val="EBEBEB">
+                  <a:alpha val="100000"/>
+                </a:srgbClr>
+              </a:solidFill>
+              <a:prstDash val="solid"/>
+              <a:round/>
+            </a:ln>
+          </p:spPr>
+          <p:txBody>
+            <a:bodyPr/>
+            <a:lstStyle/>
+            <a:p/>
+          </p:txBody>
+        </p:sp>
+        <p:sp>
+          <p:nvSpPr>
+            <p:cNvPr id="63" name="pl63"/>
+            <p:cNvSpPr/>
+            <p:nvPr/>
+          </p:nvSpPr>
+          <p:spPr>
+            <a:xfrm>
+              <a:off x="5005414" y="1809173"/>
+              <a:ext cx="0" cy="3245468"/>
+            </a:xfrm>
+            <a:custGeom>
+              <a:avLst/>
+              <a:pathLst>
+                <a:path w="0" h="3245468">
+                  <a:moveTo>
+                    <a:pt x="0" y="3245468"/>
+                  </a:moveTo>
+                  <a:lnTo>
+                    <a:pt x="0" y="0"/>
+                  </a:lnTo>
+                  <a:lnTo>
+                    <a:pt x="0" y="0"/>
+                  </a:lnTo>
+                </a:path>
+              </a:pathLst>
+            </a:custGeom>
+            <a:ln w="13550" cap="flat">
+              <a:solidFill>
+                <a:srgbClr val="EBEBEB">
+                  <a:alpha val="100000"/>
+                </a:srgbClr>
+              </a:solidFill>
+              <a:prstDash val="solid"/>
+              <a:round/>
+            </a:ln>
+          </p:spPr>
+          <p:txBody>
+            <a:bodyPr/>
+            <a:lstStyle/>
+            <a:p/>
+          </p:txBody>
+        </p:sp>
+        <p:sp>
+          <p:nvSpPr>
+            <p:cNvPr id="64" name="pl64"/>
+            <p:cNvSpPr/>
+            <p:nvPr/>
+          </p:nvSpPr>
+          <p:spPr>
+            <a:xfrm>
+              <a:off x="5163434" y="1809173"/>
+              <a:ext cx="0" cy="3245468"/>
+            </a:xfrm>
+            <a:custGeom>
+              <a:avLst/>
+              <a:pathLst>
+                <a:path w="0" h="3245468">
+                  <a:moveTo>
+                    <a:pt x="0" y="3245468"/>
+                  </a:moveTo>
+                  <a:lnTo>
+                    <a:pt x="0" y="0"/>
+                  </a:lnTo>
+                  <a:lnTo>
+                    <a:pt x="0" y="0"/>
+                  </a:lnTo>
+                </a:path>
+              </a:pathLst>
+            </a:custGeom>
+            <a:ln w="13550" cap="flat">
+              <a:solidFill>
+                <a:srgbClr val="EBEBEB">
+                  <a:alpha val="100000"/>
+                </a:srgbClr>
+              </a:solidFill>
+              <a:prstDash val="solid"/>
+              <a:round/>
+            </a:ln>
+          </p:spPr>
+          <p:txBody>
+            <a:bodyPr/>
+            <a:lstStyle/>
+            <a:p/>
+          </p:txBody>
+        </p:sp>
+        <p:sp>
+          <p:nvSpPr>
+            <p:cNvPr id="65" name="pl65"/>
+            <p:cNvSpPr/>
+            <p:nvPr/>
+          </p:nvSpPr>
+          <p:spPr>
+            <a:xfrm>
+              <a:off x="5321455" y="1809173"/>
+              <a:ext cx="0" cy="3245468"/>
+            </a:xfrm>
+            <a:custGeom>
+              <a:avLst/>
+              <a:pathLst>
+                <a:path w="0" h="3245468">
+                  <a:moveTo>
+                    <a:pt x="0" y="3245468"/>
+                  </a:moveTo>
+                  <a:lnTo>
+                    <a:pt x="0" y="0"/>
+                  </a:lnTo>
+                  <a:lnTo>
+                    <a:pt x="0" y="0"/>
+                  </a:lnTo>
+                </a:path>
+              </a:pathLst>
+            </a:custGeom>
+            <a:ln w="13550" cap="flat">
+              <a:solidFill>
+                <a:srgbClr val="EBEBEB">
+                  <a:alpha val="100000"/>
+                </a:srgbClr>
+              </a:solidFill>
+              <a:prstDash val="solid"/>
+              <a:round/>
+            </a:ln>
+          </p:spPr>
+          <p:txBody>
+            <a:bodyPr/>
+            <a:lstStyle/>
+            <a:p/>
+          </p:txBody>
+        </p:sp>
+        <p:sp>
+          <p:nvSpPr>
+            <p:cNvPr id="66" name="pl66"/>
+            <p:cNvSpPr/>
+            <p:nvPr/>
+          </p:nvSpPr>
+          <p:spPr>
+            <a:xfrm>
+              <a:off x="5479476" y="1809173"/>
+              <a:ext cx="0" cy="3245468"/>
+            </a:xfrm>
+            <a:custGeom>
+              <a:avLst/>
+              <a:pathLst>
+                <a:path w="0" h="3245468">
+                  <a:moveTo>
+                    <a:pt x="0" y="3245468"/>
+                  </a:moveTo>
+                  <a:lnTo>
+                    <a:pt x="0" y="0"/>
+                  </a:lnTo>
+                  <a:lnTo>
+                    <a:pt x="0" y="0"/>
+                  </a:lnTo>
+                </a:path>
+              </a:pathLst>
+            </a:custGeom>
+            <a:ln w="13550" cap="flat">
+              <a:solidFill>
+                <a:srgbClr val="EBEBEB">
+                  <a:alpha val="100000"/>
+                </a:srgbClr>
+              </a:solidFill>
+              <a:prstDash val="solid"/>
+              <a:round/>
+            </a:ln>
+          </p:spPr>
+          <p:txBody>
+            <a:bodyPr/>
+            <a:lstStyle/>
+            <a:p/>
+          </p:txBody>
+        </p:sp>
+        <p:sp>
+          <p:nvSpPr>
+            <p:cNvPr id="67" name="pl67"/>
+            <p:cNvSpPr/>
+            <p:nvPr/>
+          </p:nvSpPr>
+          <p:spPr>
+            <a:xfrm>
+              <a:off x="5637497" y="1809173"/>
+              <a:ext cx="0" cy="3245468"/>
+            </a:xfrm>
+            <a:custGeom>
+              <a:avLst/>
+              <a:pathLst>
+                <a:path w="0" h="3245468">
+                  <a:moveTo>
+                    <a:pt x="0" y="3245468"/>
+                  </a:moveTo>
+                  <a:lnTo>
+                    <a:pt x="0" y="0"/>
+                  </a:lnTo>
+                  <a:lnTo>
+                    <a:pt x="0" y="0"/>
+                  </a:lnTo>
+                </a:path>
+              </a:pathLst>
+            </a:custGeom>
+            <a:ln w="13550" cap="flat">
+              <a:solidFill>
+                <a:srgbClr val="EBEBEB">
+                  <a:alpha val="100000"/>
+                </a:srgbClr>
+              </a:solidFill>
+              <a:prstDash val="solid"/>
+              <a:round/>
+            </a:ln>
+          </p:spPr>
+          <p:txBody>
+            <a:bodyPr/>
+            <a:lstStyle/>
+            <a:p/>
+          </p:txBody>
+        </p:sp>
+        <p:sp>
+          <p:nvSpPr>
+            <p:cNvPr id="68" name="pl68"/>
+            <p:cNvSpPr/>
+            <p:nvPr/>
+          </p:nvSpPr>
+          <p:spPr>
+            <a:xfrm>
+              <a:off x="5795518" y="1809173"/>
+              <a:ext cx="0" cy="3245468"/>
+            </a:xfrm>
+            <a:custGeom>
+              <a:avLst/>
+              <a:pathLst>
+                <a:path w="0" h="3245468">
+                  <a:moveTo>
+                    <a:pt x="0" y="3245468"/>
+                  </a:moveTo>
+                  <a:lnTo>
+                    <a:pt x="0" y="0"/>
+                  </a:lnTo>
+                  <a:lnTo>
+                    <a:pt x="0" y="0"/>
+                  </a:lnTo>
+                </a:path>
+              </a:pathLst>
+            </a:custGeom>
+            <a:ln w="13550" cap="flat">
+              <a:solidFill>
+                <a:srgbClr val="EBEBEB">
+                  <a:alpha val="100000"/>
+                </a:srgbClr>
+              </a:solidFill>
+              <a:prstDash val="solid"/>
+              <a:round/>
+            </a:ln>
+          </p:spPr>
+          <p:txBody>
+            <a:bodyPr/>
+            <a:lstStyle/>
+            <a:p/>
+          </p:txBody>
+        </p:sp>
+        <p:sp>
+          <p:nvSpPr>
+            <p:cNvPr id="69" name="pl69"/>
+            <p:cNvSpPr/>
+            <p:nvPr/>
+          </p:nvSpPr>
+          <p:spPr>
+            <a:xfrm>
+              <a:off x="5953539" y="1809173"/>
+              <a:ext cx="0" cy="3245468"/>
+            </a:xfrm>
+            <a:custGeom>
+              <a:avLst/>
+              <a:pathLst>
+                <a:path w="0" h="3245468">
+                  <a:moveTo>
+                    <a:pt x="0" y="3245468"/>
+                  </a:moveTo>
+                  <a:lnTo>
+                    <a:pt x="0" y="0"/>
+                  </a:lnTo>
+                  <a:lnTo>
+                    <a:pt x="0" y="0"/>
+                  </a:lnTo>
+                </a:path>
+              </a:pathLst>
+            </a:custGeom>
+            <a:ln w="13550" cap="flat">
+              <a:solidFill>
+                <a:srgbClr val="EBEBEB">
+                  <a:alpha val="100000"/>
+                </a:srgbClr>
+              </a:solidFill>
+              <a:prstDash val="solid"/>
+              <a:round/>
+            </a:ln>
+          </p:spPr>
+          <p:txBody>
+            <a:bodyPr/>
+            <a:lstStyle/>
+            <a:p/>
+          </p:txBody>
+        </p:sp>
+        <p:sp>
+          <p:nvSpPr>
+            <p:cNvPr id="70" name="pl70"/>
+            <p:cNvSpPr/>
+            <p:nvPr/>
+          </p:nvSpPr>
+          <p:spPr>
+            <a:xfrm>
+              <a:off x="6111560" y="1809173"/>
+              <a:ext cx="0" cy="3245468"/>
+            </a:xfrm>
+            <a:custGeom>
+              <a:avLst/>
+              <a:pathLst>
+                <a:path w="0" h="3245468">
+                  <a:moveTo>
+                    <a:pt x="0" y="3245468"/>
+                  </a:moveTo>
+                  <a:lnTo>
+                    <a:pt x="0" y="0"/>
+                  </a:lnTo>
+                  <a:lnTo>
+                    <a:pt x="0" y="0"/>
+                  </a:lnTo>
+                </a:path>
+              </a:pathLst>
+            </a:custGeom>
+            <a:ln w="13550" cap="flat">
+              <a:solidFill>
+                <a:srgbClr val="EBEBEB">
+                  <a:alpha val="100000"/>
+                </a:srgbClr>
+              </a:solidFill>
+              <a:prstDash val="solid"/>
+              <a:round/>
+            </a:ln>
+          </p:spPr>
+          <p:txBody>
+            <a:bodyPr/>
+            <a:lstStyle/>
+            <a:p/>
+          </p:txBody>
+        </p:sp>
+        <p:sp>
+          <p:nvSpPr>
+            <p:cNvPr id="71" name="rc71"/>
+            <p:cNvSpPr/>
+            <p:nvPr/>
+          </p:nvSpPr>
+          <p:spPr>
+            <a:xfrm>
+              <a:off x="5092325" y="4879546"/>
+              <a:ext cx="142218" cy="27574"/>
+            </a:xfrm>
+            <a:prstGeom prst="rect">
+              <a:avLst/>
+            </a:prstGeom>
+            <a:solidFill>
+              <a:srgbClr val="FEE0D2">
+                <a:alpha val="100000"/>
+              </a:srgbClr>
+            </a:solidFill>
+          </p:spPr>
+          <p:txBody>
+            <a:bodyPr/>
+            <a:lstStyle/>
+            <a:p/>
+          </p:txBody>
+        </p:sp>
+        <p:sp>
+          <p:nvSpPr>
+            <p:cNvPr id="72" name="rc72"/>
+            <p:cNvSpPr/>
+            <p:nvPr/>
+          </p:nvSpPr>
+          <p:spPr>
+            <a:xfrm>
+              <a:off x="5250346" y="4897928"/>
+              <a:ext cx="142218" cy="9191"/>
+            </a:xfrm>
+            <a:prstGeom prst="rect">
+              <a:avLst/>
+            </a:prstGeom>
+            <a:solidFill>
+              <a:srgbClr val="FCBBA1">
+                <a:alpha val="100000"/>
+              </a:srgbClr>
+            </a:solidFill>
+          </p:spPr>
+          <p:txBody>
+            <a:bodyPr/>
+            <a:lstStyle/>
+            <a:p/>
+          </p:txBody>
+        </p:sp>
+        <p:sp>
+          <p:nvSpPr>
+            <p:cNvPr id="73" name="rc73"/>
+            <p:cNvSpPr/>
+            <p:nvPr/>
+          </p:nvSpPr>
+          <p:spPr>
+            <a:xfrm>
+              <a:off x="5408367" y="4760058"/>
+              <a:ext cx="142218" cy="147061"/>
+            </a:xfrm>
+            <a:prstGeom prst="rect">
+              <a:avLst/>
+            </a:prstGeom>
+            <a:solidFill>
+              <a:srgbClr val="FC9272">
+                <a:alpha val="100000"/>
+              </a:srgbClr>
+            </a:solidFill>
+          </p:spPr>
+          <p:txBody>
+            <a:bodyPr/>
+            <a:lstStyle/>
+            <a:p/>
+          </p:txBody>
+        </p:sp>
+        <p:sp>
+          <p:nvSpPr>
+            <p:cNvPr id="74" name="rc74"/>
+            <p:cNvSpPr/>
+            <p:nvPr/>
+          </p:nvSpPr>
+          <p:spPr>
+            <a:xfrm>
+              <a:off x="5566388" y="4888737"/>
+              <a:ext cx="142218" cy="18382"/>
+            </a:xfrm>
+            <a:prstGeom prst="rect">
+              <a:avLst/>
+            </a:prstGeom>
+            <a:solidFill>
+              <a:srgbClr val="FB6A4A">
+                <a:alpha val="100000"/>
+              </a:srgbClr>
+            </a:solidFill>
+          </p:spPr>
+          <p:txBody>
+            <a:bodyPr/>
+            <a:lstStyle/>
+            <a:p/>
+          </p:txBody>
+        </p:sp>
+        <p:sp>
+          <p:nvSpPr>
+            <p:cNvPr id="75" name="rc75"/>
+            <p:cNvSpPr/>
+            <p:nvPr/>
+          </p:nvSpPr>
+          <p:spPr>
+            <a:xfrm>
+              <a:off x="5724408" y="4815206"/>
+              <a:ext cx="142218" cy="91913"/>
+            </a:xfrm>
+            <a:prstGeom prst="rect">
+              <a:avLst/>
+            </a:prstGeom>
+            <a:solidFill>
+              <a:srgbClr val="EF3B2C">
+                <a:alpha val="100000"/>
+              </a:srgbClr>
+            </a:solidFill>
+          </p:spPr>
+          <p:txBody>
+            <a:bodyPr/>
+            <a:lstStyle/>
+            <a:p/>
+          </p:txBody>
+        </p:sp>
+        <p:sp>
+          <p:nvSpPr>
+            <p:cNvPr id="76" name="rc76"/>
+            <p:cNvSpPr/>
+            <p:nvPr/>
+          </p:nvSpPr>
+          <p:spPr>
+            <a:xfrm>
+              <a:off x="5882429" y="4888737"/>
+              <a:ext cx="142218" cy="18382"/>
+            </a:xfrm>
+            <a:prstGeom prst="rect">
+              <a:avLst/>
+            </a:prstGeom>
+            <a:solidFill>
+              <a:srgbClr val="CB181D">
+                <a:alpha val="100000"/>
+              </a:srgbClr>
+            </a:solidFill>
+          </p:spPr>
+          <p:txBody>
+            <a:bodyPr/>
+            <a:lstStyle/>
+            <a:p/>
+          </p:txBody>
+        </p:sp>
+        <p:sp>
+          <p:nvSpPr>
+            <p:cNvPr id="77" name="rc77"/>
+            <p:cNvSpPr/>
+            <p:nvPr/>
+          </p:nvSpPr>
+          <p:spPr>
+            <a:xfrm>
+              <a:off x="6040450" y="4429169"/>
+              <a:ext cx="142218" cy="477950"/>
+            </a:xfrm>
+            <a:prstGeom prst="rect">
+              <a:avLst/>
+            </a:prstGeom>
+            <a:solidFill>
+              <a:srgbClr val="99000D">
+                <a:alpha val="100000"/>
+              </a:srgbClr>
+            </a:solidFill>
+          </p:spPr>
+          <p:txBody>
+            <a:bodyPr/>
+            <a:lstStyle/>
+            <a:p/>
+          </p:txBody>
+        </p:sp>
+        <p:sp>
+          <p:nvSpPr>
+            <p:cNvPr id="78" name="rc78"/>
+            <p:cNvSpPr/>
+            <p:nvPr/>
+          </p:nvSpPr>
+          <p:spPr>
+            <a:xfrm>
+              <a:off x="4910601" y="1809173"/>
+              <a:ext cx="1295770" cy="3245468"/>
+            </a:xfrm>
+            <a:prstGeom prst="rect">
+              <a:avLst/>
+            </a:prstGeom>
+            <a:ln w="13550" cap="rnd">
+              <a:solidFill>
+                <a:srgbClr val="333333">
+                  <a:alpha val="100000"/>
+                </a:srgbClr>
+              </a:solidFill>
+              <a:prstDash val="solid"/>
+              <a:round/>
+            </a:ln>
+          </p:spPr>
+          <p:txBody>
+            <a:bodyPr/>
+            <a:lstStyle/>
+            <a:p/>
+          </p:txBody>
+        </p:sp>
+        <p:sp>
+          <p:nvSpPr>
+            <p:cNvPr id="79" name="rc79"/>
+            <p:cNvSpPr/>
+            <p:nvPr/>
+          </p:nvSpPr>
+          <p:spPr>
+            <a:xfrm>
+              <a:off x="6275961" y="1809173"/>
+              <a:ext cx="1295770" cy="3245468"/>
+            </a:xfrm>
+            <a:prstGeom prst="rect">
+              <a:avLst/>
+            </a:prstGeom>
+            <a:solidFill>
+              <a:srgbClr val="FFFFFF">
+                <a:alpha val="100000"/>
+              </a:srgbClr>
+            </a:solidFill>
+          </p:spPr>
+          <p:txBody>
+            <a:bodyPr/>
+            <a:lstStyle/>
+            <a:p/>
+          </p:txBody>
+        </p:sp>
+        <p:sp>
+          <p:nvSpPr>
+            <p:cNvPr id="80" name="pl80"/>
+            <p:cNvSpPr/>
+            <p:nvPr/>
+          </p:nvSpPr>
+          <p:spPr>
+            <a:xfrm>
+              <a:off x="6275961" y="4447552"/>
+              <a:ext cx="1295770" cy="0"/>
+            </a:xfrm>
+            <a:custGeom>
+              <a:avLst/>
+              <a:pathLst>
+                <a:path w="1295770" h="0">
+                  <a:moveTo>
+                    <a:pt x="0" y="0"/>
+                  </a:moveTo>
+                  <a:lnTo>
+                    <a:pt x="1295770" y="0"/>
+                  </a:lnTo>
+                  <a:lnTo>
+                    <a:pt x="1295770" y="0"/>
+                  </a:lnTo>
+                </a:path>
+              </a:pathLst>
+            </a:custGeom>
+            <a:ln w="6775" cap="flat">
+              <a:solidFill>
+                <a:srgbClr val="EBEBEB">
+                  <a:alpha val="100000"/>
+                </a:srgbClr>
+              </a:solidFill>
+              <a:prstDash val="solid"/>
+              <a:round/>
+            </a:ln>
+          </p:spPr>
+          <p:txBody>
+            <a:bodyPr/>
+            <a:lstStyle/>
+            <a:p/>
+          </p:txBody>
+        </p:sp>
+        <p:sp>
+          <p:nvSpPr>
+            <p:cNvPr id="81" name="pl81"/>
+            <p:cNvSpPr/>
+            <p:nvPr/>
+          </p:nvSpPr>
+          <p:spPr>
+            <a:xfrm>
+              <a:off x="6275961" y="3528416"/>
+              <a:ext cx="1295770" cy="0"/>
+            </a:xfrm>
+            <a:custGeom>
+              <a:avLst/>
+              <a:pathLst>
+                <a:path w="1295770" h="0">
+                  <a:moveTo>
+                    <a:pt x="0" y="0"/>
+                  </a:moveTo>
+                  <a:lnTo>
+                    <a:pt x="1295770" y="0"/>
+                  </a:lnTo>
+                  <a:lnTo>
+                    <a:pt x="1295770" y="0"/>
+                  </a:lnTo>
+                </a:path>
+              </a:pathLst>
+            </a:custGeom>
+            <a:ln w="6775" cap="flat">
+              <a:solidFill>
+                <a:srgbClr val="EBEBEB">
+                  <a:alpha val="100000"/>
+                </a:srgbClr>
+              </a:solidFill>
+              <a:prstDash val="solid"/>
+              <a:round/>
+            </a:ln>
+          </p:spPr>
+          <p:txBody>
+            <a:bodyPr/>
+            <a:lstStyle/>
+            <a:p/>
+          </p:txBody>
+        </p:sp>
+        <p:sp>
+          <p:nvSpPr>
+            <p:cNvPr id="82" name="pl82"/>
+            <p:cNvSpPr/>
+            <p:nvPr/>
+          </p:nvSpPr>
+          <p:spPr>
+            <a:xfrm>
+              <a:off x="6275961" y="2609280"/>
+              <a:ext cx="1295770" cy="0"/>
+            </a:xfrm>
+            <a:custGeom>
+              <a:avLst/>
+              <a:pathLst>
+                <a:path w="1295770" h="0">
+                  <a:moveTo>
+                    <a:pt x="0" y="0"/>
+                  </a:moveTo>
+                  <a:lnTo>
+                    <a:pt x="1295770" y="0"/>
+                  </a:lnTo>
+                  <a:lnTo>
+                    <a:pt x="1295770" y="0"/>
+                  </a:lnTo>
+                </a:path>
+              </a:pathLst>
+            </a:custGeom>
+            <a:ln w="6775" cap="flat">
+              <a:solidFill>
+                <a:srgbClr val="EBEBEB">
+                  <a:alpha val="100000"/>
+                </a:srgbClr>
+              </a:solidFill>
+              <a:prstDash val="solid"/>
+              <a:round/>
+            </a:ln>
+          </p:spPr>
+          <p:txBody>
+            <a:bodyPr/>
+            <a:lstStyle/>
+            <a:p/>
+          </p:txBody>
+        </p:sp>
+        <p:sp>
+          <p:nvSpPr>
+            <p:cNvPr id="83" name="pl83"/>
+            <p:cNvSpPr/>
+            <p:nvPr/>
+          </p:nvSpPr>
+          <p:spPr>
+            <a:xfrm>
+              <a:off x="6275961" y="4907120"/>
+              <a:ext cx="1295770" cy="0"/>
+            </a:xfrm>
+            <a:custGeom>
+              <a:avLst/>
+              <a:pathLst>
+                <a:path w="1295770" h="0">
+                  <a:moveTo>
+                    <a:pt x="0" y="0"/>
+                  </a:moveTo>
+                  <a:lnTo>
+                    <a:pt x="1295770" y="0"/>
+                  </a:lnTo>
+                  <a:lnTo>
+                    <a:pt x="1295770" y="0"/>
+                  </a:lnTo>
+                </a:path>
+              </a:pathLst>
+            </a:custGeom>
+            <a:ln w="13550" cap="flat">
+              <a:solidFill>
+                <a:srgbClr val="EBEBEB">
+                  <a:alpha val="100000"/>
+                </a:srgbClr>
+              </a:solidFill>
+              <a:prstDash val="solid"/>
+              <a:round/>
+            </a:ln>
+          </p:spPr>
+          <p:txBody>
+            <a:bodyPr/>
+            <a:lstStyle/>
+            <a:p/>
+          </p:txBody>
+        </p:sp>
+        <p:sp>
+          <p:nvSpPr>
+            <p:cNvPr id="84" name="pl84"/>
+            <p:cNvSpPr/>
+            <p:nvPr/>
+          </p:nvSpPr>
+          <p:spPr>
+            <a:xfrm>
+              <a:off x="6275961" y="3987984"/>
+              <a:ext cx="1295770" cy="0"/>
+            </a:xfrm>
+            <a:custGeom>
+              <a:avLst/>
+              <a:pathLst>
+                <a:path w="1295770" h="0">
+                  <a:moveTo>
+                    <a:pt x="0" y="0"/>
+                  </a:moveTo>
+                  <a:lnTo>
+                    <a:pt x="1295770" y="0"/>
+                  </a:lnTo>
+                  <a:lnTo>
+                    <a:pt x="1295770" y="0"/>
+                  </a:lnTo>
+                </a:path>
+              </a:pathLst>
+            </a:custGeom>
+            <a:ln w="13550" cap="flat">
+              <a:solidFill>
+                <a:srgbClr val="EBEBEB">
+                  <a:alpha val="100000"/>
+                </a:srgbClr>
+              </a:solidFill>
+              <a:prstDash val="solid"/>
+              <a:round/>
+            </a:ln>
+          </p:spPr>
+          <p:txBody>
+            <a:bodyPr/>
+            <a:lstStyle/>
+            <a:p/>
+          </p:txBody>
+        </p:sp>
+        <p:sp>
+          <p:nvSpPr>
+            <p:cNvPr id="85" name="pl85"/>
+            <p:cNvSpPr/>
+            <p:nvPr/>
+          </p:nvSpPr>
+          <p:spPr>
+            <a:xfrm>
+              <a:off x="6275961" y="3068848"/>
+              <a:ext cx="1295770" cy="0"/>
+            </a:xfrm>
+            <a:custGeom>
+              <a:avLst/>
+              <a:pathLst>
+                <a:path w="1295770" h="0">
+                  <a:moveTo>
+                    <a:pt x="0" y="0"/>
+                  </a:moveTo>
+                  <a:lnTo>
+                    <a:pt x="1295770" y="0"/>
+                  </a:lnTo>
+                  <a:lnTo>
+                    <a:pt x="1295770" y="0"/>
+                  </a:lnTo>
+                </a:path>
+              </a:pathLst>
+            </a:custGeom>
+            <a:ln w="13550" cap="flat">
+              <a:solidFill>
+                <a:srgbClr val="EBEBEB">
+                  <a:alpha val="100000"/>
+                </a:srgbClr>
+              </a:solidFill>
+              <a:prstDash val="solid"/>
+              <a:round/>
+            </a:ln>
+          </p:spPr>
+          <p:txBody>
+            <a:bodyPr/>
+            <a:lstStyle/>
+            <a:p/>
+          </p:txBody>
+        </p:sp>
+        <p:sp>
+          <p:nvSpPr>
+            <p:cNvPr id="86" name="pl86"/>
+            <p:cNvSpPr/>
+            <p:nvPr/>
+          </p:nvSpPr>
+          <p:spPr>
+            <a:xfrm>
+              <a:off x="6275961" y="2149712"/>
+              <a:ext cx="1295770" cy="0"/>
+            </a:xfrm>
+            <a:custGeom>
+              <a:avLst/>
+              <a:pathLst>
+                <a:path w="1295770" h="0">
+                  <a:moveTo>
+                    <a:pt x="0" y="0"/>
+                  </a:moveTo>
+                  <a:lnTo>
+                    <a:pt x="1295770" y="0"/>
+                  </a:lnTo>
+                  <a:lnTo>
+                    <a:pt x="1295770" y="0"/>
+                  </a:lnTo>
+                </a:path>
+              </a:pathLst>
+            </a:custGeom>
+            <a:ln w="13550" cap="flat">
+              <a:solidFill>
+                <a:srgbClr val="EBEBEB">
+                  <a:alpha val="100000"/>
+                </a:srgbClr>
+              </a:solidFill>
+              <a:prstDash val="solid"/>
+              <a:round/>
+            </a:ln>
+          </p:spPr>
+          <p:txBody>
+            <a:bodyPr/>
+            <a:lstStyle/>
+            <a:p/>
+          </p:txBody>
+        </p:sp>
+        <p:sp>
+          <p:nvSpPr>
+            <p:cNvPr id="87" name="pl87"/>
+            <p:cNvSpPr/>
+            <p:nvPr/>
+          </p:nvSpPr>
+          <p:spPr>
+            <a:xfrm>
+              <a:off x="6370774" y="1809173"/>
+              <a:ext cx="0" cy="3245468"/>
+            </a:xfrm>
+            <a:custGeom>
+              <a:avLst/>
+              <a:pathLst>
+                <a:path w="0" h="3245468">
+                  <a:moveTo>
+                    <a:pt x="0" y="3245468"/>
+                  </a:moveTo>
+                  <a:lnTo>
+                    <a:pt x="0" y="0"/>
+                  </a:lnTo>
+                  <a:lnTo>
+                    <a:pt x="0" y="0"/>
+                  </a:lnTo>
+                </a:path>
+              </a:pathLst>
+            </a:custGeom>
+            <a:ln w="13550" cap="flat">
+              <a:solidFill>
+                <a:srgbClr val="EBEBEB">
+                  <a:alpha val="100000"/>
+                </a:srgbClr>
+              </a:solidFill>
+              <a:prstDash val="solid"/>
+              <a:round/>
+            </a:ln>
+          </p:spPr>
+          <p:txBody>
+            <a:bodyPr/>
+            <a:lstStyle/>
+            <a:p/>
+          </p:txBody>
+        </p:sp>
+        <p:sp>
+          <p:nvSpPr>
+            <p:cNvPr id="88" name="pl88"/>
+            <p:cNvSpPr/>
+            <p:nvPr/>
+          </p:nvSpPr>
+          <p:spPr>
+            <a:xfrm>
+              <a:off x="6528794" y="1809173"/>
+              <a:ext cx="0" cy="3245468"/>
+            </a:xfrm>
+            <a:custGeom>
+              <a:avLst/>
+              <a:pathLst>
+                <a:path w="0" h="3245468">
+                  <a:moveTo>
+                    <a:pt x="0" y="3245468"/>
+                  </a:moveTo>
+                  <a:lnTo>
+                    <a:pt x="0" y="0"/>
+                  </a:lnTo>
+                  <a:lnTo>
+                    <a:pt x="0" y="0"/>
+                  </a:lnTo>
+                </a:path>
+              </a:pathLst>
+            </a:custGeom>
+            <a:ln w="13550" cap="flat">
+              <a:solidFill>
+                <a:srgbClr val="EBEBEB">
+                  <a:alpha val="100000"/>
+                </a:srgbClr>
+              </a:solidFill>
+              <a:prstDash val="solid"/>
+              <a:round/>
+            </a:ln>
+          </p:spPr>
+          <p:txBody>
+            <a:bodyPr/>
+            <a:lstStyle/>
+            <a:p/>
+          </p:txBody>
+        </p:sp>
+        <p:sp>
+          <p:nvSpPr>
+            <p:cNvPr id="89" name="pl89"/>
+            <p:cNvSpPr/>
+            <p:nvPr/>
+          </p:nvSpPr>
+          <p:spPr>
+            <a:xfrm>
+              <a:off x="6686815" y="1809173"/>
+              <a:ext cx="0" cy="3245468"/>
+            </a:xfrm>
+            <a:custGeom>
+              <a:avLst/>
+              <a:pathLst>
+                <a:path w="0" h="3245468">
+                  <a:moveTo>
+                    <a:pt x="0" y="3245468"/>
+                  </a:moveTo>
+                  <a:lnTo>
+                    <a:pt x="0" y="0"/>
+                  </a:lnTo>
+                  <a:lnTo>
+                    <a:pt x="0" y="0"/>
+                  </a:lnTo>
+                </a:path>
+              </a:pathLst>
+            </a:custGeom>
+            <a:ln w="13550" cap="flat">
+              <a:solidFill>
+                <a:srgbClr val="EBEBEB">
+                  <a:alpha val="100000"/>
+                </a:srgbClr>
+              </a:solidFill>
+              <a:prstDash val="solid"/>
+              <a:round/>
+            </a:ln>
+          </p:spPr>
+          <p:txBody>
+            <a:bodyPr/>
+            <a:lstStyle/>
+            <a:p/>
+          </p:txBody>
+        </p:sp>
+        <p:sp>
+          <p:nvSpPr>
+            <p:cNvPr id="90" name="pl90"/>
+            <p:cNvSpPr/>
+            <p:nvPr/>
+          </p:nvSpPr>
+          <p:spPr>
+            <a:xfrm>
+              <a:off x="6844836" y="1809173"/>
+              <a:ext cx="0" cy="3245468"/>
+            </a:xfrm>
+            <a:custGeom>
+              <a:avLst/>
+              <a:pathLst>
+                <a:path w="0" h="3245468">
+                  <a:moveTo>
+                    <a:pt x="0" y="3245468"/>
+                  </a:moveTo>
+                  <a:lnTo>
+                    <a:pt x="0" y="0"/>
+                  </a:lnTo>
+                  <a:lnTo>
+                    <a:pt x="0" y="0"/>
+                  </a:lnTo>
+                </a:path>
+              </a:pathLst>
+            </a:custGeom>
+            <a:ln w="13550" cap="flat">
+              <a:solidFill>
+                <a:srgbClr val="EBEBEB">
+                  <a:alpha val="100000"/>
+                </a:srgbClr>
+              </a:solidFill>
+              <a:prstDash val="solid"/>
+              <a:round/>
+            </a:ln>
+          </p:spPr>
+          <p:txBody>
+            <a:bodyPr/>
+            <a:lstStyle/>
+            <a:p/>
+          </p:txBody>
+        </p:sp>
+        <p:sp>
+          <p:nvSpPr>
+            <p:cNvPr id="91" name="pl91"/>
+            <p:cNvSpPr/>
+            <p:nvPr/>
+          </p:nvSpPr>
+          <p:spPr>
+            <a:xfrm>
+              <a:off x="7002857" y="1809173"/>
+              <a:ext cx="0" cy="3245468"/>
+            </a:xfrm>
+            <a:custGeom>
+              <a:avLst/>
+              <a:pathLst>
+                <a:path w="0" h="3245468">
+                  <a:moveTo>
+                    <a:pt x="0" y="3245468"/>
+                  </a:moveTo>
+                  <a:lnTo>
+                    <a:pt x="0" y="0"/>
+                  </a:lnTo>
+                  <a:lnTo>
+                    <a:pt x="0" y="0"/>
+                  </a:lnTo>
+                </a:path>
+              </a:pathLst>
+            </a:custGeom>
+            <a:ln w="13550" cap="flat">
+              <a:solidFill>
+                <a:srgbClr val="EBEBEB">
+                  <a:alpha val="100000"/>
+                </a:srgbClr>
+              </a:solidFill>
+              <a:prstDash val="solid"/>
+              <a:round/>
+            </a:ln>
+          </p:spPr>
+          <p:txBody>
+            <a:bodyPr/>
+            <a:lstStyle/>
+            <a:p/>
+          </p:txBody>
+        </p:sp>
+        <p:sp>
+          <p:nvSpPr>
+            <p:cNvPr id="92" name="pl92"/>
+            <p:cNvSpPr/>
+            <p:nvPr/>
+          </p:nvSpPr>
+          <p:spPr>
+            <a:xfrm>
+              <a:off x="7160878" y="1809173"/>
+              <a:ext cx="0" cy="3245468"/>
+            </a:xfrm>
+            <a:custGeom>
+              <a:avLst/>
+              <a:pathLst>
+                <a:path w="0" h="3245468">
+                  <a:moveTo>
+                    <a:pt x="0" y="3245468"/>
+                  </a:moveTo>
+                  <a:lnTo>
+                    <a:pt x="0" y="0"/>
+                  </a:lnTo>
+                  <a:lnTo>
+                    <a:pt x="0" y="0"/>
+                  </a:lnTo>
+                </a:path>
+              </a:pathLst>
+            </a:custGeom>
+            <a:ln w="13550" cap="flat">
+              <a:solidFill>
+                <a:srgbClr val="EBEBEB">
+                  <a:alpha val="100000"/>
+                </a:srgbClr>
+              </a:solidFill>
+              <a:prstDash val="solid"/>
+              <a:round/>
+            </a:ln>
+          </p:spPr>
+          <p:txBody>
+            <a:bodyPr/>
+            <a:lstStyle/>
+            <a:p/>
+          </p:txBody>
+        </p:sp>
+        <p:sp>
+          <p:nvSpPr>
+            <p:cNvPr id="93" name="pl93"/>
+            <p:cNvSpPr/>
+            <p:nvPr/>
+          </p:nvSpPr>
+          <p:spPr>
+            <a:xfrm>
+              <a:off x="7318899" y="1809173"/>
+              <a:ext cx="0" cy="3245468"/>
+            </a:xfrm>
+            <a:custGeom>
+              <a:avLst/>
+              <a:pathLst>
+                <a:path w="0" h="3245468">
+                  <a:moveTo>
+                    <a:pt x="0" y="3245468"/>
+                  </a:moveTo>
+                  <a:lnTo>
+                    <a:pt x="0" y="0"/>
+                  </a:lnTo>
+                  <a:lnTo>
+                    <a:pt x="0" y="0"/>
+                  </a:lnTo>
+                </a:path>
+              </a:pathLst>
+            </a:custGeom>
+            <a:ln w="13550" cap="flat">
+              <a:solidFill>
+                <a:srgbClr val="EBEBEB">
+                  <a:alpha val="100000"/>
+                </a:srgbClr>
+              </a:solidFill>
+              <a:prstDash val="solid"/>
+              <a:round/>
+            </a:ln>
+          </p:spPr>
+          <p:txBody>
+            <a:bodyPr/>
+            <a:lstStyle/>
+            <a:p/>
+          </p:txBody>
+        </p:sp>
+        <p:sp>
+          <p:nvSpPr>
+            <p:cNvPr id="94" name="pl94"/>
+            <p:cNvSpPr/>
+            <p:nvPr/>
+          </p:nvSpPr>
+          <p:spPr>
+            <a:xfrm>
+              <a:off x="7476919" y="1809173"/>
+              <a:ext cx="0" cy="3245468"/>
+            </a:xfrm>
+            <a:custGeom>
+              <a:avLst/>
+              <a:pathLst>
+                <a:path w="0" h="3245468">
+                  <a:moveTo>
+                    <a:pt x="0" y="3245468"/>
+                  </a:moveTo>
+                  <a:lnTo>
+                    <a:pt x="0" y="0"/>
+                  </a:lnTo>
+                  <a:lnTo>
+                    <a:pt x="0" y="0"/>
+                  </a:lnTo>
+                </a:path>
+              </a:pathLst>
+            </a:custGeom>
+            <a:ln w="13550" cap="flat">
+              <a:solidFill>
+                <a:srgbClr val="EBEBEB">
+                  <a:alpha val="100000"/>
+                </a:srgbClr>
+              </a:solidFill>
+              <a:prstDash val="solid"/>
+              <a:round/>
+            </a:ln>
+          </p:spPr>
+          <p:txBody>
+            <a:bodyPr/>
+            <a:lstStyle/>
+            <a:p/>
+          </p:txBody>
+        </p:sp>
+        <p:sp>
+          <p:nvSpPr>
+            <p:cNvPr id="95" name="rc95"/>
+            <p:cNvSpPr/>
+            <p:nvPr/>
+          </p:nvSpPr>
+          <p:spPr>
+            <a:xfrm>
+              <a:off x="6615706" y="4879546"/>
+              <a:ext cx="142218" cy="27574"/>
+            </a:xfrm>
+            <a:prstGeom prst="rect">
+              <a:avLst/>
+            </a:prstGeom>
+            <a:solidFill>
+              <a:srgbClr val="FCBBA1">
+                <a:alpha val="100000"/>
+              </a:srgbClr>
+            </a:solidFill>
+          </p:spPr>
+          <p:txBody>
+            <a:bodyPr/>
+            <a:lstStyle/>
+            <a:p/>
+          </p:txBody>
+        </p:sp>
+        <p:sp>
+          <p:nvSpPr>
+            <p:cNvPr id="96" name="rc96"/>
+            <p:cNvSpPr/>
+            <p:nvPr/>
+          </p:nvSpPr>
+          <p:spPr>
+            <a:xfrm>
+              <a:off x="6773727" y="4824397"/>
+              <a:ext cx="142218" cy="82722"/>
+            </a:xfrm>
+            <a:prstGeom prst="rect">
+              <a:avLst/>
+            </a:prstGeom>
+            <a:solidFill>
+              <a:srgbClr val="FC9272">
+                <a:alpha val="100000"/>
+              </a:srgbClr>
+            </a:solidFill>
+          </p:spPr>
+          <p:txBody>
+            <a:bodyPr/>
+            <a:lstStyle/>
+            <a:p/>
+          </p:txBody>
+        </p:sp>
+        <p:sp>
+          <p:nvSpPr>
+            <p:cNvPr id="97" name="rc97"/>
+            <p:cNvSpPr/>
+            <p:nvPr/>
+          </p:nvSpPr>
+          <p:spPr>
+            <a:xfrm>
+              <a:off x="6931748" y="4888737"/>
+              <a:ext cx="142218" cy="18382"/>
+            </a:xfrm>
+            <a:prstGeom prst="rect">
+              <a:avLst/>
+            </a:prstGeom>
+            <a:solidFill>
+              <a:srgbClr val="FB6A4A">
+                <a:alpha val="100000"/>
+              </a:srgbClr>
+            </a:solidFill>
+          </p:spPr>
+          <p:txBody>
+            <a:bodyPr/>
+            <a:lstStyle/>
+            <a:p/>
+          </p:txBody>
+        </p:sp>
+        <p:sp>
+          <p:nvSpPr>
+            <p:cNvPr id="98" name="rc98"/>
+            <p:cNvSpPr/>
+            <p:nvPr/>
+          </p:nvSpPr>
+          <p:spPr>
+            <a:xfrm>
+              <a:off x="7089768" y="4842780"/>
+              <a:ext cx="142218" cy="64339"/>
+            </a:xfrm>
+            <a:prstGeom prst="rect">
+              <a:avLst/>
+            </a:prstGeom>
+            <a:solidFill>
+              <a:srgbClr val="EF3B2C">
+                <a:alpha val="100000"/>
+              </a:srgbClr>
+            </a:solidFill>
+          </p:spPr>
+          <p:txBody>
+            <a:bodyPr/>
+            <a:lstStyle/>
+            <a:p/>
+          </p:txBody>
+        </p:sp>
+        <p:sp>
+          <p:nvSpPr>
+            <p:cNvPr id="99" name="rc99"/>
+            <p:cNvSpPr/>
+            <p:nvPr/>
+          </p:nvSpPr>
+          <p:spPr>
+            <a:xfrm>
+              <a:off x="7247789" y="4888737"/>
+              <a:ext cx="142218" cy="18382"/>
+            </a:xfrm>
+            <a:prstGeom prst="rect">
+              <a:avLst/>
+            </a:prstGeom>
+            <a:solidFill>
+              <a:srgbClr val="CB181D">
+                <a:alpha val="100000"/>
+              </a:srgbClr>
+            </a:solidFill>
+          </p:spPr>
+          <p:txBody>
+            <a:bodyPr/>
+            <a:lstStyle/>
+            <a:p/>
+          </p:txBody>
+        </p:sp>
+        <p:sp>
+          <p:nvSpPr>
+            <p:cNvPr id="100" name="rc100"/>
+            <p:cNvSpPr/>
+            <p:nvPr/>
+          </p:nvSpPr>
+          <p:spPr>
+            <a:xfrm>
+              <a:off x="7405810" y="4475126"/>
+              <a:ext cx="142218" cy="431993"/>
+            </a:xfrm>
+            <a:prstGeom prst="rect">
+              <a:avLst/>
+            </a:prstGeom>
+            <a:solidFill>
+              <a:srgbClr val="99000D">
+                <a:alpha val="100000"/>
+              </a:srgbClr>
+            </a:solidFill>
+          </p:spPr>
+          <p:txBody>
+            <a:bodyPr/>
+            <a:lstStyle/>
+            <a:p/>
+          </p:txBody>
+        </p:sp>
+        <p:sp>
+          <p:nvSpPr>
+            <p:cNvPr id="101" name="rc101"/>
+            <p:cNvSpPr/>
+            <p:nvPr/>
+          </p:nvSpPr>
+          <p:spPr>
+            <a:xfrm>
+              <a:off x="6275961" y="1809173"/>
+              <a:ext cx="1295770" cy="3245468"/>
+            </a:xfrm>
+            <a:prstGeom prst="rect">
+              <a:avLst/>
+            </a:prstGeom>
+            <a:ln w="13550" cap="rnd">
+              <a:solidFill>
+                <a:srgbClr val="333333">
+                  <a:alpha val="100000"/>
+                </a:srgbClr>
+              </a:solidFill>
+              <a:prstDash val="solid"/>
+              <a:round/>
+            </a:ln>
+          </p:spPr>
+          <p:txBody>
+            <a:bodyPr/>
+            <a:lstStyle/>
+            <a:p/>
+          </p:txBody>
+        </p:sp>
+        <p:sp>
+          <p:nvSpPr>
+            <p:cNvPr id="102" name="rc102"/>
+            <p:cNvSpPr/>
+            <p:nvPr/>
+          </p:nvSpPr>
+          <p:spPr>
+            <a:xfrm>
+              <a:off x="7641321" y="1809173"/>
+              <a:ext cx="1295770" cy="3245468"/>
+            </a:xfrm>
+            <a:prstGeom prst="rect">
+              <a:avLst/>
+            </a:prstGeom>
+            <a:solidFill>
+              <a:srgbClr val="FFFFFF">
+                <a:alpha val="100000"/>
+              </a:srgbClr>
+            </a:solidFill>
+          </p:spPr>
+          <p:txBody>
+            <a:bodyPr/>
+            <a:lstStyle/>
+            <a:p/>
+          </p:txBody>
+        </p:sp>
+        <p:sp>
+          <p:nvSpPr>
+            <p:cNvPr id="103" name="pl103"/>
+            <p:cNvSpPr/>
+            <p:nvPr/>
+          </p:nvSpPr>
+          <p:spPr>
+            <a:xfrm>
+              <a:off x="7641321" y="4447552"/>
+              <a:ext cx="1295770" cy="0"/>
+            </a:xfrm>
+            <a:custGeom>
+              <a:avLst/>
+              <a:pathLst>
+                <a:path w="1295770" h="0">
+                  <a:moveTo>
+                    <a:pt x="0" y="0"/>
+                  </a:moveTo>
+                  <a:lnTo>
+                    <a:pt x="1295770" y="0"/>
+                  </a:lnTo>
+                  <a:lnTo>
+                    <a:pt x="1295770" y="0"/>
+                  </a:lnTo>
+                </a:path>
+              </a:pathLst>
+            </a:custGeom>
+            <a:ln w="6775" cap="flat">
+              <a:solidFill>
+                <a:srgbClr val="EBEBEB">
+                  <a:alpha val="100000"/>
+                </a:srgbClr>
+              </a:solidFill>
+              <a:prstDash val="solid"/>
+              <a:round/>
+            </a:ln>
+          </p:spPr>
+          <p:txBody>
+            <a:bodyPr/>
+            <a:lstStyle/>
+            <a:p/>
+          </p:txBody>
+        </p:sp>
+        <p:sp>
+          <p:nvSpPr>
+            <p:cNvPr id="104" name="pl104"/>
+            <p:cNvSpPr/>
+            <p:nvPr/>
+          </p:nvSpPr>
+          <p:spPr>
+            <a:xfrm>
+              <a:off x="7641321" y="3528416"/>
+              <a:ext cx="1295770" cy="0"/>
+            </a:xfrm>
+            <a:custGeom>
+              <a:avLst/>
+              <a:pathLst>
+                <a:path w="1295770" h="0">
+                  <a:moveTo>
+                    <a:pt x="0" y="0"/>
+                  </a:moveTo>
+                  <a:lnTo>
+                    <a:pt x="1295770" y="0"/>
+                  </a:lnTo>
+                  <a:lnTo>
+                    <a:pt x="1295770" y="0"/>
+                  </a:lnTo>
+                </a:path>
+              </a:pathLst>
+            </a:custGeom>
+            <a:ln w="6775" cap="flat">
+              <a:solidFill>
+                <a:srgbClr val="EBEBEB">
+                  <a:alpha val="100000"/>
+                </a:srgbClr>
+              </a:solidFill>
+              <a:prstDash val="solid"/>
+              <a:round/>
+            </a:ln>
+          </p:spPr>
+          <p:txBody>
+            <a:bodyPr/>
+            <a:lstStyle/>
+            <a:p/>
+          </p:txBody>
+        </p:sp>
+        <p:sp>
+          <p:nvSpPr>
+            <p:cNvPr id="105" name="pl105"/>
+            <p:cNvSpPr/>
+            <p:nvPr/>
+          </p:nvSpPr>
+          <p:spPr>
+            <a:xfrm>
+              <a:off x="7641321" y="2609280"/>
+              <a:ext cx="1295770" cy="0"/>
+            </a:xfrm>
+            <a:custGeom>
+              <a:avLst/>
+              <a:pathLst>
+                <a:path w="1295770" h="0">
+                  <a:moveTo>
+                    <a:pt x="0" y="0"/>
+                  </a:moveTo>
+                  <a:lnTo>
+                    <a:pt x="1295770" y="0"/>
+                  </a:lnTo>
+                  <a:lnTo>
+                    <a:pt x="1295770" y="0"/>
+                  </a:lnTo>
+                </a:path>
+              </a:pathLst>
+            </a:custGeom>
+            <a:ln w="6775" cap="flat">
+              <a:solidFill>
+                <a:srgbClr val="EBEBEB">
+                  <a:alpha val="100000"/>
+                </a:srgbClr>
+              </a:solidFill>
+              <a:prstDash val="solid"/>
+              <a:round/>
+            </a:ln>
+          </p:spPr>
+          <p:txBody>
+            <a:bodyPr/>
+            <a:lstStyle/>
+            <a:p/>
+          </p:txBody>
+        </p:sp>
+        <p:sp>
+          <p:nvSpPr>
+            <p:cNvPr id="106" name="pl106"/>
+            <p:cNvSpPr/>
+            <p:nvPr/>
+          </p:nvSpPr>
+          <p:spPr>
+            <a:xfrm>
+              <a:off x="7641321" y="4907120"/>
+              <a:ext cx="1295770" cy="0"/>
+            </a:xfrm>
+            <a:custGeom>
+              <a:avLst/>
+              <a:pathLst>
+                <a:path w="1295770" h="0">
+                  <a:moveTo>
+                    <a:pt x="0" y="0"/>
+                  </a:moveTo>
+                  <a:lnTo>
+                    <a:pt x="1295770" y="0"/>
+                  </a:lnTo>
+                  <a:lnTo>
+                    <a:pt x="1295770" y="0"/>
+                  </a:lnTo>
+                </a:path>
+              </a:pathLst>
+            </a:custGeom>
+            <a:ln w="13550" cap="flat">
+              <a:solidFill>
+                <a:srgbClr val="EBEBEB">
+                  <a:alpha val="100000"/>
+                </a:srgbClr>
+              </a:solidFill>
+              <a:prstDash val="solid"/>
+              <a:round/>
+            </a:ln>
+          </p:spPr>
+          <p:txBody>
+            <a:bodyPr/>
+            <a:lstStyle/>
+            <a:p/>
+          </p:txBody>
+        </p:sp>
+        <p:sp>
+          <p:nvSpPr>
+            <p:cNvPr id="107" name="pl107"/>
+            <p:cNvSpPr/>
+            <p:nvPr/>
+          </p:nvSpPr>
+          <p:spPr>
+            <a:xfrm>
+              <a:off x="7641321" y="3987984"/>
+              <a:ext cx="1295770" cy="0"/>
+            </a:xfrm>
+            <a:custGeom>
+              <a:avLst/>
+              <a:pathLst>
+                <a:path w="1295770" h="0">
+                  <a:moveTo>
+                    <a:pt x="0" y="0"/>
+                  </a:moveTo>
+                  <a:lnTo>
+                    <a:pt x="1295770" y="0"/>
+                  </a:lnTo>
+                  <a:lnTo>
+                    <a:pt x="1295770" y="0"/>
+                  </a:lnTo>
+                </a:path>
+              </a:pathLst>
+            </a:custGeom>
+            <a:ln w="13550" cap="flat">
+              <a:solidFill>
+                <a:srgbClr val="EBEBEB">
+                  <a:alpha val="100000"/>
+                </a:srgbClr>
+              </a:solidFill>
+              <a:prstDash val="solid"/>
+              <a:round/>
+            </a:ln>
+          </p:spPr>
+          <p:txBody>
+            <a:bodyPr/>
+            <a:lstStyle/>
+            <a:p/>
+          </p:txBody>
+        </p:sp>
+        <p:sp>
+          <p:nvSpPr>
+            <p:cNvPr id="108" name="pl108"/>
+            <p:cNvSpPr/>
+            <p:nvPr/>
+          </p:nvSpPr>
+          <p:spPr>
+            <a:xfrm>
+              <a:off x="7641321" y="3068848"/>
+              <a:ext cx="1295770" cy="0"/>
+            </a:xfrm>
+            <a:custGeom>
+              <a:avLst/>
+              <a:pathLst>
+                <a:path w="1295770" h="0">
+                  <a:moveTo>
+                    <a:pt x="0" y="0"/>
+                  </a:moveTo>
+                  <a:lnTo>
+                    <a:pt x="1295770" y="0"/>
+                  </a:lnTo>
+                  <a:lnTo>
+                    <a:pt x="1295770" y="0"/>
+                  </a:lnTo>
+                </a:path>
+              </a:pathLst>
+            </a:custGeom>
+            <a:ln w="13550" cap="flat">
+              <a:solidFill>
+                <a:srgbClr val="EBEBEB">
+                  <a:alpha val="100000"/>
+                </a:srgbClr>
+              </a:solidFill>
+              <a:prstDash val="solid"/>
+              <a:round/>
+            </a:ln>
+          </p:spPr>
+          <p:txBody>
+            <a:bodyPr/>
+            <a:lstStyle/>
+            <a:p/>
+          </p:txBody>
+        </p:sp>
+        <p:sp>
+          <p:nvSpPr>
+            <p:cNvPr id="109" name="pl109"/>
+            <p:cNvSpPr/>
+            <p:nvPr/>
+          </p:nvSpPr>
+          <p:spPr>
+            <a:xfrm>
+              <a:off x="7641321" y="2149712"/>
+              <a:ext cx="1295770" cy="0"/>
+            </a:xfrm>
+            <a:custGeom>
+              <a:avLst/>
+              <a:pathLst>
+                <a:path w="1295770" h="0">
+                  <a:moveTo>
+                    <a:pt x="0" y="0"/>
+                  </a:moveTo>
+                  <a:lnTo>
+                    <a:pt x="1295770" y="0"/>
+                  </a:lnTo>
+                  <a:lnTo>
+                    <a:pt x="1295770" y="0"/>
+                  </a:lnTo>
+                </a:path>
+              </a:pathLst>
+            </a:custGeom>
+            <a:ln w="13550" cap="flat">
+              <a:solidFill>
+                <a:srgbClr val="EBEBEB">
+                  <a:alpha val="100000"/>
+                </a:srgbClr>
+              </a:solidFill>
+              <a:prstDash val="solid"/>
+              <a:round/>
+            </a:ln>
+          </p:spPr>
+          <p:txBody>
+            <a:bodyPr/>
+            <a:lstStyle/>
+            <a:p/>
+          </p:txBody>
+        </p:sp>
+        <p:sp>
+          <p:nvSpPr>
+            <p:cNvPr id="110" name="pl110"/>
+            <p:cNvSpPr/>
+            <p:nvPr/>
+          </p:nvSpPr>
+          <p:spPr>
+            <a:xfrm>
+              <a:off x="7736134" y="1809173"/>
+              <a:ext cx="0" cy="3245468"/>
+            </a:xfrm>
+            <a:custGeom>
+              <a:avLst/>
+              <a:pathLst>
+                <a:path w="0" h="3245468">
+                  <a:moveTo>
+                    <a:pt x="0" y="3245468"/>
+                  </a:moveTo>
+                  <a:lnTo>
+                    <a:pt x="0" y="0"/>
+                  </a:lnTo>
+                  <a:lnTo>
+                    <a:pt x="0" y="0"/>
+                  </a:lnTo>
+                </a:path>
+              </a:pathLst>
+            </a:custGeom>
+            <a:ln w="13550" cap="flat">
+              <a:solidFill>
+                <a:srgbClr val="EBEBEB">
+                  <a:alpha val="100000"/>
+                </a:srgbClr>
+              </a:solidFill>
+              <a:prstDash val="solid"/>
+              <a:round/>
+            </a:ln>
+          </p:spPr>
+          <p:txBody>
+            <a:bodyPr/>
+            <a:lstStyle/>
+            <a:p/>
+          </p:txBody>
+        </p:sp>
+        <p:sp>
+          <p:nvSpPr>
+            <p:cNvPr id="111" name="pl111"/>
+            <p:cNvSpPr/>
+            <p:nvPr/>
+          </p:nvSpPr>
+          <p:spPr>
+            <a:xfrm>
+              <a:off x="7894154" y="1809173"/>
+              <a:ext cx="0" cy="3245468"/>
+            </a:xfrm>
+            <a:custGeom>
+              <a:avLst/>
+              <a:pathLst>
+                <a:path w="0" h="3245468">
+                  <a:moveTo>
+                    <a:pt x="0" y="3245468"/>
+                  </a:moveTo>
+                  <a:lnTo>
+                    <a:pt x="0" y="0"/>
+                  </a:lnTo>
+                  <a:lnTo>
+                    <a:pt x="0" y="0"/>
+                  </a:lnTo>
+                </a:path>
+              </a:pathLst>
+            </a:custGeom>
+            <a:ln w="13550" cap="flat">
+              <a:solidFill>
+                <a:srgbClr val="EBEBEB">
+                  <a:alpha val="100000"/>
+                </a:srgbClr>
+              </a:solidFill>
+              <a:prstDash val="solid"/>
+              <a:round/>
+            </a:ln>
+          </p:spPr>
+          <p:txBody>
+            <a:bodyPr/>
+            <a:lstStyle/>
+            <a:p/>
+          </p:txBody>
+        </p:sp>
+        <p:sp>
+          <p:nvSpPr>
+            <p:cNvPr id="112" name="pl112"/>
+            <p:cNvSpPr/>
+            <p:nvPr/>
+          </p:nvSpPr>
+          <p:spPr>
+            <a:xfrm>
+              <a:off x="8052175" y="1809173"/>
+              <a:ext cx="0" cy="3245468"/>
+            </a:xfrm>
+            <a:custGeom>
+              <a:avLst/>
+              <a:pathLst>
+                <a:path w="0" h="3245468">
+                  <a:moveTo>
+                    <a:pt x="0" y="3245468"/>
+                  </a:moveTo>
+                  <a:lnTo>
+                    <a:pt x="0" y="0"/>
+                  </a:lnTo>
+                  <a:lnTo>
+                    <a:pt x="0" y="0"/>
+                  </a:lnTo>
+                </a:path>
+              </a:pathLst>
+            </a:custGeom>
+            <a:ln w="13550" cap="flat">
+              <a:solidFill>
+                <a:srgbClr val="EBEBEB">
+                  <a:alpha val="100000"/>
+                </a:srgbClr>
+              </a:solidFill>
+              <a:prstDash val="solid"/>
+              <a:round/>
+            </a:ln>
+          </p:spPr>
+          <p:txBody>
+            <a:bodyPr/>
+            <a:lstStyle/>
+            <a:p/>
+          </p:txBody>
+        </p:sp>
+        <p:sp>
+          <p:nvSpPr>
+            <p:cNvPr id="113" name="pl113"/>
+            <p:cNvSpPr/>
+            <p:nvPr/>
+          </p:nvSpPr>
+          <p:spPr>
+            <a:xfrm>
+              <a:off x="8210196" y="1809173"/>
+              <a:ext cx="0" cy="3245468"/>
+            </a:xfrm>
+            <a:custGeom>
+              <a:avLst/>
+              <a:pathLst>
+                <a:path w="0" h="3245468">
+                  <a:moveTo>
+                    <a:pt x="0" y="3245468"/>
+                  </a:moveTo>
+                  <a:lnTo>
+                    <a:pt x="0" y="0"/>
+                  </a:lnTo>
+                  <a:lnTo>
+                    <a:pt x="0" y="0"/>
+                  </a:lnTo>
+                </a:path>
+              </a:pathLst>
+            </a:custGeom>
+            <a:ln w="13550" cap="flat">
+              <a:solidFill>
+                <a:srgbClr val="EBEBEB">
+                  <a:alpha val="100000"/>
+                </a:srgbClr>
+              </a:solidFill>
+              <a:prstDash val="solid"/>
+              <a:round/>
+            </a:ln>
+          </p:spPr>
+          <p:txBody>
+            <a:bodyPr/>
+            <a:lstStyle/>
+            <a:p/>
+          </p:txBody>
+        </p:sp>
+        <p:sp>
+          <p:nvSpPr>
+            <p:cNvPr id="114" name="pl114"/>
+            <p:cNvSpPr/>
+            <p:nvPr/>
+          </p:nvSpPr>
+          <p:spPr>
+            <a:xfrm>
+              <a:off x="8368217" y="1809173"/>
+              <a:ext cx="0" cy="3245468"/>
+            </a:xfrm>
+            <a:custGeom>
+              <a:avLst/>
+              <a:pathLst>
+                <a:path w="0" h="3245468">
+                  <a:moveTo>
+                    <a:pt x="0" y="3245468"/>
+                  </a:moveTo>
+                  <a:lnTo>
+                    <a:pt x="0" y="0"/>
+                  </a:lnTo>
+                  <a:lnTo>
+                    <a:pt x="0" y="0"/>
+                  </a:lnTo>
+                </a:path>
+              </a:pathLst>
+            </a:custGeom>
+            <a:ln w="13550" cap="flat">
+              <a:solidFill>
+                <a:srgbClr val="EBEBEB">
+                  <a:alpha val="100000"/>
+                </a:srgbClr>
+              </a:solidFill>
+              <a:prstDash val="solid"/>
+              <a:round/>
+            </a:ln>
+          </p:spPr>
+          <p:txBody>
+            <a:bodyPr/>
+            <a:lstStyle/>
+            <a:p/>
+          </p:txBody>
+        </p:sp>
+        <p:sp>
+          <p:nvSpPr>
+            <p:cNvPr id="115" name="pl115"/>
+            <p:cNvSpPr/>
+            <p:nvPr/>
+          </p:nvSpPr>
+          <p:spPr>
+            <a:xfrm>
+              <a:off x="8526238" y="1809173"/>
+              <a:ext cx="0" cy="3245468"/>
+            </a:xfrm>
+            <a:custGeom>
+              <a:avLst/>
+              <a:pathLst>
+                <a:path w="0" h="3245468">
+                  <a:moveTo>
+                    <a:pt x="0" y="3245468"/>
+                  </a:moveTo>
+                  <a:lnTo>
+                    <a:pt x="0" y="0"/>
+                  </a:lnTo>
+                  <a:lnTo>
+                    <a:pt x="0" y="0"/>
+                  </a:lnTo>
+                </a:path>
+              </a:pathLst>
+            </a:custGeom>
+            <a:ln w="13550" cap="flat">
+              <a:solidFill>
+                <a:srgbClr val="EBEBEB">
+                  <a:alpha val="100000"/>
+                </a:srgbClr>
+              </a:solidFill>
+              <a:prstDash val="solid"/>
+              <a:round/>
+            </a:ln>
+          </p:spPr>
+          <p:txBody>
+            <a:bodyPr/>
+            <a:lstStyle/>
+            <a:p/>
+          </p:txBody>
+        </p:sp>
+        <p:sp>
+          <p:nvSpPr>
+            <p:cNvPr id="116" name="pl116"/>
+            <p:cNvSpPr/>
+            <p:nvPr/>
+          </p:nvSpPr>
+          <p:spPr>
+            <a:xfrm>
+              <a:off x="8684259" y="1809173"/>
+              <a:ext cx="0" cy="3245468"/>
+            </a:xfrm>
+            <a:custGeom>
+              <a:avLst/>
+              <a:pathLst>
+                <a:path w="0" h="3245468">
+                  <a:moveTo>
+                    <a:pt x="0" y="3245468"/>
+                  </a:moveTo>
+                  <a:lnTo>
+                    <a:pt x="0" y="0"/>
+                  </a:lnTo>
+                  <a:lnTo>
+                    <a:pt x="0" y="0"/>
+                  </a:lnTo>
+                </a:path>
+              </a:pathLst>
+            </a:custGeom>
+            <a:ln w="13550" cap="flat">
+              <a:solidFill>
+                <a:srgbClr val="EBEBEB">
+                  <a:alpha val="100000"/>
+                </a:srgbClr>
+              </a:solidFill>
+              <a:prstDash val="solid"/>
+              <a:round/>
+            </a:ln>
+          </p:spPr>
+          <p:txBody>
+            <a:bodyPr/>
+            <a:lstStyle/>
+            <a:p/>
+          </p:txBody>
+        </p:sp>
+        <p:sp>
+          <p:nvSpPr>
+            <p:cNvPr id="117" name="pl117"/>
+            <p:cNvSpPr/>
+            <p:nvPr/>
+          </p:nvSpPr>
+          <p:spPr>
+            <a:xfrm>
+              <a:off x="8842279" y="1809173"/>
+              <a:ext cx="0" cy="3245468"/>
+            </a:xfrm>
+            <a:custGeom>
+              <a:avLst/>
+              <a:pathLst>
+                <a:path w="0" h="3245468">
+                  <a:moveTo>
+                    <a:pt x="0" y="3245468"/>
+                  </a:moveTo>
+                  <a:lnTo>
+                    <a:pt x="0" y="0"/>
+                  </a:lnTo>
+                  <a:lnTo>
+                    <a:pt x="0" y="0"/>
+                  </a:lnTo>
+                </a:path>
+              </a:pathLst>
+            </a:custGeom>
+            <a:ln w="13550" cap="flat">
+              <a:solidFill>
+                <a:srgbClr val="EBEBEB">
+                  <a:alpha val="100000"/>
+                </a:srgbClr>
+              </a:solidFill>
+              <a:prstDash val="solid"/>
+              <a:round/>
+            </a:ln>
+          </p:spPr>
+          <p:txBody>
+            <a:bodyPr/>
+            <a:lstStyle/>
+            <a:p/>
+          </p:txBody>
+        </p:sp>
+        <p:sp>
+          <p:nvSpPr>
+            <p:cNvPr id="118" name="rc118"/>
+            <p:cNvSpPr/>
+            <p:nvPr/>
+          </p:nvSpPr>
+          <p:spPr>
+            <a:xfrm>
+              <a:off x="7665024" y="4861163"/>
+              <a:ext cx="142218" cy="45956"/>
+            </a:xfrm>
+            <a:prstGeom prst="rect">
+              <a:avLst/>
+            </a:prstGeom>
+            <a:solidFill>
+              <a:srgbClr val="FFF5F0">
+                <a:alpha val="100000"/>
+              </a:srgbClr>
+            </a:solidFill>
+          </p:spPr>
+          <p:txBody>
+            <a:bodyPr/>
+            <a:lstStyle/>
+            <a:p/>
+          </p:txBody>
+        </p:sp>
+        <p:sp>
+          <p:nvSpPr>
+            <p:cNvPr id="119" name="rc119"/>
+            <p:cNvSpPr/>
+            <p:nvPr/>
+          </p:nvSpPr>
+          <p:spPr>
+            <a:xfrm>
+              <a:off x="7823045" y="4897928"/>
+              <a:ext cx="142218" cy="9191"/>
+            </a:xfrm>
+            <a:prstGeom prst="rect">
+              <a:avLst/>
+            </a:prstGeom>
+            <a:solidFill>
+              <a:srgbClr val="FEE0D2">
+                <a:alpha val="100000"/>
+              </a:srgbClr>
+            </a:solidFill>
+          </p:spPr>
+          <p:txBody>
+            <a:bodyPr/>
+            <a:lstStyle/>
+            <a:p/>
+          </p:txBody>
+        </p:sp>
+        <p:sp>
+          <p:nvSpPr>
+            <p:cNvPr id="120" name="rc120"/>
+            <p:cNvSpPr/>
+            <p:nvPr/>
+          </p:nvSpPr>
+          <p:spPr>
+            <a:xfrm>
+              <a:off x="7981066" y="4879546"/>
+              <a:ext cx="142218" cy="27574"/>
+            </a:xfrm>
+            <a:prstGeom prst="rect">
+              <a:avLst/>
+            </a:prstGeom>
+            <a:solidFill>
+              <a:srgbClr val="FCBBA1">
+                <a:alpha val="100000"/>
+              </a:srgbClr>
+            </a:solidFill>
+          </p:spPr>
+          <p:txBody>
+            <a:bodyPr/>
+            <a:lstStyle/>
+            <a:p/>
+          </p:txBody>
+        </p:sp>
+        <p:sp>
+          <p:nvSpPr>
+            <p:cNvPr id="121" name="rc121"/>
+            <p:cNvSpPr/>
+            <p:nvPr/>
+          </p:nvSpPr>
+          <p:spPr>
+            <a:xfrm>
+              <a:off x="8139087" y="4815206"/>
+              <a:ext cx="142218" cy="91913"/>
+            </a:xfrm>
+            <a:prstGeom prst="rect">
+              <a:avLst/>
+            </a:prstGeom>
+            <a:solidFill>
+              <a:srgbClr val="FC9272">
+                <a:alpha val="100000"/>
+              </a:srgbClr>
+            </a:solidFill>
+          </p:spPr>
+          <p:txBody>
+            <a:bodyPr/>
+            <a:lstStyle/>
+            <a:p/>
+          </p:txBody>
+        </p:sp>
+        <p:sp>
+          <p:nvSpPr>
+            <p:cNvPr id="122" name="rc122"/>
+            <p:cNvSpPr/>
+            <p:nvPr/>
+          </p:nvSpPr>
+          <p:spPr>
+            <a:xfrm>
+              <a:off x="8455128" y="4861163"/>
+              <a:ext cx="142218" cy="45956"/>
+            </a:xfrm>
+            <a:prstGeom prst="rect">
+              <a:avLst/>
+            </a:prstGeom>
+            <a:solidFill>
+              <a:srgbClr val="EF3B2C">
+                <a:alpha val="100000"/>
+              </a:srgbClr>
+            </a:solidFill>
+          </p:spPr>
+          <p:txBody>
+            <a:bodyPr/>
+            <a:lstStyle/>
+            <a:p/>
+          </p:txBody>
+        </p:sp>
+        <p:sp>
+          <p:nvSpPr>
+            <p:cNvPr id="123" name="rc123"/>
+            <p:cNvSpPr/>
+            <p:nvPr/>
+          </p:nvSpPr>
+          <p:spPr>
+            <a:xfrm>
+              <a:off x="8613149" y="4897928"/>
+              <a:ext cx="142218" cy="9191"/>
+            </a:xfrm>
+            <a:prstGeom prst="rect">
+              <a:avLst/>
+            </a:prstGeom>
+            <a:solidFill>
+              <a:srgbClr val="CB181D">
+                <a:alpha val="100000"/>
+              </a:srgbClr>
+            </a:solidFill>
+          </p:spPr>
+          <p:txBody>
+            <a:bodyPr/>
+            <a:lstStyle/>
+            <a:p/>
+          </p:txBody>
+        </p:sp>
+        <p:sp>
+          <p:nvSpPr>
+            <p:cNvPr id="124" name="rc124"/>
+            <p:cNvSpPr/>
+            <p:nvPr/>
+          </p:nvSpPr>
+          <p:spPr>
+            <a:xfrm>
+              <a:off x="8771170" y="4236151"/>
+              <a:ext cx="142218" cy="670969"/>
+            </a:xfrm>
+            <a:prstGeom prst="rect">
+              <a:avLst/>
+            </a:prstGeom>
+            <a:solidFill>
+              <a:srgbClr val="99000D">
+                <a:alpha val="100000"/>
+              </a:srgbClr>
+            </a:solidFill>
+          </p:spPr>
+          <p:txBody>
+            <a:bodyPr/>
+            <a:lstStyle/>
+            <a:p/>
+          </p:txBody>
+        </p:sp>
+        <p:sp>
+          <p:nvSpPr>
+            <p:cNvPr id="125" name="rc125"/>
+            <p:cNvSpPr/>
+            <p:nvPr/>
+          </p:nvSpPr>
+          <p:spPr>
+            <a:xfrm>
+              <a:off x="7641321" y="1809173"/>
+              <a:ext cx="1295770" cy="3245468"/>
+            </a:xfrm>
+            <a:prstGeom prst="rect">
+              <a:avLst/>
+            </a:prstGeom>
+            <a:ln w="13550" cap="rnd">
+              <a:solidFill>
+                <a:srgbClr val="333333">
+                  <a:alpha val="100000"/>
+                </a:srgbClr>
+              </a:solidFill>
+              <a:prstDash val="solid"/>
+              <a:round/>
+            </a:ln>
+          </p:spPr>
+          <p:txBody>
+            <a:bodyPr/>
+            <a:lstStyle/>
+            <a:p/>
+          </p:txBody>
+        </p:sp>
+        <p:sp>
+          <p:nvSpPr>
+            <p:cNvPr id="126" name="rc126"/>
+            <p:cNvSpPr/>
+            <p:nvPr/>
+          </p:nvSpPr>
+          <p:spPr>
+            <a:xfrm>
+              <a:off x="2179881" y="1590617"/>
+              <a:ext cx="1295770" cy="218555"/>
+            </a:xfrm>
+            <a:prstGeom prst="rect">
+              <a:avLst/>
+            </a:prstGeom>
+            <a:solidFill>
+              <a:srgbClr val="D9D9D9">
+                <a:alpha val="100000"/>
+              </a:srgbClr>
+            </a:solidFill>
+            <a:ln w="13550" cap="rnd">
+              <a:solidFill>
+                <a:srgbClr val="333333">
+                  <a:alpha val="100000"/>
+                </a:srgbClr>
+              </a:solidFill>
+              <a:prstDash val="solid"/>
+              <a:round/>
+            </a:ln>
+          </p:spPr>
+          <p:txBody>
+            <a:bodyPr/>
+            <a:lstStyle/>
+            <a:p/>
+          </p:txBody>
+        </p:sp>
+        <p:sp>
+          <p:nvSpPr>
+            <p:cNvPr id="127" name="tx127"/>
+            <p:cNvSpPr/>
+            <p:nvPr/>
+          </p:nvSpPr>
+          <p:spPr>
+            <a:xfrm>
+              <a:off x="2618217" y="1670045"/>
+              <a:ext cx="419100" cy="69850"/>
             </a:xfrm>
             <a:prstGeom prst="rect">
               <a:avLst/>
@@ -4450,30 +7692,65 @@
                 </a:spcAft>
               </a:pPr>
               <a:r>
-                <a:rPr sz="880" b="1">
+                <a:rPr sz="880">
                   <a:solidFill>
-                    <a:srgbClr val="4D4D4D">
+                    <a:srgbClr val="1A1A1A">
                       <a:alpha val="100000"/>
                     </a:srgbClr>
                   </a:solidFill>
                   <a:latin typeface="Arial"/>
                   <a:cs typeface="Arial"/>
                 </a:rPr>
-                <a:t>8</a:t>
+                <a:t>基础研究者</a:t>
               </a:r>
             </a:p>
           </p:txBody>
         </p:sp>
         <p:sp>
           <p:nvSpPr>
-            <p:cNvPr id="38" name="tx38"/>
-            <p:cNvSpPr/>
-            <p:nvPr/>
-          </p:nvSpPr>
-          <p:spPr>
-            <a:xfrm>
-              <a:off x="1926599" y="4810105"/>
-              <a:ext cx="62155" cy="78908"/>
+            <p:cNvPr id="128" name="rc128"/>
+            <p:cNvSpPr/>
+            <p:nvPr/>
+          </p:nvSpPr>
+          <p:spPr>
+            <a:xfrm>
+              <a:off x="3545241" y="1590617"/>
+              <a:ext cx="1295770" cy="218555"/>
+            </a:xfrm>
+            <a:prstGeom prst="rect">
+              <a:avLst/>
+            </a:prstGeom>
+            <a:solidFill>
+              <a:srgbClr val="D9D9D9">
+                <a:alpha val="100000"/>
+              </a:srgbClr>
+            </a:solidFill>
+            <a:ln w="13550" cap="rnd">
+              <a:solidFill>
+                <a:srgbClr val="333333">
+                  <a:alpha val="100000"/>
+                </a:srgbClr>
+              </a:solidFill>
+              <a:prstDash val="solid"/>
+              <a:round/>
+            </a:ln>
+          </p:spPr>
+          <p:txBody>
+            <a:bodyPr/>
+            <a:lstStyle/>
+            <a:p/>
+          </p:txBody>
+        </p:sp>
+        <p:sp>
+          <p:nvSpPr>
+            <p:cNvPr id="129" name="tx129"/>
+            <p:cNvSpPr/>
+            <p:nvPr/>
+          </p:nvSpPr>
+          <p:spPr>
+            <a:xfrm>
+              <a:off x="4025487" y="1670045"/>
+              <a:ext cx="335280" cy="69850"/>
             </a:xfrm>
             <a:prstGeom prst="rect">
               <a:avLst/>
@@ -4496,30 +7773,65 @@
                 </a:spcAft>
               </a:pPr>
               <a:r>
-                <a:rPr sz="880" b="1">
+                <a:rPr sz="880">
                   <a:solidFill>
-                    <a:srgbClr val="4D4D4D">
+                    <a:srgbClr val="1A1A1A">
                       <a:alpha val="100000"/>
                     </a:srgbClr>
                   </a:solidFill>
                   <a:latin typeface="Arial"/>
                   <a:cs typeface="Arial"/>
                 </a:rPr>
-                <a:t>7</a:t>
+                <a:t>临床医生</a:t>
               </a:r>
             </a:p>
           </p:txBody>
         </p:sp>
         <p:sp>
           <p:nvSpPr>
-            <p:cNvPr id="39" name="tx39"/>
-            <p:cNvSpPr/>
-            <p:nvPr/>
-          </p:nvSpPr>
-          <p:spPr>
-            <a:xfrm>
-              <a:off x="1926599" y="4313625"/>
-              <a:ext cx="62155" cy="81691"/>
+            <p:cNvPr id="130" name="rc130"/>
+            <p:cNvSpPr/>
+            <p:nvPr/>
+          </p:nvSpPr>
+          <p:spPr>
+            <a:xfrm>
+              <a:off x="4910601" y="1590617"/>
+              <a:ext cx="1295770" cy="218555"/>
+            </a:xfrm>
+            <a:prstGeom prst="rect">
+              <a:avLst/>
+            </a:prstGeom>
+            <a:solidFill>
+              <a:srgbClr val="D9D9D9">
+                <a:alpha val="100000"/>
+              </a:srgbClr>
+            </a:solidFill>
+            <a:ln w="13550" cap="rnd">
+              <a:solidFill>
+                <a:srgbClr val="333333">
+                  <a:alpha val="100000"/>
+                </a:srgbClr>
+              </a:solidFill>
+              <a:prstDash val="solid"/>
+              <a:round/>
+            </a:ln>
+          </p:spPr>
+          <p:txBody>
+            <a:bodyPr/>
+            <a:lstStyle/>
+            <a:p/>
+          </p:txBody>
+        </p:sp>
+        <p:sp>
+          <p:nvSpPr>
+            <p:cNvPr id="131" name="tx131"/>
+            <p:cNvSpPr/>
+            <p:nvPr/>
+          </p:nvSpPr>
+          <p:spPr>
+            <a:xfrm>
+              <a:off x="5348937" y="1670045"/>
+              <a:ext cx="419100" cy="69850"/>
             </a:xfrm>
             <a:prstGeom prst="rect">
               <a:avLst/>
@@ -4542,30 +7854,65 @@
                 </a:spcAft>
               </a:pPr>
               <a:r>
-                <a:rPr sz="880" b="1">
+                <a:rPr sz="880">
                   <a:solidFill>
-                    <a:srgbClr val="4D4D4D">
+                    <a:srgbClr val="1A1A1A">
                       <a:alpha val="100000"/>
                     </a:srgbClr>
                   </a:solidFill>
                   <a:latin typeface="Arial"/>
                   <a:cs typeface="Arial"/>
                 </a:rPr>
-                <a:t>6</a:t>
+                <a:t>企业管理者</a:t>
               </a:r>
             </a:p>
           </p:txBody>
         </p:sp>
         <p:sp>
           <p:nvSpPr>
-            <p:cNvPr id="40" name="tx40"/>
-            <p:cNvSpPr/>
-            <p:nvPr/>
-          </p:nvSpPr>
-          <p:spPr>
-            <a:xfrm>
-              <a:off x="1926599" y="3821347"/>
-              <a:ext cx="62155" cy="80272"/>
+            <p:cNvPr id="132" name="rc132"/>
+            <p:cNvSpPr/>
+            <p:nvPr/>
+          </p:nvSpPr>
+          <p:spPr>
+            <a:xfrm>
+              <a:off x="6275961" y="1590617"/>
+              <a:ext cx="1295770" cy="218555"/>
+            </a:xfrm>
+            <a:prstGeom prst="rect">
+              <a:avLst/>
+            </a:prstGeom>
+            <a:solidFill>
+              <a:srgbClr val="D9D9D9">
+                <a:alpha val="100000"/>
+              </a:srgbClr>
+            </a:solidFill>
+            <a:ln w="13550" cap="rnd">
+              <a:solidFill>
+                <a:srgbClr val="333333">
+                  <a:alpha val="100000"/>
+                </a:srgbClr>
+              </a:solidFill>
+              <a:prstDash val="solid"/>
+              <a:round/>
+            </a:ln>
+          </p:spPr>
+          <p:txBody>
+            <a:bodyPr/>
+            <a:lstStyle/>
+            <a:p/>
+          </p:txBody>
+        </p:sp>
+        <p:sp>
+          <p:nvSpPr>
+            <p:cNvPr id="133" name="tx133"/>
+            <p:cNvSpPr/>
+            <p:nvPr/>
+          </p:nvSpPr>
+          <p:spPr>
+            <a:xfrm>
+              <a:off x="6672387" y="1670045"/>
+              <a:ext cx="502920" cy="69850"/>
             </a:xfrm>
             <a:prstGeom prst="rect">
               <a:avLst/>
@@ -4588,30 +7935,65 @@
                 </a:spcAft>
               </a:pPr>
               <a:r>
-                <a:rPr sz="880" b="1">
+                <a:rPr sz="880">
                   <a:solidFill>
-                    <a:srgbClr val="4D4D4D">
+                    <a:srgbClr val="1A1A1A">
                       <a:alpha val="100000"/>
                     </a:srgbClr>
                   </a:solidFill>
                   <a:latin typeface="Arial"/>
                   <a:cs typeface="Arial"/>
                 </a:rPr>
-                <a:t>5</a:t>
+                <a:t>企业研发人员</a:t>
               </a:r>
             </a:p>
           </p:txBody>
         </p:sp>
         <p:sp>
           <p:nvSpPr>
-            <p:cNvPr id="41" name="tx41"/>
-            <p:cNvSpPr/>
-            <p:nvPr/>
-          </p:nvSpPr>
-          <p:spPr>
-            <a:xfrm>
-              <a:off x="1926599" y="3327596"/>
-              <a:ext cx="62155" cy="80327"/>
+            <p:cNvPr id="134" name="rc134"/>
+            <p:cNvSpPr/>
+            <p:nvPr/>
+          </p:nvSpPr>
+          <p:spPr>
+            <a:xfrm>
+              <a:off x="7641321" y="1590617"/>
+              <a:ext cx="1295770" cy="218555"/>
+            </a:xfrm>
+            <a:prstGeom prst="rect">
+              <a:avLst/>
+            </a:prstGeom>
+            <a:solidFill>
+              <a:srgbClr val="D9D9D9">
+                <a:alpha val="100000"/>
+              </a:srgbClr>
+            </a:solidFill>
+            <a:ln w="13550" cap="rnd">
+              <a:solidFill>
+                <a:srgbClr val="333333">
+                  <a:alpha val="100000"/>
+                </a:srgbClr>
+              </a:solidFill>
+              <a:prstDash val="solid"/>
+              <a:round/>
+            </a:ln>
+          </p:spPr>
+          <p:txBody>
+            <a:bodyPr/>
+            <a:lstStyle/>
+            <a:p/>
+          </p:txBody>
+        </p:sp>
+        <p:sp>
+          <p:nvSpPr>
+            <p:cNvPr id="135" name="tx135"/>
+            <p:cNvSpPr/>
+            <p:nvPr/>
+          </p:nvSpPr>
+          <p:spPr>
+            <a:xfrm>
+              <a:off x="8205386" y="1670045"/>
+              <a:ext cx="167640" cy="69850"/>
             </a:xfrm>
             <a:prstGeom prst="rect">
               <a:avLst/>
@@ -4634,487 +8016,29 @@
                 </a:spcAft>
               </a:pPr>
               <a:r>
-                <a:rPr sz="880" b="1">
+                <a:rPr sz="880">
                   <a:solidFill>
-                    <a:srgbClr val="4D4D4D">
+                    <a:srgbClr val="1A1A1A">
                       <a:alpha val="100000"/>
                     </a:srgbClr>
                   </a:solidFill>
                   <a:latin typeface="Arial"/>
                   <a:cs typeface="Arial"/>
                 </a:rPr>
-                <a:t>4</a:t>
+                <a:t>其他</a:t>
               </a:r>
             </a:p>
           </p:txBody>
         </p:sp>
         <p:sp>
           <p:nvSpPr>
-            <p:cNvPr id="42" name="tx42"/>
-            <p:cNvSpPr/>
-            <p:nvPr/>
-          </p:nvSpPr>
-          <p:spPr>
-            <a:xfrm>
-              <a:off x="1926599" y="2832536"/>
-              <a:ext cx="62155" cy="81691"/>
-            </a:xfrm>
-            <a:prstGeom prst="rect">
-              <a:avLst/>
-            </a:prstGeom>
-            <a:noFill/>
-          </p:spPr>
-          <p:txBody>
-            <a:bodyPr lIns="0" rIns="0" tIns="0" bIns="0" anchorCtr="1" anchor="ctr" wrap="none"/>
-            <a:lstStyle/>
-            <a:p>
-              <a:pPr algn="l" marL="0" marR="0" indent="0">
-                <a:lnSpc>
-                  <a:spcPts val="880"/>
-                </a:lnSpc>
-                <a:spcBef>
-                  <a:spcPts val="0"/>
-                </a:spcBef>
-                <a:spcAft>
-                  <a:spcPts val="0"/>
-                </a:spcAft>
-              </a:pPr>
-              <a:r>
-                <a:rPr sz="880" b="1">
-                  <a:solidFill>
-                    <a:srgbClr val="4D4D4D">
-                      <a:alpha val="100000"/>
-                    </a:srgbClr>
-                  </a:solidFill>
-                  <a:latin typeface="Arial"/>
-                  <a:cs typeface="Arial"/>
-                </a:rPr>
-                <a:t>3</a:t>
-              </a:r>
-            </a:p>
-          </p:txBody>
-        </p:sp>
-        <p:sp>
-          <p:nvSpPr>
-            <p:cNvPr id="43" name="tx43"/>
-            <p:cNvSpPr/>
-            <p:nvPr/>
-          </p:nvSpPr>
-          <p:spPr>
-            <a:xfrm>
-              <a:off x="1926599" y="2340204"/>
-              <a:ext cx="62155" cy="80327"/>
-            </a:xfrm>
-            <a:prstGeom prst="rect">
-              <a:avLst/>
-            </a:prstGeom>
-            <a:noFill/>
-          </p:spPr>
-          <p:txBody>
-            <a:bodyPr lIns="0" rIns="0" tIns="0" bIns="0" anchorCtr="1" anchor="ctr" wrap="none"/>
-            <a:lstStyle/>
-            <a:p>
-              <a:pPr algn="l" marL="0" marR="0" indent="0">
-                <a:lnSpc>
-                  <a:spcPts val="880"/>
-                </a:lnSpc>
-                <a:spcBef>
-                  <a:spcPts val="0"/>
-                </a:spcBef>
-                <a:spcAft>
-                  <a:spcPts val="0"/>
-                </a:spcAft>
-              </a:pPr>
-              <a:r>
-                <a:rPr sz="880" b="1">
-                  <a:solidFill>
-                    <a:srgbClr val="4D4D4D">
-                      <a:alpha val="100000"/>
-                    </a:srgbClr>
-                  </a:solidFill>
-                  <a:latin typeface="Arial"/>
-                  <a:cs typeface="Arial"/>
-                </a:rPr>
-                <a:t>2</a:t>
-              </a:r>
-            </a:p>
-          </p:txBody>
-        </p:sp>
-        <p:sp>
-          <p:nvSpPr>
-            <p:cNvPr id="44" name="tx44"/>
-            <p:cNvSpPr/>
-            <p:nvPr/>
-          </p:nvSpPr>
-          <p:spPr>
-            <a:xfrm>
-              <a:off x="1926599" y="1846507"/>
-              <a:ext cx="62155" cy="80327"/>
-            </a:xfrm>
-            <a:prstGeom prst="rect">
-              <a:avLst/>
-            </a:prstGeom>
-            <a:noFill/>
-          </p:spPr>
-          <p:txBody>
-            <a:bodyPr lIns="0" rIns="0" tIns="0" bIns="0" anchorCtr="1" anchor="ctr" wrap="none"/>
-            <a:lstStyle/>
-            <a:p>
-              <a:pPr algn="l" marL="0" marR="0" indent="0">
-                <a:lnSpc>
-                  <a:spcPts val="880"/>
-                </a:lnSpc>
-                <a:spcBef>
-                  <a:spcPts val="0"/>
-                </a:spcBef>
-                <a:spcAft>
-                  <a:spcPts val="0"/>
-                </a:spcAft>
-              </a:pPr>
-              <a:r>
-                <a:rPr sz="880" b="1">
-                  <a:solidFill>
-                    <a:srgbClr val="4D4D4D">
-                      <a:alpha val="100000"/>
-                    </a:srgbClr>
-                  </a:solidFill>
-                  <a:latin typeface="Arial"/>
-                  <a:cs typeface="Arial"/>
-                </a:rPr>
-                <a:t>1</a:t>
-              </a:r>
-            </a:p>
-          </p:txBody>
-        </p:sp>
-        <p:sp>
-          <p:nvSpPr>
-            <p:cNvPr id="45" name="pl45"/>
-            <p:cNvSpPr/>
-            <p:nvPr/>
-          </p:nvSpPr>
-          <p:spPr>
-            <a:xfrm>
-              <a:off x="1988754" y="5342710"/>
-              <a:ext cx="34794" cy="0"/>
-            </a:xfrm>
-            <a:custGeom>
-              <a:avLst/>
-              <a:pathLst>
-                <a:path w="34794" h="0">
-                  <a:moveTo>
-                    <a:pt x="0" y="0"/>
-                  </a:moveTo>
-                  <a:lnTo>
-                    <a:pt x="34794" y="0"/>
-                  </a:lnTo>
-                </a:path>
-              </a:pathLst>
-            </a:custGeom>
-            <a:ln w="6775" cap="flat">
-              <a:solidFill>
-                <a:srgbClr val="B3B3B3">
-                  <a:alpha val="100000"/>
-                </a:srgbClr>
-              </a:solidFill>
-              <a:prstDash val="solid"/>
-              <a:round/>
-            </a:ln>
-          </p:spPr>
-          <p:txBody>
-            <a:bodyPr/>
-            <a:lstStyle/>
-            <a:p/>
-          </p:txBody>
-        </p:sp>
-        <p:sp>
-          <p:nvSpPr>
-            <p:cNvPr id="46" name="pl46"/>
-            <p:cNvSpPr/>
-            <p:nvPr/>
-          </p:nvSpPr>
-          <p:spPr>
-            <a:xfrm>
-              <a:off x="1988754" y="4849013"/>
-              <a:ext cx="34794" cy="0"/>
-            </a:xfrm>
-            <a:custGeom>
-              <a:avLst/>
-              <a:pathLst>
-                <a:path w="34794" h="0">
-                  <a:moveTo>
-                    <a:pt x="0" y="0"/>
-                  </a:moveTo>
-                  <a:lnTo>
-                    <a:pt x="34794" y="0"/>
-                  </a:lnTo>
-                </a:path>
-              </a:pathLst>
-            </a:custGeom>
-            <a:ln w="6775" cap="flat">
-              <a:solidFill>
-                <a:srgbClr val="B3B3B3">
-                  <a:alpha val="100000"/>
-                </a:srgbClr>
-              </a:solidFill>
-              <a:prstDash val="solid"/>
-              <a:round/>
-            </a:ln>
-          </p:spPr>
-          <p:txBody>
-            <a:bodyPr/>
-            <a:lstStyle/>
-            <a:p/>
-          </p:txBody>
-        </p:sp>
-        <p:sp>
-          <p:nvSpPr>
-            <p:cNvPr id="47" name="pl47"/>
-            <p:cNvSpPr/>
-            <p:nvPr/>
-          </p:nvSpPr>
-          <p:spPr>
-            <a:xfrm>
-              <a:off x="1988754" y="4355317"/>
-              <a:ext cx="34794" cy="0"/>
-            </a:xfrm>
-            <a:custGeom>
-              <a:avLst/>
-              <a:pathLst>
-                <a:path w="34794" h="0">
-                  <a:moveTo>
-                    <a:pt x="0" y="0"/>
-                  </a:moveTo>
-                  <a:lnTo>
-                    <a:pt x="34794" y="0"/>
-                  </a:lnTo>
-                </a:path>
-              </a:pathLst>
-            </a:custGeom>
-            <a:ln w="6775" cap="flat">
-              <a:solidFill>
-                <a:srgbClr val="B3B3B3">
-                  <a:alpha val="100000"/>
-                </a:srgbClr>
-              </a:solidFill>
-              <a:prstDash val="solid"/>
-              <a:round/>
-            </a:ln>
-          </p:spPr>
-          <p:txBody>
-            <a:bodyPr/>
-            <a:lstStyle/>
-            <a:p/>
-          </p:txBody>
-        </p:sp>
-        <p:sp>
-          <p:nvSpPr>
-            <p:cNvPr id="48" name="pl48"/>
-            <p:cNvSpPr/>
-            <p:nvPr/>
-          </p:nvSpPr>
-          <p:spPr>
-            <a:xfrm>
-              <a:off x="1988754" y="3861620"/>
-              <a:ext cx="34794" cy="0"/>
-            </a:xfrm>
-            <a:custGeom>
-              <a:avLst/>
-              <a:pathLst>
-                <a:path w="34794" h="0">
-                  <a:moveTo>
-                    <a:pt x="0" y="0"/>
-                  </a:moveTo>
-                  <a:lnTo>
-                    <a:pt x="34794" y="0"/>
-                  </a:lnTo>
-                </a:path>
-              </a:pathLst>
-            </a:custGeom>
-            <a:ln w="6775" cap="flat">
-              <a:solidFill>
-                <a:srgbClr val="B3B3B3">
-                  <a:alpha val="100000"/>
-                </a:srgbClr>
-              </a:solidFill>
-              <a:prstDash val="solid"/>
-              <a:round/>
-            </a:ln>
-          </p:spPr>
-          <p:txBody>
-            <a:bodyPr/>
-            <a:lstStyle/>
-            <a:p/>
-          </p:txBody>
-        </p:sp>
-        <p:sp>
-          <p:nvSpPr>
-            <p:cNvPr id="49" name="pl49"/>
-            <p:cNvSpPr/>
-            <p:nvPr/>
-          </p:nvSpPr>
-          <p:spPr>
-            <a:xfrm>
-              <a:off x="1988754" y="3367924"/>
-              <a:ext cx="34794" cy="0"/>
-            </a:xfrm>
-            <a:custGeom>
-              <a:avLst/>
-              <a:pathLst>
-                <a:path w="34794" h="0">
-                  <a:moveTo>
-                    <a:pt x="0" y="0"/>
-                  </a:moveTo>
-                  <a:lnTo>
-                    <a:pt x="34794" y="0"/>
-                  </a:lnTo>
-                </a:path>
-              </a:pathLst>
-            </a:custGeom>
-            <a:ln w="6775" cap="flat">
-              <a:solidFill>
-                <a:srgbClr val="B3B3B3">
-                  <a:alpha val="100000"/>
-                </a:srgbClr>
-              </a:solidFill>
-              <a:prstDash val="solid"/>
-              <a:round/>
-            </a:ln>
-          </p:spPr>
-          <p:txBody>
-            <a:bodyPr/>
-            <a:lstStyle/>
-            <a:p/>
-          </p:txBody>
-        </p:sp>
-        <p:sp>
-          <p:nvSpPr>
-            <p:cNvPr id="50" name="pl50"/>
-            <p:cNvSpPr/>
-            <p:nvPr/>
-          </p:nvSpPr>
-          <p:spPr>
-            <a:xfrm>
-              <a:off x="1988754" y="2874227"/>
-              <a:ext cx="34794" cy="0"/>
-            </a:xfrm>
-            <a:custGeom>
-              <a:avLst/>
-              <a:pathLst>
-                <a:path w="34794" h="0">
-                  <a:moveTo>
-                    <a:pt x="0" y="0"/>
-                  </a:moveTo>
-                  <a:lnTo>
-                    <a:pt x="34794" y="0"/>
-                  </a:lnTo>
-                </a:path>
-              </a:pathLst>
-            </a:custGeom>
-            <a:ln w="6775" cap="flat">
-              <a:solidFill>
-                <a:srgbClr val="B3B3B3">
-                  <a:alpha val="100000"/>
-                </a:srgbClr>
-              </a:solidFill>
-              <a:prstDash val="solid"/>
-              <a:round/>
-            </a:ln>
-          </p:spPr>
-          <p:txBody>
-            <a:bodyPr/>
-            <a:lstStyle/>
-            <a:p/>
-          </p:txBody>
-        </p:sp>
-        <p:sp>
-          <p:nvSpPr>
-            <p:cNvPr id="51" name="pl51"/>
-            <p:cNvSpPr/>
-            <p:nvPr/>
-          </p:nvSpPr>
-          <p:spPr>
-            <a:xfrm>
-              <a:off x="1988754" y="2380531"/>
-              <a:ext cx="34794" cy="0"/>
-            </a:xfrm>
-            <a:custGeom>
-              <a:avLst/>
-              <a:pathLst>
-                <a:path w="34794" h="0">
-                  <a:moveTo>
-                    <a:pt x="0" y="0"/>
-                  </a:moveTo>
-                  <a:lnTo>
-                    <a:pt x="34794" y="0"/>
-                  </a:lnTo>
-                </a:path>
-              </a:pathLst>
-            </a:custGeom>
-            <a:ln w="6775" cap="flat">
-              <a:solidFill>
-                <a:srgbClr val="B3B3B3">
-                  <a:alpha val="100000"/>
-                </a:srgbClr>
-              </a:solidFill>
-              <a:prstDash val="solid"/>
-              <a:round/>
-            </a:ln>
-          </p:spPr>
-          <p:txBody>
-            <a:bodyPr/>
-            <a:lstStyle/>
-            <a:p/>
-          </p:txBody>
-        </p:sp>
-        <p:sp>
-          <p:nvSpPr>
-            <p:cNvPr id="52" name="pl52"/>
-            <p:cNvSpPr/>
-            <p:nvPr/>
-          </p:nvSpPr>
-          <p:spPr>
-            <a:xfrm>
-              <a:off x="1988754" y="1886835"/>
-              <a:ext cx="34794" cy="0"/>
-            </a:xfrm>
-            <a:custGeom>
-              <a:avLst/>
-              <a:pathLst>
-                <a:path w="34794" h="0">
-                  <a:moveTo>
-                    <a:pt x="0" y="0"/>
-                  </a:moveTo>
-                  <a:lnTo>
-                    <a:pt x="34794" y="0"/>
-                  </a:lnTo>
-                </a:path>
-              </a:pathLst>
-            </a:custGeom>
-            <a:ln w="6775" cap="flat">
-              <a:solidFill>
-                <a:srgbClr val="B3B3B3">
-                  <a:alpha val="100000"/>
-                </a:srgbClr>
-              </a:solidFill>
-              <a:prstDash val="solid"/>
-              <a:round/>
-            </a:ln>
-          </p:spPr>
-          <p:txBody>
-            <a:bodyPr/>
-            <a:lstStyle/>
-            <a:p/>
-          </p:txBody>
-        </p:sp>
-        <p:sp>
-          <p:nvSpPr>
-            <p:cNvPr id="53" name="pl53"/>
-            <p:cNvSpPr/>
-            <p:nvPr/>
-          </p:nvSpPr>
-          <p:spPr>
-            <a:xfrm>
-              <a:off x="2023549" y="5638927"/>
+            <p:cNvPr id="136" name="pl136"/>
+            <p:cNvSpPr/>
+            <p:nvPr/>
+          </p:nvSpPr>
+          <p:spPr>
+            <a:xfrm>
+              <a:off x="2274694" y="5054641"/>
               <a:ext cx="0" cy="34794"/>
             </a:xfrm>
             <a:custGeom>
@@ -5130,31 +8054,31 @@
                 </a:path>
               </a:pathLst>
             </a:custGeom>
-            <a:ln w="6775" cap="flat">
-              <a:solidFill>
-                <a:srgbClr val="B3B3B3">
-                  <a:alpha val="100000"/>
-                </a:srgbClr>
-              </a:solidFill>
-              <a:prstDash val="solid"/>
-              <a:round/>
-            </a:ln>
-          </p:spPr>
-          <p:txBody>
-            <a:bodyPr/>
-            <a:lstStyle/>
-            <a:p/>
-          </p:txBody>
-        </p:sp>
-        <p:sp>
-          <p:nvSpPr>
-            <p:cNvPr id="54" name="pl54"/>
-            <p:cNvSpPr/>
-            <p:nvPr/>
-          </p:nvSpPr>
-          <p:spPr>
-            <a:xfrm>
-              <a:off x="4474013" y="5638927"/>
+            <a:ln w="13550" cap="flat">
+              <a:solidFill>
+                <a:srgbClr val="333333">
+                  <a:alpha val="100000"/>
+                </a:srgbClr>
+              </a:solidFill>
+              <a:prstDash val="solid"/>
+              <a:round/>
+            </a:ln>
+          </p:spPr>
+          <p:txBody>
+            <a:bodyPr/>
+            <a:lstStyle/>
+            <a:p/>
+          </p:txBody>
+        </p:sp>
+        <p:sp>
+          <p:nvSpPr>
+            <p:cNvPr id="137" name="pl137"/>
+            <p:cNvSpPr/>
+            <p:nvPr/>
+          </p:nvSpPr>
+          <p:spPr>
+            <a:xfrm>
+              <a:off x="2432715" y="5054641"/>
               <a:ext cx="0" cy="34794"/>
             </a:xfrm>
             <a:custGeom>
@@ -5170,31 +8094,31 @@
                 </a:path>
               </a:pathLst>
             </a:custGeom>
-            <a:ln w="6775" cap="flat">
-              <a:solidFill>
-                <a:srgbClr val="B3B3B3">
-                  <a:alpha val="100000"/>
-                </a:srgbClr>
-              </a:solidFill>
-              <a:prstDash val="solid"/>
-              <a:round/>
-            </a:ln>
-          </p:spPr>
-          <p:txBody>
-            <a:bodyPr/>
-            <a:lstStyle/>
-            <a:p/>
-          </p:txBody>
-        </p:sp>
-        <p:sp>
-          <p:nvSpPr>
-            <p:cNvPr id="55" name="pl55"/>
-            <p:cNvSpPr/>
-            <p:nvPr/>
-          </p:nvSpPr>
-          <p:spPr>
-            <a:xfrm>
-              <a:off x="6924477" y="5638927"/>
+            <a:ln w="13550" cap="flat">
+              <a:solidFill>
+                <a:srgbClr val="333333">
+                  <a:alpha val="100000"/>
+                </a:srgbClr>
+              </a:solidFill>
+              <a:prstDash val="solid"/>
+              <a:round/>
+            </a:ln>
+          </p:spPr>
+          <p:txBody>
+            <a:bodyPr/>
+            <a:lstStyle/>
+            <a:p/>
+          </p:txBody>
+        </p:sp>
+        <p:sp>
+          <p:nvSpPr>
+            <p:cNvPr id="138" name="pl138"/>
+            <p:cNvSpPr/>
+            <p:nvPr/>
+          </p:nvSpPr>
+          <p:spPr>
+            <a:xfrm>
+              <a:off x="2590735" y="5054641"/>
               <a:ext cx="0" cy="34794"/>
             </a:xfrm>
             <a:custGeom>
@@ -5210,31 +8134,1511 @@
                 </a:path>
               </a:pathLst>
             </a:custGeom>
-            <a:ln w="6775" cap="flat">
-              <a:solidFill>
-                <a:srgbClr val="B3B3B3">
-                  <a:alpha val="100000"/>
-                </a:srgbClr>
-              </a:solidFill>
-              <a:prstDash val="solid"/>
-              <a:round/>
-            </a:ln>
-          </p:spPr>
-          <p:txBody>
-            <a:bodyPr/>
-            <a:lstStyle/>
-            <a:p/>
-          </p:txBody>
-        </p:sp>
-        <p:sp>
-          <p:nvSpPr>
-            <p:cNvPr id="56" name="tx56"/>
-            <p:cNvSpPr/>
-            <p:nvPr/>
-          </p:nvSpPr>
-          <p:spPr>
-            <a:xfrm>
-              <a:off x="1992471" y="5699866"/>
+            <a:ln w="13550" cap="flat">
+              <a:solidFill>
+                <a:srgbClr val="333333">
+                  <a:alpha val="100000"/>
+                </a:srgbClr>
+              </a:solidFill>
+              <a:prstDash val="solid"/>
+              <a:round/>
+            </a:ln>
+          </p:spPr>
+          <p:txBody>
+            <a:bodyPr/>
+            <a:lstStyle/>
+            <a:p/>
+          </p:txBody>
+        </p:sp>
+        <p:sp>
+          <p:nvSpPr>
+            <p:cNvPr id="139" name="pl139"/>
+            <p:cNvSpPr/>
+            <p:nvPr/>
+          </p:nvSpPr>
+          <p:spPr>
+            <a:xfrm>
+              <a:off x="2748756" y="5054641"/>
+              <a:ext cx="0" cy="34794"/>
+            </a:xfrm>
+            <a:custGeom>
+              <a:avLst/>
+              <a:pathLst>
+                <a:path w="0" h="34794">
+                  <a:moveTo>
+                    <a:pt x="0" y="34794"/>
+                  </a:moveTo>
+                  <a:lnTo>
+                    <a:pt x="0" y="0"/>
+                  </a:lnTo>
+                </a:path>
+              </a:pathLst>
+            </a:custGeom>
+            <a:ln w="13550" cap="flat">
+              <a:solidFill>
+                <a:srgbClr val="333333">
+                  <a:alpha val="100000"/>
+                </a:srgbClr>
+              </a:solidFill>
+              <a:prstDash val="solid"/>
+              <a:round/>
+            </a:ln>
+          </p:spPr>
+          <p:txBody>
+            <a:bodyPr/>
+            <a:lstStyle/>
+            <a:p/>
+          </p:txBody>
+        </p:sp>
+        <p:sp>
+          <p:nvSpPr>
+            <p:cNvPr id="140" name="pl140"/>
+            <p:cNvSpPr/>
+            <p:nvPr/>
+          </p:nvSpPr>
+          <p:spPr>
+            <a:xfrm>
+              <a:off x="2906777" y="5054641"/>
+              <a:ext cx="0" cy="34794"/>
+            </a:xfrm>
+            <a:custGeom>
+              <a:avLst/>
+              <a:pathLst>
+                <a:path w="0" h="34794">
+                  <a:moveTo>
+                    <a:pt x="0" y="34794"/>
+                  </a:moveTo>
+                  <a:lnTo>
+                    <a:pt x="0" y="0"/>
+                  </a:lnTo>
+                </a:path>
+              </a:pathLst>
+            </a:custGeom>
+            <a:ln w="13550" cap="flat">
+              <a:solidFill>
+                <a:srgbClr val="333333">
+                  <a:alpha val="100000"/>
+                </a:srgbClr>
+              </a:solidFill>
+              <a:prstDash val="solid"/>
+              <a:round/>
+            </a:ln>
+          </p:spPr>
+          <p:txBody>
+            <a:bodyPr/>
+            <a:lstStyle/>
+            <a:p/>
+          </p:txBody>
+        </p:sp>
+        <p:sp>
+          <p:nvSpPr>
+            <p:cNvPr id="141" name="pl141"/>
+            <p:cNvSpPr/>
+            <p:nvPr/>
+          </p:nvSpPr>
+          <p:spPr>
+            <a:xfrm>
+              <a:off x="3064798" y="5054641"/>
+              <a:ext cx="0" cy="34794"/>
+            </a:xfrm>
+            <a:custGeom>
+              <a:avLst/>
+              <a:pathLst>
+                <a:path w="0" h="34794">
+                  <a:moveTo>
+                    <a:pt x="0" y="34794"/>
+                  </a:moveTo>
+                  <a:lnTo>
+                    <a:pt x="0" y="0"/>
+                  </a:lnTo>
+                </a:path>
+              </a:pathLst>
+            </a:custGeom>
+            <a:ln w="13550" cap="flat">
+              <a:solidFill>
+                <a:srgbClr val="333333">
+                  <a:alpha val="100000"/>
+                </a:srgbClr>
+              </a:solidFill>
+              <a:prstDash val="solid"/>
+              <a:round/>
+            </a:ln>
+          </p:spPr>
+          <p:txBody>
+            <a:bodyPr/>
+            <a:lstStyle/>
+            <a:p/>
+          </p:txBody>
+        </p:sp>
+        <p:sp>
+          <p:nvSpPr>
+            <p:cNvPr id="142" name="pl142"/>
+            <p:cNvSpPr/>
+            <p:nvPr/>
+          </p:nvSpPr>
+          <p:spPr>
+            <a:xfrm>
+              <a:off x="3222819" y="5054641"/>
+              <a:ext cx="0" cy="34794"/>
+            </a:xfrm>
+            <a:custGeom>
+              <a:avLst/>
+              <a:pathLst>
+                <a:path w="0" h="34794">
+                  <a:moveTo>
+                    <a:pt x="0" y="34794"/>
+                  </a:moveTo>
+                  <a:lnTo>
+                    <a:pt x="0" y="0"/>
+                  </a:lnTo>
+                </a:path>
+              </a:pathLst>
+            </a:custGeom>
+            <a:ln w="13550" cap="flat">
+              <a:solidFill>
+                <a:srgbClr val="333333">
+                  <a:alpha val="100000"/>
+                </a:srgbClr>
+              </a:solidFill>
+              <a:prstDash val="solid"/>
+              <a:round/>
+            </a:ln>
+          </p:spPr>
+          <p:txBody>
+            <a:bodyPr/>
+            <a:lstStyle/>
+            <a:p/>
+          </p:txBody>
+        </p:sp>
+        <p:sp>
+          <p:nvSpPr>
+            <p:cNvPr id="143" name="pl143"/>
+            <p:cNvSpPr/>
+            <p:nvPr/>
+          </p:nvSpPr>
+          <p:spPr>
+            <a:xfrm>
+              <a:off x="3380840" y="5054641"/>
+              <a:ext cx="0" cy="34794"/>
+            </a:xfrm>
+            <a:custGeom>
+              <a:avLst/>
+              <a:pathLst>
+                <a:path w="0" h="34794">
+                  <a:moveTo>
+                    <a:pt x="0" y="34794"/>
+                  </a:moveTo>
+                  <a:lnTo>
+                    <a:pt x="0" y="0"/>
+                  </a:lnTo>
+                </a:path>
+              </a:pathLst>
+            </a:custGeom>
+            <a:ln w="13550" cap="flat">
+              <a:solidFill>
+                <a:srgbClr val="333333">
+                  <a:alpha val="100000"/>
+                </a:srgbClr>
+              </a:solidFill>
+              <a:prstDash val="solid"/>
+              <a:round/>
+            </a:ln>
+          </p:spPr>
+          <p:txBody>
+            <a:bodyPr/>
+            <a:lstStyle/>
+            <a:p/>
+          </p:txBody>
+        </p:sp>
+        <p:sp>
+          <p:nvSpPr>
+            <p:cNvPr id="144" name="pl144"/>
+            <p:cNvSpPr/>
+            <p:nvPr/>
+          </p:nvSpPr>
+          <p:spPr>
+            <a:xfrm>
+              <a:off x="3640054" y="5054641"/>
+              <a:ext cx="0" cy="34794"/>
+            </a:xfrm>
+            <a:custGeom>
+              <a:avLst/>
+              <a:pathLst>
+                <a:path w="0" h="34794">
+                  <a:moveTo>
+                    <a:pt x="0" y="34794"/>
+                  </a:moveTo>
+                  <a:lnTo>
+                    <a:pt x="0" y="0"/>
+                  </a:lnTo>
+                </a:path>
+              </a:pathLst>
+            </a:custGeom>
+            <a:ln w="13550" cap="flat">
+              <a:solidFill>
+                <a:srgbClr val="333333">
+                  <a:alpha val="100000"/>
+                </a:srgbClr>
+              </a:solidFill>
+              <a:prstDash val="solid"/>
+              <a:round/>
+            </a:ln>
+          </p:spPr>
+          <p:txBody>
+            <a:bodyPr/>
+            <a:lstStyle/>
+            <a:p/>
+          </p:txBody>
+        </p:sp>
+        <p:sp>
+          <p:nvSpPr>
+            <p:cNvPr id="145" name="pl145"/>
+            <p:cNvSpPr/>
+            <p:nvPr/>
+          </p:nvSpPr>
+          <p:spPr>
+            <a:xfrm>
+              <a:off x="3798075" y="5054641"/>
+              <a:ext cx="0" cy="34794"/>
+            </a:xfrm>
+            <a:custGeom>
+              <a:avLst/>
+              <a:pathLst>
+                <a:path w="0" h="34794">
+                  <a:moveTo>
+                    <a:pt x="0" y="34794"/>
+                  </a:moveTo>
+                  <a:lnTo>
+                    <a:pt x="0" y="0"/>
+                  </a:lnTo>
+                </a:path>
+              </a:pathLst>
+            </a:custGeom>
+            <a:ln w="13550" cap="flat">
+              <a:solidFill>
+                <a:srgbClr val="333333">
+                  <a:alpha val="100000"/>
+                </a:srgbClr>
+              </a:solidFill>
+              <a:prstDash val="solid"/>
+              <a:round/>
+            </a:ln>
+          </p:spPr>
+          <p:txBody>
+            <a:bodyPr/>
+            <a:lstStyle/>
+            <a:p/>
+          </p:txBody>
+        </p:sp>
+        <p:sp>
+          <p:nvSpPr>
+            <p:cNvPr id="146" name="pl146"/>
+            <p:cNvSpPr/>
+            <p:nvPr/>
+          </p:nvSpPr>
+          <p:spPr>
+            <a:xfrm>
+              <a:off x="3956095" y="5054641"/>
+              <a:ext cx="0" cy="34794"/>
+            </a:xfrm>
+            <a:custGeom>
+              <a:avLst/>
+              <a:pathLst>
+                <a:path w="0" h="34794">
+                  <a:moveTo>
+                    <a:pt x="0" y="34794"/>
+                  </a:moveTo>
+                  <a:lnTo>
+                    <a:pt x="0" y="0"/>
+                  </a:lnTo>
+                </a:path>
+              </a:pathLst>
+            </a:custGeom>
+            <a:ln w="13550" cap="flat">
+              <a:solidFill>
+                <a:srgbClr val="333333">
+                  <a:alpha val="100000"/>
+                </a:srgbClr>
+              </a:solidFill>
+              <a:prstDash val="solid"/>
+              <a:round/>
+            </a:ln>
+          </p:spPr>
+          <p:txBody>
+            <a:bodyPr/>
+            <a:lstStyle/>
+            <a:p/>
+          </p:txBody>
+        </p:sp>
+        <p:sp>
+          <p:nvSpPr>
+            <p:cNvPr id="147" name="pl147"/>
+            <p:cNvSpPr/>
+            <p:nvPr/>
+          </p:nvSpPr>
+          <p:spPr>
+            <a:xfrm>
+              <a:off x="4114116" y="5054641"/>
+              <a:ext cx="0" cy="34794"/>
+            </a:xfrm>
+            <a:custGeom>
+              <a:avLst/>
+              <a:pathLst>
+                <a:path w="0" h="34794">
+                  <a:moveTo>
+                    <a:pt x="0" y="34794"/>
+                  </a:moveTo>
+                  <a:lnTo>
+                    <a:pt x="0" y="0"/>
+                  </a:lnTo>
+                </a:path>
+              </a:pathLst>
+            </a:custGeom>
+            <a:ln w="13550" cap="flat">
+              <a:solidFill>
+                <a:srgbClr val="333333">
+                  <a:alpha val="100000"/>
+                </a:srgbClr>
+              </a:solidFill>
+              <a:prstDash val="solid"/>
+              <a:round/>
+            </a:ln>
+          </p:spPr>
+          <p:txBody>
+            <a:bodyPr/>
+            <a:lstStyle/>
+            <a:p/>
+          </p:txBody>
+        </p:sp>
+        <p:sp>
+          <p:nvSpPr>
+            <p:cNvPr id="148" name="pl148"/>
+            <p:cNvSpPr/>
+            <p:nvPr/>
+          </p:nvSpPr>
+          <p:spPr>
+            <a:xfrm>
+              <a:off x="4272137" y="5054641"/>
+              <a:ext cx="0" cy="34794"/>
+            </a:xfrm>
+            <a:custGeom>
+              <a:avLst/>
+              <a:pathLst>
+                <a:path w="0" h="34794">
+                  <a:moveTo>
+                    <a:pt x="0" y="34794"/>
+                  </a:moveTo>
+                  <a:lnTo>
+                    <a:pt x="0" y="0"/>
+                  </a:lnTo>
+                </a:path>
+              </a:pathLst>
+            </a:custGeom>
+            <a:ln w="13550" cap="flat">
+              <a:solidFill>
+                <a:srgbClr val="333333">
+                  <a:alpha val="100000"/>
+                </a:srgbClr>
+              </a:solidFill>
+              <a:prstDash val="solid"/>
+              <a:round/>
+            </a:ln>
+          </p:spPr>
+          <p:txBody>
+            <a:bodyPr/>
+            <a:lstStyle/>
+            <a:p/>
+          </p:txBody>
+        </p:sp>
+        <p:sp>
+          <p:nvSpPr>
+            <p:cNvPr id="149" name="pl149"/>
+            <p:cNvSpPr/>
+            <p:nvPr/>
+          </p:nvSpPr>
+          <p:spPr>
+            <a:xfrm>
+              <a:off x="4430158" y="5054641"/>
+              <a:ext cx="0" cy="34794"/>
+            </a:xfrm>
+            <a:custGeom>
+              <a:avLst/>
+              <a:pathLst>
+                <a:path w="0" h="34794">
+                  <a:moveTo>
+                    <a:pt x="0" y="34794"/>
+                  </a:moveTo>
+                  <a:lnTo>
+                    <a:pt x="0" y="0"/>
+                  </a:lnTo>
+                </a:path>
+              </a:pathLst>
+            </a:custGeom>
+            <a:ln w="13550" cap="flat">
+              <a:solidFill>
+                <a:srgbClr val="333333">
+                  <a:alpha val="100000"/>
+                </a:srgbClr>
+              </a:solidFill>
+              <a:prstDash val="solid"/>
+              <a:round/>
+            </a:ln>
+          </p:spPr>
+          <p:txBody>
+            <a:bodyPr/>
+            <a:lstStyle/>
+            <a:p/>
+          </p:txBody>
+        </p:sp>
+        <p:sp>
+          <p:nvSpPr>
+            <p:cNvPr id="150" name="pl150"/>
+            <p:cNvSpPr/>
+            <p:nvPr/>
+          </p:nvSpPr>
+          <p:spPr>
+            <a:xfrm>
+              <a:off x="4588179" y="5054641"/>
+              <a:ext cx="0" cy="34794"/>
+            </a:xfrm>
+            <a:custGeom>
+              <a:avLst/>
+              <a:pathLst>
+                <a:path w="0" h="34794">
+                  <a:moveTo>
+                    <a:pt x="0" y="34794"/>
+                  </a:moveTo>
+                  <a:lnTo>
+                    <a:pt x="0" y="0"/>
+                  </a:lnTo>
+                </a:path>
+              </a:pathLst>
+            </a:custGeom>
+            <a:ln w="13550" cap="flat">
+              <a:solidFill>
+                <a:srgbClr val="333333">
+                  <a:alpha val="100000"/>
+                </a:srgbClr>
+              </a:solidFill>
+              <a:prstDash val="solid"/>
+              <a:round/>
+            </a:ln>
+          </p:spPr>
+          <p:txBody>
+            <a:bodyPr/>
+            <a:lstStyle/>
+            <a:p/>
+          </p:txBody>
+        </p:sp>
+        <p:sp>
+          <p:nvSpPr>
+            <p:cNvPr id="151" name="pl151"/>
+            <p:cNvSpPr/>
+            <p:nvPr/>
+          </p:nvSpPr>
+          <p:spPr>
+            <a:xfrm>
+              <a:off x="4746200" y="5054641"/>
+              <a:ext cx="0" cy="34794"/>
+            </a:xfrm>
+            <a:custGeom>
+              <a:avLst/>
+              <a:pathLst>
+                <a:path w="0" h="34794">
+                  <a:moveTo>
+                    <a:pt x="0" y="34794"/>
+                  </a:moveTo>
+                  <a:lnTo>
+                    <a:pt x="0" y="0"/>
+                  </a:lnTo>
+                </a:path>
+              </a:pathLst>
+            </a:custGeom>
+            <a:ln w="13550" cap="flat">
+              <a:solidFill>
+                <a:srgbClr val="333333">
+                  <a:alpha val="100000"/>
+                </a:srgbClr>
+              </a:solidFill>
+              <a:prstDash val="solid"/>
+              <a:round/>
+            </a:ln>
+          </p:spPr>
+          <p:txBody>
+            <a:bodyPr/>
+            <a:lstStyle/>
+            <a:p/>
+          </p:txBody>
+        </p:sp>
+        <p:sp>
+          <p:nvSpPr>
+            <p:cNvPr id="152" name="pl152"/>
+            <p:cNvSpPr/>
+            <p:nvPr/>
+          </p:nvSpPr>
+          <p:spPr>
+            <a:xfrm>
+              <a:off x="5005414" y="5054641"/>
+              <a:ext cx="0" cy="34794"/>
+            </a:xfrm>
+            <a:custGeom>
+              <a:avLst/>
+              <a:pathLst>
+                <a:path w="0" h="34794">
+                  <a:moveTo>
+                    <a:pt x="0" y="34794"/>
+                  </a:moveTo>
+                  <a:lnTo>
+                    <a:pt x="0" y="0"/>
+                  </a:lnTo>
+                </a:path>
+              </a:pathLst>
+            </a:custGeom>
+            <a:ln w="13550" cap="flat">
+              <a:solidFill>
+                <a:srgbClr val="333333">
+                  <a:alpha val="100000"/>
+                </a:srgbClr>
+              </a:solidFill>
+              <a:prstDash val="solid"/>
+              <a:round/>
+            </a:ln>
+          </p:spPr>
+          <p:txBody>
+            <a:bodyPr/>
+            <a:lstStyle/>
+            <a:p/>
+          </p:txBody>
+        </p:sp>
+        <p:sp>
+          <p:nvSpPr>
+            <p:cNvPr id="153" name="pl153"/>
+            <p:cNvSpPr/>
+            <p:nvPr/>
+          </p:nvSpPr>
+          <p:spPr>
+            <a:xfrm>
+              <a:off x="5163434" y="5054641"/>
+              <a:ext cx="0" cy="34794"/>
+            </a:xfrm>
+            <a:custGeom>
+              <a:avLst/>
+              <a:pathLst>
+                <a:path w="0" h="34794">
+                  <a:moveTo>
+                    <a:pt x="0" y="34794"/>
+                  </a:moveTo>
+                  <a:lnTo>
+                    <a:pt x="0" y="0"/>
+                  </a:lnTo>
+                </a:path>
+              </a:pathLst>
+            </a:custGeom>
+            <a:ln w="13550" cap="flat">
+              <a:solidFill>
+                <a:srgbClr val="333333">
+                  <a:alpha val="100000"/>
+                </a:srgbClr>
+              </a:solidFill>
+              <a:prstDash val="solid"/>
+              <a:round/>
+            </a:ln>
+          </p:spPr>
+          <p:txBody>
+            <a:bodyPr/>
+            <a:lstStyle/>
+            <a:p/>
+          </p:txBody>
+        </p:sp>
+        <p:sp>
+          <p:nvSpPr>
+            <p:cNvPr id="154" name="pl154"/>
+            <p:cNvSpPr/>
+            <p:nvPr/>
+          </p:nvSpPr>
+          <p:spPr>
+            <a:xfrm>
+              <a:off x="5321455" y="5054641"/>
+              <a:ext cx="0" cy="34794"/>
+            </a:xfrm>
+            <a:custGeom>
+              <a:avLst/>
+              <a:pathLst>
+                <a:path w="0" h="34794">
+                  <a:moveTo>
+                    <a:pt x="0" y="34794"/>
+                  </a:moveTo>
+                  <a:lnTo>
+                    <a:pt x="0" y="0"/>
+                  </a:lnTo>
+                </a:path>
+              </a:pathLst>
+            </a:custGeom>
+            <a:ln w="13550" cap="flat">
+              <a:solidFill>
+                <a:srgbClr val="333333">
+                  <a:alpha val="100000"/>
+                </a:srgbClr>
+              </a:solidFill>
+              <a:prstDash val="solid"/>
+              <a:round/>
+            </a:ln>
+          </p:spPr>
+          <p:txBody>
+            <a:bodyPr/>
+            <a:lstStyle/>
+            <a:p/>
+          </p:txBody>
+        </p:sp>
+        <p:sp>
+          <p:nvSpPr>
+            <p:cNvPr id="155" name="pl155"/>
+            <p:cNvSpPr/>
+            <p:nvPr/>
+          </p:nvSpPr>
+          <p:spPr>
+            <a:xfrm>
+              <a:off x="5479476" y="5054641"/>
+              <a:ext cx="0" cy="34794"/>
+            </a:xfrm>
+            <a:custGeom>
+              <a:avLst/>
+              <a:pathLst>
+                <a:path w="0" h="34794">
+                  <a:moveTo>
+                    <a:pt x="0" y="34794"/>
+                  </a:moveTo>
+                  <a:lnTo>
+                    <a:pt x="0" y="0"/>
+                  </a:lnTo>
+                </a:path>
+              </a:pathLst>
+            </a:custGeom>
+            <a:ln w="13550" cap="flat">
+              <a:solidFill>
+                <a:srgbClr val="333333">
+                  <a:alpha val="100000"/>
+                </a:srgbClr>
+              </a:solidFill>
+              <a:prstDash val="solid"/>
+              <a:round/>
+            </a:ln>
+          </p:spPr>
+          <p:txBody>
+            <a:bodyPr/>
+            <a:lstStyle/>
+            <a:p/>
+          </p:txBody>
+        </p:sp>
+        <p:sp>
+          <p:nvSpPr>
+            <p:cNvPr id="156" name="pl156"/>
+            <p:cNvSpPr/>
+            <p:nvPr/>
+          </p:nvSpPr>
+          <p:spPr>
+            <a:xfrm>
+              <a:off x="5637497" y="5054641"/>
+              <a:ext cx="0" cy="34794"/>
+            </a:xfrm>
+            <a:custGeom>
+              <a:avLst/>
+              <a:pathLst>
+                <a:path w="0" h="34794">
+                  <a:moveTo>
+                    <a:pt x="0" y="34794"/>
+                  </a:moveTo>
+                  <a:lnTo>
+                    <a:pt x="0" y="0"/>
+                  </a:lnTo>
+                </a:path>
+              </a:pathLst>
+            </a:custGeom>
+            <a:ln w="13550" cap="flat">
+              <a:solidFill>
+                <a:srgbClr val="333333">
+                  <a:alpha val="100000"/>
+                </a:srgbClr>
+              </a:solidFill>
+              <a:prstDash val="solid"/>
+              <a:round/>
+            </a:ln>
+          </p:spPr>
+          <p:txBody>
+            <a:bodyPr/>
+            <a:lstStyle/>
+            <a:p/>
+          </p:txBody>
+        </p:sp>
+        <p:sp>
+          <p:nvSpPr>
+            <p:cNvPr id="157" name="pl157"/>
+            <p:cNvSpPr/>
+            <p:nvPr/>
+          </p:nvSpPr>
+          <p:spPr>
+            <a:xfrm>
+              <a:off x="5795518" y="5054641"/>
+              <a:ext cx="0" cy="34794"/>
+            </a:xfrm>
+            <a:custGeom>
+              <a:avLst/>
+              <a:pathLst>
+                <a:path w="0" h="34794">
+                  <a:moveTo>
+                    <a:pt x="0" y="34794"/>
+                  </a:moveTo>
+                  <a:lnTo>
+                    <a:pt x="0" y="0"/>
+                  </a:lnTo>
+                </a:path>
+              </a:pathLst>
+            </a:custGeom>
+            <a:ln w="13550" cap="flat">
+              <a:solidFill>
+                <a:srgbClr val="333333">
+                  <a:alpha val="100000"/>
+                </a:srgbClr>
+              </a:solidFill>
+              <a:prstDash val="solid"/>
+              <a:round/>
+            </a:ln>
+          </p:spPr>
+          <p:txBody>
+            <a:bodyPr/>
+            <a:lstStyle/>
+            <a:p/>
+          </p:txBody>
+        </p:sp>
+        <p:sp>
+          <p:nvSpPr>
+            <p:cNvPr id="158" name="pl158"/>
+            <p:cNvSpPr/>
+            <p:nvPr/>
+          </p:nvSpPr>
+          <p:spPr>
+            <a:xfrm>
+              <a:off x="5953539" y="5054641"/>
+              <a:ext cx="0" cy="34794"/>
+            </a:xfrm>
+            <a:custGeom>
+              <a:avLst/>
+              <a:pathLst>
+                <a:path w="0" h="34794">
+                  <a:moveTo>
+                    <a:pt x="0" y="34794"/>
+                  </a:moveTo>
+                  <a:lnTo>
+                    <a:pt x="0" y="0"/>
+                  </a:lnTo>
+                </a:path>
+              </a:pathLst>
+            </a:custGeom>
+            <a:ln w="13550" cap="flat">
+              <a:solidFill>
+                <a:srgbClr val="333333">
+                  <a:alpha val="100000"/>
+                </a:srgbClr>
+              </a:solidFill>
+              <a:prstDash val="solid"/>
+              <a:round/>
+            </a:ln>
+          </p:spPr>
+          <p:txBody>
+            <a:bodyPr/>
+            <a:lstStyle/>
+            <a:p/>
+          </p:txBody>
+        </p:sp>
+        <p:sp>
+          <p:nvSpPr>
+            <p:cNvPr id="159" name="pl159"/>
+            <p:cNvSpPr/>
+            <p:nvPr/>
+          </p:nvSpPr>
+          <p:spPr>
+            <a:xfrm>
+              <a:off x="6111560" y="5054641"/>
+              <a:ext cx="0" cy="34794"/>
+            </a:xfrm>
+            <a:custGeom>
+              <a:avLst/>
+              <a:pathLst>
+                <a:path w="0" h="34794">
+                  <a:moveTo>
+                    <a:pt x="0" y="34794"/>
+                  </a:moveTo>
+                  <a:lnTo>
+                    <a:pt x="0" y="0"/>
+                  </a:lnTo>
+                </a:path>
+              </a:pathLst>
+            </a:custGeom>
+            <a:ln w="13550" cap="flat">
+              <a:solidFill>
+                <a:srgbClr val="333333">
+                  <a:alpha val="100000"/>
+                </a:srgbClr>
+              </a:solidFill>
+              <a:prstDash val="solid"/>
+              <a:round/>
+            </a:ln>
+          </p:spPr>
+          <p:txBody>
+            <a:bodyPr/>
+            <a:lstStyle/>
+            <a:p/>
+          </p:txBody>
+        </p:sp>
+        <p:sp>
+          <p:nvSpPr>
+            <p:cNvPr id="160" name="pl160"/>
+            <p:cNvSpPr/>
+            <p:nvPr/>
+          </p:nvSpPr>
+          <p:spPr>
+            <a:xfrm>
+              <a:off x="6370774" y="5054641"/>
+              <a:ext cx="0" cy="34794"/>
+            </a:xfrm>
+            <a:custGeom>
+              <a:avLst/>
+              <a:pathLst>
+                <a:path w="0" h="34794">
+                  <a:moveTo>
+                    <a:pt x="0" y="34794"/>
+                  </a:moveTo>
+                  <a:lnTo>
+                    <a:pt x="0" y="0"/>
+                  </a:lnTo>
+                </a:path>
+              </a:pathLst>
+            </a:custGeom>
+            <a:ln w="13550" cap="flat">
+              <a:solidFill>
+                <a:srgbClr val="333333">
+                  <a:alpha val="100000"/>
+                </a:srgbClr>
+              </a:solidFill>
+              <a:prstDash val="solid"/>
+              <a:round/>
+            </a:ln>
+          </p:spPr>
+          <p:txBody>
+            <a:bodyPr/>
+            <a:lstStyle/>
+            <a:p/>
+          </p:txBody>
+        </p:sp>
+        <p:sp>
+          <p:nvSpPr>
+            <p:cNvPr id="161" name="pl161"/>
+            <p:cNvSpPr/>
+            <p:nvPr/>
+          </p:nvSpPr>
+          <p:spPr>
+            <a:xfrm>
+              <a:off x="6528794" y="5054641"/>
+              <a:ext cx="0" cy="34794"/>
+            </a:xfrm>
+            <a:custGeom>
+              <a:avLst/>
+              <a:pathLst>
+                <a:path w="0" h="34794">
+                  <a:moveTo>
+                    <a:pt x="0" y="34794"/>
+                  </a:moveTo>
+                  <a:lnTo>
+                    <a:pt x="0" y="0"/>
+                  </a:lnTo>
+                </a:path>
+              </a:pathLst>
+            </a:custGeom>
+            <a:ln w="13550" cap="flat">
+              <a:solidFill>
+                <a:srgbClr val="333333">
+                  <a:alpha val="100000"/>
+                </a:srgbClr>
+              </a:solidFill>
+              <a:prstDash val="solid"/>
+              <a:round/>
+            </a:ln>
+          </p:spPr>
+          <p:txBody>
+            <a:bodyPr/>
+            <a:lstStyle/>
+            <a:p/>
+          </p:txBody>
+        </p:sp>
+        <p:sp>
+          <p:nvSpPr>
+            <p:cNvPr id="162" name="pl162"/>
+            <p:cNvSpPr/>
+            <p:nvPr/>
+          </p:nvSpPr>
+          <p:spPr>
+            <a:xfrm>
+              <a:off x="6686815" y="5054641"/>
+              <a:ext cx="0" cy="34794"/>
+            </a:xfrm>
+            <a:custGeom>
+              <a:avLst/>
+              <a:pathLst>
+                <a:path w="0" h="34794">
+                  <a:moveTo>
+                    <a:pt x="0" y="34794"/>
+                  </a:moveTo>
+                  <a:lnTo>
+                    <a:pt x="0" y="0"/>
+                  </a:lnTo>
+                </a:path>
+              </a:pathLst>
+            </a:custGeom>
+            <a:ln w="13550" cap="flat">
+              <a:solidFill>
+                <a:srgbClr val="333333">
+                  <a:alpha val="100000"/>
+                </a:srgbClr>
+              </a:solidFill>
+              <a:prstDash val="solid"/>
+              <a:round/>
+            </a:ln>
+          </p:spPr>
+          <p:txBody>
+            <a:bodyPr/>
+            <a:lstStyle/>
+            <a:p/>
+          </p:txBody>
+        </p:sp>
+        <p:sp>
+          <p:nvSpPr>
+            <p:cNvPr id="163" name="pl163"/>
+            <p:cNvSpPr/>
+            <p:nvPr/>
+          </p:nvSpPr>
+          <p:spPr>
+            <a:xfrm>
+              <a:off x="6844836" y="5054641"/>
+              <a:ext cx="0" cy="34794"/>
+            </a:xfrm>
+            <a:custGeom>
+              <a:avLst/>
+              <a:pathLst>
+                <a:path w="0" h="34794">
+                  <a:moveTo>
+                    <a:pt x="0" y="34794"/>
+                  </a:moveTo>
+                  <a:lnTo>
+                    <a:pt x="0" y="0"/>
+                  </a:lnTo>
+                </a:path>
+              </a:pathLst>
+            </a:custGeom>
+            <a:ln w="13550" cap="flat">
+              <a:solidFill>
+                <a:srgbClr val="333333">
+                  <a:alpha val="100000"/>
+                </a:srgbClr>
+              </a:solidFill>
+              <a:prstDash val="solid"/>
+              <a:round/>
+            </a:ln>
+          </p:spPr>
+          <p:txBody>
+            <a:bodyPr/>
+            <a:lstStyle/>
+            <a:p/>
+          </p:txBody>
+        </p:sp>
+        <p:sp>
+          <p:nvSpPr>
+            <p:cNvPr id="164" name="pl164"/>
+            <p:cNvSpPr/>
+            <p:nvPr/>
+          </p:nvSpPr>
+          <p:spPr>
+            <a:xfrm>
+              <a:off x="7002857" y="5054641"/>
+              <a:ext cx="0" cy="34794"/>
+            </a:xfrm>
+            <a:custGeom>
+              <a:avLst/>
+              <a:pathLst>
+                <a:path w="0" h="34794">
+                  <a:moveTo>
+                    <a:pt x="0" y="34794"/>
+                  </a:moveTo>
+                  <a:lnTo>
+                    <a:pt x="0" y="0"/>
+                  </a:lnTo>
+                </a:path>
+              </a:pathLst>
+            </a:custGeom>
+            <a:ln w="13550" cap="flat">
+              <a:solidFill>
+                <a:srgbClr val="333333">
+                  <a:alpha val="100000"/>
+                </a:srgbClr>
+              </a:solidFill>
+              <a:prstDash val="solid"/>
+              <a:round/>
+            </a:ln>
+          </p:spPr>
+          <p:txBody>
+            <a:bodyPr/>
+            <a:lstStyle/>
+            <a:p/>
+          </p:txBody>
+        </p:sp>
+        <p:sp>
+          <p:nvSpPr>
+            <p:cNvPr id="165" name="pl165"/>
+            <p:cNvSpPr/>
+            <p:nvPr/>
+          </p:nvSpPr>
+          <p:spPr>
+            <a:xfrm>
+              <a:off x="7160878" y="5054641"/>
+              <a:ext cx="0" cy="34794"/>
+            </a:xfrm>
+            <a:custGeom>
+              <a:avLst/>
+              <a:pathLst>
+                <a:path w="0" h="34794">
+                  <a:moveTo>
+                    <a:pt x="0" y="34794"/>
+                  </a:moveTo>
+                  <a:lnTo>
+                    <a:pt x="0" y="0"/>
+                  </a:lnTo>
+                </a:path>
+              </a:pathLst>
+            </a:custGeom>
+            <a:ln w="13550" cap="flat">
+              <a:solidFill>
+                <a:srgbClr val="333333">
+                  <a:alpha val="100000"/>
+                </a:srgbClr>
+              </a:solidFill>
+              <a:prstDash val="solid"/>
+              <a:round/>
+            </a:ln>
+          </p:spPr>
+          <p:txBody>
+            <a:bodyPr/>
+            <a:lstStyle/>
+            <a:p/>
+          </p:txBody>
+        </p:sp>
+        <p:sp>
+          <p:nvSpPr>
+            <p:cNvPr id="166" name="pl166"/>
+            <p:cNvSpPr/>
+            <p:nvPr/>
+          </p:nvSpPr>
+          <p:spPr>
+            <a:xfrm>
+              <a:off x="7318899" y="5054641"/>
+              <a:ext cx="0" cy="34794"/>
+            </a:xfrm>
+            <a:custGeom>
+              <a:avLst/>
+              <a:pathLst>
+                <a:path w="0" h="34794">
+                  <a:moveTo>
+                    <a:pt x="0" y="34794"/>
+                  </a:moveTo>
+                  <a:lnTo>
+                    <a:pt x="0" y="0"/>
+                  </a:lnTo>
+                </a:path>
+              </a:pathLst>
+            </a:custGeom>
+            <a:ln w="13550" cap="flat">
+              <a:solidFill>
+                <a:srgbClr val="333333">
+                  <a:alpha val="100000"/>
+                </a:srgbClr>
+              </a:solidFill>
+              <a:prstDash val="solid"/>
+              <a:round/>
+            </a:ln>
+          </p:spPr>
+          <p:txBody>
+            <a:bodyPr/>
+            <a:lstStyle/>
+            <a:p/>
+          </p:txBody>
+        </p:sp>
+        <p:sp>
+          <p:nvSpPr>
+            <p:cNvPr id="167" name="pl167"/>
+            <p:cNvSpPr/>
+            <p:nvPr/>
+          </p:nvSpPr>
+          <p:spPr>
+            <a:xfrm>
+              <a:off x="7476919" y="5054641"/>
+              <a:ext cx="0" cy="34794"/>
+            </a:xfrm>
+            <a:custGeom>
+              <a:avLst/>
+              <a:pathLst>
+                <a:path w="0" h="34794">
+                  <a:moveTo>
+                    <a:pt x="0" y="34794"/>
+                  </a:moveTo>
+                  <a:lnTo>
+                    <a:pt x="0" y="0"/>
+                  </a:lnTo>
+                </a:path>
+              </a:pathLst>
+            </a:custGeom>
+            <a:ln w="13550" cap="flat">
+              <a:solidFill>
+                <a:srgbClr val="333333">
+                  <a:alpha val="100000"/>
+                </a:srgbClr>
+              </a:solidFill>
+              <a:prstDash val="solid"/>
+              <a:round/>
+            </a:ln>
+          </p:spPr>
+          <p:txBody>
+            <a:bodyPr/>
+            <a:lstStyle/>
+            <a:p/>
+          </p:txBody>
+        </p:sp>
+        <p:sp>
+          <p:nvSpPr>
+            <p:cNvPr id="168" name="pl168"/>
+            <p:cNvSpPr/>
+            <p:nvPr/>
+          </p:nvSpPr>
+          <p:spPr>
+            <a:xfrm>
+              <a:off x="7736134" y="5054641"/>
+              <a:ext cx="0" cy="34794"/>
+            </a:xfrm>
+            <a:custGeom>
+              <a:avLst/>
+              <a:pathLst>
+                <a:path w="0" h="34794">
+                  <a:moveTo>
+                    <a:pt x="0" y="34794"/>
+                  </a:moveTo>
+                  <a:lnTo>
+                    <a:pt x="0" y="0"/>
+                  </a:lnTo>
+                </a:path>
+              </a:pathLst>
+            </a:custGeom>
+            <a:ln w="13550" cap="flat">
+              <a:solidFill>
+                <a:srgbClr val="333333">
+                  <a:alpha val="100000"/>
+                </a:srgbClr>
+              </a:solidFill>
+              <a:prstDash val="solid"/>
+              <a:round/>
+            </a:ln>
+          </p:spPr>
+          <p:txBody>
+            <a:bodyPr/>
+            <a:lstStyle/>
+            <a:p/>
+          </p:txBody>
+        </p:sp>
+        <p:sp>
+          <p:nvSpPr>
+            <p:cNvPr id="169" name="pl169"/>
+            <p:cNvSpPr/>
+            <p:nvPr/>
+          </p:nvSpPr>
+          <p:spPr>
+            <a:xfrm>
+              <a:off x="7894154" y="5054641"/>
+              <a:ext cx="0" cy="34794"/>
+            </a:xfrm>
+            <a:custGeom>
+              <a:avLst/>
+              <a:pathLst>
+                <a:path w="0" h="34794">
+                  <a:moveTo>
+                    <a:pt x="0" y="34794"/>
+                  </a:moveTo>
+                  <a:lnTo>
+                    <a:pt x="0" y="0"/>
+                  </a:lnTo>
+                </a:path>
+              </a:pathLst>
+            </a:custGeom>
+            <a:ln w="13550" cap="flat">
+              <a:solidFill>
+                <a:srgbClr val="333333">
+                  <a:alpha val="100000"/>
+                </a:srgbClr>
+              </a:solidFill>
+              <a:prstDash val="solid"/>
+              <a:round/>
+            </a:ln>
+          </p:spPr>
+          <p:txBody>
+            <a:bodyPr/>
+            <a:lstStyle/>
+            <a:p/>
+          </p:txBody>
+        </p:sp>
+        <p:sp>
+          <p:nvSpPr>
+            <p:cNvPr id="170" name="pl170"/>
+            <p:cNvSpPr/>
+            <p:nvPr/>
+          </p:nvSpPr>
+          <p:spPr>
+            <a:xfrm>
+              <a:off x="8052175" y="5054641"/>
+              <a:ext cx="0" cy="34794"/>
+            </a:xfrm>
+            <a:custGeom>
+              <a:avLst/>
+              <a:pathLst>
+                <a:path w="0" h="34794">
+                  <a:moveTo>
+                    <a:pt x="0" y="34794"/>
+                  </a:moveTo>
+                  <a:lnTo>
+                    <a:pt x="0" y="0"/>
+                  </a:lnTo>
+                </a:path>
+              </a:pathLst>
+            </a:custGeom>
+            <a:ln w="13550" cap="flat">
+              <a:solidFill>
+                <a:srgbClr val="333333">
+                  <a:alpha val="100000"/>
+                </a:srgbClr>
+              </a:solidFill>
+              <a:prstDash val="solid"/>
+              <a:round/>
+            </a:ln>
+          </p:spPr>
+          <p:txBody>
+            <a:bodyPr/>
+            <a:lstStyle/>
+            <a:p/>
+          </p:txBody>
+        </p:sp>
+        <p:sp>
+          <p:nvSpPr>
+            <p:cNvPr id="171" name="pl171"/>
+            <p:cNvSpPr/>
+            <p:nvPr/>
+          </p:nvSpPr>
+          <p:spPr>
+            <a:xfrm>
+              <a:off x="8210196" y="5054641"/>
+              <a:ext cx="0" cy="34794"/>
+            </a:xfrm>
+            <a:custGeom>
+              <a:avLst/>
+              <a:pathLst>
+                <a:path w="0" h="34794">
+                  <a:moveTo>
+                    <a:pt x="0" y="34794"/>
+                  </a:moveTo>
+                  <a:lnTo>
+                    <a:pt x="0" y="0"/>
+                  </a:lnTo>
+                </a:path>
+              </a:pathLst>
+            </a:custGeom>
+            <a:ln w="13550" cap="flat">
+              <a:solidFill>
+                <a:srgbClr val="333333">
+                  <a:alpha val="100000"/>
+                </a:srgbClr>
+              </a:solidFill>
+              <a:prstDash val="solid"/>
+              <a:round/>
+            </a:ln>
+          </p:spPr>
+          <p:txBody>
+            <a:bodyPr/>
+            <a:lstStyle/>
+            <a:p/>
+          </p:txBody>
+        </p:sp>
+        <p:sp>
+          <p:nvSpPr>
+            <p:cNvPr id="172" name="pl172"/>
+            <p:cNvSpPr/>
+            <p:nvPr/>
+          </p:nvSpPr>
+          <p:spPr>
+            <a:xfrm>
+              <a:off x="8368217" y="5054641"/>
+              <a:ext cx="0" cy="34794"/>
+            </a:xfrm>
+            <a:custGeom>
+              <a:avLst/>
+              <a:pathLst>
+                <a:path w="0" h="34794">
+                  <a:moveTo>
+                    <a:pt x="0" y="34794"/>
+                  </a:moveTo>
+                  <a:lnTo>
+                    <a:pt x="0" y="0"/>
+                  </a:lnTo>
+                </a:path>
+              </a:pathLst>
+            </a:custGeom>
+            <a:ln w="13550" cap="flat">
+              <a:solidFill>
+                <a:srgbClr val="333333">
+                  <a:alpha val="100000"/>
+                </a:srgbClr>
+              </a:solidFill>
+              <a:prstDash val="solid"/>
+              <a:round/>
+            </a:ln>
+          </p:spPr>
+          <p:txBody>
+            <a:bodyPr/>
+            <a:lstStyle/>
+            <a:p/>
+          </p:txBody>
+        </p:sp>
+        <p:sp>
+          <p:nvSpPr>
+            <p:cNvPr id="173" name="pl173"/>
+            <p:cNvSpPr/>
+            <p:nvPr/>
+          </p:nvSpPr>
+          <p:spPr>
+            <a:xfrm>
+              <a:off x="8526238" y="5054641"/>
+              <a:ext cx="0" cy="34794"/>
+            </a:xfrm>
+            <a:custGeom>
+              <a:avLst/>
+              <a:pathLst>
+                <a:path w="0" h="34794">
+                  <a:moveTo>
+                    <a:pt x="0" y="34794"/>
+                  </a:moveTo>
+                  <a:lnTo>
+                    <a:pt x="0" y="0"/>
+                  </a:lnTo>
+                </a:path>
+              </a:pathLst>
+            </a:custGeom>
+            <a:ln w="13550" cap="flat">
+              <a:solidFill>
+                <a:srgbClr val="333333">
+                  <a:alpha val="100000"/>
+                </a:srgbClr>
+              </a:solidFill>
+              <a:prstDash val="solid"/>
+              <a:round/>
+            </a:ln>
+          </p:spPr>
+          <p:txBody>
+            <a:bodyPr/>
+            <a:lstStyle/>
+            <a:p/>
+          </p:txBody>
+        </p:sp>
+        <p:sp>
+          <p:nvSpPr>
+            <p:cNvPr id="174" name="pl174"/>
+            <p:cNvSpPr/>
+            <p:nvPr/>
+          </p:nvSpPr>
+          <p:spPr>
+            <a:xfrm>
+              <a:off x="8684259" y="5054641"/>
+              <a:ext cx="0" cy="34794"/>
+            </a:xfrm>
+            <a:custGeom>
+              <a:avLst/>
+              <a:pathLst>
+                <a:path w="0" h="34794">
+                  <a:moveTo>
+                    <a:pt x="0" y="34794"/>
+                  </a:moveTo>
+                  <a:lnTo>
+                    <a:pt x="0" y="0"/>
+                  </a:lnTo>
+                </a:path>
+              </a:pathLst>
+            </a:custGeom>
+            <a:ln w="13550" cap="flat">
+              <a:solidFill>
+                <a:srgbClr val="333333">
+                  <a:alpha val="100000"/>
+                </a:srgbClr>
+              </a:solidFill>
+              <a:prstDash val="solid"/>
+              <a:round/>
+            </a:ln>
+          </p:spPr>
+          <p:txBody>
+            <a:bodyPr/>
+            <a:lstStyle/>
+            <a:p/>
+          </p:txBody>
+        </p:sp>
+        <p:sp>
+          <p:nvSpPr>
+            <p:cNvPr id="175" name="pl175"/>
+            <p:cNvSpPr/>
+            <p:nvPr/>
+          </p:nvSpPr>
+          <p:spPr>
+            <a:xfrm>
+              <a:off x="8842279" y="5054641"/>
+              <a:ext cx="0" cy="34794"/>
+            </a:xfrm>
+            <a:custGeom>
+              <a:avLst/>
+              <a:pathLst>
+                <a:path w="0" h="34794">
+                  <a:moveTo>
+                    <a:pt x="0" y="34794"/>
+                  </a:moveTo>
+                  <a:lnTo>
+                    <a:pt x="0" y="0"/>
+                  </a:lnTo>
+                </a:path>
+              </a:pathLst>
+            </a:custGeom>
+            <a:ln w="13550" cap="flat">
+              <a:solidFill>
+                <a:srgbClr val="333333">
+                  <a:alpha val="100000"/>
+                </a:srgbClr>
+              </a:solidFill>
+              <a:prstDash val="solid"/>
+              <a:round/>
+            </a:ln>
+          </p:spPr>
+          <p:txBody>
+            <a:bodyPr/>
+            <a:lstStyle/>
+            <a:p/>
+          </p:txBody>
+        </p:sp>
+        <p:sp>
+          <p:nvSpPr>
+            <p:cNvPr id="176" name="tx176"/>
+            <p:cNvSpPr/>
+            <p:nvPr/>
+          </p:nvSpPr>
+          <p:spPr>
+            <a:xfrm>
+              <a:off x="2055095" y="4865428"/>
               <a:ext cx="62155" cy="81691"/>
             </a:xfrm>
             <a:prstGeom prst="rect">
@@ -5274,13 +9678,13 @@
         </p:sp>
         <p:sp>
           <p:nvSpPr>
-            <p:cNvPr id="57" name="tx57"/>
-            <p:cNvSpPr/>
-            <p:nvPr/>
-          </p:nvSpPr>
-          <p:spPr>
-            <a:xfrm>
-              <a:off x="4380779" y="5699866"/>
+            <p:cNvPr id="177" name="tx177"/>
+            <p:cNvSpPr/>
+            <p:nvPr/>
+          </p:nvSpPr>
+          <p:spPr>
+            <a:xfrm>
+              <a:off x="1930784" y="3946292"/>
               <a:ext cx="186466" cy="81691"/>
             </a:xfrm>
             <a:prstGeom prst="rect">
@@ -5313,21 +9717,21 @@
                   <a:latin typeface="Arial"/>
                   <a:cs typeface="Arial"/>
                 </a:rPr>
-                <a:t>500</a:t>
+                <a:t>100</a:t>
               </a:r>
             </a:p>
           </p:txBody>
         </p:sp>
         <p:sp>
           <p:nvSpPr>
-            <p:cNvPr id="58" name="tx58"/>
-            <p:cNvSpPr/>
-            <p:nvPr/>
-          </p:nvSpPr>
-          <p:spPr>
-            <a:xfrm>
-              <a:off x="6800166" y="5699866"/>
-              <a:ext cx="248622" cy="81691"/>
+            <p:cNvPr id="178" name="tx178"/>
+            <p:cNvSpPr/>
+            <p:nvPr/>
+          </p:nvSpPr>
+          <p:spPr>
+            <a:xfrm>
+              <a:off x="1930784" y="3027156"/>
+              <a:ext cx="186466" cy="81691"/>
             </a:xfrm>
             <a:prstGeom prst="rect">
               <a:avLst/>
@@ -5359,7 +9763,1023 @@
                   <a:latin typeface="Arial"/>
                   <a:cs typeface="Arial"/>
                 </a:rPr>
-                <a:t>1000</a:t>
+                <a:t>200</a:t>
+              </a:r>
+            </a:p>
+          </p:txBody>
+        </p:sp>
+        <p:sp>
+          <p:nvSpPr>
+            <p:cNvPr id="179" name="tx179"/>
+            <p:cNvSpPr/>
+            <p:nvPr/>
+          </p:nvSpPr>
+          <p:spPr>
+            <a:xfrm>
+              <a:off x="1930784" y="2107966"/>
+              <a:ext cx="186466" cy="81746"/>
+            </a:xfrm>
+            <a:prstGeom prst="rect">
+              <a:avLst/>
+            </a:prstGeom>
+            <a:noFill/>
+          </p:spPr>
+          <p:txBody>
+            <a:bodyPr lIns="0" rIns="0" tIns="0" bIns="0" anchorCtr="1" anchor="ctr" wrap="none"/>
+            <a:lstStyle/>
+            <a:p>
+              <a:pPr algn="l" marL="0" marR="0" indent="0">
+                <a:lnSpc>
+                  <a:spcPts val="880"/>
+                </a:lnSpc>
+                <a:spcBef>
+                  <a:spcPts val="0"/>
+                </a:spcBef>
+                <a:spcAft>
+                  <a:spcPts val="0"/>
+                </a:spcAft>
+              </a:pPr>
+              <a:r>
+                <a:rPr sz="880">
+                  <a:solidFill>
+                    <a:srgbClr val="4D4D4D">
+                      <a:alpha val="100000"/>
+                    </a:srgbClr>
+                  </a:solidFill>
+                  <a:latin typeface="Arial"/>
+                  <a:cs typeface="Arial"/>
+                </a:rPr>
+                <a:t>300</a:t>
+              </a:r>
+            </a:p>
+          </p:txBody>
+        </p:sp>
+        <p:sp>
+          <p:nvSpPr>
+            <p:cNvPr id="180" name="pl180"/>
+            <p:cNvSpPr/>
+            <p:nvPr/>
+          </p:nvSpPr>
+          <p:spPr>
+            <a:xfrm>
+              <a:off x="2145087" y="4907120"/>
+              <a:ext cx="34794" cy="0"/>
+            </a:xfrm>
+            <a:custGeom>
+              <a:avLst/>
+              <a:pathLst>
+                <a:path w="34794" h="0">
+                  <a:moveTo>
+                    <a:pt x="0" y="0"/>
+                  </a:moveTo>
+                  <a:lnTo>
+                    <a:pt x="34794" y="0"/>
+                  </a:lnTo>
+                </a:path>
+              </a:pathLst>
+            </a:custGeom>
+            <a:ln w="13550" cap="flat">
+              <a:solidFill>
+                <a:srgbClr val="333333">
+                  <a:alpha val="100000"/>
+                </a:srgbClr>
+              </a:solidFill>
+              <a:prstDash val="solid"/>
+              <a:round/>
+            </a:ln>
+          </p:spPr>
+          <p:txBody>
+            <a:bodyPr/>
+            <a:lstStyle/>
+            <a:p/>
+          </p:txBody>
+        </p:sp>
+        <p:sp>
+          <p:nvSpPr>
+            <p:cNvPr id="181" name="pl181"/>
+            <p:cNvSpPr/>
+            <p:nvPr/>
+          </p:nvSpPr>
+          <p:spPr>
+            <a:xfrm>
+              <a:off x="2145087" y="3987984"/>
+              <a:ext cx="34794" cy="0"/>
+            </a:xfrm>
+            <a:custGeom>
+              <a:avLst/>
+              <a:pathLst>
+                <a:path w="34794" h="0">
+                  <a:moveTo>
+                    <a:pt x="0" y="0"/>
+                  </a:moveTo>
+                  <a:lnTo>
+                    <a:pt x="34794" y="0"/>
+                  </a:lnTo>
+                </a:path>
+              </a:pathLst>
+            </a:custGeom>
+            <a:ln w="13550" cap="flat">
+              <a:solidFill>
+                <a:srgbClr val="333333">
+                  <a:alpha val="100000"/>
+                </a:srgbClr>
+              </a:solidFill>
+              <a:prstDash val="solid"/>
+              <a:round/>
+            </a:ln>
+          </p:spPr>
+          <p:txBody>
+            <a:bodyPr/>
+            <a:lstStyle/>
+            <a:p/>
+          </p:txBody>
+        </p:sp>
+        <p:sp>
+          <p:nvSpPr>
+            <p:cNvPr id="182" name="pl182"/>
+            <p:cNvSpPr/>
+            <p:nvPr/>
+          </p:nvSpPr>
+          <p:spPr>
+            <a:xfrm>
+              <a:off x="2145087" y="3068848"/>
+              <a:ext cx="34794" cy="0"/>
+            </a:xfrm>
+            <a:custGeom>
+              <a:avLst/>
+              <a:pathLst>
+                <a:path w="34794" h="0">
+                  <a:moveTo>
+                    <a:pt x="0" y="0"/>
+                  </a:moveTo>
+                  <a:lnTo>
+                    <a:pt x="34794" y="0"/>
+                  </a:lnTo>
+                </a:path>
+              </a:pathLst>
+            </a:custGeom>
+            <a:ln w="13550" cap="flat">
+              <a:solidFill>
+                <a:srgbClr val="333333">
+                  <a:alpha val="100000"/>
+                </a:srgbClr>
+              </a:solidFill>
+              <a:prstDash val="solid"/>
+              <a:round/>
+            </a:ln>
+          </p:spPr>
+          <p:txBody>
+            <a:bodyPr/>
+            <a:lstStyle/>
+            <a:p/>
+          </p:txBody>
+        </p:sp>
+        <p:sp>
+          <p:nvSpPr>
+            <p:cNvPr id="183" name="pl183"/>
+            <p:cNvSpPr/>
+            <p:nvPr/>
+          </p:nvSpPr>
+          <p:spPr>
+            <a:xfrm>
+              <a:off x="2145087" y="2149712"/>
+              <a:ext cx="34794" cy="0"/>
+            </a:xfrm>
+            <a:custGeom>
+              <a:avLst/>
+              <a:pathLst>
+                <a:path w="34794" h="0">
+                  <a:moveTo>
+                    <a:pt x="0" y="0"/>
+                  </a:moveTo>
+                  <a:lnTo>
+                    <a:pt x="34794" y="0"/>
+                  </a:lnTo>
+                </a:path>
+              </a:pathLst>
+            </a:custGeom>
+            <a:ln w="13550" cap="flat">
+              <a:solidFill>
+                <a:srgbClr val="333333">
+                  <a:alpha val="100000"/>
+                </a:srgbClr>
+              </a:solidFill>
+              <a:prstDash val="solid"/>
+              <a:round/>
+            </a:ln>
+          </p:spPr>
+          <p:txBody>
+            <a:bodyPr/>
+            <a:lstStyle/>
+            <a:p/>
+          </p:txBody>
+        </p:sp>
+        <p:sp>
+          <p:nvSpPr>
+            <p:cNvPr id="184" name="rc184"/>
+            <p:cNvSpPr/>
+            <p:nvPr/>
+          </p:nvSpPr>
+          <p:spPr>
+            <a:xfrm>
+              <a:off x="2863677" y="5394142"/>
+              <a:ext cx="5389619" cy="578090"/>
+            </a:xfrm>
+            <a:prstGeom prst="rect">
+              <a:avLst/>
+            </a:prstGeom>
+            <a:solidFill>
+              <a:srgbClr val="FFFFFF">
+                <a:alpha val="100000"/>
+              </a:srgbClr>
+            </a:solidFill>
+          </p:spPr>
+          <p:txBody>
+            <a:bodyPr/>
+            <a:lstStyle/>
+            <a:p/>
+          </p:txBody>
+        </p:sp>
+        <p:sp>
+          <p:nvSpPr>
+            <p:cNvPr id="185" name="rc185"/>
+            <p:cNvSpPr/>
+            <p:nvPr/>
+          </p:nvSpPr>
+          <p:spPr>
+            <a:xfrm>
+              <a:off x="3002855" y="5463731"/>
+              <a:ext cx="219456" cy="219455"/>
+            </a:xfrm>
+            <a:prstGeom prst="rect">
+              <a:avLst/>
+            </a:prstGeom>
+            <a:solidFill>
+              <a:srgbClr val="FFFFFF">
+                <a:alpha val="100000"/>
+              </a:srgbClr>
+            </a:solidFill>
+          </p:spPr>
+          <p:txBody>
+            <a:bodyPr/>
+            <a:lstStyle/>
+            <a:p/>
+          </p:txBody>
+        </p:sp>
+        <p:sp>
+          <p:nvSpPr>
+            <p:cNvPr id="186" name="rc186"/>
+            <p:cNvSpPr/>
+            <p:nvPr/>
+          </p:nvSpPr>
+          <p:spPr>
+            <a:xfrm>
+              <a:off x="3011855" y="5472731"/>
+              <a:ext cx="201456" cy="201456"/>
+            </a:xfrm>
+            <a:prstGeom prst="rect">
+              <a:avLst/>
+            </a:prstGeom>
+            <a:solidFill>
+              <a:srgbClr val="FFF5F0">
+                <a:alpha val="100000"/>
+              </a:srgbClr>
+            </a:solidFill>
+          </p:spPr>
+          <p:txBody>
+            <a:bodyPr/>
+            <a:lstStyle/>
+            <a:p/>
+          </p:txBody>
+        </p:sp>
+        <p:sp>
+          <p:nvSpPr>
+            <p:cNvPr id="187" name="rc187"/>
+            <p:cNvSpPr/>
+            <p:nvPr/>
+          </p:nvSpPr>
+          <p:spPr>
+            <a:xfrm>
+              <a:off x="3002855" y="5683187"/>
+              <a:ext cx="219456" cy="219455"/>
+            </a:xfrm>
+            <a:prstGeom prst="rect">
+              <a:avLst/>
+            </a:prstGeom>
+            <a:solidFill>
+              <a:srgbClr val="FFFFFF">
+                <a:alpha val="100000"/>
+              </a:srgbClr>
+            </a:solidFill>
+          </p:spPr>
+          <p:txBody>
+            <a:bodyPr/>
+            <a:lstStyle/>
+            <a:p/>
+          </p:txBody>
+        </p:sp>
+        <p:sp>
+          <p:nvSpPr>
+            <p:cNvPr id="188" name="rc188"/>
+            <p:cNvSpPr/>
+            <p:nvPr/>
+          </p:nvSpPr>
+          <p:spPr>
+            <a:xfrm>
+              <a:off x="3011855" y="5692187"/>
+              <a:ext cx="201456" cy="201456"/>
+            </a:xfrm>
+            <a:prstGeom prst="rect">
+              <a:avLst/>
+            </a:prstGeom>
+            <a:solidFill>
+              <a:srgbClr val="FEE0D2">
+                <a:alpha val="100000"/>
+              </a:srgbClr>
+            </a:solidFill>
+          </p:spPr>
+          <p:txBody>
+            <a:bodyPr/>
+            <a:lstStyle/>
+            <a:p/>
+          </p:txBody>
+        </p:sp>
+        <p:sp>
+          <p:nvSpPr>
+            <p:cNvPr id="189" name="rc189"/>
+            <p:cNvSpPr/>
+            <p:nvPr/>
+          </p:nvSpPr>
+          <p:spPr>
+            <a:xfrm>
+              <a:off x="3777769" y="5463731"/>
+              <a:ext cx="219456" cy="219455"/>
+            </a:xfrm>
+            <a:prstGeom prst="rect">
+              <a:avLst/>
+            </a:prstGeom>
+            <a:solidFill>
+              <a:srgbClr val="FFFFFF">
+                <a:alpha val="100000"/>
+              </a:srgbClr>
+            </a:solidFill>
+          </p:spPr>
+          <p:txBody>
+            <a:bodyPr/>
+            <a:lstStyle/>
+            <a:p/>
+          </p:txBody>
+        </p:sp>
+        <p:sp>
+          <p:nvSpPr>
+            <p:cNvPr id="190" name="rc190"/>
+            <p:cNvSpPr/>
+            <p:nvPr/>
+          </p:nvSpPr>
+          <p:spPr>
+            <a:xfrm>
+              <a:off x="3786769" y="5472731"/>
+              <a:ext cx="201456" cy="201456"/>
+            </a:xfrm>
+            <a:prstGeom prst="rect">
+              <a:avLst/>
+            </a:prstGeom>
+            <a:solidFill>
+              <a:srgbClr val="FCBBA1">
+                <a:alpha val="100000"/>
+              </a:srgbClr>
+            </a:solidFill>
+          </p:spPr>
+          <p:txBody>
+            <a:bodyPr/>
+            <a:lstStyle/>
+            <a:p/>
+          </p:txBody>
+        </p:sp>
+        <p:sp>
+          <p:nvSpPr>
+            <p:cNvPr id="191" name="rc191"/>
+            <p:cNvSpPr/>
+            <p:nvPr/>
+          </p:nvSpPr>
+          <p:spPr>
+            <a:xfrm>
+              <a:off x="3777769" y="5683187"/>
+              <a:ext cx="219456" cy="219455"/>
+            </a:xfrm>
+            <a:prstGeom prst="rect">
+              <a:avLst/>
+            </a:prstGeom>
+            <a:solidFill>
+              <a:srgbClr val="FFFFFF">
+                <a:alpha val="100000"/>
+              </a:srgbClr>
+            </a:solidFill>
+          </p:spPr>
+          <p:txBody>
+            <a:bodyPr/>
+            <a:lstStyle/>
+            <a:p/>
+          </p:txBody>
+        </p:sp>
+        <p:sp>
+          <p:nvSpPr>
+            <p:cNvPr id="192" name="rc192"/>
+            <p:cNvSpPr/>
+            <p:nvPr/>
+          </p:nvSpPr>
+          <p:spPr>
+            <a:xfrm>
+              <a:off x="3786769" y="5692187"/>
+              <a:ext cx="201456" cy="201456"/>
+            </a:xfrm>
+            <a:prstGeom prst="rect">
+              <a:avLst/>
+            </a:prstGeom>
+            <a:solidFill>
+              <a:srgbClr val="FC9272">
+                <a:alpha val="100000"/>
+              </a:srgbClr>
+            </a:solidFill>
+          </p:spPr>
+          <p:txBody>
+            <a:bodyPr/>
+            <a:lstStyle/>
+            <a:p/>
+          </p:txBody>
+        </p:sp>
+        <p:sp>
+          <p:nvSpPr>
+            <p:cNvPr id="193" name="rc193"/>
+            <p:cNvSpPr/>
+            <p:nvPr/>
+          </p:nvSpPr>
+          <p:spPr>
+            <a:xfrm>
+              <a:off x="4679786" y="5463731"/>
+              <a:ext cx="219456" cy="219455"/>
+            </a:xfrm>
+            <a:prstGeom prst="rect">
+              <a:avLst/>
+            </a:prstGeom>
+            <a:solidFill>
+              <a:srgbClr val="FFFFFF">
+                <a:alpha val="100000"/>
+              </a:srgbClr>
+            </a:solidFill>
+          </p:spPr>
+          <p:txBody>
+            <a:bodyPr/>
+            <a:lstStyle/>
+            <a:p/>
+          </p:txBody>
+        </p:sp>
+        <p:sp>
+          <p:nvSpPr>
+            <p:cNvPr id="194" name="rc194"/>
+            <p:cNvSpPr/>
+            <p:nvPr/>
+          </p:nvSpPr>
+          <p:spPr>
+            <a:xfrm>
+              <a:off x="4688786" y="5472731"/>
+              <a:ext cx="201455" cy="201456"/>
+            </a:xfrm>
+            <a:prstGeom prst="rect">
+              <a:avLst/>
+            </a:prstGeom>
+            <a:solidFill>
+              <a:srgbClr val="FB6A4A">
+                <a:alpha val="100000"/>
+              </a:srgbClr>
+            </a:solidFill>
+          </p:spPr>
+          <p:txBody>
+            <a:bodyPr/>
+            <a:lstStyle/>
+            <a:p/>
+          </p:txBody>
+        </p:sp>
+        <p:sp>
+          <p:nvSpPr>
+            <p:cNvPr id="195" name="rc195"/>
+            <p:cNvSpPr/>
+            <p:nvPr/>
+          </p:nvSpPr>
+          <p:spPr>
+            <a:xfrm>
+              <a:off x="4679786" y="5683187"/>
+              <a:ext cx="219456" cy="219455"/>
+            </a:xfrm>
+            <a:prstGeom prst="rect">
+              <a:avLst/>
+            </a:prstGeom>
+            <a:solidFill>
+              <a:srgbClr val="FFFFFF">
+                <a:alpha val="100000"/>
+              </a:srgbClr>
+            </a:solidFill>
+          </p:spPr>
+          <p:txBody>
+            <a:bodyPr/>
+            <a:lstStyle/>
+            <a:p/>
+          </p:txBody>
+        </p:sp>
+        <p:sp>
+          <p:nvSpPr>
+            <p:cNvPr id="196" name="rc196"/>
+            <p:cNvSpPr/>
+            <p:nvPr/>
+          </p:nvSpPr>
+          <p:spPr>
+            <a:xfrm>
+              <a:off x="4688786" y="5692187"/>
+              <a:ext cx="201455" cy="201456"/>
+            </a:xfrm>
+            <a:prstGeom prst="rect">
+              <a:avLst/>
+            </a:prstGeom>
+            <a:solidFill>
+              <a:srgbClr val="EF3B2C">
+                <a:alpha val="100000"/>
+              </a:srgbClr>
+            </a:solidFill>
+          </p:spPr>
+          <p:txBody>
+            <a:bodyPr/>
+            <a:lstStyle/>
+            <a:p/>
+          </p:txBody>
+        </p:sp>
+        <p:sp>
+          <p:nvSpPr>
+            <p:cNvPr id="197" name="rc197"/>
+            <p:cNvSpPr/>
+            <p:nvPr/>
+          </p:nvSpPr>
+          <p:spPr>
+            <a:xfrm>
+              <a:off x="5581802" y="5463731"/>
+              <a:ext cx="219455" cy="219455"/>
+            </a:xfrm>
+            <a:prstGeom prst="rect">
+              <a:avLst/>
+            </a:prstGeom>
+            <a:solidFill>
+              <a:srgbClr val="FFFFFF">
+                <a:alpha val="100000"/>
+              </a:srgbClr>
+            </a:solidFill>
+          </p:spPr>
+          <p:txBody>
+            <a:bodyPr/>
+            <a:lstStyle/>
+            <a:p/>
+          </p:txBody>
+        </p:sp>
+        <p:sp>
+          <p:nvSpPr>
+            <p:cNvPr id="198" name="rc198"/>
+            <p:cNvSpPr/>
+            <p:nvPr/>
+          </p:nvSpPr>
+          <p:spPr>
+            <a:xfrm>
+              <a:off x="5590802" y="5472731"/>
+              <a:ext cx="201456" cy="201456"/>
+            </a:xfrm>
+            <a:prstGeom prst="rect">
+              <a:avLst/>
+            </a:prstGeom>
+            <a:solidFill>
+              <a:srgbClr val="CB181D">
+                <a:alpha val="100000"/>
+              </a:srgbClr>
+            </a:solidFill>
+          </p:spPr>
+          <p:txBody>
+            <a:bodyPr/>
+            <a:lstStyle/>
+            <a:p/>
+          </p:txBody>
+        </p:sp>
+        <p:sp>
+          <p:nvSpPr>
+            <p:cNvPr id="199" name="rc199"/>
+            <p:cNvSpPr/>
+            <p:nvPr/>
+          </p:nvSpPr>
+          <p:spPr>
+            <a:xfrm>
+              <a:off x="5581802" y="5683187"/>
+              <a:ext cx="219455" cy="219455"/>
+            </a:xfrm>
+            <a:prstGeom prst="rect">
+              <a:avLst/>
+            </a:prstGeom>
+            <a:solidFill>
+              <a:srgbClr val="FFFFFF">
+                <a:alpha val="100000"/>
+              </a:srgbClr>
+            </a:solidFill>
+          </p:spPr>
+          <p:txBody>
+            <a:bodyPr/>
+            <a:lstStyle/>
+            <a:p/>
+          </p:txBody>
+        </p:sp>
+        <p:sp>
+          <p:nvSpPr>
+            <p:cNvPr id="200" name="rc200"/>
+            <p:cNvSpPr/>
+            <p:nvPr/>
+          </p:nvSpPr>
+          <p:spPr>
+            <a:xfrm>
+              <a:off x="5590802" y="5692187"/>
+              <a:ext cx="201456" cy="201456"/>
+            </a:xfrm>
+            <a:prstGeom prst="rect">
+              <a:avLst/>
+            </a:prstGeom>
+            <a:solidFill>
+              <a:srgbClr val="99000D">
+                <a:alpha val="100000"/>
+              </a:srgbClr>
+            </a:solidFill>
+          </p:spPr>
+          <p:txBody>
+            <a:bodyPr/>
+            <a:lstStyle/>
+            <a:p/>
+          </p:txBody>
+        </p:sp>
+        <p:sp>
+          <p:nvSpPr>
+            <p:cNvPr id="201" name="tx201"/>
+            <p:cNvSpPr/>
+            <p:nvPr/>
+          </p:nvSpPr>
+          <p:spPr>
+            <a:xfrm>
+              <a:off x="3291900" y="5531767"/>
+              <a:ext cx="269468" cy="81691"/>
+            </a:xfrm>
+            <a:prstGeom prst="rect">
+              <a:avLst/>
+            </a:prstGeom>
+            <a:noFill/>
+          </p:spPr>
+          <p:txBody>
+            <a:bodyPr lIns="0" rIns="0" tIns="0" bIns="0" anchorCtr="1" anchor="ctr" wrap="none"/>
+            <a:lstStyle/>
+            <a:p>
+              <a:pPr algn="l" marL="0" marR="0" indent="0">
+                <a:lnSpc>
+                  <a:spcPts val="880"/>
+                </a:lnSpc>
+                <a:spcBef>
+                  <a:spcPts val="0"/>
+                </a:spcBef>
+                <a:spcAft>
+                  <a:spcPts val="0"/>
+                </a:spcAft>
+              </a:pPr>
+              <a:r>
+                <a:rPr sz="880">
+                  <a:solidFill>
+                    <a:srgbClr val="000000">
+                      <a:alpha val="100000"/>
+                    </a:srgbClr>
+                  </a:solidFill>
+                  <a:latin typeface="Arial"/>
+                  <a:cs typeface="Arial"/>
+                </a:rPr>
+                <a:t>≤10亿</a:t>
+              </a:r>
+            </a:p>
+          </p:txBody>
+        </p:sp>
+        <p:sp>
+          <p:nvSpPr>
+            <p:cNvPr id="202" name="tx202"/>
+            <p:cNvSpPr/>
+            <p:nvPr/>
+          </p:nvSpPr>
+          <p:spPr>
+            <a:xfrm>
+              <a:off x="3291900" y="5751223"/>
+              <a:ext cx="393779" cy="81691"/>
+            </a:xfrm>
+            <a:prstGeom prst="rect">
+              <a:avLst/>
+            </a:prstGeom>
+            <a:noFill/>
+          </p:spPr>
+          <p:txBody>
+            <a:bodyPr lIns="0" rIns="0" tIns="0" bIns="0" anchorCtr="1" anchor="ctr" wrap="none"/>
+            <a:lstStyle/>
+            <a:p>
+              <a:pPr algn="l" marL="0" marR="0" indent="0">
+                <a:lnSpc>
+                  <a:spcPts val="880"/>
+                </a:lnSpc>
+                <a:spcBef>
+                  <a:spcPts val="0"/>
+                </a:spcBef>
+                <a:spcAft>
+                  <a:spcPts val="0"/>
+                </a:spcAft>
+              </a:pPr>
+              <a:r>
+                <a:rPr sz="880">
+                  <a:solidFill>
+                    <a:srgbClr val="000000">
+                      <a:alpha val="100000"/>
+                    </a:srgbClr>
+                  </a:solidFill>
+                  <a:latin typeface="Arial"/>
+                  <a:cs typeface="Arial"/>
+                </a:rPr>
+                <a:t>≥1000亿</a:t>
+              </a:r>
+            </a:p>
+          </p:txBody>
+        </p:sp>
+        <p:sp>
+          <p:nvSpPr>
+            <p:cNvPr id="203" name="tx203"/>
+            <p:cNvSpPr/>
+            <p:nvPr/>
+          </p:nvSpPr>
+          <p:spPr>
+            <a:xfrm>
+              <a:off x="4066814" y="5531767"/>
+              <a:ext cx="369659" cy="81691"/>
+            </a:xfrm>
+            <a:prstGeom prst="rect">
+              <a:avLst/>
+            </a:prstGeom>
+            <a:noFill/>
+          </p:spPr>
+          <p:txBody>
+            <a:bodyPr lIns="0" rIns="0" tIns="0" bIns="0" anchorCtr="1" anchor="ctr" wrap="none"/>
+            <a:lstStyle/>
+            <a:p>
+              <a:pPr algn="l" marL="0" marR="0" indent="0">
+                <a:lnSpc>
+                  <a:spcPts val="880"/>
+                </a:lnSpc>
+                <a:spcBef>
+                  <a:spcPts val="0"/>
+                </a:spcBef>
+                <a:spcAft>
+                  <a:spcPts val="0"/>
+                </a:spcAft>
+              </a:pPr>
+              <a:r>
+                <a:rPr sz="880">
+                  <a:solidFill>
+                    <a:srgbClr val="000000">
+                      <a:alpha val="100000"/>
+                    </a:srgbClr>
+                  </a:solidFill>
+                  <a:latin typeface="Arial"/>
+                  <a:cs typeface="Arial"/>
+                </a:rPr>
+                <a:t>10-50亿</a:t>
+              </a:r>
+            </a:p>
+          </p:txBody>
+        </p:sp>
+        <p:sp>
+          <p:nvSpPr>
+            <p:cNvPr id="204" name="tx204"/>
+            <p:cNvSpPr/>
+            <p:nvPr/>
+          </p:nvSpPr>
+          <p:spPr>
+            <a:xfrm>
+              <a:off x="4066814" y="5751169"/>
+              <a:ext cx="493970" cy="81746"/>
+            </a:xfrm>
+            <a:prstGeom prst="rect">
+              <a:avLst/>
+            </a:prstGeom>
+            <a:noFill/>
+          </p:spPr>
+          <p:txBody>
+            <a:bodyPr lIns="0" rIns="0" tIns="0" bIns="0" anchorCtr="1" anchor="ctr" wrap="none"/>
+            <a:lstStyle/>
+            <a:p>
+              <a:pPr algn="l" marL="0" marR="0" indent="0">
+                <a:lnSpc>
+                  <a:spcPts val="880"/>
+                </a:lnSpc>
+                <a:spcBef>
+                  <a:spcPts val="0"/>
+                </a:spcBef>
+                <a:spcAft>
+                  <a:spcPts val="0"/>
+                </a:spcAft>
+              </a:pPr>
+              <a:r>
+                <a:rPr sz="880">
+                  <a:solidFill>
+                    <a:srgbClr val="000000">
+                      <a:alpha val="100000"/>
+                    </a:srgbClr>
+                  </a:solidFill>
+                  <a:latin typeface="Arial"/>
+                  <a:cs typeface="Arial"/>
+                </a:rPr>
+                <a:t>100-300亿</a:t>
+              </a:r>
+            </a:p>
+          </p:txBody>
+        </p:sp>
+        <p:sp>
+          <p:nvSpPr>
+            <p:cNvPr id="205" name="tx205"/>
+            <p:cNvSpPr/>
+            <p:nvPr/>
+          </p:nvSpPr>
+          <p:spPr>
+            <a:xfrm>
+              <a:off x="4968831" y="5531713"/>
+              <a:ext cx="493970" cy="81746"/>
+            </a:xfrm>
+            <a:prstGeom prst="rect">
+              <a:avLst/>
+            </a:prstGeom>
+            <a:noFill/>
+          </p:spPr>
+          <p:txBody>
+            <a:bodyPr lIns="0" rIns="0" tIns="0" bIns="0" anchorCtr="1" anchor="ctr" wrap="none"/>
+            <a:lstStyle/>
+            <a:p>
+              <a:pPr algn="l" marL="0" marR="0" indent="0">
+                <a:lnSpc>
+                  <a:spcPts val="880"/>
+                </a:lnSpc>
+                <a:spcBef>
+                  <a:spcPts val="0"/>
+                </a:spcBef>
+                <a:spcAft>
+                  <a:spcPts val="0"/>
+                </a:spcAft>
+              </a:pPr>
+              <a:r>
+                <a:rPr sz="880">
+                  <a:solidFill>
+                    <a:srgbClr val="000000">
+                      <a:alpha val="100000"/>
+                    </a:srgbClr>
+                  </a:solidFill>
+                  <a:latin typeface="Arial"/>
+                  <a:cs typeface="Arial"/>
+                </a:rPr>
+                <a:t>300-500亿</a:t>
+              </a:r>
+            </a:p>
+          </p:txBody>
+        </p:sp>
+        <p:sp>
+          <p:nvSpPr>
+            <p:cNvPr id="206" name="tx206"/>
+            <p:cNvSpPr/>
+            <p:nvPr/>
+          </p:nvSpPr>
+          <p:spPr>
+            <a:xfrm>
+              <a:off x="4968831" y="5751223"/>
+              <a:ext cx="431814" cy="81691"/>
+            </a:xfrm>
+            <a:prstGeom prst="rect">
+              <a:avLst/>
+            </a:prstGeom>
+            <a:noFill/>
+          </p:spPr>
+          <p:txBody>
+            <a:bodyPr lIns="0" rIns="0" tIns="0" bIns="0" anchorCtr="1" anchor="ctr" wrap="none"/>
+            <a:lstStyle/>
+            <a:p>
+              <a:pPr algn="l" marL="0" marR="0" indent="0">
+                <a:lnSpc>
+                  <a:spcPts val="880"/>
+                </a:lnSpc>
+                <a:spcBef>
+                  <a:spcPts val="0"/>
+                </a:spcBef>
+                <a:spcAft>
+                  <a:spcPts val="0"/>
+                </a:spcAft>
+              </a:pPr>
+              <a:r>
+                <a:rPr sz="880">
+                  <a:solidFill>
+                    <a:srgbClr val="000000">
+                      <a:alpha val="100000"/>
+                    </a:srgbClr>
+                  </a:solidFill>
+                  <a:latin typeface="Arial"/>
+                  <a:cs typeface="Arial"/>
+                </a:rPr>
+                <a:t>50-100亿</a:t>
+              </a:r>
+            </a:p>
+          </p:txBody>
+        </p:sp>
+        <p:sp>
+          <p:nvSpPr>
+            <p:cNvPr id="207" name="tx207"/>
+            <p:cNvSpPr/>
+            <p:nvPr/>
+          </p:nvSpPr>
+          <p:spPr>
+            <a:xfrm>
+              <a:off x="5870847" y="5531767"/>
+              <a:ext cx="556126" cy="81691"/>
+            </a:xfrm>
+            <a:prstGeom prst="rect">
+              <a:avLst/>
+            </a:prstGeom>
+            <a:noFill/>
+          </p:spPr>
+          <p:txBody>
+            <a:bodyPr lIns="0" rIns="0" tIns="0" bIns="0" anchorCtr="1" anchor="ctr" wrap="none"/>
+            <a:lstStyle/>
+            <a:p>
+              <a:pPr algn="l" marL="0" marR="0" indent="0">
+                <a:lnSpc>
+                  <a:spcPts val="880"/>
+                </a:lnSpc>
+                <a:spcBef>
+                  <a:spcPts val="0"/>
+                </a:spcBef>
+                <a:spcAft>
+                  <a:spcPts val="0"/>
+                </a:spcAft>
+              </a:pPr>
+              <a:r>
+                <a:rPr sz="880">
+                  <a:solidFill>
+                    <a:srgbClr val="000000">
+                      <a:alpha val="100000"/>
+                    </a:srgbClr>
+                  </a:solidFill>
+                  <a:latin typeface="Arial"/>
+                  <a:cs typeface="Arial"/>
+                </a:rPr>
+                <a:t>500-1000亿</a:t>
+              </a:r>
+            </a:p>
+          </p:txBody>
+        </p:sp>
+        <p:sp>
+          <p:nvSpPr>
+            <p:cNvPr id="208" name="tx208"/>
+            <p:cNvSpPr/>
+            <p:nvPr/>
+          </p:nvSpPr>
+          <p:spPr>
+            <a:xfrm>
+              <a:off x="5870847" y="5750187"/>
+              <a:ext cx="2157546" cy="82728"/>
+            </a:xfrm>
+            <a:prstGeom prst="rect">
+              <a:avLst/>
+            </a:prstGeom>
+            <a:noFill/>
+          </p:spPr>
+          <p:txBody>
+            <a:bodyPr lIns="0" rIns="0" tIns="0" bIns="0" anchorCtr="1" anchor="ctr" wrap="none"/>
+            <a:lstStyle/>
+            <a:p>
+              <a:pPr algn="l" marL="0" marR="0" indent="0">
+                <a:lnSpc>
+                  <a:spcPts val="880"/>
+                </a:lnSpc>
+                <a:spcBef>
+                  <a:spcPts val="0"/>
+                </a:spcBef>
+                <a:spcAft>
+                  <a:spcPts val="0"/>
+                </a:spcAft>
+              </a:pPr>
+              <a:r>
+                <a:rPr sz="880">
+                  <a:solidFill>
+                    <a:srgbClr val="000000">
+                      <a:alpha val="100000"/>
+                    </a:srgbClr>
+                  </a:solidFill>
+                  <a:latin typeface="Arial"/>
+                  <a:cs typeface="Arial"/>
+                </a:rPr>
+                <a:t>基于人体临床随机对照试验（RCT）实际起效的菌数而定</a:t>
               </a:r>
             </a:p>
           </p:txBody>

--- a/_book/plot/unnamed-chunk-47-1.pptx
+++ b/_book/plot/unnamed-chunk-47-1.pptx
@@ -3192,8 +3192,8 @@
           </p:nvSpPr>
           <p:spPr>
             <a:xfrm>
-              <a:off x="2179881" y="1809173"/>
-              <a:ext cx="1295770" cy="3245468"/>
+              <a:off x="2116330" y="1809173"/>
+              <a:ext cx="1308481" cy="3245468"/>
             </a:xfrm>
             <a:prstGeom prst="rect">
               <a:avLst/>
@@ -3218,21 +3218,21 @@
           </p:nvSpPr>
           <p:spPr>
             <a:xfrm>
-              <a:off x="2179881" y="4447552"/>
-              <a:ext cx="1295770" cy="0"/>
-            </a:xfrm>
-            <a:custGeom>
-              <a:avLst/>
-              <a:pathLst>
-                <a:path w="1295770" h="0">
-                  <a:moveTo>
-                    <a:pt x="0" y="0"/>
-                  </a:moveTo>
-                  <a:lnTo>
-                    <a:pt x="1295770" y="0"/>
-                  </a:lnTo>
-                  <a:lnTo>
-                    <a:pt x="1295770" y="0"/>
+              <a:off x="2116330" y="4515470"/>
+              <a:ext cx="1308481" cy="0"/>
+            </a:xfrm>
+            <a:custGeom>
+              <a:avLst/>
+              <a:pathLst>
+                <a:path w="1308481" h="0">
+                  <a:moveTo>
+                    <a:pt x="0" y="0"/>
+                  </a:moveTo>
+                  <a:lnTo>
+                    <a:pt x="1308481" y="0"/>
+                  </a:lnTo>
+                  <a:lnTo>
+                    <a:pt x="1308481" y="0"/>
                   </a:lnTo>
                 </a:path>
               </a:pathLst>
@@ -3261,21 +3261,21 @@
           </p:nvSpPr>
           <p:spPr>
             <a:xfrm>
-              <a:off x="2179881" y="3528416"/>
-              <a:ext cx="1295770" cy="0"/>
-            </a:xfrm>
-            <a:custGeom>
-              <a:avLst/>
-              <a:pathLst>
-                <a:path w="1295770" h="0">
-                  <a:moveTo>
-                    <a:pt x="0" y="0"/>
-                  </a:moveTo>
-                  <a:lnTo>
-                    <a:pt x="1295770" y="0"/>
-                  </a:lnTo>
-                  <a:lnTo>
-                    <a:pt x="1295770" y="0"/>
+              <a:off x="2116330" y="3732171"/>
+              <a:ext cx="1308481" cy="0"/>
+            </a:xfrm>
+            <a:custGeom>
+              <a:avLst/>
+              <a:pathLst>
+                <a:path w="1308481" h="0">
+                  <a:moveTo>
+                    <a:pt x="0" y="0"/>
+                  </a:moveTo>
+                  <a:lnTo>
+                    <a:pt x="1308481" y="0"/>
+                  </a:lnTo>
+                  <a:lnTo>
+                    <a:pt x="1308481" y="0"/>
                   </a:lnTo>
                 </a:path>
               </a:pathLst>
@@ -3304,21 +3304,21 @@
           </p:nvSpPr>
           <p:spPr>
             <a:xfrm>
-              <a:off x="2179881" y="2609280"/>
-              <a:ext cx="1295770" cy="0"/>
-            </a:xfrm>
-            <a:custGeom>
-              <a:avLst/>
-              <a:pathLst>
-                <a:path w="1295770" h="0">
-                  <a:moveTo>
-                    <a:pt x="0" y="0"/>
-                  </a:moveTo>
-                  <a:lnTo>
-                    <a:pt x="1295770" y="0"/>
-                  </a:lnTo>
-                  <a:lnTo>
-                    <a:pt x="1295770" y="0"/>
+              <a:off x="2116330" y="2948872"/>
+              <a:ext cx="1308481" cy="0"/>
+            </a:xfrm>
+            <a:custGeom>
+              <a:avLst/>
+              <a:pathLst>
+                <a:path w="1308481" h="0">
+                  <a:moveTo>
+                    <a:pt x="0" y="0"/>
+                  </a:moveTo>
+                  <a:lnTo>
+                    <a:pt x="1308481" y="0"/>
+                  </a:lnTo>
+                  <a:lnTo>
+                    <a:pt x="1308481" y="0"/>
                   </a:lnTo>
                 </a:path>
               </a:pathLst>
@@ -3347,21 +3347,64 @@
           </p:nvSpPr>
           <p:spPr>
             <a:xfrm>
-              <a:off x="2179881" y="4907120"/>
-              <a:ext cx="1295770" cy="0"/>
-            </a:xfrm>
-            <a:custGeom>
-              <a:avLst/>
-              <a:pathLst>
-                <a:path w="1295770" h="0">
-                  <a:moveTo>
-                    <a:pt x="0" y="0"/>
-                  </a:moveTo>
-                  <a:lnTo>
-                    <a:pt x="1295770" y="0"/>
-                  </a:lnTo>
-                  <a:lnTo>
-                    <a:pt x="1295770" y="0"/>
+              <a:off x="2116330" y="2165574"/>
+              <a:ext cx="1308481" cy="0"/>
+            </a:xfrm>
+            <a:custGeom>
+              <a:avLst/>
+              <a:pathLst>
+                <a:path w="1308481" h="0">
+                  <a:moveTo>
+                    <a:pt x="0" y="0"/>
+                  </a:moveTo>
+                  <a:lnTo>
+                    <a:pt x="1308481" y="0"/>
+                  </a:lnTo>
+                  <a:lnTo>
+                    <a:pt x="1308481" y="0"/>
+                  </a:lnTo>
+                </a:path>
+              </a:pathLst>
+            </a:custGeom>
+            <a:ln w="6775" cap="flat">
+              <a:solidFill>
+                <a:srgbClr val="EBEBEB">
+                  <a:alpha val="100000"/>
+                </a:srgbClr>
+              </a:solidFill>
+              <a:prstDash val="solid"/>
+              <a:round/>
+            </a:ln>
+          </p:spPr>
+          <p:txBody>
+            <a:bodyPr/>
+            <a:lstStyle/>
+            <a:p/>
+          </p:txBody>
+        </p:sp>
+        <p:sp>
+          <p:nvSpPr>
+            <p:cNvPr id="10" name="pl10"/>
+            <p:cNvSpPr/>
+            <p:nvPr/>
+          </p:nvSpPr>
+          <p:spPr>
+            <a:xfrm>
+              <a:off x="2116330" y="4907120"/>
+              <a:ext cx="1308481" cy="0"/>
+            </a:xfrm>
+            <a:custGeom>
+              <a:avLst/>
+              <a:pathLst>
+                <a:path w="1308481" h="0">
+                  <a:moveTo>
+                    <a:pt x="0" y="0"/>
+                  </a:moveTo>
+                  <a:lnTo>
+                    <a:pt x="1308481" y="0"/>
+                  </a:lnTo>
+                  <a:lnTo>
+                    <a:pt x="1308481" y="0"/>
                   </a:lnTo>
                 </a:path>
               </a:pathLst>
@@ -3384,27 +3427,27 @@
         </p:sp>
         <p:sp>
           <p:nvSpPr>
-            <p:cNvPr id="10" name="pl10"/>
-            <p:cNvSpPr/>
-            <p:nvPr/>
-          </p:nvSpPr>
-          <p:spPr>
-            <a:xfrm>
-              <a:off x="2179881" y="3987984"/>
-              <a:ext cx="1295770" cy="0"/>
-            </a:xfrm>
-            <a:custGeom>
-              <a:avLst/>
-              <a:pathLst>
-                <a:path w="1295770" h="0">
-                  <a:moveTo>
-                    <a:pt x="0" y="0"/>
-                  </a:moveTo>
-                  <a:lnTo>
-                    <a:pt x="1295770" y="0"/>
-                  </a:lnTo>
-                  <a:lnTo>
-                    <a:pt x="1295770" y="0"/>
+            <p:cNvPr id="11" name="pl11"/>
+            <p:cNvSpPr/>
+            <p:nvPr/>
+          </p:nvSpPr>
+          <p:spPr>
+            <a:xfrm>
+              <a:off x="2116330" y="4123821"/>
+              <a:ext cx="1308481" cy="0"/>
+            </a:xfrm>
+            <a:custGeom>
+              <a:avLst/>
+              <a:pathLst>
+                <a:path w="1308481" h="0">
+                  <a:moveTo>
+                    <a:pt x="0" y="0"/>
+                  </a:moveTo>
+                  <a:lnTo>
+                    <a:pt x="1308481" y="0"/>
+                  </a:lnTo>
+                  <a:lnTo>
+                    <a:pt x="1308481" y="0"/>
                   </a:lnTo>
                 </a:path>
               </a:pathLst>
@@ -3427,27 +3470,27 @@
         </p:sp>
         <p:sp>
           <p:nvSpPr>
-            <p:cNvPr id="11" name="pl11"/>
-            <p:cNvSpPr/>
-            <p:nvPr/>
-          </p:nvSpPr>
-          <p:spPr>
-            <a:xfrm>
-              <a:off x="2179881" y="3068848"/>
-              <a:ext cx="1295770" cy="0"/>
-            </a:xfrm>
-            <a:custGeom>
-              <a:avLst/>
-              <a:pathLst>
-                <a:path w="1295770" h="0">
-                  <a:moveTo>
-                    <a:pt x="0" y="0"/>
-                  </a:moveTo>
-                  <a:lnTo>
-                    <a:pt x="1295770" y="0"/>
-                  </a:lnTo>
-                  <a:lnTo>
-                    <a:pt x="1295770" y="0"/>
+            <p:cNvPr id="12" name="pl12"/>
+            <p:cNvSpPr/>
+            <p:nvPr/>
+          </p:nvSpPr>
+          <p:spPr>
+            <a:xfrm>
+              <a:off x="2116330" y="3340522"/>
+              <a:ext cx="1308481" cy="0"/>
+            </a:xfrm>
+            <a:custGeom>
+              <a:avLst/>
+              <a:pathLst>
+                <a:path w="1308481" h="0">
+                  <a:moveTo>
+                    <a:pt x="0" y="0"/>
+                  </a:moveTo>
+                  <a:lnTo>
+                    <a:pt x="1308481" y="0"/>
+                  </a:lnTo>
+                  <a:lnTo>
+                    <a:pt x="1308481" y="0"/>
                   </a:lnTo>
                 </a:path>
               </a:pathLst>
@@ -3470,27 +3513,27 @@
         </p:sp>
         <p:sp>
           <p:nvSpPr>
-            <p:cNvPr id="12" name="pl12"/>
-            <p:cNvSpPr/>
-            <p:nvPr/>
-          </p:nvSpPr>
-          <p:spPr>
-            <a:xfrm>
-              <a:off x="2179881" y="2149712"/>
-              <a:ext cx="1295770" cy="0"/>
-            </a:xfrm>
-            <a:custGeom>
-              <a:avLst/>
-              <a:pathLst>
-                <a:path w="1295770" h="0">
-                  <a:moveTo>
-                    <a:pt x="0" y="0"/>
-                  </a:moveTo>
-                  <a:lnTo>
-                    <a:pt x="1295770" y="0"/>
-                  </a:lnTo>
-                  <a:lnTo>
-                    <a:pt x="1295770" y="0"/>
+            <p:cNvPr id="13" name="pl13"/>
+            <p:cNvSpPr/>
+            <p:nvPr/>
+          </p:nvSpPr>
+          <p:spPr>
+            <a:xfrm>
+              <a:off x="2116330" y="2557223"/>
+              <a:ext cx="1308481" cy="0"/>
+            </a:xfrm>
+            <a:custGeom>
+              <a:avLst/>
+              <a:pathLst>
+                <a:path w="1308481" h="0">
+                  <a:moveTo>
+                    <a:pt x="0" y="0"/>
+                  </a:moveTo>
+                  <a:lnTo>
+                    <a:pt x="1308481" y="0"/>
+                  </a:lnTo>
+                  <a:lnTo>
+                    <a:pt x="1308481" y="0"/>
                   </a:lnTo>
                 </a:path>
               </a:pathLst>
@@ -3513,13 +3556,13 @@
         </p:sp>
         <p:sp>
           <p:nvSpPr>
-            <p:cNvPr id="13" name="pl13"/>
-            <p:cNvSpPr/>
-            <p:nvPr/>
-          </p:nvSpPr>
-          <p:spPr>
-            <a:xfrm>
-              <a:off x="2274694" y="1809173"/>
+            <p:cNvPr id="14" name="pl14"/>
+            <p:cNvSpPr/>
+            <p:nvPr/>
+          </p:nvSpPr>
+          <p:spPr>
+            <a:xfrm>
+              <a:off x="2225370" y="1809173"/>
               <a:ext cx="0" cy="3245468"/>
             </a:xfrm>
             <a:custGeom>
@@ -3556,13 +3599,13 @@
         </p:sp>
         <p:sp>
           <p:nvSpPr>
-            <p:cNvPr id="14" name="pl14"/>
-            <p:cNvSpPr/>
-            <p:nvPr/>
-          </p:nvSpPr>
-          <p:spPr>
-            <a:xfrm>
-              <a:off x="2432715" y="1809173"/>
+            <p:cNvPr id="15" name="pl15"/>
+            <p:cNvSpPr/>
+            <p:nvPr/>
+          </p:nvSpPr>
+          <p:spPr>
+            <a:xfrm>
+              <a:off x="2407104" y="1809173"/>
               <a:ext cx="0" cy="3245468"/>
             </a:xfrm>
             <a:custGeom>
@@ -3599,13 +3642,13 @@
         </p:sp>
         <p:sp>
           <p:nvSpPr>
-            <p:cNvPr id="15" name="pl15"/>
-            <p:cNvSpPr/>
-            <p:nvPr/>
-          </p:nvSpPr>
-          <p:spPr>
-            <a:xfrm>
-              <a:off x="2590735" y="1809173"/>
+            <p:cNvPr id="16" name="pl16"/>
+            <p:cNvSpPr/>
+            <p:nvPr/>
+          </p:nvSpPr>
+          <p:spPr>
+            <a:xfrm>
+              <a:off x="2588837" y="1809173"/>
               <a:ext cx="0" cy="3245468"/>
             </a:xfrm>
             <a:custGeom>
@@ -3642,13 +3685,13 @@
         </p:sp>
         <p:sp>
           <p:nvSpPr>
-            <p:cNvPr id="16" name="pl16"/>
-            <p:cNvSpPr/>
-            <p:nvPr/>
-          </p:nvSpPr>
-          <p:spPr>
-            <a:xfrm>
-              <a:off x="2748756" y="1809173"/>
+            <p:cNvPr id="17" name="pl17"/>
+            <p:cNvSpPr/>
+            <p:nvPr/>
+          </p:nvSpPr>
+          <p:spPr>
+            <a:xfrm>
+              <a:off x="2770571" y="1809173"/>
               <a:ext cx="0" cy="3245468"/>
             </a:xfrm>
             <a:custGeom>
@@ -3685,13 +3728,13 @@
         </p:sp>
         <p:sp>
           <p:nvSpPr>
-            <p:cNvPr id="17" name="pl17"/>
-            <p:cNvSpPr/>
-            <p:nvPr/>
-          </p:nvSpPr>
-          <p:spPr>
-            <a:xfrm>
-              <a:off x="2906777" y="1809173"/>
+            <p:cNvPr id="18" name="pl18"/>
+            <p:cNvSpPr/>
+            <p:nvPr/>
+          </p:nvSpPr>
+          <p:spPr>
+            <a:xfrm>
+              <a:off x="2952304" y="1809173"/>
               <a:ext cx="0" cy="3245468"/>
             </a:xfrm>
             <a:custGeom>
@@ -3728,13 +3771,13 @@
         </p:sp>
         <p:sp>
           <p:nvSpPr>
-            <p:cNvPr id="18" name="pl18"/>
-            <p:cNvSpPr/>
-            <p:nvPr/>
-          </p:nvSpPr>
-          <p:spPr>
-            <a:xfrm>
-              <a:off x="3064798" y="1809173"/>
+            <p:cNvPr id="19" name="pl19"/>
+            <p:cNvSpPr/>
+            <p:nvPr/>
+          </p:nvSpPr>
+          <p:spPr>
+            <a:xfrm>
+              <a:off x="3134038" y="1809173"/>
               <a:ext cx="0" cy="3245468"/>
             </a:xfrm>
             <a:custGeom>
@@ -3771,13 +3814,13 @@
         </p:sp>
         <p:sp>
           <p:nvSpPr>
-            <p:cNvPr id="19" name="pl19"/>
-            <p:cNvSpPr/>
-            <p:nvPr/>
-          </p:nvSpPr>
-          <p:spPr>
-            <a:xfrm>
-              <a:off x="3222819" y="1809173"/>
+            <p:cNvPr id="20" name="pl20"/>
+            <p:cNvSpPr/>
+            <p:nvPr/>
+          </p:nvSpPr>
+          <p:spPr>
+            <a:xfrm>
+              <a:off x="3315771" y="1809173"/>
               <a:ext cx="0" cy="3245468"/>
             </a:xfrm>
             <a:custGeom>
@@ -3814,63 +3857,20 @@
         </p:sp>
         <p:sp>
           <p:nvSpPr>
-            <p:cNvPr id="20" name="pl20"/>
-            <p:cNvSpPr/>
-            <p:nvPr/>
-          </p:nvSpPr>
-          <p:spPr>
-            <a:xfrm>
-              <a:off x="3380840" y="1809173"/>
-              <a:ext cx="0" cy="3245468"/>
-            </a:xfrm>
-            <a:custGeom>
-              <a:avLst/>
-              <a:pathLst>
-                <a:path w="0" h="3245468">
-                  <a:moveTo>
-                    <a:pt x="0" y="3245468"/>
-                  </a:moveTo>
-                  <a:lnTo>
-                    <a:pt x="0" y="0"/>
-                  </a:lnTo>
-                  <a:lnTo>
-                    <a:pt x="0" y="0"/>
-                  </a:lnTo>
-                </a:path>
-              </a:pathLst>
-            </a:custGeom>
-            <a:ln w="13550" cap="flat">
-              <a:solidFill>
-                <a:srgbClr val="EBEBEB">
-                  <a:alpha val="100000"/>
-                </a:srgbClr>
-              </a:solidFill>
-              <a:prstDash val="solid"/>
-              <a:round/>
-            </a:ln>
-          </p:spPr>
-          <p:txBody>
-            <a:bodyPr/>
-            <a:lstStyle/>
-            <a:p/>
-          </p:txBody>
-        </p:sp>
-        <p:sp>
-          <p:nvSpPr>
             <p:cNvPr id="21" name="rc21"/>
             <p:cNvSpPr/>
             <p:nvPr/>
           </p:nvSpPr>
           <p:spPr>
             <a:xfrm>
-              <a:off x="2203584" y="4695718"/>
-              <a:ext cx="142218" cy="211401"/>
+              <a:off x="2143590" y="3001092"/>
+              <a:ext cx="163560" cy="1906027"/>
             </a:xfrm>
             <a:prstGeom prst="rect">
               <a:avLst/>
             </a:prstGeom>
             <a:solidFill>
-              <a:srgbClr val="FFF5F0">
+              <a:srgbClr val="FEE5D9">
                 <a:alpha val="100000"/>
               </a:srgbClr>
             </a:solidFill>
@@ -3889,34 +3889,8 @@
           </p:nvSpPr>
           <p:spPr>
             <a:xfrm>
-              <a:off x="2361605" y="4861163"/>
-              <a:ext cx="142218" cy="45956"/>
-            </a:xfrm>
-            <a:prstGeom prst="rect">
-              <a:avLst/>
-            </a:prstGeom>
-            <a:solidFill>
-              <a:srgbClr val="FEE0D2">
-                <a:alpha val="100000"/>
-              </a:srgbClr>
-            </a:solidFill>
-          </p:spPr>
-          <p:txBody>
-            <a:bodyPr/>
-            <a:lstStyle/>
-            <a:p/>
-          </p:txBody>
-        </p:sp>
-        <p:sp>
-          <p:nvSpPr>
-            <p:cNvPr id="23" name="rc23"/>
-            <p:cNvSpPr/>
-            <p:nvPr/>
-          </p:nvSpPr>
-          <p:spPr>
-            <a:xfrm>
-              <a:off x="2519626" y="4658953"/>
-              <a:ext cx="142218" cy="248166"/>
+              <a:off x="2325324" y="4358810"/>
+              <a:ext cx="163560" cy="548309"/>
             </a:xfrm>
             <a:prstGeom prst="rect">
               <a:avLst/>
@@ -3935,14 +3909,14 @@
         </p:sp>
         <p:sp>
           <p:nvSpPr>
-            <p:cNvPr id="24" name="rc24"/>
-            <p:cNvSpPr/>
-            <p:nvPr/>
-          </p:nvSpPr>
-          <p:spPr>
-            <a:xfrm>
-              <a:off x="2677647" y="4668144"/>
-              <a:ext cx="142218" cy="238975"/>
+            <p:cNvPr id="23" name="rc23"/>
+            <p:cNvSpPr/>
+            <p:nvPr/>
+          </p:nvSpPr>
+          <p:spPr>
+            <a:xfrm>
+              <a:off x="2507057" y="2400563"/>
+              <a:ext cx="163560" cy="2506556"/>
             </a:xfrm>
             <a:prstGeom prst="rect">
               <a:avLst/>
@@ -3961,14 +3935,14 @@
         </p:sp>
         <p:sp>
           <p:nvSpPr>
-            <p:cNvPr id="25" name="rc25"/>
-            <p:cNvSpPr/>
-            <p:nvPr/>
-          </p:nvSpPr>
-          <p:spPr>
-            <a:xfrm>
-              <a:off x="2835668" y="4842780"/>
-              <a:ext cx="142218" cy="64339"/>
+            <p:cNvPr id="24" name="rc24"/>
+            <p:cNvSpPr/>
+            <p:nvPr/>
+          </p:nvSpPr>
+          <p:spPr>
+            <a:xfrm>
+              <a:off x="2688791" y="2870543"/>
+              <a:ext cx="163560" cy="2036577"/>
             </a:xfrm>
             <a:prstGeom prst="rect">
               <a:avLst/>
@@ -3987,14 +3961,14 @@
         </p:sp>
         <p:sp>
           <p:nvSpPr>
-            <p:cNvPr id="26" name="rc26"/>
-            <p:cNvSpPr/>
-            <p:nvPr/>
-          </p:nvSpPr>
-          <p:spPr>
-            <a:xfrm>
-              <a:off x="2993689" y="4677336"/>
-              <a:ext cx="142218" cy="229783"/>
+            <p:cNvPr id="25" name="rc25"/>
+            <p:cNvSpPr/>
+            <p:nvPr/>
+          </p:nvSpPr>
+          <p:spPr>
+            <a:xfrm>
+              <a:off x="2870524" y="4045491"/>
+              <a:ext cx="163560" cy="861628"/>
             </a:xfrm>
             <a:prstGeom prst="rect">
               <a:avLst/>
@@ -4013,14 +3987,14 @@
         </p:sp>
         <p:sp>
           <p:nvSpPr>
-            <p:cNvPr id="27" name="rc27"/>
-            <p:cNvSpPr/>
-            <p:nvPr/>
-          </p:nvSpPr>
-          <p:spPr>
-            <a:xfrm>
-              <a:off x="3151709" y="4851972"/>
-              <a:ext cx="142218" cy="55148"/>
+            <p:cNvPr id="26" name="rc26"/>
+            <p:cNvSpPr/>
+            <p:nvPr/>
+          </p:nvSpPr>
+          <p:spPr>
+            <a:xfrm>
+              <a:off x="3052258" y="1956694"/>
+              <a:ext cx="163560" cy="2950425"/>
             </a:xfrm>
             <a:prstGeom prst="rect">
               <a:avLst/>
@@ -4039,14 +4013,14 @@
         </p:sp>
         <p:sp>
           <p:nvSpPr>
-            <p:cNvPr id="28" name="rc28"/>
-            <p:cNvSpPr/>
-            <p:nvPr/>
-          </p:nvSpPr>
-          <p:spPr>
-            <a:xfrm>
-              <a:off x="3309730" y="1956694"/>
-              <a:ext cx="142218" cy="2950425"/>
+            <p:cNvPr id="27" name="rc27"/>
+            <p:cNvSpPr/>
+            <p:nvPr/>
+          </p:nvSpPr>
+          <p:spPr>
+            <a:xfrm>
+              <a:off x="3233991" y="4228261"/>
+              <a:ext cx="163560" cy="678859"/>
             </a:xfrm>
             <a:prstGeom prst="rect">
               <a:avLst/>
@@ -4065,14 +4039,14 @@
         </p:sp>
         <p:sp>
           <p:nvSpPr>
-            <p:cNvPr id="29" name="rc29"/>
-            <p:cNvSpPr/>
-            <p:nvPr/>
-          </p:nvSpPr>
-          <p:spPr>
-            <a:xfrm>
-              <a:off x="2179881" y="1809173"/>
-              <a:ext cx="1295770" cy="3245468"/>
+            <p:cNvPr id="28" name="rc28"/>
+            <p:cNvSpPr/>
+            <p:nvPr/>
+          </p:nvSpPr>
+          <p:spPr>
+            <a:xfrm>
+              <a:off x="2116330" y="1809173"/>
+              <a:ext cx="1308481" cy="3245468"/>
             </a:xfrm>
             <a:prstGeom prst="rect">
               <a:avLst/>
@@ -4095,14 +4069,14 @@
         </p:sp>
         <p:sp>
           <p:nvSpPr>
-            <p:cNvPr id="30" name="rc30"/>
-            <p:cNvSpPr/>
-            <p:nvPr/>
-          </p:nvSpPr>
-          <p:spPr>
-            <a:xfrm>
-              <a:off x="3545241" y="1809173"/>
-              <a:ext cx="1295770" cy="3245468"/>
+            <p:cNvPr id="29" name="rc29"/>
+            <p:cNvSpPr/>
+            <p:nvPr/>
+          </p:nvSpPr>
+          <p:spPr>
+            <a:xfrm>
+              <a:off x="3494401" y="1809173"/>
+              <a:ext cx="1308481" cy="3245468"/>
             </a:xfrm>
             <a:prstGeom prst="rect">
               <a:avLst/>
@@ -4121,27 +4095,70 @@
         </p:sp>
         <p:sp>
           <p:nvSpPr>
+            <p:cNvPr id="30" name="pl30"/>
+            <p:cNvSpPr/>
+            <p:nvPr/>
+          </p:nvSpPr>
+          <p:spPr>
+            <a:xfrm>
+              <a:off x="3494401" y="4515470"/>
+              <a:ext cx="1308481" cy="0"/>
+            </a:xfrm>
+            <a:custGeom>
+              <a:avLst/>
+              <a:pathLst>
+                <a:path w="1308481" h="0">
+                  <a:moveTo>
+                    <a:pt x="0" y="0"/>
+                  </a:moveTo>
+                  <a:lnTo>
+                    <a:pt x="1308481" y="0"/>
+                  </a:lnTo>
+                  <a:lnTo>
+                    <a:pt x="1308481" y="0"/>
+                  </a:lnTo>
+                </a:path>
+              </a:pathLst>
+            </a:custGeom>
+            <a:ln w="6775" cap="flat">
+              <a:solidFill>
+                <a:srgbClr val="EBEBEB">
+                  <a:alpha val="100000"/>
+                </a:srgbClr>
+              </a:solidFill>
+              <a:prstDash val="solid"/>
+              <a:round/>
+            </a:ln>
+          </p:spPr>
+          <p:txBody>
+            <a:bodyPr/>
+            <a:lstStyle/>
+            <a:p/>
+          </p:txBody>
+        </p:sp>
+        <p:sp>
+          <p:nvSpPr>
             <p:cNvPr id="31" name="pl31"/>
             <p:cNvSpPr/>
             <p:nvPr/>
           </p:nvSpPr>
           <p:spPr>
             <a:xfrm>
-              <a:off x="3545241" y="4447552"/>
-              <a:ext cx="1295770" cy="0"/>
-            </a:xfrm>
-            <a:custGeom>
-              <a:avLst/>
-              <a:pathLst>
-                <a:path w="1295770" h="0">
-                  <a:moveTo>
-                    <a:pt x="0" y="0"/>
-                  </a:moveTo>
-                  <a:lnTo>
-                    <a:pt x="1295770" y="0"/>
-                  </a:lnTo>
-                  <a:lnTo>
-                    <a:pt x="1295770" y="0"/>
+              <a:off x="3494401" y="3732171"/>
+              <a:ext cx="1308481" cy="0"/>
+            </a:xfrm>
+            <a:custGeom>
+              <a:avLst/>
+              <a:pathLst>
+                <a:path w="1308481" h="0">
+                  <a:moveTo>
+                    <a:pt x="0" y="0"/>
+                  </a:moveTo>
+                  <a:lnTo>
+                    <a:pt x="1308481" y="0"/>
+                  </a:lnTo>
+                  <a:lnTo>
+                    <a:pt x="1308481" y="0"/>
                   </a:lnTo>
                 </a:path>
               </a:pathLst>
@@ -4170,21 +4187,21 @@
           </p:nvSpPr>
           <p:spPr>
             <a:xfrm>
-              <a:off x="3545241" y="3528416"/>
-              <a:ext cx="1295770" cy="0"/>
-            </a:xfrm>
-            <a:custGeom>
-              <a:avLst/>
-              <a:pathLst>
-                <a:path w="1295770" h="0">
-                  <a:moveTo>
-                    <a:pt x="0" y="0"/>
-                  </a:moveTo>
-                  <a:lnTo>
-                    <a:pt x="1295770" y="0"/>
-                  </a:lnTo>
-                  <a:lnTo>
-                    <a:pt x="1295770" y="0"/>
+              <a:off x="3494401" y="2948872"/>
+              <a:ext cx="1308481" cy="0"/>
+            </a:xfrm>
+            <a:custGeom>
+              <a:avLst/>
+              <a:pathLst>
+                <a:path w="1308481" h="0">
+                  <a:moveTo>
+                    <a:pt x="0" y="0"/>
+                  </a:moveTo>
+                  <a:lnTo>
+                    <a:pt x="1308481" y="0"/>
+                  </a:lnTo>
+                  <a:lnTo>
+                    <a:pt x="1308481" y="0"/>
                   </a:lnTo>
                 </a:path>
               </a:pathLst>
@@ -4213,21 +4230,21 @@
           </p:nvSpPr>
           <p:spPr>
             <a:xfrm>
-              <a:off x="3545241" y="2609280"/>
-              <a:ext cx="1295770" cy="0"/>
-            </a:xfrm>
-            <a:custGeom>
-              <a:avLst/>
-              <a:pathLst>
-                <a:path w="1295770" h="0">
-                  <a:moveTo>
-                    <a:pt x="0" y="0"/>
-                  </a:moveTo>
-                  <a:lnTo>
-                    <a:pt x="1295770" y="0"/>
-                  </a:lnTo>
-                  <a:lnTo>
-                    <a:pt x="1295770" y="0"/>
+              <a:off x="3494401" y="2165574"/>
+              <a:ext cx="1308481" cy="0"/>
+            </a:xfrm>
+            <a:custGeom>
+              <a:avLst/>
+              <a:pathLst>
+                <a:path w="1308481" h="0">
+                  <a:moveTo>
+                    <a:pt x="0" y="0"/>
+                  </a:moveTo>
+                  <a:lnTo>
+                    <a:pt x="1308481" y="0"/>
+                  </a:lnTo>
+                  <a:lnTo>
+                    <a:pt x="1308481" y="0"/>
                   </a:lnTo>
                 </a:path>
               </a:pathLst>
@@ -4256,21 +4273,21 @@
           </p:nvSpPr>
           <p:spPr>
             <a:xfrm>
-              <a:off x="3545241" y="4907120"/>
-              <a:ext cx="1295770" cy="0"/>
-            </a:xfrm>
-            <a:custGeom>
-              <a:avLst/>
-              <a:pathLst>
-                <a:path w="1295770" h="0">
-                  <a:moveTo>
-                    <a:pt x="0" y="0"/>
-                  </a:moveTo>
-                  <a:lnTo>
-                    <a:pt x="1295770" y="0"/>
-                  </a:lnTo>
-                  <a:lnTo>
-                    <a:pt x="1295770" y="0"/>
+              <a:off x="3494401" y="4907120"/>
+              <a:ext cx="1308481" cy="0"/>
+            </a:xfrm>
+            <a:custGeom>
+              <a:avLst/>
+              <a:pathLst>
+                <a:path w="1308481" h="0">
+                  <a:moveTo>
+                    <a:pt x="0" y="0"/>
+                  </a:moveTo>
+                  <a:lnTo>
+                    <a:pt x="1308481" y="0"/>
+                  </a:lnTo>
+                  <a:lnTo>
+                    <a:pt x="1308481" y="0"/>
                   </a:lnTo>
                 </a:path>
               </a:pathLst>
@@ -4299,21 +4316,21 @@
           </p:nvSpPr>
           <p:spPr>
             <a:xfrm>
-              <a:off x="3545241" y="3987984"/>
-              <a:ext cx="1295770" cy="0"/>
-            </a:xfrm>
-            <a:custGeom>
-              <a:avLst/>
-              <a:pathLst>
-                <a:path w="1295770" h="0">
-                  <a:moveTo>
-                    <a:pt x="0" y="0"/>
-                  </a:moveTo>
-                  <a:lnTo>
-                    <a:pt x="1295770" y="0"/>
-                  </a:lnTo>
-                  <a:lnTo>
-                    <a:pt x="1295770" y="0"/>
+              <a:off x="3494401" y="4123821"/>
+              <a:ext cx="1308481" cy="0"/>
+            </a:xfrm>
+            <a:custGeom>
+              <a:avLst/>
+              <a:pathLst>
+                <a:path w="1308481" h="0">
+                  <a:moveTo>
+                    <a:pt x="0" y="0"/>
+                  </a:moveTo>
+                  <a:lnTo>
+                    <a:pt x="1308481" y="0"/>
+                  </a:lnTo>
+                  <a:lnTo>
+                    <a:pt x="1308481" y="0"/>
                   </a:lnTo>
                 </a:path>
               </a:pathLst>
@@ -4342,21 +4359,21 @@
           </p:nvSpPr>
           <p:spPr>
             <a:xfrm>
-              <a:off x="3545241" y="3068848"/>
-              <a:ext cx="1295770" cy="0"/>
-            </a:xfrm>
-            <a:custGeom>
-              <a:avLst/>
-              <a:pathLst>
-                <a:path w="1295770" h="0">
-                  <a:moveTo>
-                    <a:pt x="0" y="0"/>
-                  </a:moveTo>
-                  <a:lnTo>
-                    <a:pt x="1295770" y="0"/>
-                  </a:lnTo>
-                  <a:lnTo>
-                    <a:pt x="1295770" y="0"/>
+              <a:off x="3494401" y="3340522"/>
+              <a:ext cx="1308481" cy="0"/>
+            </a:xfrm>
+            <a:custGeom>
+              <a:avLst/>
+              <a:pathLst>
+                <a:path w="1308481" h="0">
+                  <a:moveTo>
+                    <a:pt x="0" y="0"/>
+                  </a:moveTo>
+                  <a:lnTo>
+                    <a:pt x="1308481" y="0"/>
+                  </a:lnTo>
+                  <a:lnTo>
+                    <a:pt x="1308481" y="0"/>
                   </a:lnTo>
                 </a:path>
               </a:pathLst>
@@ -4385,21 +4402,21 @@
           </p:nvSpPr>
           <p:spPr>
             <a:xfrm>
-              <a:off x="3545241" y="2149712"/>
-              <a:ext cx="1295770" cy="0"/>
-            </a:xfrm>
-            <a:custGeom>
-              <a:avLst/>
-              <a:pathLst>
-                <a:path w="1295770" h="0">
-                  <a:moveTo>
-                    <a:pt x="0" y="0"/>
-                  </a:moveTo>
-                  <a:lnTo>
-                    <a:pt x="1295770" y="0"/>
-                  </a:lnTo>
-                  <a:lnTo>
-                    <a:pt x="1295770" y="0"/>
+              <a:off x="3494401" y="2557223"/>
+              <a:ext cx="1308481" cy="0"/>
+            </a:xfrm>
+            <a:custGeom>
+              <a:avLst/>
+              <a:pathLst>
+                <a:path w="1308481" h="0">
+                  <a:moveTo>
+                    <a:pt x="0" y="0"/>
+                  </a:moveTo>
+                  <a:lnTo>
+                    <a:pt x="1308481" y="0"/>
+                  </a:lnTo>
+                  <a:lnTo>
+                    <a:pt x="1308481" y="0"/>
                   </a:lnTo>
                 </a:path>
               </a:pathLst>
@@ -4428,7 +4445,7 @@
           </p:nvSpPr>
           <p:spPr>
             <a:xfrm>
-              <a:off x="3640054" y="1809173"/>
+              <a:off x="3603441" y="1809173"/>
               <a:ext cx="0" cy="3245468"/>
             </a:xfrm>
             <a:custGeom>
@@ -4471,7 +4488,7 @@
           </p:nvSpPr>
           <p:spPr>
             <a:xfrm>
-              <a:off x="3798075" y="1809173"/>
+              <a:off x="3785174" y="1809173"/>
               <a:ext cx="0" cy="3245468"/>
             </a:xfrm>
             <a:custGeom>
@@ -4514,7 +4531,7 @@
           </p:nvSpPr>
           <p:spPr>
             <a:xfrm>
-              <a:off x="3956095" y="1809173"/>
+              <a:off x="3966908" y="1809173"/>
               <a:ext cx="0" cy="3245468"/>
             </a:xfrm>
             <a:custGeom>
@@ -4557,7 +4574,7 @@
           </p:nvSpPr>
           <p:spPr>
             <a:xfrm>
-              <a:off x="4114116" y="1809173"/>
+              <a:off x="4148641" y="1809173"/>
               <a:ext cx="0" cy="3245468"/>
             </a:xfrm>
             <a:custGeom>
@@ -4600,7 +4617,7 @@
           </p:nvSpPr>
           <p:spPr>
             <a:xfrm>
-              <a:off x="4272137" y="1809173"/>
+              <a:off x="4330375" y="1809173"/>
               <a:ext cx="0" cy="3245468"/>
             </a:xfrm>
             <a:custGeom>
@@ -4643,7 +4660,7 @@
           </p:nvSpPr>
           <p:spPr>
             <a:xfrm>
-              <a:off x="4430158" y="1809173"/>
+              <a:off x="4512108" y="1809173"/>
               <a:ext cx="0" cy="3245468"/>
             </a:xfrm>
             <a:custGeom>
@@ -4686,7 +4703,7 @@
           </p:nvSpPr>
           <p:spPr>
             <a:xfrm>
-              <a:off x="4588179" y="1809173"/>
+              <a:off x="4693842" y="1809173"/>
               <a:ext cx="0" cy="3245468"/>
             </a:xfrm>
             <a:custGeom>
@@ -4723,63 +4740,20 @@
         </p:sp>
         <p:sp>
           <p:nvSpPr>
-            <p:cNvPr id="45" name="pl45"/>
-            <p:cNvSpPr/>
-            <p:nvPr/>
-          </p:nvSpPr>
-          <p:spPr>
-            <a:xfrm>
-              <a:off x="4746200" y="1809173"/>
-              <a:ext cx="0" cy="3245468"/>
-            </a:xfrm>
-            <a:custGeom>
-              <a:avLst/>
-              <a:pathLst>
-                <a:path w="0" h="3245468">
-                  <a:moveTo>
-                    <a:pt x="0" y="3245468"/>
-                  </a:moveTo>
-                  <a:lnTo>
-                    <a:pt x="0" y="0"/>
-                  </a:lnTo>
-                  <a:lnTo>
-                    <a:pt x="0" y="0"/>
-                  </a:lnTo>
-                </a:path>
-              </a:pathLst>
-            </a:custGeom>
-            <a:ln w="13550" cap="flat">
-              <a:solidFill>
-                <a:srgbClr val="EBEBEB">
-                  <a:alpha val="100000"/>
-                </a:srgbClr>
-              </a:solidFill>
-              <a:prstDash val="solid"/>
-              <a:round/>
-            </a:ln>
-          </p:spPr>
-          <p:txBody>
-            <a:bodyPr/>
-            <a:lstStyle/>
-            <a:p/>
-          </p:txBody>
-        </p:sp>
-        <p:sp>
-          <p:nvSpPr>
-            <p:cNvPr id="46" name="rc46"/>
-            <p:cNvSpPr/>
-            <p:nvPr/>
-          </p:nvSpPr>
-          <p:spPr>
-            <a:xfrm>
-              <a:off x="3568944" y="4851972"/>
-              <a:ext cx="142218" cy="55148"/>
+            <p:cNvPr id="45" name="rc45"/>
+            <p:cNvSpPr/>
+            <p:nvPr/>
+          </p:nvSpPr>
+          <p:spPr>
+            <a:xfrm>
+              <a:off x="3521661" y="4071601"/>
+              <a:ext cx="163560" cy="835518"/>
             </a:xfrm>
             <a:prstGeom prst="rect">
               <a:avLst/>
             </a:prstGeom>
             <a:solidFill>
-              <a:srgbClr val="FFF5F0">
+              <a:srgbClr val="FEE5D9">
                 <a:alpha val="100000"/>
               </a:srgbClr>
             </a:solidFill>
@@ -4792,40 +4766,14 @@
         </p:sp>
         <p:sp>
           <p:nvSpPr>
-            <p:cNvPr id="47" name="rc47"/>
-            <p:cNvSpPr/>
-            <p:nvPr/>
-          </p:nvSpPr>
-          <p:spPr>
-            <a:xfrm>
-              <a:off x="3726965" y="4842780"/>
-              <a:ext cx="142218" cy="64339"/>
-            </a:xfrm>
-            <a:prstGeom prst="rect">
-              <a:avLst/>
-            </a:prstGeom>
-            <a:solidFill>
-              <a:srgbClr val="FEE0D2">
-                <a:alpha val="100000"/>
-              </a:srgbClr>
-            </a:solidFill>
-          </p:spPr>
-          <p:txBody>
-            <a:bodyPr/>
-            <a:lstStyle/>
-            <a:p/>
-          </p:txBody>
-        </p:sp>
-        <p:sp>
-          <p:nvSpPr>
-            <p:cNvPr id="48" name="rc48"/>
-            <p:cNvSpPr/>
-            <p:nvPr/>
-          </p:nvSpPr>
-          <p:spPr>
-            <a:xfrm>
-              <a:off x="3884986" y="4769249"/>
-              <a:ext cx="142218" cy="137870"/>
+            <p:cNvPr id="46" name="rc46"/>
+            <p:cNvSpPr/>
+            <p:nvPr/>
+          </p:nvSpPr>
+          <p:spPr>
+            <a:xfrm>
+              <a:off x="3703394" y="4463250"/>
+              <a:ext cx="163560" cy="443869"/>
             </a:xfrm>
             <a:prstGeom prst="rect">
               <a:avLst/>
@@ -4844,14 +4792,14 @@
         </p:sp>
         <p:sp>
           <p:nvSpPr>
-            <p:cNvPr id="49" name="rc49"/>
-            <p:cNvSpPr/>
-            <p:nvPr/>
-          </p:nvSpPr>
-          <p:spPr>
-            <a:xfrm>
-              <a:off x="4043007" y="4787632"/>
-              <a:ext cx="142218" cy="119487"/>
+            <p:cNvPr id="47" name="rc47"/>
+            <p:cNvSpPr/>
+            <p:nvPr/>
+          </p:nvSpPr>
+          <p:spPr>
+            <a:xfrm>
+              <a:off x="3885128" y="3627732"/>
+              <a:ext cx="163560" cy="1279388"/>
             </a:xfrm>
             <a:prstGeom prst="rect">
               <a:avLst/>
@@ -4870,14 +4818,14 @@
         </p:sp>
         <p:sp>
           <p:nvSpPr>
-            <p:cNvPr id="50" name="rc50"/>
-            <p:cNvSpPr/>
-            <p:nvPr/>
-          </p:nvSpPr>
-          <p:spPr>
-            <a:xfrm>
-              <a:off x="4201028" y="4842780"/>
-              <a:ext cx="142218" cy="64339"/>
+            <p:cNvPr id="48" name="rc48"/>
+            <p:cNvSpPr/>
+            <p:nvPr/>
+          </p:nvSpPr>
+          <p:spPr>
+            <a:xfrm>
+              <a:off x="4066861" y="3366632"/>
+              <a:ext cx="163560" cy="1540487"/>
             </a:xfrm>
             <a:prstGeom prst="rect">
               <a:avLst/>
@@ -4896,14 +4844,14 @@
         </p:sp>
         <p:sp>
           <p:nvSpPr>
-            <p:cNvPr id="51" name="rc51"/>
-            <p:cNvSpPr/>
-            <p:nvPr/>
-          </p:nvSpPr>
-          <p:spPr>
-            <a:xfrm>
-              <a:off x="4359049" y="4778441"/>
-              <a:ext cx="142218" cy="128679"/>
+            <p:cNvPr id="49" name="rc49"/>
+            <p:cNvSpPr/>
+            <p:nvPr/>
+          </p:nvSpPr>
+          <p:spPr>
+            <a:xfrm>
+              <a:off x="4248594" y="4332700"/>
+              <a:ext cx="163560" cy="574419"/>
             </a:xfrm>
             <a:prstGeom prst="rect">
               <a:avLst/>
@@ -4922,14 +4870,14 @@
         </p:sp>
         <p:sp>
           <p:nvSpPr>
-            <p:cNvPr id="52" name="rc52"/>
-            <p:cNvSpPr/>
-            <p:nvPr/>
-          </p:nvSpPr>
-          <p:spPr>
-            <a:xfrm>
-              <a:off x="4517069" y="4870354"/>
-              <a:ext cx="142218" cy="36765"/>
+            <p:cNvPr id="50" name="rc50"/>
+            <p:cNvSpPr/>
+            <p:nvPr/>
+          </p:nvSpPr>
+          <p:spPr>
+            <a:xfrm>
+              <a:off x="4430328" y="3236082"/>
+              <a:ext cx="163560" cy="1671037"/>
             </a:xfrm>
             <a:prstGeom prst="rect">
               <a:avLst/>
@@ -4948,14 +4896,14 @@
         </p:sp>
         <p:sp>
           <p:nvSpPr>
-            <p:cNvPr id="53" name="rc53"/>
-            <p:cNvSpPr/>
-            <p:nvPr/>
-          </p:nvSpPr>
-          <p:spPr>
-            <a:xfrm>
-              <a:off x="4675090" y="3133188"/>
-              <a:ext cx="142218" cy="1773932"/>
+            <p:cNvPr id="51" name="rc51"/>
+            <p:cNvSpPr/>
+            <p:nvPr/>
+          </p:nvSpPr>
+          <p:spPr>
+            <a:xfrm>
+              <a:off x="4612061" y="4489360"/>
+              <a:ext cx="163560" cy="417759"/>
             </a:xfrm>
             <a:prstGeom prst="rect">
               <a:avLst/>
@@ -4974,14 +4922,14 @@
         </p:sp>
         <p:sp>
           <p:nvSpPr>
-            <p:cNvPr id="54" name="rc54"/>
-            <p:cNvSpPr/>
-            <p:nvPr/>
-          </p:nvSpPr>
-          <p:spPr>
-            <a:xfrm>
-              <a:off x="3545241" y="1809173"/>
-              <a:ext cx="1295770" cy="3245468"/>
+            <p:cNvPr id="52" name="rc52"/>
+            <p:cNvSpPr/>
+            <p:nvPr/>
+          </p:nvSpPr>
+          <p:spPr>
+            <a:xfrm>
+              <a:off x="3494401" y="1809173"/>
+              <a:ext cx="1308481" cy="3245468"/>
             </a:xfrm>
             <a:prstGeom prst="rect">
               <a:avLst/>
@@ -5004,14 +4952,14 @@
         </p:sp>
         <p:sp>
           <p:nvSpPr>
-            <p:cNvPr id="55" name="rc55"/>
-            <p:cNvSpPr/>
-            <p:nvPr/>
-          </p:nvSpPr>
-          <p:spPr>
-            <a:xfrm>
-              <a:off x="4910601" y="1809173"/>
-              <a:ext cx="1295770" cy="3245468"/>
+            <p:cNvPr id="53" name="rc53"/>
+            <p:cNvSpPr/>
+            <p:nvPr/>
+          </p:nvSpPr>
+          <p:spPr>
+            <a:xfrm>
+              <a:off x="4872471" y="1809173"/>
+              <a:ext cx="1308481" cy="3245468"/>
             </a:xfrm>
             <a:prstGeom prst="rect">
               <a:avLst/>
@@ -5030,27 +4978,113 @@
         </p:sp>
         <p:sp>
           <p:nvSpPr>
+            <p:cNvPr id="54" name="pl54"/>
+            <p:cNvSpPr/>
+            <p:nvPr/>
+          </p:nvSpPr>
+          <p:spPr>
+            <a:xfrm>
+              <a:off x="4872471" y="4515470"/>
+              <a:ext cx="1308481" cy="0"/>
+            </a:xfrm>
+            <a:custGeom>
+              <a:avLst/>
+              <a:pathLst>
+                <a:path w="1308481" h="0">
+                  <a:moveTo>
+                    <a:pt x="0" y="0"/>
+                  </a:moveTo>
+                  <a:lnTo>
+                    <a:pt x="1308481" y="0"/>
+                  </a:lnTo>
+                  <a:lnTo>
+                    <a:pt x="1308481" y="0"/>
+                  </a:lnTo>
+                </a:path>
+              </a:pathLst>
+            </a:custGeom>
+            <a:ln w="6775" cap="flat">
+              <a:solidFill>
+                <a:srgbClr val="EBEBEB">
+                  <a:alpha val="100000"/>
+                </a:srgbClr>
+              </a:solidFill>
+              <a:prstDash val="solid"/>
+              <a:round/>
+            </a:ln>
+          </p:spPr>
+          <p:txBody>
+            <a:bodyPr/>
+            <a:lstStyle/>
+            <a:p/>
+          </p:txBody>
+        </p:sp>
+        <p:sp>
+          <p:nvSpPr>
+            <p:cNvPr id="55" name="pl55"/>
+            <p:cNvSpPr/>
+            <p:nvPr/>
+          </p:nvSpPr>
+          <p:spPr>
+            <a:xfrm>
+              <a:off x="4872471" y="3732171"/>
+              <a:ext cx="1308481" cy="0"/>
+            </a:xfrm>
+            <a:custGeom>
+              <a:avLst/>
+              <a:pathLst>
+                <a:path w="1308481" h="0">
+                  <a:moveTo>
+                    <a:pt x="0" y="0"/>
+                  </a:moveTo>
+                  <a:lnTo>
+                    <a:pt x="1308481" y="0"/>
+                  </a:lnTo>
+                  <a:lnTo>
+                    <a:pt x="1308481" y="0"/>
+                  </a:lnTo>
+                </a:path>
+              </a:pathLst>
+            </a:custGeom>
+            <a:ln w="6775" cap="flat">
+              <a:solidFill>
+                <a:srgbClr val="EBEBEB">
+                  <a:alpha val="100000"/>
+                </a:srgbClr>
+              </a:solidFill>
+              <a:prstDash val="solid"/>
+              <a:round/>
+            </a:ln>
+          </p:spPr>
+          <p:txBody>
+            <a:bodyPr/>
+            <a:lstStyle/>
+            <a:p/>
+          </p:txBody>
+        </p:sp>
+        <p:sp>
+          <p:nvSpPr>
             <p:cNvPr id="56" name="pl56"/>
             <p:cNvSpPr/>
             <p:nvPr/>
           </p:nvSpPr>
           <p:spPr>
             <a:xfrm>
-              <a:off x="4910601" y="4447552"/>
-              <a:ext cx="1295770" cy="0"/>
-            </a:xfrm>
-            <a:custGeom>
-              <a:avLst/>
-              <a:pathLst>
-                <a:path w="1295770" h="0">
-                  <a:moveTo>
-                    <a:pt x="0" y="0"/>
-                  </a:moveTo>
-                  <a:lnTo>
-                    <a:pt x="1295770" y="0"/>
-                  </a:lnTo>
-                  <a:lnTo>
-                    <a:pt x="1295770" y="0"/>
+              <a:off x="4872471" y="2948872"/>
+              <a:ext cx="1308481" cy="0"/>
+            </a:xfrm>
+            <a:custGeom>
+              <a:avLst/>
+              <a:pathLst>
+                <a:path w="1308481" h="0">
+                  <a:moveTo>
+                    <a:pt x="0" y="0"/>
+                  </a:moveTo>
+                  <a:lnTo>
+                    <a:pt x="1308481" y="0"/>
+                  </a:lnTo>
+                  <a:lnTo>
+                    <a:pt x="1308481" y="0"/>
                   </a:lnTo>
                 </a:path>
               </a:pathLst>
@@ -5079,21 +5113,21 @@
           </p:nvSpPr>
           <p:spPr>
             <a:xfrm>
-              <a:off x="4910601" y="3528416"/>
-              <a:ext cx="1295770" cy="0"/>
-            </a:xfrm>
-            <a:custGeom>
-              <a:avLst/>
-              <a:pathLst>
-                <a:path w="1295770" h="0">
-                  <a:moveTo>
-                    <a:pt x="0" y="0"/>
-                  </a:moveTo>
-                  <a:lnTo>
-                    <a:pt x="1295770" y="0"/>
-                  </a:lnTo>
-                  <a:lnTo>
-                    <a:pt x="1295770" y="0"/>
+              <a:off x="4872471" y="2165574"/>
+              <a:ext cx="1308481" cy="0"/>
+            </a:xfrm>
+            <a:custGeom>
+              <a:avLst/>
+              <a:pathLst>
+                <a:path w="1308481" h="0">
+                  <a:moveTo>
+                    <a:pt x="0" y="0"/>
+                  </a:moveTo>
+                  <a:lnTo>
+                    <a:pt x="1308481" y="0"/>
+                  </a:lnTo>
+                  <a:lnTo>
+                    <a:pt x="1308481" y="0"/>
                   </a:lnTo>
                 </a:path>
               </a:pathLst>
@@ -5122,26 +5156,26 @@
           </p:nvSpPr>
           <p:spPr>
             <a:xfrm>
-              <a:off x="4910601" y="2609280"/>
-              <a:ext cx="1295770" cy="0"/>
-            </a:xfrm>
-            <a:custGeom>
-              <a:avLst/>
-              <a:pathLst>
-                <a:path w="1295770" h="0">
-                  <a:moveTo>
-                    <a:pt x="0" y="0"/>
-                  </a:moveTo>
-                  <a:lnTo>
-                    <a:pt x="1295770" y="0"/>
-                  </a:lnTo>
-                  <a:lnTo>
-                    <a:pt x="1295770" y="0"/>
-                  </a:lnTo>
-                </a:path>
-              </a:pathLst>
-            </a:custGeom>
-            <a:ln w="6775" cap="flat">
+              <a:off x="4872471" y="4907120"/>
+              <a:ext cx="1308481" cy="0"/>
+            </a:xfrm>
+            <a:custGeom>
+              <a:avLst/>
+              <a:pathLst>
+                <a:path w="1308481" h="0">
+                  <a:moveTo>
+                    <a:pt x="0" y="0"/>
+                  </a:moveTo>
+                  <a:lnTo>
+                    <a:pt x="1308481" y="0"/>
+                  </a:lnTo>
+                  <a:lnTo>
+                    <a:pt x="1308481" y="0"/>
+                  </a:lnTo>
+                </a:path>
+              </a:pathLst>
+            </a:custGeom>
+            <a:ln w="13550" cap="flat">
               <a:solidFill>
                 <a:srgbClr val="EBEBEB">
                   <a:alpha val="100000"/>
@@ -5165,21 +5199,21 @@
           </p:nvSpPr>
           <p:spPr>
             <a:xfrm>
-              <a:off x="4910601" y="4907120"/>
-              <a:ext cx="1295770" cy="0"/>
-            </a:xfrm>
-            <a:custGeom>
-              <a:avLst/>
-              <a:pathLst>
-                <a:path w="1295770" h="0">
-                  <a:moveTo>
-                    <a:pt x="0" y="0"/>
-                  </a:moveTo>
-                  <a:lnTo>
-                    <a:pt x="1295770" y="0"/>
-                  </a:lnTo>
-                  <a:lnTo>
-                    <a:pt x="1295770" y="0"/>
+              <a:off x="4872471" y="4123821"/>
+              <a:ext cx="1308481" cy="0"/>
+            </a:xfrm>
+            <a:custGeom>
+              <a:avLst/>
+              <a:pathLst>
+                <a:path w="1308481" h="0">
+                  <a:moveTo>
+                    <a:pt x="0" y="0"/>
+                  </a:moveTo>
+                  <a:lnTo>
+                    <a:pt x="1308481" y="0"/>
+                  </a:lnTo>
+                  <a:lnTo>
+                    <a:pt x="1308481" y="0"/>
                   </a:lnTo>
                 </a:path>
               </a:pathLst>
@@ -5208,21 +5242,21 @@
           </p:nvSpPr>
           <p:spPr>
             <a:xfrm>
-              <a:off x="4910601" y="3987984"/>
-              <a:ext cx="1295770" cy="0"/>
-            </a:xfrm>
-            <a:custGeom>
-              <a:avLst/>
-              <a:pathLst>
-                <a:path w="1295770" h="0">
-                  <a:moveTo>
-                    <a:pt x="0" y="0"/>
-                  </a:moveTo>
-                  <a:lnTo>
-                    <a:pt x="1295770" y="0"/>
-                  </a:lnTo>
-                  <a:lnTo>
-                    <a:pt x="1295770" y="0"/>
+              <a:off x="4872471" y="3340522"/>
+              <a:ext cx="1308481" cy="0"/>
+            </a:xfrm>
+            <a:custGeom>
+              <a:avLst/>
+              <a:pathLst>
+                <a:path w="1308481" h="0">
+                  <a:moveTo>
+                    <a:pt x="0" y="0"/>
+                  </a:moveTo>
+                  <a:lnTo>
+                    <a:pt x="1308481" y="0"/>
+                  </a:lnTo>
+                  <a:lnTo>
+                    <a:pt x="1308481" y="0"/>
                   </a:lnTo>
                 </a:path>
               </a:pathLst>
@@ -5251,21 +5285,21 @@
           </p:nvSpPr>
           <p:spPr>
             <a:xfrm>
-              <a:off x="4910601" y="3068848"/>
-              <a:ext cx="1295770" cy="0"/>
-            </a:xfrm>
-            <a:custGeom>
-              <a:avLst/>
-              <a:pathLst>
-                <a:path w="1295770" h="0">
-                  <a:moveTo>
-                    <a:pt x="0" y="0"/>
-                  </a:moveTo>
-                  <a:lnTo>
-                    <a:pt x="1295770" y="0"/>
-                  </a:lnTo>
-                  <a:lnTo>
-                    <a:pt x="1295770" y="0"/>
+              <a:off x="4872471" y="2557223"/>
+              <a:ext cx="1308481" cy="0"/>
+            </a:xfrm>
+            <a:custGeom>
+              <a:avLst/>
+              <a:pathLst>
+                <a:path w="1308481" h="0">
+                  <a:moveTo>
+                    <a:pt x="0" y="0"/>
+                  </a:moveTo>
+                  <a:lnTo>
+                    <a:pt x="1308481" y="0"/>
+                  </a:lnTo>
+                  <a:lnTo>
+                    <a:pt x="1308481" y="0"/>
                   </a:lnTo>
                 </a:path>
               </a:pathLst>
@@ -5294,21 +5328,21 @@
           </p:nvSpPr>
           <p:spPr>
             <a:xfrm>
-              <a:off x="4910601" y="2149712"/>
-              <a:ext cx="1295770" cy="0"/>
-            </a:xfrm>
-            <a:custGeom>
-              <a:avLst/>
-              <a:pathLst>
-                <a:path w="1295770" h="0">
-                  <a:moveTo>
-                    <a:pt x="0" y="0"/>
-                  </a:moveTo>
-                  <a:lnTo>
-                    <a:pt x="1295770" y="0"/>
-                  </a:lnTo>
-                  <a:lnTo>
-                    <a:pt x="1295770" y="0"/>
+              <a:off x="4981511" y="1809173"/>
+              <a:ext cx="0" cy="3245468"/>
+            </a:xfrm>
+            <a:custGeom>
+              <a:avLst/>
+              <a:pathLst>
+                <a:path w="0" h="3245468">
+                  <a:moveTo>
+                    <a:pt x="0" y="3245468"/>
+                  </a:moveTo>
+                  <a:lnTo>
+                    <a:pt x="0" y="0"/>
+                  </a:lnTo>
+                  <a:lnTo>
+                    <a:pt x="0" y="0"/>
                   </a:lnTo>
                 </a:path>
               </a:pathLst>
@@ -5337,7 +5371,7 @@
           </p:nvSpPr>
           <p:spPr>
             <a:xfrm>
-              <a:off x="5005414" y="1809173"/>
+              <a:off x="5163244" y="1809173"/>
               <a:ext cx="0" cy="3245468"/>
             </a:xfrm>
             <a:custGeom>
@@ -5380,7 +5414,7 @@
           </p:nvSpPr>
           <p:spPr>
             <a:xfrm>
-              <a:off x="5163434" y="1809173"/>
+              <a:off x="5344978" y="1809173"/>
               <a:ext cx="0" cy="3245468"/>
             </a:xfrm>
             <a:custGeom>
@@ -5423,7 +5457,7 @@
           </p:nvSpPr>
           <p:spPr>
             <a:xfrm>
-              <a:off x="5321455" y="1809173"/>
+              <a:off x="5526711" y="1809173"/>
               <a:ext cx="0" cy="3245468"/>
             </a:xfrm>
             <a:custGeom>
@@ -5466,7 +5500,7 @@
           </p:nvSpPr>
           <p:spPr>
             <a:xfrm>
-              <a:off x="5479476" y="1809173"/>
+              <a:off x="5708445" y="1809173"/>
               <a:ext cx="0" cy="3245468"/>
             </a:xfrm>
             <a:custGeom>
@@ -5509,7 +5543,7 @@
           </p:nvSpPr>
           <p:spPr>
             <a:xfrm>
-              <a:off x="5637497" y="1809173"/>
+              <a:off x="5890178" y="1809173"/>
               <a:ext cx="0" cy="3245468"/>
             </a:xfrm>
             <a:custGeom>
@@ -5552,7 +5586,7 @@
           </p:nvSpPr>
           <p:spPr>
             <a:xfrm>
-              <a:off x="5795518" y="1809173"/>
+              <a:off x="6071912" y="1809173"/>
               <a:ext cx="0" cy="3245468"/>
             </a:xfrm>
             <a:custGeom>
@@ -5589,106 +5623,20 @@
         </p:sp>
         <p:sp>
           <p:nvSpPr>
-            <p:cNvPr id="69" name="pl69"/>
-            <p:cNvSpPr/>
-            <p:nvPr/>
-          </p:nvSpPr>
-          <p:spPr>
-            <a:xfrm>
-              <a:off x="5953539" y="1809173"/>
-              <a:ext cx="0" cy="3245468"/>
-            </a:xfrm>
-            <a:custGeom>
-              <a:avLst/>
-              <a:pathLst>
-                <a:path w="0" h="3245468">
-                  <a:moveTo>
-                    <a:pt x="0" y="3245468"/>
-                  </a:moveTo>
-                  <a:lnTo>
-                    <a:pt x="0" y="0"/>
-                  </a:lnTo>
-                  <a:lnTo>
-                    <a:pt x="0" y="0"/>
-                  </a:lnTo>
-                </a:path>
-              </a:pathLst>
-            </a:custGeom>
-            <a:ln w="13550" cap="flat">
-              <a:solidFill>
-                <a:srgbClr val="EBEBEB">
-                  <a:alpha val="100000"/>
-                </a:srgbClr>
-              </a:solidFill>
-              <a:prstDash val="solid"/>
-              <a:round/>
-            </a:ln>
-          </p:spPr>
-          <p:txBody>
-            <a:bodyPr/>
-            <a:lstStyle/>
-            <a:p/>
-          </p:txBody>
-        </p:sp>
-        <p:sp>
-          <p:nvSpPr>
-            <p:cNvPr id="70" name="pl70"/>
-            <p:cNvSpPr/>
-            <p:nvPr/>
-          </p:nvSpPr>
-          <p:spPr>
-            <a:xfrm>
-              <a:off x="6111560" y="1809173"/>
-              <a:ext cx="0" cy="3245468"/>
-            </a:xfrm>
-            <a:custGeom>
-              <a:avLst/>
-              <a:pathLst>
-                <a:path w="0" h="3245468">
-                  <a:moveTo>
-                    <a:pt x="0" y="3245468"/>
-                  </a:moveTo>
-                  <a:lnTo>
-                    <a:pt x="0" y="0"/>
-                  </a:lnTo>
-                  <a:lnTo>
-                    <a:pt x="0" y="0"/>
-                  </a:lnTo>
-                </a:path>
-              </a:pathLst>
-            </a:custGeom>
-            <a:ln w="13550" cap="flat">
-              <a:solidFill>
-                <a:srgbClr val="EBEBEB">
-                  <a:alpha val="100000"/>
-                </a:srgbClr>
-              </a:solidFill>
-              <a:prstDash val="solid"/>
-              <a:round/>
-            </a:ln>
-          </p:spPr>
-          <p:txBody>
-            <a:bodyPr/>
-            <a:lstStyle/>
-            <a:p/>
-          </p:txBody>
-        </p:sp>
-        <p:sp>
-          <p:nvSpPr>
-            <p:cNvPr id="71" name="rc71"/>
-            <p:cNvSpPr/>
-            <p:nvPr/>
-          </p:nvSpPr>
-          <p:spPr>
-            <a:xfrm>
-              <a:off x="5092325" y="4879546"/>
-              <a:ext cx="142218" cy="27574"/>
+            <p:cNvPr id="69" name="rc69"/>
+            <p:cNvSpPr/>
+            <p:nvPr/>
+          </p:nvSpPr>
+          <p:spPr>
+            <a:xfrm>
+              <a:off x="4899731" y="4802680"/>
+              <a:ext cx="163560" cy="104439"/>
             </a:xfrm>
             <a:prstGeom prst="rect">
               <a:avLst/>
             </a:prstGeom>
             <a:solidFill>
-              <a:srgbClr val="FEE0D2">
+              <a:srgbClr val="FEE5D9">
                 <a:alpha val="100000"/>
               </a:srgbClr>
             </a:solidFill>
@@ -5701,14 +5649,14 @@
         </p:sp>
         <p:sp>
           <p:nvSpPr>
-            <p:cNvPr id="72" name="rc72"/>
-            <p:cNvSpPr/>
-            <p:nvPr/>
-          </p:nvSpPr>
-          <p:spPr>
-            <a:xfrm>
-              <a:off x="5250346" y="4897928"/>
-              <a:ext cx="142218" cy="9191"/>
+            <p:cNvPr id="70" name="rc70"/>
+            <p:cNvSpPr/>
+            <p:nvPr/>
+          </p:nvSpPr>
+          <p:spPr>
+            <a:xfrm>
+              <a:off x="5081464" y="4724350"/>
+              <a:ext cx="163560" cy="182769"/>
             </a:xfrm>
             <a:prstGeom prst="rect">
               <a:avLst/>
@@ -5727,14 +5675,14 @@
         </p:sp>
         <p:sp>
           <p:nvSpPr>
-            <p:cNvPr id="73" name="rc73"/>
-            <p:cNvSpPr/>
-            <p:nvPr/>
-          </p:nvSpPr>
-          <p:spPr>
-            <a:xfrm>
-              <a:off x="5408367" y="4760058"/>
-              <a:ext cx="142218" cy="147061"/>
+            <p:cNvPr id="71" name="rc71"/>
+            <p:cNvSpPr/>
+            <p:nvPr/>
+          </p:nvSpPr>
+          <p:spPr>
+            <a:xfrm>
+              <a:off x="5263198" y="4593800"/>
+              <a:ext cx="163560" cy="313319"/>
             </a:xfrm>
             <a:prstGeom prst="rect">
               <a:avLst/>
@@ -5753,14 +5701,14 @@
         </p:sp>
         <p:sp>
           <p:nvSpPr>
-            <p:cNvPr id="74" name="rc74"/>
-            <p:cNvSpPr/>
-            <p:nvPr/>
-          </p:nvSpPr>
-          <p:spPr>
-            <a:xfrm>
-              <a:off x="5566388" y="4888737"/>
-              <a:ext cx="142218" cy="18382"/>
+            <p:cNvPr id="72" name="rc72"/>
+            <p:cNvSpPr/>
+            <p:nvPr/>
+          </p:nvSpPr>
+          <p:spPr>
+            <a:xfrm>
+              <a:off x="5444931" y="4149931"/>
+              <a:ext cx="163560" cy="757188"/>
             </a:xfrm>
             <a:prstGeom prst="rect">
               <a:avLst/>
@@ -5779,14 +5727,14 @@
         </p:sp>
         <p:sp>
           <p:nvSpPr>
-            <p:cNvPr id="75" name="rc75"/>
-            <p:cNvSpPr/>
-            <p:nvPr/>
-          </p:nvSpPr>
-          <p:spPr>
-            <a:xfrm>
-              <a:off x="5724408" y="4815206"/>
-              <a:ext cx="142218" cy="91913"/>
+            <p:cNvPr id="73" name="rc73"/>
+            <p:cNvSpPr/>
+            <p:nvPr/>
+          </p:nvSpPr>
+          <p:spPr>
+            <a:xfrm>
+              <a:off x="5626665" y="4646020"/>
+              <a:ext cx="163560" cy="261099"/>
             </a:xfrm>
             <a:prstGeom prst="rect">
               <a:avLst/>
@@ -5805,14 +5753,14 @@
         </p:sp>
         <p:sp>
           <p:nvSpPr>
-            <p:cNvPr id="76" name="rc76"/>
-            <p:cNvSpPr/>
-            <p:nvPr/>
-          </p:nvSpPr>
-          <p:spPr>
-            <a:xfrm>
-              <a:off x="5882429" y="4888737"/>
-              <a:ext cx="142218" cy="18382"/>
+            <p:cNvPr id="74" name="rc74"/>
+            <p:cNvSpPr/>
+            <p:nvPr/>
+          </p:nvSpPr>
+          <p:spPr>
+            <a:xfrm>
+              <a:off x="5808398" y="4437140"/>
+              <a:ext cx="163560" cy="469979"/>
             </a:xfrm>
             <a:prstGeom prst="rect">
               <a:avLst/>
@@ -5831,14 +5779,14 @@
         </p:sp>
         <p:sp>
           <p:nvSpPr>
-            <p:cNvPr id="77" name="rc77"/>
-            <p:cNvSpPr/>
-            <p:nvPr/>
-          </p:nvSpPr>
-          <p:spPr>
-            <a:xfrm>
-              <a:off x="6040450" y="4429169"/>
-              <a:ext cx="142218" cy="477950"/>
+            <p:cNvPr id="75" name="rc75"/>
+            <p:cNvSpPr/>
+            <p:nvPr/>
+          </p:nvSpPr>
+          <p:spPr>
+            <a:xfrm>
+              <a:off x="5990132" y="4750460"/>
+              <a:ext cx="163560" cy="156659"/>
             </a:xfrm>
             <a:prstGeom prst="rect">
               <a:avLst/>
@@ -5857,14 +5805,14 @@
         </p:sp>
         <p:sp>
           <p:nvSpPr>
-            <p:cNvPr id="78" name="rc78"/>
-            <p:cNvSpPr/>
-            <p:nvPr/>
-          </p:nvSpPr>
-          <p:spPr>
-            <a:xfrm>
-              <a:off x="4910601" y="1809173"/>
-              <a:ext cx="1295770" cy="3245468"/>
+            <p:cNvPr id="76" name="rc76"/>
+            <p:cNvSpPr/>
+            <p:nvPr/>
+          </p:nvSpPr>
+          <p:spPr>
+            <a:xfrm>
+              <a:off x="4872471" y="1809173"/>
+              <a:ext cx="1308481" cy="3245468"/>
             </a:xfrm>
             <a:prstGeom prst="rect">
               <a:avLst/>
@@ -5887,14 +5835,14 @@
         </p:sp>
         <p:sp>
           <p:nvSpPr>
-            <p:cNvPr id="79" name="rc79"/>
-            <p:cNvSpPr/>
-            <p:nvPr/>
-          </p:nvSpPr>
-          <p:spPr>
-            <a:xfrm>
-              <a:off x="6275961" y="1809173"/>
-              <a:ext cx="1295770" cy="3245468"/>
+            <p:cNvPr id="77" name="rc77"/>
+            <p:cNvSpPr/>
+            <p:nvPr/>
+          </p:nvSpPr>
+          <p:spPr>
+            <a:xfrm>
+              <a:off x="6250541" y="1809173"/>
+              <a:ext cx="1308481" cy="3245468"/>
             </a:xfrm>
             <a:prstGeom prst="rect">
               <a:avLst/>
@@ -5913,27 +5861,113 @@
         </p:sp>
         <p:sp>
           <p:nvSpPr>
+            <p:cNvPr id="78" name="pl78"/>
+            <p:cNvSpPr/>
+            <p:nvPr/>
+          </p:nvSpPr>
+          <p:spPr>
+            <a:xfrm>
+              <a:off x="6250541" y="4515470"/>
+              <a:ext cx="1308481" cy="0"/>
+            </a:xfrm>
+            <a:custGeom>
+              <a:avLst/>
+              <a:pathLst>
+                <a:path w="1308481" h="0">
+                  <a:moveTo>
+                    <a:pt x="0" y="0"/>
+                  </a:moveTo>
+                  <a:lnTo>
+                    <a:pt x="1308481" y="0"/>
+                  </a:lnTo>
+                  <a:lnTo>
+                    <a:pt x="1308481" y="0"/>
+                  </a:lnTo>
+                </a:path>
+              </a:pathLst>
+            </a:custGeom>
+            <a:ln w="6775" cap="flat">
+              <a:solidFill>
+                <a:srgbClr val="EBEBEB">
+                  <a:alpha val="100000"/>
+                </a:srgbClr>
+              </a:solidFill>
+              <a:prstDash val="solid"/>
+              <a:round/>
+            </a:ln>
+          </p:spPr>
+          <p:txBody>
+            <a:bodyPr/>
+            <a:lstStyle/>
+            <a:p/>
+          </p:txBody>
+        </p:sp>
+        <p:sp>
+          <p:nvSpPr>
+            <p:cNvPr id="79" name="pl79"/>
+            <p:cNvSpPr/>
+            <p:nvPr/>
+          </p:nvSpPr>
+          <p:spPr>
+            <a:xfrm>
+              <a:off x="6250541" y="3732171"/>
+              <a:ext cx="1308481" cy="0"/>
+            </a:xfrm>
+            <a:custGeom>
+              <a:avLst/>
+              <a:pathLst>
+                <a:path w="1308481" h="0">
+                  <a:moveTo>
+                    <a:pt x="0" y="0"/>
+                  </a:moveTo>
+                  <a:lnTo>
+                    <a:pt x="1308481" y="0"/>
+                  </a:lnTo>
+                  <a:lnTo>
+                    <a:pt x="1308481" y="0"/>
+                  </a:lnTo>
+                </a:path>
+              </a:pathLst>
+            </a:custGeom>
+            <a:ln w="6775" cap="flat">
+              <a:solidFill>
+                <a:srgbClr val="EBEBEB">
+                  <a:alpha val="100000"/>
+                </a:srgbClr>
+              </a:solidFill>
+              <a:prstDash val="solid"/>
+              <a:round/>
+            </a:ln>
+          </p:spPr>
+          <p:txBody>
+            <a:bodyPr/>
+            <a:lstStyle/>
+            <a:p/>
+          </p:txBody>
+        </p:sp>
+        <p:sp>
+          <p:nvSpPr>
             <p:cNvPr id="80" name="pl80"/>
             <p:cNvSpPr/>
             <p:nvPr/>
           </p:nvSpPr>
           <p:spPr>
             <a:xfrm>
-              <a:off x="6275961" y="4447552"/>
-              <a:ext cx="1295770" cy="0"/>
-            </a:xfrm>
-            <a:custGeom>
-              <a:avLst/>
-              <a:pathLst>
-                <a:path w="1295770" h="0">
-                  <a:moveTo>
-                    <a:pt x="0" y="0"/>
-                  </a:moveTo>
-                  <a:lnTo>
-                    <a:pt x="1295770" y="0"/>
-                  </a:lnTo>
-                  <a:lnTo>
-                    <a:pt x="1295770" y="0"/>
+              <a:off x="6250541" y="2948872"/>
+              <a:ext cx="1308481" cy="0"/>
+            </a:xfrm>
+            <a:custGeom>
+              <a:avLst/>
+              <a:pathLst>
+                <a:path w="1308481" h="0">
+                  <a:moveTo>
+                    <a:pt x="0" y="0"/>
+                  </a:moveTo>
+                  <a:lnTo>
+                    <a:pt x="1308481" y="0"/>
+                  </a:lnTo>
+                  <a:lnTo>
+                    <a:pt x="1308481" y="0"/>
                   </a:lnTo>
                 </a:path>
               </a:pathLst>
@@ -5962,21 +5996,21 @@
           </p:nvSpPr>
           <p:spPr>
             <a:xfrm>
-              <a:off x="6275961" y="3528416"/>
-              <a:ext cx="1295770" cy="0"/>
-            </a:xfrm>
-            <a:custGeom>
-              <a:avLst/>
-              <a:pathLst>
-                <a:path w="1295770" h="0">
-                  <a:moveTo>
-                    <a:pt x="0" y="0"/>
-                  </a:moveTo>
-                  <a:lnTo>
-                    <a:pt x="1295770" y="0"/>
-                  </a:lnTo>
-                  <a:lnTo>
-                    <a:pt x="1295770" y="0"/>
+              <a:off x="6250541" y="2165574"/>
+              <a:ext cx="1308481" cy="0"/>
+            </a:xfrm>
+            <a:custGeom>
+              <a:avLst/>
+              <a:pathLst>
+                <a:path w="1308481" h="0">
+                  <a:moveTo>
+                    <a:pt x="0" y="0"/>
+                  </a:moveTo>
+                  <a:lnTo>
+                    <a:pt x="1308481" y="0"/>
+                  </a:lnTo>
+                  <a:lnTo>
+                    <a:pt x="1308481" y="0"/>
                   </a:lnTo>
                 </a:path>
               </a:pathLst>
@@ -6005,26 +6039,26 @@
           </p:nvSpPr>
           <p:spPr>
             <a:xfrm>
-              <a:off x="6275961" y="2609280"/>
-              <a:ext cx="1295770" cy="0"/>
-            </a:xfrm>
-            <a:custGeom>
-              <a:avLst/>
-              <a:pathLst>
-                <a:path w="1295770" h="0">
-                  <a:moveTo>
-                    <a:pt x="0" y="0"/>
-                  </a:moveTo>
-                  <a:lnTo>
-                    <a:pt x="1295770" y="0"/>
-                  </a:lnTo>
-                  <a:lnTo>
-                    <a:pt x="1295770" y="0"/>
-                  </a:lnTo>
-                </a:path>
-              </a:pathLst>
-            </a:custGeom>
-            <a:ln w="6775" cap="flat">
+              <a:off x="6250541" y="4907120"/>
+              <a:ext cx="1308481" cy="0"/>
+            </a:xfrm>
+            <a:custGeom>
+              <a:avLst/>
+              <a:pathLst>
+                <a:path w="1308481" h="0">
+                  <a:moveTo>
+                    <a:pt x="0" y="0"/>
+                  </a:moveTo>
+                  <a:lnTo>
+                    <a:pt x="1308481" y="0"/>
+                  </a:lnTo>
+                  <a:lnTo>
+                    <a:pt x="1308481" y="0"/>
+                  </a:lnTo>
+                </a:path>
+              </a:pathLst>
+            </a:custGeom>
+            <a:ln w="13550" cap="flat">
               <a:solidFill>
                 <a:srgbClr val="EBEBEB">
                   <a:alpha val="100000"/>
@@ -6048,21 +6082,21 @@
           </p:nvSpPr>
           <p:spPr>
             <a:xfrm>
-              <a:off x="6275961" y="4907120"/>
-              <a:ext cx="1295770" cy="0"/>
-            </a:xfrm>
-            <a:custGeom>
-              <a:avLst/>
-              <a:pathLst>
-                <a:path w="1295770" h="0">
-                  <a:moveTo>
-                    <a:pt x="0" y="0"/>
-                  </a:moveTo>
-                  <a:lnTo>
-                    <a:pt x="1295770" y="0"/>
-                  </a:lnTo>
-                  <a:lnTo>
-                    <a:pt x="1295770" y="0"/>
+              <a:off x="6250541" y="4123821"/>
+              <a:ext cx="1308481" cy="0"/>
+            </a:xfrm>
+            <a:custGeom>
+              <a:avLst/>
+              <a:pathLst>
+                <a:path w="1308481" h="0">
+                  <a:moveTo>
+                    <a:pt x="0" y="0"/>
+                  </a:moveTo>
+                  <a:lnTo>
+                    <a:pt x="1308481" y="0"/>
+                  </a:lnTo>
+                  <a:lnTo>
+                    <a:pt x="1308481" y="0"/>
                   </a:lnTo>
                 </a:path>
               </a:pathLst>
@@ -6091,21 +6125,21 @@
           </p:nvSpPr>
           <p:spPr>
             <a:xfrm>
-              <a:off x="6275961" y="3987984"/>
-              <a:ext cx="1295770" cy="0"/>
-            </a:xfrm>
-            <a:custGeom>
-              <a:avLst/>
-              <a:pathLst>
-                <a:path w="1295770" h="0">
-                  <a:moveTo>
-                    <a:pt x="0" y="0"/>
-                  </a:moveTo>
-                  <a:lnTo>
-                    <a:pt x="1295770" y="0"/>
-                  </a:lnTo>
-                  <a:lnTo>
-                    <a:pt x="1295770" y="0"/>
+              <a:off x="6250541" y="3340522"/>
+              <a:ext cx="1308481" cy="0"/>
+            </a:xfrm>
+            <a:custGeom>
+              <a:avLst/>
+              <a:pathLst>
+                <a:path w="1308481" h="0">
+                  <a:moveTo>
+                    <a:pt x="0" y="0"/>
+                  </a:moveTo>
+                  <a:lnTo>
+                    <a:pt x="1308481" y="0"/>
+                  </a:lnTo>
+                  <a:lnTo>
+                    <a:pt x="1308481" y="0"/>
                   </a:lnTo>
                 </a:path>
               </a:pathLst>
@@ -6134,21 +6168,21 @@
           </p:nvSpPr>
           <p:spPr>
             <a:xfrm>
-              <a:off x="6275961" y="3068848"/>
-              <a:ext cx="1295770" cy="0"/>
-            </a:xfrm>
-            <a:custGeom>
-              <a:avLst/>
-              <a:pathLst>
-                <a:path w="1295770" h="0">
-                  <a:moveTo>
-                    <a:pt x="0" y="0"/>
-                  </a:moveTo>
-                  <a:lnTo>
-                    <a:pt x="1295770" y="0"/>
-                  </a:lnTo>
-                  <a:lnTo>
-                    <a:pt x="1295770" y="0"/>
+              <a:off x="6250541" y="2557223"/>
+              <a:ext cx="1308481" cy="0"/>
+            </a:xfrm>
+            <a:custGeom>
+              <a:avLst/>
+              <a:pathLst>
+                <a:path w="1308481" h="0">
+                  <a:moveTo>
+                    <a:pt x="0" y="0"/>
+                  </a:moveTo>
+                  <a:lnTo>
+                    <a:pt x="1308481" y="0"/>
+                  </a:lnTo>
+                  <a:lnTo>
+                    <a:pt x="1308481" y="0"/>
                   </a:lnTo>
                 </a:path>
               </a:pathLst>
@@ -6177,21 +6211,21 @@
           </p:nvSpPr>
           <p:spPr>
             <a:xfrm>
-              <a:off x="6275961" y="2149712"/>
-              <a:ext cx="1295770" cy="0"/>
-            </a:xfrm>
-            <a:custGeom>
-              <a:avLst/>
-              <a:pathLst>
-                <a:path w="1295770" h="0">
-                  <a:moveTo>
-                    <a:pt x="0" y="0"/>
-                  </a:moveTo>
-                  <a:lnTo>
-                    <a:pt x="1295770" y="0"/>
-                  </a:lnTo>
-                  <a:lnTo>
-                    <a:pt x="1295770" y="0"/>
+              <a:off x="6359581" y="1809173"/>
+              <a:ext cx="0" cy="3245468"/>
+            </a:xfrm>
+            <a:custGeom>
+              <a:avLst/>
+              <a:pathLst>
+                <a:path w="0" h="3245468">
+                  <a:moveTo>
+                    <a:pt x="0" y="3245468"/>
+                  </a:moveTo>
+                  <a:lnTo>
+                    <a:pt x="0" y="0"/>
+                  </a:lnTo>
+                  <a:lnTo>
+                    <a:pt x="0" y="0"/>
                   </a:lnTo>
                 </a:path>
               </a:pathLst>
@@ -6220,7 +6254,7 @@
           </p:nvSpPr>
           <p:spPr>
             <a:xfrm>
-              <a:off x="6370774" y="1809173"/>
+              <a:off x="6541314" y="1809173"/>
               <a:ext cx="0" cy="3245468"/>
             </a:xfrm>
             <a:custGeom>
@@ -6263,7 +6297,7 @@
           </p:nvSpPr>
           <p:spPr>
             <a:xfrm>
-              <a:off x="6528794" y="1809173"/>
+              <a:off x="6723048" y="1809173"/>
               <a:ext cx="0" cy="3245468"/>
             </a:xfrm>
             <a:custGeom>
@@ -6306,7 +6340,7 @@
           </p:nvSpPr>
           <p:spPr>
             <a:xfrm>
-              <a:off x="6686815" y="1809173"/>
+              <a:off x="6904781" y="1809173"/>
               <a:ext cx="0" cy="3245468"/>
             </a:xfrm>
             <a:custGeom>
@@ -6349,7 +6383,7 @@
           </p:nvSpPr>
           <p:spPr>
             <a:xfrm>
-              <a:off x="6844836" y="1809173"/>
+              <a:off x="7086515" y="1809173"/>
               <a:ext cx="0" cy="3245468"/>
             </a:xfrm>
             <a:custGeom>
@@ -6392,7 +6426,7 @@
           </p:nvSpPr>
           <p:spPr>
             <a:xfrm>
-              <a:off x="7002857" y="1809173"/>
+              <a:off x="7268248" y="1809173"/>
               <a:ext cx="0" cy="3245468"/>
             </a:xfrm>
             <a:custGeom>
@@ -6435,7 +6469,7 @@
           </p:nvSpPr>
           <p:spPr>
             <a:xfrm>
-              <a:off x="7160878" y="1809173"/>
+              <a:off x="7449982" y="1809173"/>
               <a:ext cx="0" cy="3245468"/>
             </a:xfrm>
             <a:custGeom>
@@ -6472,100 +6506,40 @@
         </p:sp>
         <p:sp>
           <p:nvSpPr>
-            <p:cNvPr id="93" name="pl93"/>
-            <p:cNvSpPr/>
-            <p:nvPr/>
-          </p:nvSpPr>
-          <p:spPr>
-            <a:xfrm>
-              <a:off x="7318899" y="1809173"/>
-              <a:ext cx="0" cy="3245468"/>
-            </a:xfrm>
-            <a:custGeom>
-              <a:avLst/>
-              <a:pathLst>
-                <a:path w="0" h="3245468">
-                  <a:moveTo>
-                    <a:pt x="0" y="3245468"/>
-                  </a:moveTo>
-                  <a:lnTo>
-                    <a:pt x="0" y="0"/>
-                  </a:lnTo>
-                  <a:lnTo>
-                    <a:pt x="0" y="0"/>
-                  </a:lnTo>
-                </a:path>
-              </a:pathLst>
-            </a:custGeom>
-            <a:ln w="13550" cap="flat">
-              <a:solidFill>
-                <a:srgbClr val="EBEBEB">
-                  <a:alpha val="100000"/>
-                </a:srgbClr>
-              </a:solidFill>
-              <a:prstDash val="solid"/>
-              <a:round/>
-            </a:ln>
-          </p:spPr>
-          <p:txBody>
-            <a:bodyPr/>
-            <a:lstStyle/>
-            <a:p/>
-          </p:txBody>
-        </p:sp>
-        <p:sp>
-          <p:nvSpPr>
-            <p:cNvPr id="94" name="pl94"/>
-            <p:cNvSpPr/>
-            <p:nvPr/>
-          </p:nvSpPr>
-          <p:spPr>
-            <a:xfrm>
-              <a:off x="7476919" y="1809173"/>
-              <a:ext cx="0" cy="3245468"/>
-            </a:xfrm>
-            <a:custGeom>
-              <a:avLst/>
-              <a:pathLst>
-                <a:path w="0" h="3245468">
-                  <a:moveTo>
-                    <a:pt x="0" y="3245468"/>
-                  </a:moveTo>
-                  <a:lnTo>
-                    <a:pt x="0" y="0"/>
-                  </a:lnTo>
-                  <a:lnTo>
-                    <a:pt x="0" y="0"/>
-                  </a:lnTo>
-                </a:path>
-              </a:pathLst>
-            </a:custGeom>
-            <a:ln w="13550" cap="flat">
-              <a:solidFill>
-                <a:srgbClr val="EBEBEB">
-                  <a:alpha val="100000"/>
-                </a:srgbClr>
-              </a:solidFill>
-              <a:prstDash val="solid"/>
-              <a:round/>
-            </a:ln>
-          </p:spPr>
-          <p:txBody>
-            <a:bodyPr/>
-            <a:lstStyle/>
-            <a:p/>
-          </p:txBody>
-        </p:sp>
-        <p:sp>
-          <p:nvSpPr>
-            <p:cNvPr id="95" name="rc95"/>
-            <p:cNvSpPr/>
-            <p:nvPr/>
-          </p:nvSpPr>
-          <p:spPr>
-            <a:xfrm>
-              <a:off x="6615706" y="4879546"/>
-              <a:ext cx="142218" cy="27574"/>
+            <p:cNvPr id="93" name="rc93"/>
+            <p:cNvSpPr/>
+            <p:nvPr/>
+          </p:nvSpPr>
+          <p:spPr>
+            <a:xfrm>
+              <a:off x="6277801" y="4698240"/>
+              <a:ext cx="163560" cy="208879"/>
+            </a:xfrm>
+            <a:prstGeom prst="rect">
+              <a:avLst/>
+            </a:prstGeom>
+            <a:solidFill>
+              <a:srgbClr val="FEE5D9">
+                <a:alpha val="100000"/>
+              </a:srgbClr>
+            </a:solidFill>
+          </p:spPr>
+          <p:txBody>
+            <a:bodyPr/>
+            <a:lstStyle/>
+            <a:p/>
+          </p:txBody>
+        </p:sp>
+        <p:sp>
+          <p:nvSpPr>
+            <p:cNvPr id="94" name="rc94"/>
+            <p:cNvSpPr/>
+            <p:nvPr/>
+          </p:nvSpPr>
+          <p:spPr>
+            <a:xfrm>
+              <a:off x="6459534" y="4802680"/>
+              <a:ext cx="163560" cy="104439"/>
             </a:xfrm>
             <a:prstGeom prst="rect">
               <a:avLst/>
@@ -6584,14 +6558,14 @@
         </p:sp>
         <p:sp>
           <p:nvSpPr>
-            <p:cNvPr id="96" name="rc96"/>
-            <p:cNvSpPr/>
-            <p:nvPr/>
-          </p:nvSpPr>
-          <p:spPr>
-            <a:xfrm>
-              <a:off x="6773727" y="4824397"/>
-              <a:ext cx="142218" cy="82722"/>
+            <p:cNvPr id="95" name="rc95"/>
+            <p:cNvSpPr/>
+            <p:nvPr/>
+          </p:nvSpPr>
+          <p:spPr>
+            <a:xfrm>
+              <a:off x="6641268" y="4619910"/>
+              <a:ext cx="163560" cy="287209"/>
             </a:xfrm>
             <a:prstGeom prst="rect">
               <a:avLst/>
@@ -6610,14 +6584,14 @@
         </p:sp>
         <p:sp>
           <p:nvSpPr>
-            <p:cNvPr id="97" name="rc97"/>
-            <p:cNvSpPr/>
-            <p:nvPr/>
-          </p:nvSpPr>
-          <p:spPr>
-            <a:xfrm>
-              <a:off x="6931748" y="4888737"/>
-              <a:ext cx="142218" cy="18382"/>
+            <p:cNvPr id="96" name="rc96"/>
+            <p:cNvSpPr/>
+            <p:nvPr/>
+          </p:nvSpPr>
+          <p:spPr>
+            <a:xfrm>
+              <a:off x="6823001" y="4384920"/>
+              <a:ext cx="163560" cy="522199"/>
             </a:xfrm>
             <a:prstGeom prst="rect">
               <a:avLst/>
@@ -6636,14 +6610,14 @@
         </p:sp>
         <p:sp>
           <p:nvSpPr>
-            <p:cNvPr id="98" name="rc98"/>
-            <p:cNvSpPr/>
-            <p:nvPr/>
-          </p:nvSpPr>
-          <p:spPr>
-            <a:xfrm>
-              <a:off x="7089768" y="4842780"/>
-              <a:ext cx="142218" cy="64339"/>
+            <p:cNvPr id="97" name="rc97"/>
+            <p:cNvSpPr/>
+            <p:nvPr/>
+          </p:nvSpPr>
+          <p:spPr>
+            <a:xfrm>
+              <a:off x="7004735" y="4646020"/>
+              <a:ext cx="163560" cy="261099"/>
             </a:xfrm>
             <a:prstGeom prst="rect">
               <a:avLst/>
@@ -6662,14 +6636,14 @@
         </p:sp>
         <p:sp>
           <p:nvSpPr>
-            <p:cNvPr id="99" name="rc99"/>
-            <p:cNvSpPr/>
-            <p:nvPr/>
-          </p:nvSpPr>
-          <p:spPr>
-            <a:xfrm>
-              <a:off x="7247789" y="4888737"/>
-              <a:ext cx="142218" cy="18382"/>
+            <p:cNvPr id="98" name="rc98"/>
+            <p:cNvSpPr/>
+            <p:nvPr/>
+          </p:nvSpPr>
+          <p:spPr>
+            <a:xfrm>
+              <a:off x="7186468" y="4567690"/>
+              <a:ext cx="163560" cy="339429"/>
             </a:xfrm>
             <a:prstGeom prst="rect">
               <a:avLst/>
@@ -6688,14 +6662,14 @@
         </p:sp>
         <p:sp>
           <p:nvSpPr>
-            <p:cNvPr id="100" name="rc100"/>
-            <p:cNvSpPr/>
-            <p:nvPr/>
-          </p:nvSpPr>
-          <p:spPr>
-            <a:xfrm>
-              <a:off x="7405810" y="4475126"/>
-              <a:ext cx="142218" cy="431993"/>
+            <p:cNvPr id="99" name="rc99"/>
+            <p:cNvSpPr/>
+            <p:nvPr/>
+          </p:nvSpPr>
+          <p:spPr>
+            <a:xfrm>
+              <a:off x="7368202" y="4802680"/>
+              <a:ext cx="163560" cy="104439"/>
             </a:xfrm>
             <a:prstGeom prst="rect">
               <a:avLst/>
@@ -6714,14 +6688,14 @@
         </p:sp>
         <p:sp>
           <p:nvSpPr>
-            <p:cNvPr id="101" name="rc101"/>
-            <p:cNvSpPr/>
-            <p:nvPr/>
-          </p:nvSpPr>
-          <p:spPr>
-            <a:xfrm>
-              <a:off x="6275961" y="1809173"/>
-              <a:ext cx="1295770" cy="3245468"/>
+            <p:cNvPr id="100" name="rc100"/>
+            <p:cNvSpPr/>
+            <p:nvPr/>
+          </p:nvSpPr>
+          <p:spPr>
+            <a:xfrm>
+              <a:off x="6250541" y="1809173"/>
+              <a:ext cx="1308481" cy="3245468"/>
             </a:xfrm>
             <a:prstGeom prst="rect">
               <a:avLst/>
@@ -6744,14 +6718,14 @@
         </p:sp>
         <p:sp>
           <p:nvSpPr>
-            <p:cNvPr id="102" name="rc102"/>
-            <p:cNvSpPr/>
-            <p:nvPr/>
-          </p:nvSpPr>
-          <p:spPr>
-            <a:xfrm>
-              <a:off x="7641321" y="1809173"/>
-              <a:ext cx="1295770" cy="3245468"/>
+            <p:cNvPr id="101" name="rc101"/>
+            <p:cNvSpPr/>
+            <p:nvPr/>
+          </p:nvSpPr>
+          <p:spPr>
+            <a:xfrm>
+              <a:off x="7628611" y="1809173"/>
+              <a:ext cx="1308481" cy="3245468"/>
             </a:xfrm>
             <a:prstGeom prst="rect">
               <a:avLst/>
@@ -6770,27 +6744,70 @@
         </p:sp>
         <p:sp>
           <p:nvSpPr>
+            <p:cNvPr id="102" name="pl102"/>
+            <p:cNvSpPr/>
+            <p:nvPr/>
+          </p:nvSpPr>
+          <p:spPr>
+            <a:xfrm>
+              <a:off x="7628611" y="4515470"/>
+              <a:ext cx="1308481" cy="0"/>
+            </a:xfrm>
+            <a:custGeom>
+              <a:avLst/>
+              <a:pathLst>
+                <a:path w="1308481" h="0">
+                  <a:moveTo>
+                    <a:pt x="0" y="0"/>
+                  </a:moveTo>
+                  <a:lnTo>
+                    <a:pt x="1308481" y="0"/>
+                  </a:lnTo>
+                  <a:lnTo>
+                    <a:pt x="1308481" y="0"/>
+                  </a:lnTo>
+                </a:path>
+              </a:pathLst>
+            </a:custGeom>
+            <a:ln w="6775" cap="flat">
+              <a:solidFill>
+                <a:srgbClr val="EBEBEB">
+                  <a:alpha val="100000"/>
+                </a:srgbClr>
+              </a:solidFill>
+              <a:prstDash val="solid"/>
+              <a:round/>
+            </a:ln>
+          </p:spPr>
+          <p:txBody>
+            <a:bodyPr/>
+            <a:lstStyle/>
+            <a:p/>
+          </p:txBody>
+        </p:sp>
+        <p:sp>
+          <p:nvSpPr>
             <p:cNvPr id="103" name="pl103"/>
             <p:cNvSpPr/>
             <p:nvPr/>
           </p:nvSpPr>
           <p:spPr>
             <a:xfrm>
-              <a:off x="7641321" y="4447552"/>
-              <a:ext cx="1295770" cy="0"/>
-            </a:xfrm>
-            <a:custGeom>
-              <a:avLst/>
-              <a:pathLst>
-                <a:path w="1295770" h="0">
-                  <a:moveTo>
-                    <a:pt x="0" y="0"/>
-                  </a:moveTo>
-                  <a:lnTo>
-                    <a:pt x="1295770" y="0"/>
-                  </a:lnTo>
-                  <a:lnTo>
-                    <a:pt x="1295770" y="0"/>
+              <a:off x="7628611" y="3732171"/>
+              <a:ext cx="1308481" cy="0"/>
+            </a:xfrm>
+            <a:custGeom>
+              <a:avLst/>
+              <a:pathLst>
+                <a:path w="1308481" h="0">
+                  <a:moveTo>
+                    <a:pt x="0" y="0"/>
+                  </a:moveTo>
+                  <a:lnTo>
+                    <a:pt x="1308481" y="0"/>
+                  </a:lnTo>
+                  <a:lnTo>
+                    <a:pt x="1308481" y="0"/>
                   </a:lnTo>
                 </a:path>
               </a:pathLst>
@@ -6819,21 +6836,21 @@
           </p:nvSpPr>
           <p:spPr>
             <a:xfrm>
-              <a:off x="7641321" y="3528416"/>
-              <a:ext cx="1295770" cy="0"/>
-            </a:xfrm>
-            <a:custGeom>
-              <a:avLst/>
-              <a:pathLst>
-                <a:path w="1295770" h="0">
-                  <a:moveTo>
-                    <a:pt x="0" y="0"/>
-                  </a:moveTo>
-                  <a:lnTo>
-                    <a:pt x="1295770" y="0"/>
-                  </a:lnTo>
-                  <a:lnTo>
-                    <a:pt x="1295770" y="0"/>
+              <a:off x="7628611" y="2948872"/>
+              <a:ext cx="1308481" cy="0"/>
+            </a:xfrm>
+            <a:custGeom>
+              <a:avLst/>
+              <a:pathLst>
+                <a:path w="1308481" h="0">
+                  <a:moveTo>
+                    <a:pt x="0" y="0"/>
+                  </a:moveTo>
+                  <a:lnTo>
+                    <a:pt x="1308481" y="0"/>
+                  </a:lnTo>
+                  <a:lnTo>
+                    <a:pt x="1308481" y="0"/>
                   </a:lnTo>
                 </a:path>
               </a:pathLst>
@@ -6862,21 +6879,21 @@
           </p:nvSpPr>
           <p:spPr>
             <a:xfrm>
-              <a:off x="7641321" y="2609280"/>
-              <a:ext cx="1295770" cy="0"/>
-            </a:xfrm>
-            <a:custGeom>
-              <a:avLst/>
-              <a:pathLst>
-                <a:path w="1295770" h="0">
-                  <a:moveTo>
-                    <a:pt x="0" y="0"/>
-                  </a:moveTo>
-                  <a:lnTo>
-                    <a:pt x="1295770" y="0"/>
-                  </a:lnTo>
-                  <a:lnTo>
-                    <a:pt x="1295770" y="0"/>
+              <a:off x="7628611" y="2165574"/>
+              <a:ext cx="1308481" cy="0"/>
+            </a:xfrm>
+            <a:custGeom>
+              <a:avLst/>
+              <a:pathLst>
+                <a:path w="1308481" h="0">
+                  <a:moveTo>
+                    <a:pt x="0" y="0"/>
+                  </a:moveTo>
+                  <a:lnTo>
+                    <a:pt x="1308481" y="0"/>
+                  </a:lnTo>
+                  <a:lnTo>
+                    <a:pt x="1308481" y="0"/>
                   </a:lnTo>
                 </a:path>
               </a:pathLst>
@@ -6905,21 +6922,21 @@
           </p:nvSpPr>
           <p:spPr>
             <a:xfrm>
-              <a:off x="7641321" y="4907120"/>
-              <a:ext cx="1295770" cy="0"/>
-            </a:xfrm>
-            <a:custGeom>
-              <a:avLst/>
-              <a:pathLst>
-                <a:path w="1295770" h="0">
-                  <a:moveTo>
-                    <a:pt x="0" y="0"/>
-                  </a:moveTo>
-                  <a:lnTo>
-                    <a:pt x="1295770" y="0"/>
-                  </a:lnTo>
-                  <a:lnTo>
-                    <a:pt x="1295770" y="0"/>
+              <a:off x="7628611" y="4907120"/>
+              <a:ext cx="1308481" cy="0"/>
+            </a:xfrm>
+            <a:custGeom>
+              <a:avLst/>
+              <a:pathLst>
+                <a:path w="1308481" h="0">
+                  <a:moveTo>
+                    <a:pt x="0" y="0"/>
+                  </a:moveTo>
+                  <a:lnTo>
+                    <a:pt x="1308481" y="0"/>
+                  </a:lnTo>
+                  <a:lnTo>
+                    <a:pt x="1308481" y="0"/>
                   </a:lnTo>
                 </a:path>
               </a:pathLst>
@@ -6948,21 +6965,21 @@
           </p:nvSpPr>
           <p:spPr>
             <a:xfrm>
-              <a:off x="7641321" y="3987984"/>
-              <a:ext cx="1295770" cy="0"/>
-            </a:xfrm>
-            <a:custGeom>
-              <a:avLst/>
-              <a:pathLst>
-                <a:path w="1295770" h="0">
-                  <a:moveTo>
-                    <a:pt x="0" y="0"/>
-                  </a:moveTo>
-                  <a:lnTo>
-                    <a:pt x="1295770" y="0"/>
-                  </a:lnTo>
-                  <a:lnTo>
-                    <a:pt x="1295770" y="0"/>
+              <a:off x="7628611" y="4123821"/>
+              <a:ext cx="1308481" cy="0"/>
+            </a:xfrm>
+            <a:custGeom>
+              <a:avLst/>
+              <a:pathLst>
+                <a:path w="1308481" h="0">
+                  <a:moveTo>
+                    <a:pt x="0" y="0"/>
+                  </a:moveTo>
+                  <a:lnTo>
+                    <a:pt x="1308481" y="0"/>
+                  </a:lnTo>
+                  <a:lnTo>
+                    <a:pt x="1308481" y="0"/>
                   </a:lnTo>
                 </a:path>
               </a:pathLst>
@@ -6991,21 +7008,21 @@
           </p:nvSpPr>
           <p:spPr>
             <a:xfrm>
-              <a:off x="7641321" y="3068848"/>
-              <a:ext cx="1295770" cy="0"/>
-            </a:xfrm>
-            <a:custGeom>
-              <a:avLst/>
-              <a:pathLst>
-                <a:path w="1295770" h="0">
-                  <a:moveTo>
-                    <a:pt x="0" y="0"/>
-                  </a:moveTo>
-                  <a:lnTo>
-                    <a:pt x="1295770" y="0"/>
-                  </a:lnTo>
-                  <a:lnTo>
-                    <a:pt x="1295770" y="0"/>
+              <a:off x="7628611" y="3340522"/>
+              <a:ext cx="1308481" cy="0"/>
+            </a:xfrm>
+            <a:custGeom>
+              <a:avLst/>
+              <a:pathLst>
+                <a:path w="1308481" h="0">
+                  <a:moveTo>
+                    <a:pt x="0" y="0"/>
+                  </a:moveTo>
+                  <a:lnTo>
+                    <a:pt x="1308481" y="0"/>
+                  </a:lnTo>
+                  <a:lnTo>
+                    <a:pt x="1308481" y="0"/>
                   </a:lnTo>
                 </a:path>
               </a:pathLst>
@@ -7034,21 +7051,21 @@
           </p:nvSpPr>
           <p:spPr>
             <a:xfrm>
-              <a:off x="7641321" y="2149712"/>
-              <a:ext cx="1295770" cy="0"/>
-            </a:xfrm>
-            <a:custGeom>
-              <a:avLst/>
-              <a:pathLst>
-                <a:path w="1295770" h="0">
-                  <a:moveTo>
-                    <a:pt x="0" y="0"/>
-                  </a:moveTo>
-                  <a:lnTo>
-                    <a:pt x="1295770" y="0"/>
-                  </a:lnTo>
-                  <a:lnTo>
-                    <a:pt x="1295770" y="0"/>
+              <a:off x="7628611" y="2557223"/>
+              <a:ext cx="1308481" cy="0"/>
+            </a:xfrm>
+            <a:custGeom>
+              <a:avLst/>
+              <a:pathLst>
+                <a:path w="1308481" h="0">
+                  <a:moveTo>
+                    <a:pt x="0" y="0"/>
+                  </a:moveTo>
+                  <a:lnTo>
+                    <a:pt x="1308481" y="0"/>
+                  </a:lnTo>
+                  <a:lnTo>
+                    <a:pt x="1308481" y="0"/>
                   </a:lnTo>
                 </a:path>
               </a:pathLst>
@@ -7077,7 +7094,7 @@
           </p:nvSpPr>
           <p:spPr>
             <a:xfrm>
-              <a:off x="7736134" y="1809173"/>
+              <a:off x="7737651" y="1809173"/>
               <a:ext cx="0" cy="3245468"/>
             </a:xfrm>
             <a:custGeom>
@@ -7120,7 +7137,7 @@
           </p:nvSpPr>
           <p:spPr>
             <a:xfrm>
-              <a:off x="7894154" y="1809173"/>
+              <a:off x="7919384" y="1809173"/>
               <a:ext cx="0" cy="3245468"/>
             </a:xfrm>
             <a:custGeom>
@@ -7163,7 +7180,7 @@
           </p:nvSpPr>
           <p:spPr>
             <a:xfrm>
-              <a:off x="8052175" y="1809173"/>
+              <a:off x="8101118" y="1809173"/>
               <a:ext cx="0" cy="3245468"/>
             </a:xfrm>
             <a:custGeom>
@@ -7206,7 +7223,7 @@
           </p:nvSpPr>
           <p:spPr>
             <a:xfrm>
-              <a:off x="8210196" y="1809173"/>
+              <a:off x="8282851" y="1809173"/>
               <a:ext cx="0" cy="3245468"/>
             </a:xfrm>
             <a:custGeom>
@@ -7249,7 +7266,7 @@
           </p:nvSpPr>
           <p:spPr>
             <a:xfrm>
-              <a:off x="8368217" y="1809173"/>
+              <a:off x="8464585" y="1809173"/>
               <a:ext cx="0" cy="3245468"/>
             </a:xfrm>
             <a:custGeom>
@@ -7292,7 +7309,7 @@
           </p:nvSpPr>
           <p:spPr>
             <a:xfrm>
-              <a:off x="8526238" y="1809173"/>
+              <a:off x="8646318" y="1809173"/>
               <a:ext cx="0" cy="3245468"/>
             </a:xfrm>
             <a:custGeom>
@@ -7335,7 +7352,7 @@
           </p:nvSpPr>
           <p:spPr>
             <a:xfrm>
-              <a:off x="8684259" y="1809173"/>
+              <a:off x="8828052" y="1809173"/>
               <a:ext cx="0" cy="3245468"/>
             </a:xfrm>
             <a:custGeom>
@@ -7372,63 +7389,20 @@
         </p:sp>
         <p:sp>
           <p:nvSpPr>
-            <p:cNvPr id="117" name="pl117"/>
-            <p:cNvSpPr/>
-            <p:nvPr/>
-          </p:nvSpPr>
-          <p:spPr>
-            <a:xfrm>
-              <a:off x="8842279" y="1809173"/>
-              <a:ext cx="0" cy="3245468"/>
-            </a:xfrm>
-            <a:custGeom>
-              <a:avLst/>
-              <a:pathLst>
-                <a:path w="0" h="3245468">
-                  <a:moveTo>
-                    <a:pt x="0" y="3245468"/>
-                  </a:moveTo>
-                  <a:lnTo>
-                    <a:pt x="0" y="0"/>
-                  </a:lnTo>
-                  <a:lnTo>
-                    <a:pt x="0" y="0"/>
-                  </a:lnTo>
-                </a:path>
-              </a:pathLst>
-            </a:custGeom>
-            <a:ln w="13550" cap="flat">
-              <a:solidFill>
-                <a:srgbClr val="EBEBEB">
-                  <a:alpha val="100000"/>
-                </a:srgbClr>
-              </a:solidFill>
-              <a:prstDash val="solid"/>
-              <a:round/>
-            </a:ln>
-          </p:spPr>
-          <p:txBody>
-            <a:bodyPr/>
-            <a:lstStyle/>
-            <a:p/>
-          </p:txBody>
-        </p:sp>
-        <p:sp>
-          <p:nvSpPr>
-            <p:cNvPr id="118" name="rc118"/>
-            <p:cNvSpPr/>
-            <p:nvPr/>
-          </p:nvSpPr>
-          <p:spPr>
-            <a:xfrm>
-              <a:off x="7665024" y="4861163"/>
-              <a:ext cx="142218" cy="45956"/>
+            <p:cNvPr id="117" name="rc117"/>
+            <p:cNvSpPr/>
+            <p:nvPr/>
+          </p:nvSpPr>
+          <p:spPr>
+            <a:xfrm>
+              <a:off x="7655871" y="4567690"/>
+              <a:ext cx="163560" cy="339429"/>
             </a:xfrm>
             <a:prstGeom prst="rect">
               <a:avLst/>
             </a:prstGeom>
             <a:solidFill>
-              <a:srgbClr val="FFF5F0">
+              <a:srgbClr val="FEE5D9">
                 <a:alpha val="100000"/>
               </a:srgbClr>
             </a:solidFill>
@@ -7441,40 +7415,14 @@
         </p:sp>
         <p:sp>
           <p:nvSpPr>
-            <p:cNvPr id="119" name="rc119"/>
-            <p:cNvSpPr/>
-            <p:nvPr/>
-          </p:nvSpPr>
-          <p:spPr>
-            <a:xfrm>
-              <a:off x="7823045" y="4897928"/>
-              <a:ext cx="142218" cy="9191"/>
-            </a:xfrm>
-            <a:prstGeom prst="rect">
-              <a:avLst/>
-            </a:prstGeom>
-            <a:solidFill>
-              <a:srgbClr val="FEE0D2">
-                <a:alpha val="100000"/>
-              </a:srgbClr>
-            </a:solidFill>
-          </p:spPr>
-          <p:txBody>
-            <a:bodyPr/>
-            <a:lstStyle/>
-            <a:p/>
-          </p:txBody>
-        </p:sp>
-        <p:sp>
-          <p:nvSpPr>
-            <p:cNvPr id="120" name="rc120"/>
-            <p:cNvSpPr/>
-            <p:nvPr/>
-          </p:nvSpPr>
-          <p:spPr>
-            <a:xfrm>
-              <a:off x="7981066" y="4879546"/>
-              <a:ext cx="142218" cy="27574"/>
+            <p:cNvPr id="118" name="rc118"/>
+            <p:cNvSpPr/>
+            <p:nvPr/>
+          </p:nvSpPr>
+          <p:spPr>
+            <a:xfrm>
+              <a:off x="7837604" y="4828790"/>
+              <a:ext cx="163560" cy="78329"/>
             </a:xfrm>
             <a:prstGeom prst="rect">
               <a:avLst/>
@@ -7493,14 +7441,14 @@
         </p:sp>
         <p:sp>
           <p:nvSpPr>
-            <p:cNvPr id="121" name="rc121"/>
-            <p:cNvSpPr/>
-            <p:nvPr/>
-          </p:nvSpPr>
-          <p:spPr>
-            <a:xfrm>
-              <a:off x="8139087" y="4815206"/>
-              <a:ext cx="142218" cy="91913"/>
+            <p:cNvPr id="119" name="rc119"/>
+            <p:cNvSpPr/>
+            <p:nvPr/>
+          </p:nvSpPr>
+          <p:spPr>
+            <a:xfrm>
+              <a:off x="8019338" y="4411030"/>
+              <a:ext cx="163560" cy="496089"/>
             </a:xfrm>
             <a:prstGeom prst="rect">
               <a:avLst/>
@@ -7519,14 +7467,40 @@
         </p:sp>
         <p:sp>
           <p:nvSpPr>
-            <p:cNvPr id="122" name="rc122"/>
-            <p:cNvSpPr/>
-            <p:nvPr/>
-          </p:nvSpPr>
-          <p:spPr>
-            <a:xfrm>
-              <a:off x="8455128" y="4861163"/>
-              <a:ext cx="142218" cy="45956"/>
+            <p:cNvPr id="120" name="rc120"/>
+            <p:cNvSpPr/>
+            <p:nvPr/>
+          </p:nvSpPr>
+          <p:spPr>
+            <a:xfrm>
+              <a:off x="8201071" y="4332700"/>
+              <a:ext cx="163560" cy="574419"/>
+            </a:xfrm>
+            <a:prstGeom prst="rect">
+              <a:avLst/>
+            </a:prstGeom>
+            <a:solidFill>
+              <a:srgbClr val="FB6A4A">
+                <a:alpha val="100000"/>
+              </a:srgbClr>
+            </a:solidFill>
+          </p:spPr>
+          <p:txBody>
+            <a:bodyPr/>
+            <a:lstStyle/>
+            <a:p/>
+          </p:txBody>
+        </p:sp>
+        <p:sp>
+          <p:nvSpPr>
+            <p:cNvPr id="121" name="rc121"/>
+            <p:cNvSpPr/>
+            <p:nvPr/>
+          </p:nvSpPr>
+          <p:spPr>
+            <a:xfrm>
+              <a:off x="8382805" y="4593800"/>
+              <a:ext cx="163560" cy="313319"/>
             </a:xfrm>
             <a:prstGeom prst="rect">
               <a:avLst/>
@@ -7545,14 +7519,14 @@
         </p:sp>
         <p:sp>
           <p:nvSpPr>
-            <p:cNvPr id="123" name="rc123"/>
-            <p:cNvSpPr/>
-            <p:nvPr/>
-          </p:nvSpPr>
-          <p:spPr>
-            <a:xfrm>
-              <a:off x="8613149" y="4897928"/>
-              <a:ext cx="142218" cy="9191"/>
+            <p:cNvPr id="122" name="rc122"/>
+            <p:cNvSpPr/>
+            <p:nvPr/>
+          </p:nvSpPr>
+          <p:spPr>
+            <a:xfrm>
+              <a:off x="8564538" y="4332700"/>
+              <a:ext cx="163560" cy="574419"/>
             </a:xfrm>
             <a:prstGeom prst="rect">
               <a:avLst/>
@@ -7571,14 +7545,14 @@
         </p:sp>
         <p:sp>
           <p:nvSpPr>
-            <p:cNvPr id="124" name="rc124"/>
-            <p:cNvSpPr/>
-            <p:nvPr/>
-          </p:nvSpPr>
-          <p:spPr>
-            <a:xfrm>
-              <a:off x="8771170" y="4236151"/>
-              <a:ext cx="142218" cy="670969"/>
+            <p:cNvPr id="123" name="rc123"/>
+            <p:cNvSpPr/>
+            <p:nvPr/>
+          </p:nvSpPr>
+          <p:spPr>
+            <a:xfrm>
+              <a:off x="8746272" y="4724350"/>
+              <a:ext cx="163560" cy="182769"/>
             </a:xfrm>
             <a:prstGeom prst="rect">
               <a:avLst/>
@@ -7597,14 +7571,14 @@
         </p:sp>
         <p:sp>
           <p:nvSpPr>
-            <p:cNvPr id="125" name="rc125"/>
-            <p:cNvSpPr/>
-            <p:nvPr/>
-          </p:nvSpPr>
-          <p:spPr>
-            <a:xfrm>
-              <a:off x="7641321" y="1809173"/>
-              <a:ext cx="1295770" cy="3245468"/>
+            <p:cNvPr id="124" name="rc124"/>
+            <p:cNvSpPr/>
+            <p:nvPr/>
+          </p:nvSpPr>
+          <p:spPr>
+            <a:xfrm>
+              <a:off x="7628611" y="1809173"/>
+              <a:ext cx="1308481" cy="3245468"/>
             </a:xfrm>
             <a:prstGeom prst="rect">
               <a:avLst/>
@@ -7627,14 +7601,14 @@
         </p:sp>
         <p:sp>
           <p:nvSpPr>
-            <p:cNvPr id="126" name="rc126"/>
-            <p:cNvSpPr/>
-            <p:nvPr/>
-          </p:nvSpPr>
-          <p:spPr>
-            <a:xfrm>
-              <a:off x="2179881" y="1590617"/>
-              <a:ext cx="1295770" cy="218555"/>
+            <p:cNvPr id="125" name="rc125"/>
+            <p:cNvSpPr/>
+            <p:nvPr/>
+          </p:nvSpPr>
+          <p:spPr>
+            <a:xfrm>
+              <a:off x="2116330" y="1590617"/>
+              <a:ext cx="1308481" cy="218555"/>
             </a:xfrm>
             <a:prstGeom prst="rect">
               <a:avLst/>
@@ -7662,13 +7636,13 @@
         </p:sp>
         <p:sp>
           <p:nvSpPr>
-            <p:cNvPr id="127" name="tx127"/>
-            <p:cNvSpPr/>
-            <p:nvPr/>
-          </p:nvSpPr>
-          <p:spPr>
-            <a:xfrm>
-              <a:off x="2618217" y="1670045"/>
+            <p:cNvPr id="126" name="tx126"/>
+            <p:cNvSpPr/>
+            <p:nvPr/>
+          </p:nvSpPr>
+          <p:spPr>
+            <a:xfrm>
+              <a:off x="2561021" y="1670045"/>
               <a:ext cx="419100" cy="69850"/>
             </a:xfrm>
             <a:prstGeom prst="rect">
@@ -7708,14 +7682,14 @@
         </p:sp>
         <p:sp>
           <p:nvSpPr>
-            <p:cNvPr id="128" name="rc128"/>
-            <p:cNvSpPr/>
-            <p:nvPr/>
-          </p:nvSpPr>
-          <p:spPr>
-            <a:xfrm>
-              <a:off x="3545241" y="1590617"/>
-              <a:ext cx="1295770" cy="218555"/>
+            <p:cNvPr id="127" name="rc127"/>
+            <p:cNvSpPr/>
+            <p:nvPr/>
+          </p:nvSpPr>
+          <p:spPr>
+            <a:xfrm>
+              <a:off x="3494401" y="1590617"/>
+              <a:ext cx="1308481" cy="218555"/>
             </a:xfrm>
             <a:prstGeom prst="rect">
               <a:avLst/>
@@ -7743,13 +7717,13 @@
         </p:sp>
         <p:sp>
           <p:nvSpPr>
-            <p:cNvPr id="129" name="tx129"/>
-            <p:cNvSpPr/>
-            <p:nvPr/>
-          </p:nvSpPr>
-          <p:spPr>
-            <a:xfrm>
-              <a:off x="4025487" y="1670045"/>
+            <p:cNvPr id="128" name="tx128"/>
+            <p:cNvSpPr/>
+            <p:nvPr/>
+          </p:nvSpPr>
+          <p:spPr>
+            <a:xfrm>
+              <a:off x="3981001" y="1670045"/>
               <a:ext cx="335280" cy="69850"/>
             </a:xfrm>
             <a:prstGeom prst="rect">
@@ -7789,14 +7763,14 @@
         </p:sp>
         <p:sp>
           <p:nvSpPr>
-            <p:cNvPr id="130" name="rc130"/>
-            <p:cNvSpPr/>
-            <p:nvPr/>
-          </p:nvSpPr>
-          <p:spPr>
-            <a:xfrm>
-              <a:off x="4910601" y="1590617"/>
-              <a:ext cx="1295770" cy="218555"/>
+            <p:cNvPr id="129" name="rc129"/>
+            <p:cNvSpPr/>
+            <p:nvPr/>
+          </p:nvSpPr>
+          <p:spPr>
+            <a:xfrm>
+              <a:off x="4872471" y="1590617"/>
+              <a:ext cx="1308481" cy="218555"/>
             </a:xfrm>
             <a:prstGeom prst="rect">
               <a:avLst/>
@@ -7824,13 +7798,13 @@
         </p:sp>
         <p:sp>
           <p:nvSpPr>
-            <p:cNvPr id="131" name="tx131"/>
-            <p:cNvSpPr/>
-            <p:nvPr/>
-          </p:nvSpPr>
-          <p:spPr>
-            <a:xfrm>
-              <a:off x="5348937" y="1670045"/>
+            <p:cNvPr id="130" name="tx130"/>
+            <p:cNvSpPr/>
+            <p:nvPr/>
+          </p:nvSpPr>
+          <p:spPr>
+            <a:xfrm>
+              <a:off x="5317161" y="1670045"/>
               <a:ext cx="419100" cy="69850"/>
             </a:xfrm>
             <a:prstGeom prst="rect">
@@ -7870,14 +7844,14 @@
         </p:sp>
         <p:sp>
           <p:nvSpPr>
-            <p:cNvPr id="132" name="rc132"/>
-            <p:cNvSpPr/>
-            <p:nvPr/>
-          </p:nvSpPr>
-          <p:spPr>
-            <a:xfrm>
-              <a:off x="6275961" y="1590617"/>
-              <a:ext cx="1295770" cy="218555"/>
+            <p:cNvPr id="131" name="rc131"/>
+            <p:cNvSpPr/>
+            <p:nvPr/>
+          </p:nvSpPr>
+          <p:spPr>
+            <a:xfrm>
+              <a:off x="6250541" y="1590617"/>
+              <a:ext cx="1308481" cy="218555"/>
             </a:xfrm>
             <a:prstGeom prst="rect">
               <a:avLst/>
@@ -7905,13 +7879,13 @@
         </p:sp>
         <p:sp>
           <p:nvSpPr>
-            <p:cNvPr id="133" name="tx133"/>
-            <p:cNvSpPr/>
-            <p:nvPr/>
-          </p:nvSpPr>
-          <p:spPr>
-            <a:xfrm>
-              <a:off x="6672387" y="1670045"/>
+            <p:cNvPr id="132" name="tx132"/>
+            <p:cNvSpPr/>
+            <p:nvPr/>
+          </p:nvSpPr>
+          <p:spPr>
+            <a:xfrm>
+              <a:off x="6653321" y="1670045"/>
               <a:ext cx="502920" cy="69850"/>
             </a:xfrm>
             <a:prstGeom prst="rect">
@@ -7951,14 +7925,14 @@
         </p:sp>
         <p:sp>
           <p:nvSpPr>
-            <p:cNvPr id="134" name="rc134"/>
-            <p:cNvSpPr/>
-            <p:nvPr/>
-          </p:nvSpPr>
-          <p:spPr>
-            <a:xfrm>
-              <a:off x="7641321" y="1590617"/>
-              <a:ext cx="1295770" cy="218555"/>
+            <p:cNvPr id="133" name="rc133"/>
+            <p:cNvSpPr/>
+            <p:nvPr/>
+          </p:nvSpPr>
+          <p:spPr>
+            <a:xfrm>
+              <a:off x="7628611" y="1590617"/>
+              <a:ext cx="1308481" cy="218555"/>
             </a:xfrm>
             <a:prstGeom prst="rect">
               <a:avLst/>
@@ -7986,13 +7960,13 @@
         </p:sp>
         <p:sp>
           <p:nvSpPr>
-            <p:cNvPr id="135" name="tx135"/>
-            <p:cNvSpPr/>
-            <p:nvPr/>
-          </p:nvSpPr>
-          <p:spPr>
-            <a:xfrm>
-              <a:off x="8205386" y="1670045"/>
+            <p:cNvPr id="134" name="tx134"/>
+            <p:cNvSpPr/>
+            <p:nvPr/>
+          </p:nvSpPr>
+          <p:spPr>
+            <a:xfrm>
+              <a:off x="8199031" y="1670045"/>
               <a:ext cx="167640" cy="69850"/>
             </a:xfrm>
             <a:prstGeom prst="rect">
@@ -8032,13 +8006,53 @@
         </p:sp>
         <p:sp>
           <p:nvSpPr>
+            <p:cNvPr id="135" name="pl135"/>
+            <p:cNvSpPr/>
+            <p:nvPr/>
+          </p:nvSpPr>
+          <p:spPr>
+            <a:xfrm>
+              <a:off x="2225370" y="5054641"/>
+              <a:ext cx="0" cy="34794"/>
+            </a:xfrm>
+            <a:custGeom>
+              <a:avLst/>
+              <a:pathLst>
+                <a:path w="0" h="34794">
+                  <a:moveTo>
+                    <a:pt x="0" y="34794"/>
+                  </a:moveTo>
+                  <a:lnTo>
+                    <a:pt x="0" y="0"/>
+                  </a:lnTo>
+                </a:path>
+              </a:pathLst>
+            </a:custGeom>
+            <a:ln w="13550" cap="flat">
+              <a:solidFill>
+                <a:srgbClr val="333333">
+                  <a:alpha val="100000"/>
+                </a:srgbClr>
+              </a:solidFill>
+              <a:prstDash val="solid"/>
+              <a:round/>
+            </a:ln>
+          </p:spPr>
+          <p:txBody>
+            <a:bodyPr/>
+            <a:lstStyle/>
+            <a:p/>
+          </p:txBody>
+        </p:sp>
+        <p:sp>
+          <p:nvSpPr>
             <p:cNvPr id="136" name="pl136"/>
             <p:cNvSpPr/>
             <p:nvPr/>
           </p:nvSpPr>
           <p:spPr>
             <a:xfrm>
-              <a:off x="2274694" y="5054641"/>
+              <a:off x="2407104" y="5054641"/>
               <a:ext cx="0" cy="34794"/>
             </a:xfrm>
             <a:custGeom>
@@ -8078,7 +8092,7 @@
           </p:nvSpPr>
           <p:spPr>
             <a:xfrm>
-              <a:off x="2432715" y="5054641"/>
+              <a:off x="2588837" y="5054641"/>
               <a:ext cx="0" cy="34794"/>
             </a:xfrm>
             <a:custGeom>
@@ -8118,7 +8132,7 @@
           </p:nvSpPr>
           <p:spPr>
             <a:xfrm>
-              <a:off x="2590735" y="5054641"/>
+              <a:off x="2770571" y="5054641"/>
               <a:ext cx="0" cy="34794"/>
             </a:xfrm>
             <a:custGeom>
@@ -8158,7 +8172,7 @@
           </p:nvSpPr>
           <p:spPr>
             <a:xfrm>
-              <a:off x="2748756" y="5054641"/>
+              <a:off x="2952304" y="5054641"/>
               <a:ext cx="0" cy="34794"/>
             </a:xfrm>
             <a:custGeom>
@@ -8198,7 +8212,7 @@
           </p:nvSpPr>
           <p:spPr>
             <a:xfrm>
-              <a:off x="2906777" y="5054641"/>
+              <a:off x="3134038" y="5054641"/>
               <a:ext cx="0" cy="34794"/>
             </a:xfrm>
             <a:custGeom>
@@ -8238,7 +8252,7 @@
           </p:nvSpPr>
           <p:spPr>
             <a:xfrm>
-              <a:off x="3064798" y="5054641"/>
+              <a:off x="3315771" y="5054641"/>
               <a:ext cx="0" cy="34794"/>
             </a:xfrm>
             <a:custGeom>
@@ -8278,7 +8292,7 @@
           </p:nvSpPr>
           <p:spPr>
             <a:xfrm>
-              <a:off x="3222819" y="5054641"/>
+              <a:off x="3603441" y="5054641"/>
               <a:ext cx="0" cy="34794"/>
             </a:xfrm>
             <a:custGeom>
@@ -8318,7 +8332,7 @@
           </p:nvSpPr>
           <p:spPr>
             <a:xfrm>
-              <a:off x="3380840" y="5054641"/>
+              <a:off x="3785174" y="5054641"/>
               <a:ext cx="0" cy="34794"/>
             </a:xfrm>
             <a:custGeom>
@@ -8358,7 +8372,7 @@
           </p:nvSpPr>
           <p:spPr>
             <a:xfrm>
-              <a:off x="3640054" y="5054641"/>
+              <a:off x="3966908" y="5054641"/>
               <a:ext cx="0" cy="34794"/>
             </a:xfrm>
             <a:custGeom>
@@ -8398,7 +8412,7 @@
           </p:nvSpPr>
           <p:spPr>
             <a:xfrm>
-              <a:off x="3798075" y="5054641"/>
+              <a:off x="4148641" y="5054641"/>
               <a:ext cx="0" cy="34794"/>
             </a:xfrm>
             <a:custGeom>
@@ -8438,7 +8452,7 @@
           </p:nvSpPr>
           <p:spPr>
             <a:xfrm>
-              <a:off x="3956095" y="5054641"/>
+              <a:off x="4330375" y="5054641"/>
               <a:ext cx="0" cy="34794"/>
             </a:xfrm>
             <a:custGeom>
@@ -8478,7 +8492,7 @@
           </p:nvSpPr>
           <p:spPr>
             <a:xfrm>
-              <a:off x="4114116" y="5054641"/>
+              <a:off x="4512108" y="5054641"/>
               <a:ext cx="0" cy="34794"/>
             </a:xfrm>
             <a:custGeom>
@@ -8518,7 +8532,7 @@
           </p:nvSpPr>
           <p:spPr>
             <a:xfrm>
-              <a:off x="4272137" y="5054641"/>
+              <a:off x="4693842" y="5054641"/>
               <a:ext cx="0" cy="34794"/>
             </a:xfrm>
             <a:custGeom>
@@ -8558,7 +8572,7 @@
           </p:nvSpPr>
           <p:spPr>
             <a:xfrm>
-              <a:off x="4430158" y="5054641"/>
+              <a:off x="4981511" y="5054641"/>
               <a:ext cx="0" cy="34794"/>
             </a:xfrm>
             <a:custGeom>
@@ -8598,7 +8612,7 @@
           </p:nvSpPr>
           <p:spPr>
             <a:xfrm>
-              <a:off x="4588179" y="5054641"/>
+              <a:off x="5163244" y="5054641"/>
               <a:ext cx="0" cy="34794"/>
             </a:xfrm>
             <a:custGeom>
@@ -8638,7 +8652,7 @@
           </p:nvSpPr>
           <p:spPr>
             <a:xfrm>
-              <a:off x="4746200" y="5054641"/>
+              <a:off x="5344978" y="5054641"/>
               <a:ext cx="0" cy="34794"/>
             </a:xfrm>
             <a:custGeom>
@@ -8678,7 +8692,7 @@
           </p:nvSpPr>
           <p:spPr>
             <a:xfrm>
-              <a:off x="5005414" y="5054641"/>
+              <a:off x="5526711" y="5054641"/>
               <a:ext cx="0" cy="34794"/>
             </a:xfrm>
             <a:custGeom>
@@ -8718,7 +8732,7 @@
           </p:nvSpPr>
           <p:spPr>
             <a:xfrm>
-              <a:off x="5163434" y="5054641"/>
+              <a:off x="5708445" y="5054641"/>
               <a:ext cx="0" cy="34794"/>
             </a:xfrm>
             <a:custGeom>
@@ -8758,7 +8772,7 @@
           </p:nvSpPr>
           <p:spPr>
             <a:xfrm>
-              <a:off x="5321455" y="5054641"/>
+              <a:off x="5890178" y="5054641"/>
               <a:ext cx="0" cy="34794"/>
             </a:xfrm>
             <a:custGeom>
@@ -8798,7 +8812,7 @@
           </p:nvSpPr>
           <p:spPr>
             <a:xfrm>
-              <a:off x="5479476" y="5054641"/>
+              <a:off x="6071912" y="5054641"/>
               <a:ext cx="0" cy="34794"/>
             </a:xfrm>
             <a:custGeom>
@@ -8838,7 +8852,7 @@
           </p:nvSpPr>
           <p:spPr>
             <a:xfrm>
-              <a:off x="5637497" y="5054641"/>
+              <a:off x="6359581" y="5054641"/>
               <a:ext cx="0" cy="34794"/>
             </a:xfrm>
             <a:custGeom>
@@ -8878,7 +8892,7 @@
           </p:nvSpPr>
           <p:spPr>
             <a:xfrm>
-              <a:off x="5795518" y="5054641"/>
+              <a:off x="6541314" y="5054641"/>
               <a:ext cx="0" cy="34794"/>
             </a:xfrm>
             <a:custGeom>
@@ -8918,7 +8932,7 @@
           </p:nvSpPr>
           <p:spPr>
             <a:xfrm>
-              <a:off x="5953539" y="5054641"/>
+              <a:off x="6723048" y="5054641"/>
               <a:ext cx="0" cy="34794"/>
             </a:xfrm>
             <a:custGeom>
@@ -8958,7 +8972,7 @@
           </p:nvSpPr>
           <p:spPr>
             <a:xfrm>
-              <a:off x="6111560" y="5054641"/>
+              <a:off x="6904781" y="5054641"/>
               <a:ext cx="0" cy="34794"/>
             </a:xfrm>
             <a:custGeom>
@@ -8998,7 +9012,7 @@
           </p:nvSpPr>
           <p:spPr>
             <a:xfrm>
-              <a:off x="6370774" y="5054641"/>
+              <a:off x="7086515" y="5054641"/>
               <a:ext cx="0" cy="34794"/>
             </a:xfrm>
             <a:custGeom>
@@ -9038,7 +9052,7 @@
           </p:nvSpPr>
           <p:spPr>
             <a:xfrm>
-              <a:off x="6528794" y="5054641"/>
+              <a:off x="7268248" y="5054641"/>
               <a:ext cx="0" cy="34794"/>
             </a:xfrm>
             <a:custGeom>
@@ -9078,7 +9092,7 @@
           </p:nvSpPr>
           <p:spPr>
             <a:xfrm>
-              <a:off x="6686815" y="5054641"/>
+              <a:off x="7449982" y="5054641"/>
               <a:ext cx="0" cy="34794"/>
             </a:xfrm>
             <a:custGeom>
@@ -9118,7 +9132,7 @@
           </p:nvSpPr>
           <p:spPr>
             <a:xfrm>
-              <a:off x="6844836" y="5054641"/>
+              <a:off x="7737651" y="5054641"/>
               <a:ext cx="0" cy="34794"/>
             </a:xfrm>
             <a:custGeom>
@@ -9158,7 +9172,7 @@
           </p:nvSpPr>
           <p:spPr>
             <a:xfrm>
-              <a:off x="7002857" y="5054641"/>
+              <a:off x="7919384" y="5054641"/>
               <a:ext cx="0" cy="34794"/>
             </a:xfrm>
             <a:custGeom>
@@ -9198,7 +9212,7 @@
           </p:nvSpPr>
           <p:spPr>
             <a:xfrm>
-              <a:off x="7160878" y="5054641"/>
+              <a:off x="8101118" y="5054641"/>
               <a:ext cx="0" cy="34794"/>
             </a:xfrm>
             <a:custGeom>
@@ -9238,7 +9252,7 @@
           </p:nvSpPr>
           <p:spPr>
             <a:xfrm>
-              <a:off x="7318899" y="5054641"/>
+              <a:off x="8282851" y="5054641"/>
               <a:ext cx="0" cy="34794"/>
             </a:xfrm>
             <a:custGeom>
@@ -9278,7 +9292,7 @@
           </p:nvSpPr>
           <p:spPr>
             <a:xfrm>
-              <a:off x="7476919" y="5054641"/>
+              <a:off x="8464585" y="5054641"/>
               <a:ext cx="0" cy="34794"/>
             </a:xfrm>
             <a:custGeom>
@@ -9318,7 +9332,7 @@
           </p:nvSpPr>
           <p:spPr>
             <a:xfrm>
-              <a:off x="7736134" y="5054641"/>
+              <a:off x="8646318" y="5054641"/>
               <a:ext cx="0" cy="34794"/>
             </a:xfrm>
             <a:custGeom>
@@ -9358,7 +9372,7 @@
           </p:nvSpPr>
           <p:spPr>
             <a:xfrm>
-              <a:off x="7894154" y="5054641"/>
+              <a:off x="8828052" y="5054641"/>
               <a:ext cx="0" cy="34794"/>
             </a:xfrm>
             <a:custGeom>
@@ -9392,253 +9406,13 @@
         </p:sp>
         <p:sp>
           <p:nvSpPr>
-            <p:cNvPr id="170" name="pl170"/>
-            <p:cNvSpPr/>
-            <p:nvPr/>
-          </p:nvSpPr>
-          <p:spPr>
-            <a:xfrm>
-              <a:off x="8052175" y="5054641"/>
-              <a:ext cx="0" cy="34794"/>
-            </a:xfrm>
-            <a:custGeom>
-              <a:avLst/>
-              <a:pathLst>
-                <a:path w="0" h="34794">
-                  <a:moveTo>
-                    <a:pt x="0" y="34794"/>
-                  </a:moveTo>
-                  <a:lnTo>
-                    <a:pt x="0" y="0"/>
-                  </a:lnTo>
-                </a:path>
-              </a:pathLst>
-            </a:custGeom>
-            <a:ln w="13550" cap="flat">
-              <a:solidFill>
-                <a:srgbClr val="333333">
-                  <a:alpha val="100000"/>
-                </a:srgbClr>
-              </a:solidFill>
-              <a:prstDash val="solid"/>
-              <a:round/>
-            </a:ln>
-          </p:spPr>
-          <p:txBody>
-            <a:bodyPr/>
-            <a:lstStyle/>
-            <a:p/>
-          </p:txBody>
-        </p:sp>
-        <p:sp>
-          <p:nvSpPr>
-            <p:cNvPr id="171" name="pl171"/>
-            <p:cNvSpPr/>
-            <p:nvPr/>
-          </p:nvSpPr>
-          <p:spPr>
-            <a:xfrm>
-              <a:off x="8210196" y="5054641"/>
-              <a:ext cx="0" cy="34794"/>
-            </a:xfrm>
-            <a:custGeom>
-              <a:avLst/>
-              <a:pathLst>
-                <a:path w="0" h="34794">
-                  <a:moveTo>
-                    <a:pt x="0" y="34794"/>
-                  </a:moveTo>
-                  <a:lnTo>
-                    <a:pt x="0" y="0"/>
-                  </a:lnTo>
-                </a:path>
-              </a:pathLst>
-            </a:custGeom>
-            <a:ln w="13550" cap="flat">
-              <a:solidFill>
-                <a:srgbClr val="333333">
-                  <a:alpha val="100000"/>
-                </a:srgbClr>
-              </a:solidFill>
-              <a:prstDash val="solid"/>
-              <a:round/>
-            </a:ln>
-          </p:spPr>
-          <p:txBody>
-            <a:bodyPr/>
-            <a:lstStyle/>
-            <a:p/>
-          </p:txBody>
-        </p:sp>
-        <p:sp>
-          <p:nvSpPr>
-            <p:cNvPr id="172" name="pl172"/>
-            <p:cNvSpPr/>
-            <p:nvPr/>
-          </p:nvSpPr>
-          <p:spPr>
-            <a:xfrm>
-              <a:off x="8368217" y="5054641"/>
-              <a:ext cx="0" cy="34794"/>
-            </a:xfrm>
-            <a:custGeom>
-              <a:avLst/>
-              <a:pathLst>
-                <a:path w="0" h="34794">
-                  <a:moveTo>
-                    <a:pt x="0" y="34794"/>
-                  </a:moveTo>
-                  <a:lnTo>
-                    <a:pt x="0" y="0"/>
-                  </a:lnTo>
-                </a:path>
-              </a:pathLst>
-            </a:custGeom>
-            <a:ln w="13550" cap="flat">
-              <a:solidFill>
-                <a:srgbClr val="333333">
-                  <a:alpha val="100000"/>
-                </a:srgbClr>
-              </a:solidFill>
-              <a:prstDash val="solid"/>
-              <a:round/>
-            </a:ln>
-          </p:spPr>
-          <p:txBody>
-            <a:bodyPr/>
-            <a:lstStyle/>
-            <a:p/>
-          </p:txBody>
-        </p:sp>
-        <p:sp>
-          <p:nvSpPr>
-            <p:cNvPr id="173" name="pl173"/>
-            <p:cNvSpPr/>
-            <p:nvPr/>
-          </p:nvSpPr>
-          <p:spPr>
-            <a:xfrm>
-              <a:off x="8526238" y="5054641"/>
-              <a:ext cx="0" cy="34794"/>
-            </a:xfrm>
-            <a:custGeom>
-              <a:avLst/>
-              <a:pathLst>
-                <a:path w="0" h="34794">
-                  <a:moveTo>
-                    <a:pt x="0" y="34794"/>
-                  </a:moveTo>
-                  <a:lnTo>
-                    <a:pt x="0" y="0"/>
-                  </a:lnTo>
-                </a:path>
-              </a:pathLst>
-            </a:custGeom>
-            <a:ln w="13550" cap="flat">
-              <a:solidFill>
-                <a:srgbClr val="333333">
-                  <a:alpha val="100000"/>
-                </a:srgbClr>
-              </a:solidFill>
-              <a:prstDash val="solid"/>
-              <a:round/>
-            </a:ln>
-          </p:spPr>
-          <p:txBody>
-            <a:bodyPr/>
-            <a:lstStyle/>
-            <a:p/>
-          </p:txBody>
-        </p:sp>
-        <p:sp>
-          <p:nvSpPr>
-            <p:cNvPr id="174" name="pl174"/>
-            <p:cNvSpPr/>
-            <p:nvPr/>
-          </p:nvSpPr>
-          <p:spPr>
-            <a:xfrm>
-              <a:off x="8684259" y="5054641"/>
-              <a:ext cx="0" cy="34794"/>
-            </a:xfrm>
-            <a:custGeom>
-              <a:avLst/>
-              <a:pathLst>
-                <a:path w="0" h="34794">
-                  <a:moveTo>
-                    <a:pt x="0" y="34794"/>
-                  </a:moveTo>
-                  <a:lnTo>
-                    <a:pt x="0" y="0"/>
-                  </a:lnTo>
-                </a:path>
-              </a:pathLst>
-            </a:custGeom>
-            <a:ln w="13550" cap="flat">
-              <a:solidFill>
-                <a:srgbClr val="333333">
-                  <a:alpha val="100000"/>
-                </a:srgbClr>
-              </a:solidFill>
-              <a:prstDash val="solid"/>
-              <a:round/>
-            </a:ln>
-          </p:spPr>
-          <p:txBody>
-            <a:bodyPr/>
-            <a:lstStyle/>
-            <a:p/>
-          </p:txBody>
-        </p:sp>
-        <p:sp>
-          <p:nvSpPr>
-            <p:cNvPr id="175" name="pl175"/>
-            <p:cNvSpPr/>
-            <p:nvPr/>
-          </p:nvSpPr>
-          <p:spPr>
-            <a:xfrm>
-              <a:off x="8842279" y="5054641"/>
-              <a:ext cx="0" cy="34794"/>
-            </a:xfrm>
-            <a:custGeom>
-              <a:avLst/>
-              <a:pathLst>
-                <a:path w="0" h="34794">
-                  <a:moveTo>
-                    <a:pt x="0" y="34794"/>
-                  </a:moveTo>
-                  <a:lnTo>
-                    <a:pt x="0" y="0"/>
-                  </a:lnTo>
-                </a:path>
-              </a:pathLst>
-            </a:custGeom>
-            <a:ln w="13550" cap="flat">
-              <a:solidFill>
-                <a:srgbClr val="333333">
-                  <a:alpha val="100000"/>
-                </a:srgbClr>
-              </a:solidFill>
-              <a:prstDash val="solid"/>
-              <a:round/>
-            </a:ln>
-          </p:spPr>
-          <p:txBody>
-            <a:bodyPr/>
-            <a:lstStyle/>
-            <a:p/>
-          </p:txBody>
-        </p:sp>
-        <p:sp>
-          <p:nvSpPr>
-            <p:cNvPr id="176" name="tx176"/>
-            <p:cNvSpPr/>
-            <p:nvPr/>
-          </p:nvSpPr>
-          <p:spPr>
-            <a:xfrm>
-              <a:off x="2055095" y="4865428"/>
+            <p:cNvPr id="170" name="tx170"/>
+            <p:cNvSpPr/>
+            <p:nvPr/>
+          </p:nvSpPr>
+          <p:spPr>
+            <a:xfrm>
+              <a:off x="1991545" y="4865428"/>
               <a:ext cx="62155" cy="81691"/>
             </a:xfrm>
             <a:prstGeom prst="rect">
@@ -9678,14 +9452,14 @@
         </p:sp>
         <p:sp>
           <p:nvSpPr>
-            <p:cNvPr id="177" name="tx177"/>
-            <p:cNvSpPr/>
-            <p:nvPr/>
-          </p:nvSpPr>
-          <p:spPr>
-            <a:xfrm>
-              <a:off x="1930784" y="3946292"/>
-              <a:ext cx="186466" cy="81691"/>
+            <p:cNvPr id="171" name="tx171"/>
+            <p:cNvSpPr/>
+            <p:nvPr/>
+          </p:nvSpPr>
+          <p:spPr>
+            <a:xfrm>
+              <a:off x="1929389" y="4082075"/>
+              <a:ext cx="124311" cy="81746"/>
             </a:xfrm>
             <a:prstGeom prst="rect">
               <a:avLst/>
@@ -9717,21 +9491,21 @@
                   <a:latin typeface="Arial"/>
                   <a:cs typeface="Arial"/>
                 </a:rPr>
-                <a:t>100</a:t>
+                <a:t>30</a:t>
               </a:r>
             </a:p>
           </p:txBody>
         </p:sp>
         <p:sp>
           <p:nvSpPr>
-            <p:cNvPr id="178" name="tx178"/>
-            <p:cNvSpPr/>
-            <p:nvPr/>
-          </p:nvSpPr>
-          <p:spPr>
-            <a:xfrm>
-              <a:off x="1930784" y="3027156"/>
-              <a:ext cx="186466" cy="81691"/>
+            <p:cNvPr id="172" name="tx172"/>
+            <p:cNvSpPr/>
+            <p:nvPr/>
+          </p:nvSpPr>
+          <p:spPr>
+            <a:xfrm>
+              <a:off x="1929389" y="3298830"/>
+              <a:ext cx="124311" cy="81691"/>
             </a:xfrm>
             <a:prstGeom prst="rect">
               <a:avLst/>
@@ -9763,21 +9537,21 @@
                   <a:latin typeface="Arial"/>
                   <a:cs typeface="Arial"/>
                 </a:rPr>
-                <a:t>200</a:t>
+                <a:t>60</a:t>
               </a:r>
             </a:p>
           </p:txBody>
         </p:sp>
         <p:sp>
           <p:nvSpPr>
-            <p:cNvPr id="179" name="tx179"/>
-            <p:cNvSpPr/>
-            <p:nvPr/>
-          </p:nvSpPr>
-          <p:spPr>
-            <a:xfrm>
-              <a:off x="1930784" y="2107966"/>
-              <a:ext cx="186466" cy="81746"/>
+            <p:cNvPr id="173" name="tx173"/>
+            <p:cNvSpPr/>
+            <p:nvPr/>
+          </p:nvSpPr>
+          <p:spPr>
+            <a:xfrm>
+              <a:off x="1929389" y="2515531"/>
+              <a:ext cx="124311" cy="81691"/>
             </a:xfrm>
             <a:prstGeom prst="rect">
               <a:avLst/>
@@ -9809,20 +9583,20 @@
                   <a:latin typeface="Arial"/>
                   <a:cs typeface="Arial"/>
                 </a:rPr>
-                <a:t>300</a:t>
+                <a:t>90</a:t>
               </a:r>
             </a:p>
           </p:txBody>
         </p:sp>
         <p:sp>
           <p:nvSpPr>
-            <p:cNvPr id="180" name="pl180"/>
-            <p:cNvSpPr/>
-            <p:nvPr/>
-          </p:nvSpPr>
-          <p:spPr>
-            <a:xfrm>
-              <a:off x="2145087" y="4907120"/>
+            <p:cNvPr id="174" name="pl174"/>
+            <p:cNvSpPr/>
+            <p:nvPr/>
+          </p:nvSpPr>
+          <p:spPr>
+            <a:xfrm>
+              <a:off x="2081536" y="4907120"/>
               <a:ext cx="34794" cy="0"/>
             </a:xfrm>
             <a:custGeom>
@@ -9856,13 +9630,13 @@
         </p:sp>
         <p:sp>
           <p:nvSpPr>
-            <p:cNvPr id="181" name="pl181"/>
-            <p:cNvSpPr/>
-            <p:nvPr/>
-          </p:nvSpPr>
-          <p:spPr>
-            <a:xfrm>
-              <a:off x="2145087" y="3987984"/>
+            <p:cNvPr id="175" name="pl175"/>
+            <p:cNvSpPr/>
+            <p:nvPr/>
+          </p:nvSpPr>
+          <p:spPr>
+            <a:xfrm>
+              <a:off x="2081536" y="4123821"/>
               <a:ext cx="34794" cy="0"/>
             </a:xfrm>
             <a:custGeom>
@@ -9896,13 +9670,13 @@
         </p:sp>
         <p:sp>
           <p:nvSpPr>
-            <p:cNvPr id="182" name="pl182"/>
-            <p:cNvSpPr/>
-            <p:nvPr/>
-          </p:nvSpPr>
-          <p:spPr>
-            <a:xfrm>
-              <a:off x="2145087" y="3068848"/>
+            <p:cNvPr id="176" name="pl176"/>
+            <p:cNvSpPr/>
+            <p:nvPr/>
+          </p:nvSpPr>
+          <p:spPr>
+            <a:xfrm>
+              <a:off x="2081536" y="3340522"/>
               <a:ext cx="34794" cy="0"/>
             </a:xfrm>
             <a:custGeom>
@@ -9936,13 +9710,13 @@
         </p:sp>
         <p:sp>
           <p:nvSpPr>
-            <p:cNvPr id="183" name="pl183"/>
-            <p:cNvSpPr/>
-            <p:nvPr/>
-          </p:nvSpPr>
-          <p:spPr>
-            <a:xfrm>
-              <a:off x="2145087" y="2149712"/>
+            <p:cNvPr id="177" name="pl177"/>
+            <p:cNvSpPr/>
+            <p:nvPr/>
+          </p:nvSpPr>
+          <p:spPr>
+            <a:xfrm>
+              <a:off x="2081536" y="2557223"/>
               <a:ext cx="34794" cy="0"/>
             </a:xfrm>
             <a:custGeom>
@@ -9976,14 +9750,14 @@
         </p:sp>
         <p:sp>
           <p:nvSpPr>
-            <p:cNvPr id="184" name="rc184"/>
-            <p:cNvSpPr/>
-            <p:nvPr/>
-          </p:nvSpPr>
-          <p:spPr>
-            <a:xfrm>
-              <a:off x="2863677" y="5394142"/>
-              <a:ext cx="5389619" cy="578090"/>
+            <p:cNvPr id="178" name="rc178"/>
+            <p:cNvSpPr/>
+            <p:nvPr/>
+          </p:nvSpPr>
+          <p:spPr>
+            <a:xfrm>
+              <a:off x="3684865" y="5394142"/>
+              <a:ext cx="3683692" cy="578090"/>
             </a:xfrm>
             <a:prstGeom prst="rect">
               <a:avLst/>
@@ -10002,14 +9776,14 @@
         </p:sp>
         <p:sp>
           <p:nvSpPr>
-            <p:cNvPr id="185" name="rc185"/>
-            <p:cNvSpPr/>
-            <p:nvPr/>
-          </p:nvSpPr>
-          <p:spPr>
-            <a:xfrm>
-              <a:off x="3002855" y="5463731"/>
-              <a:ext cx="219456" cy="219455"/>
+            <p:cNvPr id="179" name="rc179"/>
+            <p:cNvSpPr/>
+            <p:nvPr/>
+          </p:nvSpPr>
+          <p:spPr>
+            <a:xfrm>
+              <a:off x="3824043" y="5463731"/>
+              <a:ext cx="219455" cy="219455"/>
             </a:xfrm>
             <a:prstGeom prst="rect">
               <a:avLst/>
@@ -10028,20 +9802,20 @@
         </p:sp>
         <p:sp>
           <p:nvSpPr>
-            <p:cNvPr id="186" name="rc186"/>
-            <p:cNvSpPr/>
-            <p:nvPr/>
-          </p:nvSpPr>
-          <p:spPr>
-            <a:xfrm>
-              <a:off x="3011855" y="5472731"/>
+            <p:cNvPr id="180" name="rc180"/>
+            <p:cNvSpPr/>
+            <p:nvPr/>
+          </p:nvSpPr>
+          <p:spPr>
+            <a:xfrm>
+              <a:off x="3833043" y="5472731"/>
               <a:ext cx="201456" cy="201456"/>
             </a:xfrm>
             <a:prstGeom prst="rect">
               <a:avLst/>
             </a:prstGeom>
             <a:solidFill>
-              <a:srgbClr val="FFF5F0">
+              <a:srgbClr val="FEE5D9">
                 <a:alpha val="100000"/>
               </a:srgbClr>
             </a:solidFill>
@@ -10054,14 +9828,14 @@
         </p:sp>
         <p:sp>
           <p:nvSpPr>
-            <p:cNvPr id="187" name="rc187"/>
-            <p:cNvSpPr/>
-            <p:nvPr/>
-          </p:nvSpPr>
-          <p:spPr>
-            <a:xfrm>
-              <a:off x="3002855" y="5683187"/>
-              <a:ext cx="219456" cy="219455"/>
+            <p:cNvPr id="181" name="rc181"/>
+            <p:cNvSpPr/>
+            <p:nvPr/>
+          </p:nvSpPr>
+          <p:spPr>
+            <a:xfrm>
+              <a:off x="3824043" y="5683187"/>
+              <a:ext cx="219455" cy="219455"/>
             </a:xfrm>
             <a:prstGeom prst="rect">
               <a:avLst/>
@@ -10080,20 +9854,20 @@
         </p:sp>
         <p:sp>
           <p:nvSpPr>
-            <p:cNvPr id="188" name="rc188"/>
-            <p:cNvSpPr/>
-            <p:nvPr/>
-          </p:nvSpPr>
-          <p:spPr>
-            <a:xfrm>
-              <a:off x="3011855" y="5692187"/>
+            <p:cNvPr id="182" name="rc182"/>
+            <p:cNvSpPr/>
+            <p:nvPr/>
+          </p:nvSpPr>
+          <p:spPr>
+            <a:xfrm>
+              <a:off x="3833043" y="5692187"/>
               <a:ext cx="201456" cy="201456"/>
             </a:xfrm>
             <a:prstGeom prst="rect">
               <a:avLst/>
             </a:prstGeom>
             <a:solidFill>
-              <a:srgbClr val="FEE0D2">
+              <a:srgbClr val="FCBBA1">
                 <a:alpha val="100000"/>
               </a:srgbClr>
             </a:solidFill>
@@ -10106,14 +9880,14 @@
         </p:sp>
         <p:sp>
           <p:nvSpPr>
-            <p:cNvPr id="189" name="rc189"/>
-            <p:cNvSpPr/>
-            <p:nvPr/>
-          </p:nvSpPr>
-          <p:spPr>
-            <a:xfrm>
-              <a:off x="3777769" y="5463731"/>
-              <a:ext cx="219456" cy="219455"/>
+            <p:cNvPr id="183" name="rc183"/>
+            <p:cNvSpPr/>
+            <p:nvPr/>
+          </p:nvSpPr>
+          <p:spPr>
+            <a:xfrm>
+              <a:off x="4598958" y="5463731"/>
+              <a:ext cx="219455" cy="219455"/>
             </a:xfrm>
             <a:prstGeom prst="rect">
               <a:avLst/>
@@ -10132,20 +9906,20 @@
         </p:sp>
         <p:sp>
           <p:nvSpPr>
-            <p:cNvPr id="190" name="rc190"/>
-            <p:cNvSpPr/>
-            <p:nvPr/>
-          </p:nvSpPr>
-          <p:spPr>
-            <a:xfrm>
-              <a:off x="3786769" y="5472731"/>
+            <p:cNvPr id="184" name="rc184"/>
+            <p:cNvSpPr/>
+            <p:nvPr/>
+          </p:nvSpPr>
+          <p:spPr>
+            <a:xfrm>
+              <a:off x="4607958" y="5472731"/>
               <a:ext cx="201456" cy="201456"/>
             </a:xfrm>
             <a:prstGeom prst="rect">
               <a:avLst/>
             </a:prstGeom>
             <a:solidFill>
-              <a:srgbClr val="FCBBA1">
+              <a:srgbClr val="FC9272">
                 <a:alpha val="100000"/>
               </a:srgbClr>
             </a:solidFill>
@@ -10158,14 +9932,14 @@
         </p:sp>
         <p:sp>
           <p:nvSpPr>
-            <p:cNvPr id="191" name="rc191"/>
-            <p:cNvSpPr/>
-            <p:nvPr/>
-          </p:nvSpPr>
-          <p:spPr>
-            <a:xfrm>
-              <a:off x="3777769" y="5683187"/>
-              <a:ext cx="219456" cy="219455"/>
+            <p:cNvPr id="185" name="rc185"/>
+            <p:cNvSpPr/>
+            <p:nvPr/>
+          </p:nvSpPr>
+          <p:spPr>
+            <a:xfrm>
+              <a:off x="4598958" y="5683187"/>
+              <a:ext cx="219455" cy="219455"/>
             </a:xfrm>
             <a:prstGeom prst="rect">
               <a:avLst/>
@@ -10184,20 +9958,20 @@
         </p:sp>
         <p:sp>
           <p:nvSpPr>
-            <p:cNvPr id="192" name="rc192"/>
-            <p:cNvSpPr/>
-            <p:nvPr/>
-          </p:nvSpPr>
-          <p:spPr>
-            <a:xfrm>
-              <a:off x="3786769" y="5692187"/>
+            <p:cNvPr id="186" name="rc186"/>
+            <p:cNvSpPr/>
+            <p:nvPr/>
+          </p:nvSpPr>
+          <p:spPr>
+            <a:xfrm>
+              <a:off x="4607958" y="5692187"/>
               <a:ext cx="201456" cy="201456"/>
             </a:xfrm>
             <a:prstGeom prst="rect">
               <a:avLst/>
             </a:prstGeom>
             <a:solidFill>
-              <a:srgbClr val="FC9272">
+              <a:srgbClr val="FB6A4A">
                 <a:alpha val="100000"/>
               </a:srgbClr>
             </a:solidFill>
@@ -10210,14 +9984,14 @@
         </p:sp>
         <p:sp>
           <p:nvSpPr>
-            <p:cNvPr id="193" name="rc193"/>
-            <p:cNvSpPr/>
-            <p:nvPr/>
-          </p:nvSpPr>
-          <p:spPr>
-            <a:xfrm>
-              <a:off x="4679786" y="5463731"/>
-              <a:ext cx="219456" cy="219455"/>
+            <p:cNvPr id="187" name="rc187"/>
+            <p:cNvSpPr/>
+            <p:nvPr/>
+          </p:nvSpPr>
+          <p:spPr>
+            <a:xfrm>
+              <a:off x="5500974" y="5463731"/>
+              <a:ext cx="219455" cy="219455"/>
             </a:xfrm>
             <a:prstGeom prst="rect">
               <a:avLst/>
@@ -10236,20 +10010,20 @@
         </p:sp>
         <p:sp>
           <p:nvSpPr>
-            <p:cNvPr id="194" name="rc194"/>
-            <p:cNvSpPr/>
-            <p:nvPr/>
-          </p:nvSpPr>
-          <p:spPr>
-            <a:xfrm>
-              <a:off x="4688786" y="5472731"/>
-              <a:ext cx="201455" cy="201456"/>
+            <p:cNvPr id="188" name="rc188"/>
+            <p:cNvSpPr/>
+            <p:nvPr/>
+          </p:nvSpPr>
+          <p:spPr>
+            <a:xfrm>
+              <a:off x="5509974" y="5472731"/>
+              <a:ext cx="201456" cy="201456"/>
             </a:xfrm>
             <a:prstGeom prst="rect">
               <a:avLst/>
             </a:prstGeom>
             <a:solidFill>
-              <a:srgbClr val="FB6A4A">
+              <a:srgbClr val="EF3B2C">
                 <a:alpha val="100000"/>
               </a:srgbClr>
             </a:solidFill>
@@ -10262,14 +10036,14 @@
         </p:sp>
         <p:sp>
           <p:nvSpPr>
-            <p:cNvPr id="195" name="rc195"/>
-            <p:cNvSpPr/>
-            <p:nvPr/>
-          </p:nvSpPr>
-          <p:spPr>
-            <a:xfrm>
-              <a:off x="4679786" y="5683187"/>
-              <a:ext cx="219456" cy="219455"/>
+            <p:cNvPr id="189" name="rc189"/>
+            <p:cNvSpPr/>
+            <p:nvPr/>
+          </p:nvSpPr>
+          <p:spPr>
+            <a:xfrm>
+              <a:off x="5500974" y="5683187"/>
+              <a:ext cx="219455" cy="219455"/>
             </a:xfrm>
             <a:prstGeom prst="rect">
               <a:avLst/>
@@ -10288,20 +10062,20 @@
         </p:sp>
         <p:sp>
           <p:nvSpPr>
-            <p:cNvPr id="196" name="rc196"/>
-            <p:cNvSpPr/>
-            <p:nvPr/>
-          </p:nvSpPr>
-          <p:spPr>
-            <a:xfrm>
-              <a:off x="4688786" y="5692187"/>
-              <a:ext cx="201455" cy="201456"/>
+            <p:cNvPr id="190" name="rc190"/>
+            <p:cNvSpPr/>
+            <p:nvPr/>
+          </p:nvSpPr>
+          <p:spPr>
+            <a:xfrm>
+              <a:off x="5509974" y="5692187"/>
+              <a:ext cx="201456" cy="201456"/>
             </a:xfrm>
             <a:prstGeom prst="rect">
               <a:avLst/>
             </a:prstGeom>
             <a:solidFill>
-              <a:srgbClr val="EF3B2C">
+              <a:srgbClr val="CB181D">
                 <a:alpha val="100000"/>
               </a:srgbClr>
             </a:solidFill>
@@ -10314,13 +10088,13 @@
         </p:sp>
         <p:sp>
           <p:nvSpPr>
-            <p:cNvPr id="197" name="rc197"/>
-            <p:cNvSpPr/>
-            <p:nvPr/>
-          </p:nvSpPr>
-          <p:spPr>
-            <a:xfrm>
-              <a:off x="5581802" y="5463731"/>
+            <p:cNvPr id="191" name="rc191"/>
+            <p:cNvSpPr/>
+            <p:nvPr/>
+          </p:nvSpPr>
+          <p:spPr>
+            <a:xfrm>
+              <a:off x="6402990" y="5463731"/>
               <a:ext cx="219455" cy="219455"/>
             </a:xfrm>
             <a:prstGeom prst="rect">
@@ -10340,65 +10114,13 @@
         </p:sp>
         <p:sp>
           <p:nvSpPr>
-            <p:cNvPr id="198" name="rc198"/>
-            <p:cNvSpPr/>
-            <p:nvPr/>
-          </p:nvSpPr>
-          <p:spPr>
-            <a:xfrm>
-              <a:off x="5590802" y="5472731"/>
-              <a:ext cx="201456" cy="201456"/>
-            </a:xfrm>
-            <a:prstGeom prst="rect">
-              <a:avLst/>
-            </a:prstGeom>
-            <a:solidFill>
-              <a:srgbClr val="CB181D">
-                <a:alpha val="100000"/>
-              </a:srgbClr>
-            </a:solidFill>
-          </p:spPr>
-          <p:txBody>
-            <a:bodyPr/>
-            <a:lstStyle/>
-            <a:p/>
-          </p:txBody>
-        </p:sp>
-        <p:sp>
-          <p:nvSpPr>
-            <p:cNvPr id="199" name="rc199"/>
-            <p:cNvSpPr/>
-            <p:nvPr/>
-          </p:nvSpPr>
-          <p:spPr>
-            <a:xfrm>
-              <a:off x="5581802" y="5683187"/>
-              <a:ext cx="219455" cy="219455"/>
-            </a:xfrm>
-            <a:prstGeom prst="rect">
-              <a:avLst/>
-            </a:prstGeom>
-            <a:solidFill>
-              <a:srgbClr val="FFFFFF">
-                <a:alpha val="100000"/>
-              </a:srgbClr>
-            </a:solidFill>
-          </p:spPr>
-          <p:txBody>
-            <a:bodyPr/>
-            <a:lstStyle/>
-            <a:p/>
-          </p:txBody>
-        </p:sp>
-        <p:sp>
-          <p:nvSpPr>
-            <p:cNvPr id="200" name="rc200"/>
-            <p:cNvSpPr/>
-            <p:nvPr/>
-          </p:nvSpPr>
-          <p:spPr>
-            <a:xfrm>
-              <a:off x="5590802" y="5692187"/>
+            <p:cNvPr id="192" name="rc192"/>
+            <p:cNvSpPr/>
+            <p:nvPr/>
+          </p:nvSpPr>
+          <p:spPr>
+            <a:xfrm>
+              <a:off x="6411990" y="5472731"/>
               <a:ext cx="201456" cy="201456"/>
             </a:xfrm>
             <a:prstGeom prst="rect">
@@ -10418,13 +10140,13 @@
         </p:sp>
         <p:sp>
           <p:nvSpPr>
-            <p:cNvPr id="201" name="tx201"/>
-            <p:cNvSpPr/>
-            <p:nvPr/>
-          </p:nvSpPr>
-          <p:spPr>
-            <a:xfrm>
-              <a:off x="3291900" y="5531767"/>
+            <p:cNvPr id="193" name="tx193"/>
+            <p:cNvSpPr/>
+            <p:nvPr/>
+          </p:nvSpPr>
+          <p:spPr>
+            <a:xfrm>
+              <a:off x="4113088" y="5531767"/>
               <a:ext cx="269468" cy="81691"/>
             </a:xfrm>
             <a:prstGeom prst="rect">
@@ -10464,13 +10186,13 @@
         </p:sp>
         <p:sp>
           <p:nvSpPr>
-            <p:cNvPr id="202" name="tx202"/>
-            <p:cNvSpPr/>
-            <p:nvPr/>
-          </p:nvSpPr>
-          <p:spPr>
-            <a:xfrm>
-              <a:off x="3291900" y="5751223"/>
+            <p:cNvPr id="194" name="tx194"/>
+            <p:cNvSpPr/>
+            <p:nvPr/>
+          </p:nvSpPr>
+          <p:spPr>
+            <a:xfrm>
+              <a:off x="4113088" y="5751223"/>
               <a:ext cx="393779" cy="81691"/>
             </a:xfrm>
             <a:prstGeom prst="rect">
@@ -10510,13 +10232,13 @@
         </p:sp>
         <p:sp>
           <p:nvSpPr>
-            <p:cNvPr id="203" name="tx203"/>
-            <p:cNvSpPr/>
-            <p:nvPr/>
-          </p:nvSpPr>
-          <p:spPr>
-            <a:xfrm>
-              <a:off x="4066814" y="5531767"/>
+            <p:cNvPr id="195" name="tx195"/>
+            <p:cNvSpPr/>
+            <p:nvPr/>
+          </p:nvSpPr>
+          <p:spPr>
+            <a:xfrm>
+              <a:off x="4888003" y="5531767"/>
               <a:ext cx="369659" cy="81691"/>
             </a:xfrm>
             <a:prstGeom prst="rect">
@@ -10556,13 +10278,13 @@
         </p:sp>
         <p:sp>
           <p:nvSpPr>
-            <p:cNvPr id="204" name="tx204"/>
-            <p:cNvSpPr/>
-            <p:nvPr/>
-          </p:nvSpPr>
-          <p:spPr>
-            <a:xfrm>
-              <a:off x="4066814" y="5751169"/>
+            <p:cNvPr id="196" name="tx196"/>
+            <p:cNvSpPr/>
+            <p:nvPr/>
+          </p:nvSpPr>
+          <p:spPr>
+            <a:xfrm>
+              <a:off x="4888003" y="5751169"/>
               <a:ext cx="493970" cy="81746"/>
             </a:xfrm>
             <a:prstGeom prst="rect">
@@ -10602,13 +10324,13 @@
         </p:sp>
         <p:sp>
           <p:nvSpPr>
-            <p:cNvPr id="205" name="tx205"/>
-            <p:cNvSpPr/>
-            <p:nvPr/>
-          </p:nvSpPr>
-          <p:spPr>
-            <a:xfrm>
-              <a:off x="4968831" y="5531713"/>
+            <p:cNvPr id="197" name="tx197"/>
+            <p:cNvSpPr/>
+            <p:nvPr/>
+          </p:nvSpPr>
+          <p:spPr>
+            <a:xfrm>
+              <a:off x="5790019" y="5531713"/>
               <a:ext cx="493970" cy="81746"/>
             </a:xfrm>
             <a:prstGeom prst="rect">
@@ -10648,13 +10370,13 @@
         </p:sp>
         <p:sp>
           <p:nvSpPr>
-            <p:cNvPr id="206" name="tx206"/>
-            <p:cNvSpPr/>
-            <p:nvPr/>
-          </p:nvSpPr>
-          <p:spPr>
-            <a:xfrm>
-              <a:off x="4968831" y="5751223"/>
+            <p:cNvPr id="198" name="tx198"/>
+            <p:cNvSpPr/>
+            <p:nvPr/>
+          </p:nvSpPr>
+          <p:spPr>
+            <a:xfrm>
+              <a:off x="5790019" y="5751223"/>
               <a:ext cx="431814" cy="81691"/>
             </a:xfrm>
             <a:prstGeom prst="rect">
@@ -10694,13 +10416,13 @@
         </p:sp>
         <p:sp>
           <p:nvSpPr>
-            <p:cNvPr id="207" name="tx207"/>
-            <p:cNvSpPr/>
-            <p:nvPr/>
-          </p:nvSpPr>
-          <p:spPr>
-            <a:xfrm>
-              <a:off x="5870847" y="5531767"/>
+            <p:cNvPr id="199" name="tx199"/>
+            <p:cNvSpPr/>
+            <p:nvPr/>
+          </p:nvSpPr>
+          <p:spPr>
+            <a:xfrm>
+              <a:off x="6692035" y="5531767"/>
               <a:ext cx="556126" cy="81691"/>
             </a:xfrm>
             <a:prstGeom prst="rect">
@@ -10734,52 +10456,6 @@
                   <a:cs typeface="Arial"/>
                 </a:rPr>
                 <a:t>500-1000亿</a:t>
-              </a:r>
-            </a:p>
-          </p:txBody>
-        </p:sp>
-        <p:sp>
-          <p:nvSpPr>
-            <p:cNvPr id="208" name="tx208"/>
-            <p:cNvSpPr/>
-            <p:nvPr/>
-          </p:nvSpPr>
-          <p:spPr>
-            <a:xfrm>
-              <a:off x="5870847" y="5750187"/>
-              <a:ext cx="2157546" cy="82728"/>
-            </a:xfrm>
-            <a:prstGeom prst="rect">
-              <a:avLst/>
-            </a:prstGeom>
-            <a:noFill/>
-          </p:spPr>
-          <p:txBody>
-            <a:bodyPr lIns="0" rIns="0" tIns="0" bIns="0" anchorCtr="1" anchor="ctr" wrap="none"/>
-            <a:lstStyle/>
-            <a:p>
-              <a:pPr algn="l" marL="0" marR="0" indent="0">
-                <a:lnSpc>
-                  <a:spcPts val="880"/>
-                </a:lnSpc>
-                <a:spcBef>
-                  <a:spcPts val="0"/>
-                </a:spcBef>
-                <a:spcAft>
-                  <a:spcPts val="0"/>
-                </a:spcAft>
-              </a:pPr>
-              <a:r>
-                <a:rPr sz="880">
-                  <a:solidFill>
-                    <a:srgbClr val="000000">
-                      <a:alpha val="100000"/>
-                    </a:srgbClr>
-                  </a:solidFill>
-                  <a:latin typeface="Arial"/>
-                  <a:cs typeface="Arial"/>
-                </a:rPr>
-                <a:t>基于人体临床随机对照试验（RCT）实际起效的菌数而定</a:t>
               </a:r>
             </a:p>
           </p:txBody>
